--- a/ppt_framework_development.pptx
+++ b/ppt_framework_development.pptx
@@ -7,7 +7,8 @@
   <p:sldIdLst>
     <p:sldId id="256" r:id="rId2"/>
     <p:sldId id="301" r:id="rId3"/>
-    <p:sldId id="302" r:id="rId4"/>
+    <p:sldId id="303" r:id="rId4"/>
+    <p:sldId id="302" r:id="rId5"/>
   </p:sldIdLst>
   <p:sldSz cx="12192000" cy="6858000"/>
   <p:notesSz cx="6858000" cy="9144000"/>
@@ -106,6 +107,11 @@
       </a:defRPr>
     </a:lvl9pPr>
   </p:defaultTextStyle>
+  <p:extLst>
+    <p:ext uri="{EFAFB233-063F-42B5-8137-9DF3F51BA10A}">
+      <p15:sldGuideLst xmlns:p15="http://schemas.microsoft.com/office/powerpoint/2012/main"/>
+    </p:ext>
+  </p:extLst>
 </p:presentation>
 </file>
 
@@ -256,7 +262,7 @@
           <a:p>
             <a:fld id="{FF54DEC8-C894-4AC5-953F-8FB9825CC77C}" type="datetimeFigureOut">
               <a:rPr lang="en-US" smtClean="0"/>
-              <a:t>4/29/2019</a:t>
+              <a:t>11/28/22</a:t>
             </a:fld>
             <a:endParaRPr lang="en-US"/>
           </a:p>
@@ -454,7 +460,7 @@
           <a:p>
             <a:fld id="{FF54DEC8-C894-4AC5-953F-8FB9825CC77C}" type="datetimeFigureOut">
               <a:rPr lang="en-US" smtClean="0"/>
-              <a:t>4/29/2019</a:t>
+              <a:t>11/28/22</a:t>
             </a:fld>
             <a:endParaRPr lang="en-US"/>
           </a:p>
@@ -662,7 +668,7 @@
           <a:p>
             <a:fld id="{FF54DEC8-C894-4AC5-953F-8FB9825CC77C}" type="datetimeFigureOut">
               <a:rPr lang="en-US" smtClean="0"/>
-              <a:t>4/29/2019</a:t>
+              <a:t>11/28/22</a:t>
             </a:fld>
             <a:endParaRPr lang="en-US"/>
           </a:p>
@@ -860,7 +866,7 @@
           <a:p>
             <a:fld id="{FF54DEC8-C894-4AC5-953F-8FB9825CC77C}" type="datetimeFigureOut">
               <a:rPr lang="en-US" smtClean="0"/>
-              <a:t>4/29/2019</a:t>
+              <a:t>11/28/22</a:t>
             </a:fld>
             <a:endParaRPr lang="en-US"/>
           </a:p>
@@ -1135,7 +1141,7 @@
           <a:p>
             <a:fld id="{FF54DEC8-C894-4AC5-953F-8FB9825CC77C}" type="datetimeFigureOut">
               <a:rPr lang="en-US" smtClean="0"/>
-              <a:t>4/29/2019</a:t>
+              <a:t>11/28/22</a:t>
             </a:fld>
             <a:endParaRPr lang="en-US"/>
           </a:p>
@@ -1400,7 +1406,7 @@
           <a:p>
             <a:fld id="{FF54DEC8-C894-4AC5-953F-8FB9825CC77C}" type="datetimeFigureOut">
               <a:rPr lang="en-US" smtClean="0"/>
-              <a:t>4/29/2019</a:t>
+              <a:t>11/28/22</a:t>
             </a:fld>
             <a:endParaRPr lang="en-US"/>
           </a:p>
@@ -1812,7 +1818,7 @@
           <a:p>
             <a:fld id="{FF54DEC8-C894-4AC5-953F-8FB9825CC77C}" type="datetimeFigureOut">
               <a:rPr lang="en-US" smtClean="0"/>
-              <a:t>4/29/2019</a:t>
+              <a:t>11/28/22</a:t>
             </a:fld>
             <a:endParaRPr lang="en-US"/>
           </a:p>
@@ -1953,7 +1959,7 @@
           <a:p>
             <a:fld id="{FF54DEC8-C894-4AC5-953F-8FB9825CC77C}" type="datetimeFigureOut">
               <a:rPr lang="en-US" smtClean="0"/>
-              <a:t>4/29/2019</a:t>
+              <a:t>11/28/22</a:t>
             </a:fld>
             <a:endParaRPr lang="en-US"/>
           </a:p>
@@ -2066,7 +2072,7 @@
           <a:p>
             <a:fld id="{FF54DEC8-C894-4AC5-953F-8FB9825CC77C}" type="datetimeFigureOut">
               <a:rPr lang="en-US" smtClean="0"/>
-              <a:t>4/29/2019</a:t>
+              <a:t>11/28/22</a:t>
             </a:fld>
             <a:endParaRPr lang="en-US"/>
           </a:p>
@@ -2377,7 +2383,7 @@
           <a:p>
             <a:fld id="{FF54DEC8-C894-4AC5-953F-8FB9825CC77C}" type="datetimeFigureOut">
               <a:rPr lang="en-US" smtClean="0"/>
-              <a:t>4/29/2019</a:t>
+              <a:t>11/28/22</a:t>
             </a:fld>
             <a:endParaRPr lang="en-US"/>
           </a:p>
@@ -2665,7 +2671,7 @@
           <a:p>
             <a:fld id="{FF54DEC8-C894-4AC5-953F-8FB9825CC77C}" type="datetimeFigureOut">
               <a:rPr lang="en-US" smtClean="0"/>
-              <a:t>4/29/2019</a:t>
+              <a:t>11/28/22</a:t>
             </a:fld>
             <a:endParaRPr lang="en-US"/>
           </a:p>
@@ -2906,7 +2912,7 @@
           <a:p>
             <a:fld id="{FF54DEC8-C894-4AC5-953F-8FB9825CC77C}" type="datetimeFigureOut">
               <a:rPr lang="en-US" smtClean="0"/>
-              <a:t>4/29/2019</a:t>
+              <a:t>11/28/22</a:t>
             </a:fld>
             <a:endParaRPr lang="en-US"/>
           </a:p>
@@ -5677,6 +5683,2288 @@
           <a:chExt cx="0" cy="0"/>
         </a:xfrm>
       </p:grpSpPr>
+      <p:sp>
+        <p:nvSpPr>
+          <p:cNvPr id="4" name="Oval 3">
+            <a:extLst>
+              <a:ext uri="{FF2B5EF4-FFF2-40B4-BE49-F238E27FC236}">
+                <a16:creationId xmlns:a16="http://schemas.microsoft.com/office/drawing/2014/main" id="{AC984C56-788C-43C8-9C93-259B7650F7B9}"/>
+              </a:ext>
+            </a:extLst>
+          </p:cNvPr>
+          <p:cNvSpPr/>
+          <p:nvPr/>
+        </p:nvSpPr>
+        <p:spPr>
+          <a:xfrm>
+            <a:off x="209549" y="695325"/>
+            <a:ext cx="1685925" cy="1238250"/>
+          </a:xfrm>
+          <a:prstGeom prst="ellipse">
+            <a:avLst/>
+          </a:prstGeom>
+          <a:solidFill>
+            <a:srgbClr val="260FAF"/>
+          </a:solidFill>
+        </p:spPr>
+        <p:style>
+          <a:lnRef idx="2">
+            <a:schemeClr val="accent1">
+              <a:shade val="50000"/>
+            </a:schemeClr>
+          </a:lnRef>
+          <a:fillRef idx="1">
+            <a:schemeClr val="accent1"/>
+          </a:fillRef>
+          <a:effectRef idx="0">
+            <a:schemeClr val="accent1"/>
+          </a:effectRef>
+          <a:fontRef idx="minor">
+            <a:schemeClr val="lt1"/>
+          </a:fontRef>
+        </p:style>
+        <p:txBody>
+          <a:bodyPr rtlCol="0" anchor="ctr"/>
+          <a:lstStyle/>
+          <a:p>
+            <a:pPr algn="ctr"/>
+            <a:endParaRPr lang="en-US"/>
+          </a:p>
+        </p:txBody>
+      </p:sp>
+      <p:sp>
+        <p:nvSpPr>
+          <p:cNvPr id="5" name="TextBox 4">
+            <a:extLst>
+              <a:ext uri="{FF2B5EF4-FFF2-40B4-BE49-F238E27FC236}">
+                <a16:creationId xmlns:a16="http://schemas.microsoft.com/office/drawing/2014/main" id="{0A93330E-F92C-46C4-83C3-92CDFED639AC}"/>
+              </a:ext>
+            </a:extLst>
+          </p:cNvPr>
+          <p:cNvSpPr txBox="1"/>
+          <p:nvPr/>
+        </p:nvSpPr>
+        <p:spPr>
+          <a:xfrm>
+            <a:off x="423861" y="1129784"/>
+            <a:ext cx="1257300" cy="369332"/>
+          </a:xfrm>
+          <a:prstGeom prst="rect">
+            <a:avLst/>
+          </a:prstGeom>
+          <a:noFill/>
+        </p:spPr>
+        <p:txBody>
+          <a:bodyPr wrap="square" rtlCol="0">
+            <a:spAutoFit/>
+          </a:bodyPr>
+          <a:lstStyle/>
+          <a:p>
+            <a:r>
+              <a:rPr lang="en-US" b="1" dirty="0">
+                <a:solidFill>
+                  <a:schemeClr val="bg1"/>
+                </a:solidFill>
+              </a:rPr>
+              <a:t>population</a:t>
+            </a:r>
+          </a:p>
+        </p:txBody>
+      </p:sp>
+      <p:sp>
+        <p:nvSpPr>
+          <p:cNvPr id="6" name="Rectangle 5">
+            <a:extLst>
+              <a:ext uri="{FF2B5EF4-FFF2-40B4-BE49-F238E27FC236}">
+                <a16:creationId xmlns:a16="http://schemas.microsoft.com/office/drawing/2014/main" id="{36ECF4D3-F4B6-4207-BCAF-9FDC10462DA2}"/>
+              </a:ext>
+            </a:extLst>
+          </p:cNvPr>
+          <p:cNvSpPr/>
+          <p:nvPr/>
+        </p:nvSpPr>
+        <p:spPr>
+          <a:xfrm>
+            <a:off x="2700337" y="981075"/>
+            <a:ext cx="1352550" cy="666750"/>
+          </a:xfrm>
+          <a:prstGeom prst="rect">
+            <a:avLst/>
+          </a:prstGeom>
+          <a:solidFill>
+            <a:srgbClr val="260FAF"/>
+          </a:solidFill>
+        </p:spPr>
+        <p:style>
+          <a:lnRef idx="2">
+            <a:schemeClr val="accent1">
+              <a:shade val="50000"/>
+            </a:schemeClr>
+          </a:lnRef>
+          <a:fillRef idx="1">
+            <a:schemeClr val="accent1"/>
+          </a:fillRef>
+          <a:effectRef idx="0">
+            <a:schemeClr val="accent1"/>
+          </a:effectRef>
+          <a:fontRef idx="minor">
+            <a:schemeClr val="lt1"/>
+          </a:fontRef>
+        </p:style>
+        <p:txBody>
+          <a:bodyPr rtlCol="0" anchor="ctr"/>
+          <a:lstStyle/>
+          <a:p>
+            <a:pPr algn="ctr"/>
+            <a:endParaRPr lang="en-US"/>
+          </a:p>
+        </p:txBody>
+      </p:sp>
+      <p:sp>
+        <p:nvSpPr>
+          <p:cNvPr id="7" name="TextBox 6">
+            <a:extLst>
+              <a:ext uri="{FF2B5EF4-FFF2-40B4-BE49-F238E27FC236}">
+                <a16:creationId xmlns:a16="http://schemas.microsoft.com/office/drawing/2014/main" id="{64D48CD1-B772-4F7D-B4C9-4510AD901345}"/>
+              </a:ext>
+            </a:extLst>
+          </p:cNvPr>
+          <p:cNvSpPr txBox="1"/>
+          <p:nvPr/>
+        </p:nvSpPr>
+        <p:spPr>
+          <a:xfrm>
+            <a:off x="2905125" y="981075"/>
+            <a:ext cx="1076325" cy="646331"/>
+          </a:xfrm>
+          <a:prstGeom prst="rect">
+            <a:avLst/>
+          </a:prstGeom>
+          <a:noFill/>
+        </p:spPr>
+        <p:txBody>
+          <a:bodyPr wrap="square" rtlCol="0">
+            <a:spAutoFit/>
+          </a:bodyPr>
+          <a:lstStyle/>
+          <a:p>
+            <a:r>
+              <a:rPr lang="en-US" b="1" dirty="0">
+                <a:solidFill>
+                  <a:schemeClr val="bg1"/>
+                </a:solidFill>
+              </a:rPr>
+              <a:t>observed sample</a:t>
+            </a:r>
+          </a:p>
+        </p:txBody>
+      </p:sp>
+      <p:sp>
+        <p:nvSpPr>
+          <p:cNvPr id="8" name="Rectangle 7">
+            <a:extLst>
+              <a:ext uri="{FF2B5EF4-FFF2-40B4-BE49-F238E27FC236}">
+                <a16:creationId xmlns:a16="http://schemas.microsoft.com/office/drawing/2014/main" id="{1FA45961-0BF3-4BE2-89A5-9536CC949E61}"/>
+              </a:ext>
+            </a:extLst>
+          </p:cNvPr>
+          <p:cNvSpPr/>
+          <p:nvPr/>
+        </p:nvSpPr>
+        <p:spPr>
+          <a:xfrm>
+            <a:off x="2700337" y="2224085"/>
+            <a:ext cx="1352550" cy="676275"/>
+          </a:xfrm>
+          <a:prstGeom prst="rect">
+            <a:avLst/>
+          </a:prstGeom>
+          <a:solidFill>
+            <a:schemeClr val="accent1">
+              <a:lumMod val="40000"/>
+              <a:lumOff val="60000"/>
+            </a:schemeClr>
+          </a:solidFill>
+          <a:ln>
+            <a:solidFill>
+              <a:schemeClr val="accent5">
+                <a:lumMod val="60000"/>
+                <a:lumOff val="40000"/>
+              </a:schemeClr>
+            </a:solidFill>
+          </a:ln>
+        </p:spPr>
+        <p:style>
+          <a:lnRef idx="2">
+            <a:schemeClr val="accent1">
+              <a:shade val="50000"/>
+            </a:schemeClr>
+          </a:lnRef>
+          <a:fillRef idx="1">
+            <a:schemeClr val="accent1"/>
+          </a:fillRef>
+          <a:effectRef idx="0">
+            <a:schemeClr val="accent1"/>
+          </a:effectRef>
+          <a:fontRef idx="minor">
+            <a:schemeClr val="lt1"/>
+          </a:fontRef>
+        </p:style>
+        <p:txBody>
+          <a:bodyPr rtlCol="0" anchor="ctr"/>
+          <a:lstStyle/>
+          <a:p>
+            <a:pPr algn="ctr"/>
+            <a:endParaRPr lang="en-US"/>
+          </a:p>
+        </p:txBody>
+      </p:sp>
+      <p:sp>
+        <p:nvSpPr>
+          <p:cNvPr id="9" name="TextBox 8">
+            <a:extLst>
+              <a:ext uri="{FF2B5EF4-FFF2-40B4-BE49-F238E27FC236}">
+                <a16:creationId xmlns:a16="http://schemas.microsoft.com/office/drawing/2014/main" id="{6033A433-CCF4-4212-9658-02CC71F4773E}"/>
+              </a:ext>
+            </a:extLst>
+          </p:cNvPr>
+          <p:cNvSpPr txBox="1"/>
+          <p:nvPr/>
+        </p:nvSpPr>
+        <p:spPr>
+          <a:xfrm>
+            <a:off x="2767012" y="2254029"/>
+            <a:ext cx="1352550" cy="646331"/>
+          </a:xfrm>
+          <a:prstGeom prst="rect">
+            <a:avLst/>
+          </a:prstGeom>
+          <a:noFill/>
+        </p:spPr>
+        <p:txBody>
+          <a:bodyPr wrap="square" rtlCol="0">
+            <a:spAutoFit/>
+          </a:bodyPr>
+          <a:lstStyle/>
+          <a:p>
+            <a:r>
+              <a:rPr lang="en-US" b="1" dirty="0"/>
+              <a:t>simulated time series</a:t>
+            </a:r>
+          </a:p>
+        </p:txBody>
+      </p:sp>
+      <p:cxnSp>
+        <p:nvCxnSpPr>
+          <p:cNvPr id="11" name="Straight Arrow Connector 10">
+            <a:extLst>
+              <a:ext uri="{FF2B5EF4-FFF2-40B4-BE49-F238E27FC236}">
+                <a16:creationId xmlns:a16="http://schemas.microsoft.com/office/drawing/2014/main" id="{E83F0871-22DD-4597-9F9A-7CB389DE8363}"/>
+              </a:ext>
+            </a:extLst>
+          </p:cNvPr>
+          <p:cNvCxnSpPr>
+            <a:stCxn id="4" idx="6"/>
+            <a:endCxn id="6" idx="1"/>
+          </p:cNvCxnSpPr>
+          <p:nvPr/>
+        </p:nvCxnSpPr>
+        <p:spPr>
+          <a:xfrm>
+            <a:off x="1895474" y="1314450"/>
+            <a:ext cx="804863" cy="0"/>
+          </a:xfrm>
+          <a:prstGeom prst="straightConnector1">
+            <a:avLst/>
+          </a:prstGeom>
+          <a:ln w="38100">
+            <a:solidFill>
+              <a:srgbClr val="260FAF"/>
+            </a:solidFill>
+            <a:tailEnd type="triangle"/>
+          </a:ln>
+        </p:spPr>
+        <p:style>
+          <a:lnRef idx="1">
+            <a:schemeClr val="accent1"/>
+          </a:lnRef>
+          <a:fillRef idx="0">
+            <a:schemeClr val="accent1"/>
+          </a:fillRef>
+          <a:effectRef idx="0">
+            <a:schemeClr val="accent1"/>
+          </a:effectRef>
+          <a:fontRef idx="minor">
+            <a:schemeClr val="tx1"/>
+          </a:fontRef>
+        </p:style>
+      </p:cxnSp>
+      <p:cxnSp>
+        <p:nvCxnSpPr>
+          <p:cNvPr id="13" name="Straight Arrow Connector 12">
+            <a:extLst>
+              <a:ext uri="{FF2B5EF4-FFF2-40B4-BE49-F238E27FC236}">
+                <a16:creationId xmlns:a16="http://schemas.microsoft.com/office/drawing/2014/main" id="{1FB94464-77A9-4EF1-B057-5ECCA1AF0B5E}"/>
+              </a:ext>
+            </a:extLst>
+          </p:cNvPr>
+          <p:cNvCxnSpPr>
+            <a:cxnSpLocks/>
+          </p:cNvCxnSpPr>
+          <p:nvPr/>
+        </p:nvCxnSpPr>
+        <p:spPr>
+          <a:xfrm>
+            <a:off x="3319462" y="1647825"/>
+            <a:ext cx="0" cy="576260"/>
+          </a:xfrm>
+          <a:prstGeom prst="straightConnector1">
+            <a:avLst/>
+          </a:prstGeom>
+          <a:ln w="38100">
+            <a:solidFill>
+              <a:schemeClr val="accent5">
+                <a:lumMod val="60000"/>
+                <a:lumOff val="40000"/>
+              </a:schemeClr>
+            </a:solidFill>
+            <a:tailEnd type="triangle"/>
+          </a:ln>
+        </p:spPr>
+        <p:style>
+          <a:lnRef idx="1">
+            <a:schemeClr val="accent1"/>
+          </a:lnRef>
+          <a:fillRef idx="0">
+            <a:schemeClr val="accent1"/>
+          </a:fillRef>
+          <a:effectRef idx="0">
+            <a:schemeClr val="accent1"/>
+          </a:effectRef>
+          <a:fontRef idx="minor">
+            <a:schemeClr val="tx1"/>
+          </a:fontRef>
+        </p:style>
+      </p:cxnSp>
+      <p:sp>
+        <p:nvSpPr>
+          <p:cNvPr id="15" name="Rectangle 14">
+            <a:extLst>
+              <a:ext uri="{FF2B5EF4-FFF2-40B4-BE49-F238E27FC236}">
+                <a16:creationId xmlns:a16="http://schemas.microsoft.com/office/drawing/2014/main" id="{CF6531D8-364B-497F-BF4B-4BA458619475}"/>
+              </a:ext>
+            </a:extLst>
+          </p:cNvPr>
+          <p:cNvSpPr/>
+          <p:nvPr/>
+        </p:nvSpPr>
+        <p:spPr>
+          <a:xfrm>
+            <a:off x="2409825" y="542925"/>
+            <a:ext cx="1981200" cy="2771775"/>
+          </a:xfrm>
+          <a:prstGeom prst="rect">
+            <a:avLst/>
+          </a:prstGeom>
+          <a:noFill/>
+          <a:ln w="38100">
+            <a:solidFill>
+              <a:schemeClr val="accent5">
+                <a:lumMod val="60000"/>
+                <a:lumOff val="40000"/>
+              </a:schemeClr>
+            </a:solidFill>
+          </a:ln>
+        </p:spPr>
+        <p:style>
+          <a:lnRef idx="2">
+            <a:schemeClr val="accent1">
+              <a:shade val="50000"/>
+            </a:schemeClr>
+          </a:lnRef>
+          <a:fillRef idx="1">
+            <a:schemeClr val="accent1"/>
+          </a:fillRef>
+          <a:effectRef idx="0">
+            <a:schemeClr val="accent1"/>
+          </a:effectRef>
+          <a:fontRef idx="minor">
+            <a:schemeClr val="lt1"/>
+          </a:fontRef>
+        </p:style>
+        <p:txBody>
+          <a:bodyPr rtlCol="0" anchor="ctr"/>
+          <a:lstStyle/>
+          <a:p>
+            <a:pPr algn="ctr"/>
+            <a:endParaRPr lang="en-US" dirty="0"/>
+          </a:p>
+        </p:txBody>
+      </p:sp>
+      <p:cxnSp>
+        <p:nvCxnSpPr>
+          <p:cNvPr id="19" name="Straight Connector 18">
+            <a:extLst>
+              <a:ext uri="{FF2B5EF4-FFF2-40B4-BE49-F238E27FC236}">
+                <a16:creationId xmlns:a16="http://schemas.microsoft.com/office/drawing/2014/main" id="{76108B02-A23E-476B-90E1-1F7D9B23FBC0}"/>
+              </a:ext>
+            </a:extLst>
+          </p:cNvPr>
+          <p:cNvCxnSpPr>
+            <a:cxnSpLocks/>
+          </p:cNvCxnSpPr>
+          <p:nvPr/>
+        </p:nvCxnSpPr>
+        <p:spPr>
+          <a:xfrm flipV="1">
+            <a:off x="4387023" y="1696965"/>
+            <a:ext cx="419100" cy="1"/>
+          </a:xfrm>
+          <a:prstGeom prst="line">
+            <a:avLst/>
+          </a:prstGeom>
+          <a:ln w="38100">
+            <a:solidFill>
+              <a:srgbClr val="260FAF"/>
+            </a:solidFill>
+          </a:ln>
+        </p:spPr>
+        <p:style>
+          <a:lnRef idx="1">
+            <a:schemeClr val="accent1"/>
+          </a:lnRef>
+          <a:fillRef idx="0">
+            <a:schemeClr val="accent1"/>
+          </a:fillRef>
+          <a:effectRef idx="0">
+            <a:schemeClr val="accent1"/>
+          </a:effectRef>
+          <a:fontRef idx="minor">
+            <a:schemeClr val="tx1"/>
+          </a:fontRef>
+        </p:style>
+      </p:cxnSp>
+      <p:grpSp>
+        <p:nvGrpSpPr>
+          <p:cNvPr id="28" name="Group 27">
+            <a:extLst>
+              <a:ext uri="{FF2B5EF4-FFF2-40B4-BE49-F238E27FC236}">
+                <a16:creationId xmlns:a16="http://schemas.microsoft.com/office/drawing/2014/main" id="{9E5380D1-4914-4176-995D-96C589726A56}"/>
+              </a:ext>
+            </a:extLst>
+          </p:cNvPr>
+          <p:cNvGrpSpPr/>
+          <p:nvPr/>
+        </p:nvGrpSpPr>
+        <p:grpSpPr>
+          <a:xfrm>
+            <a:off x="4788691" y="758683"/>
+            <a:ext cx="331171" cy="1833121"/>
+            <a:chOff x="4795835" y="1058344"/>
+            <a:chExt cx="271464" cy="1763436"/>
+          </a:xfrm>
+        </p:grpSpPr>
+        <p:cxnSp>
+          <p:nvCxnSpPr>
+            <p:cNvPr id="17" name="Straight Connector 16">
+              <a:extLst>
+                <a:ext uri="{FF2B5EF4-FFF2-40B4-BE49-F238E27FC236}">
+                  <a16:creationId xmlns:a16="http://schemas.microsoft.com/office/drawing/2014/main" id="{B26C53E0-368E-488B-B114-8DE490611847}"/>
+                </a:ext>
+              </a:extLst>
+            </p:cNvPr>
+            <p:cNvCxnSpPr>
+              <a:cxnSpLocks/>
+            </p:cNvCxnSpPr>
+            <p:nvPr/>
+          </p:nvCxnSpPr>
+          <p:spPr>
+            <a:xfrm>
+              <a:off x="4810124" y="1058344"/>
+              <a:ext cx="0" cy="1763436"/>
+            </a:xfrm>
+            <a:prstGeom prst="line">
+              <a:avLst/>
+            </a:prstGeom>
+            <a:ln w="38100">
+              <a:solidFill>
+                <a:srgbClr val="260FAF"/>
+              </a:solidFill>
+            </a:ln>
+          </p:spPr>
+          <p:style>
+            <a:lnRef idx="1">
+              <a:schemeClr val="accent1"/>
+            </a:lnRef>
+            <a:fillRef idx="0">
+              <a:schemeClr val="accent1"/>
+            </a:fillRef>
+            <a:effectRef idx="0">
+              <a:schemeClr val="accent1"/>
+            </a:effectRef>
+            <a:fontRef idx="minor">
+              <a:schemeClr val="tx1"/>
+            </a:fontRef>
+          </p:style>
+        </p:cxnSp>
+        <p:cxnSp>
+          <p:nvCxnSpPr>
+            <p:cNvPr id="22" name="Straight Arrow Connector 21">
+              <a:extLst>
+                <a:ext uri="{FF2B5EF4-FFF2-40B4-BE49-F238E27FC236}">
+                  <a16:creationId xmlns:a16="http://schemas.microsoft.com/office/drawing/2014/main" id="{40226CEB-8B1F-46E9-934B-C424A344B283}"/>
+                </a:ext>
+              </a:extLst>
+            </p:cNvPr>
+            <p:cNvCxnSpPr/>
+            <p:nvPr/>
+          </p:nvCxnSpPr>
+          <p:spPr>
+            <a:xfrm>
+              <a:off x="4795835" y="1058344"/>
+              <a:ext cx="257175" cy="0"/>
+            </a:xfrm>
+            <a:prstGeom prst="straightConnector1">
+              <a:avLst/>
+            </a:prstGeom>
+            <a:ln w="38100">
+              <a:solidFill>
+                <a:srgbClr val="260FAF"/>
+              </a:solidFill>
+              <a:tailEnd type="triangle"/>
+            </a:ln>
+          </p:spPr>
+          <p:style>
+            <a:lnRef idx="1">
+              <a:schemeClr val="accent1"/>
+            </a:lnRef>
+            <a:fillRef idx="0">
+              <a:schemeClr val="accent1"/>
+            </a:fillRef>
+            <a:effectRef idx="0">
+              <a:schemeClr val="accent1"/>
+            </a:effectRef>
+            <a:fontRef idx="minor">
+              <a:schemeClr val="tx1"/>
+            </a:fontRef>
+          </p:style>
+        </p:cxnSp>
+        <p:cxnSp>
+          <p:nvCxnSpPr>
+            <p:cNvPr id="24" name="Straight Arrow Connector 23">
+              <a:extLst>
+                <a:ext uri="{FF2B5EF4-FFF2-40B4-BE49-F238E27FC236}">
+                  <a16:creationId xmlns:a16="http://schemas.microsoft.com/office/drawing/2014/main" id="{7BCC2817-EEC0-4756-BCA2-F751E85F21D1}"/>
+                </a:ext>
+              </a:extLst>
+            </p:cNvPr>
+            <p:cNvCxnSpPr/>
+            <p:nvPr/>
+          </p:nvCxnSpPr>
+          <p:spPr>
+            <a:xfrm>
+              <a:off x="4810124" y="2805110"/>
+              <a:ext cx="257175" cy="0"/>
+            </a:xfrm>
+            <a:prstGeom prst="straightConnector1">
+              <a:avLst/>
+            </a:prstGeom>
+            <a:ln w="38100">
+              <a:solidFill>
+                <a:srgbClr val="260FAF"/>
+              </a:solidFill>
+              <a:tailEnd type="triangle"/>
+            </a:ln>
+          </p:spPr>
+          <p:style>
+            <a:lnRef idx="1">
+              <a:schemeClr val="accent1"/>
+            </a:lnRef>
+            <a:fillRef idx="0">
+              <a:schemeClr val="accent1"/>
+            </a:fillRef>
+            <a:effectRef idx="0">
+              <a:schemeClr val="accent1"/>
+            </a:effectRef>
+            <a:fontRef idx="minor">
+              <a:schemeClr val="tx1"/>
+            </a:fontRef>
+          </p:style>
+        </p:cxnSp>
+      </p:grpSp>
+      <p:sp>
+        <p:nvSpPr>
+          <p:cNvPr id="29" name="Rectangle 28">
+            <a:extLst>
+              <a:ext uri="{FF2B5EF4-FFF2-40B4-BE49-F238E27FC236}">
+                <a16:creationId xmlns:a16="http://schemas.microsoft.com/office/drawing/2014/main" id="{8EBDE2B3-6487-4619-8517-FA6C1C1CAD23}"/>
+              </a:ext>
+            </a:extLst>
+          </p:cNvPr>
+          <p:cNvSpPr/>
+          <p:nvPr/>
+        </p:nvSpPr>
+        <p:spPr>
+          <a:xfrm>
+            <a:off x="5060154" y="401497"/>
+            <a:ext cx="1233490" cy="714375"/>
+          </a:xfrm>
+          <a:prstGeom prst="rect">
+            <a:avLst/>
+          </a:prstGeom>
+          <a:solidFill>
+            <a:srgbClr val="260FAF"/>
+          </a:solidFill>
+        </p:spPr>
+        <p:style>
+          <a:lnRef idx="2">
+            <a:schemeClr val="accent1">
+              <a:shade val="50000"/>
+            </a:schemeClr>
+          </a:lnRef>
+          <a:fillRef idx="1">
+            <a:schemeClr val="accent1"/>
+          </a:fillRef>
+          <a:effectRef idx="0">
+            <a:schemeClr val="accent1"/>
+          </a:effectRef>
+          <a:fontRef idx="minor">
+            <a:schemeClr val="lt1"/>
+          </a:fontRef>
+        </p:style>
+        <p:txBody>
+          <a:bodyPr rtlCol="0" anchor="ctr"/>
+          <a:lstStyle/>
+          <a:p>
+            <a:pPr algn="ctr"/>
+            <a:endParaRPr lang="en-US"/>
+          </a:p>
+        </p:txBody>
+      </p:sp>
+      <p:sp>
+        <p:nvSpPr>
+          <p:cNvPr id="30" name="Rectangle 29">
+            <a:extLst>
+              <a:ext uri="{FF2B5EF4-FFF2-40B4-BE49-F238E27FC236}">
+                <a16:creationId xmlns:a16="http://schemas.microsoft.com/office/drawing/2014/main" id="{2CC534C7-3E47-4540-9D7E-23CE4361E61D}"/>
+              </a:ext>
+            </a:extLst>
+          </p:cNvPr>
+          <p:cNvSpPr/>
+          <p:nvPr/>
+        </p:nvSpPr>
+        <p:spPr>
+          <a:xfrm>
+            <a:off x="5111285" y="2195921"/>
+            <a:ext cx="1219201" cy="733425"/>
+          </a:xfrm>
+          <a:prstGeom prst="rect">
+            <a:avLst/>
+          </a:prstGeom>
+          <a:solidFill>
+            <a:srgbClr val="260FAF"/>
+          </a:solidFill>
+        </p:spPr>
+        <p:style>
+          <a:lnRef idx="2">
+            <a:schemeClr val="accent1">
+              <a:shade val="50000"/>
+            </a:schemeClr>
+          </a:lnRef>
+          <a:fillRef idx="1">
+            <a:schemeClr val="accent1"/>
+          </a:fillRef>
+          <a:effectRef idx="0">
+            <a:schemeClr val="accent1"/>
+          </a:effectRef>
+          <a:fontRef idx="minor">
+            <a:schemeClr val="lt1"/>
+          </a:fontRef>
+        </p:style>
+        <p:txBody>
+          <a:bodyPr rtlCol="0" anchor="ctr"/>
+          <a:lstStyle/>
+          <a:p>
+            <a:pPr algn="ctr"/>
+            <a:endParaRPr lang="en-US"/>
+          </a:p>
+        </p:txBody>
+      </p:sp>
+      <p:sp>
+        <p:nvSpPr>
+          <p:cNvPr id="31" name="TextBox 30">
+            <a:extLst>
+              <a:ext uri="{FF2B5EF4-FFF2-40B4-BE49-F238E27FC236}">
+                <a16:creationId xmlns:a16="http://schemas.microsoft.com/office/drawing/2014/main" id="{87E101F8-CF55-42DF-8736-4C705C984809}"/>
+              </a:ext>
+            </a:extLst>
+          </p:cNvPr>
+          <p:cNvSpPr txBox="1"/>
+          <p:nvPr/>
+        </p:nvSpPr>
+        <p:spPr>
+          <a:xfrm>
+            <a:off x="5214940" y="427462"/>
+            <a:ext cx="981075" cy="646331"/>
+          </a:xfrm>
+          <a:prstGeom prst="rect">
+            <a:avLst/>
+          </a:prstGeom>
+          <a:noFill/>
+        </p:spPr>
+        <p:txBody>
+          <a:bodyPr wrap="square" rtlCol="0">
+            <a:spAutoFit/>
+          </a:bodyPr>
+          <a:lstStyle/>
+          <a:p>
+            <a:r>
+              <a:rPr lang="en-US" b="1" dirty="0">
+                <a:solidFill>
+                  <a:schemeClr val="bg1"/>
+                </a:solidFill>
+              </a:rPr>
+              <a:t>training period</a:t>
+            </a:r>
+          </a:p>
+        </p:txBody>
+      </p:sp>
+      <p:sp>
+        <p:nvSpPr>
+          <p:cNvPr id="32" name="TextBox 31">
+            <a:extLst>
+              <a:ext uri="{FF2B5EF4-FFF2-40B4-BE49-F238E27FC236}">
+                <a16:creationId xmlns:a16="http://schemas.microsoft.com/office/drawing/2014/main" id="{1AD650F8-63B8-4215-972F-090C8BD8649F}"/>
+              </a:ext>
+            </a:extLst>
+          </p:cNvPr>
+          <p:cNvSpPr txBox="1"/>
+          <p:nvPr/>
+        </p:nvSpPr>
+        <p:spPr>
+          <a:xfrm>
+            <a:off x="5256624" y="2244602"/>
+            <a:ext cx="981075" cy="646331"/>
+          </a:xfrm>
+          <a:prstGeom prst="rect">
+            <a:avLst/>
+          </a:prstGeom>
+          <a:noFill/>
+        </p:spPr>
+        <p:txBody>
+          <a:bodyPr wrap="square" rtlCol="0">
+            <a:spAutoFit/>
+          </a:bodyPr>
+          <a:lstStyle/>
+          <a:p>
+            <a:r>
+              <a:rPr lang="en-US" b="1" dirty="0">
+                <a:solidFill>
+                  <a:schemeClr val="bg1"/>
+                </a:solidFill>
+              </a:rPr>
+              <a:t>test period</a:t>
+            </a:r>
+          </a:p>
+        </p:txBody>
+      </p:sp>
+      <p:cxnSp>
+        <p:nvCxnSpPr>
+          <p:cNvPr id="34" name="Straight Arrow Connector 33">
+            <a:extLst>
+              <a:ext uri="{FF2B5EF4-FFF2-40B4-BE49-F238E27FC236}">
+                <a16:creationId xmlns:a16="http://schemas.microsoft.com/office/drawing/2014/main" id="{4FA4DA6A-4D66-42F9-8EE6-0521854F9404}"/>
+              </a:ext>
+            </a:extLst>
+          </p:cNvPr>
+          <p:cNvCxnSpPr>
+            <a:stCxn id="29" idx="3"/>
+          </p:cNvCxnSpPr>
+          <p:nvPr/>
+        </p:nvCxnSpPr>
+        <p:spPr>
+          <a:xfrm flipV="1">
+            <a:off x="6293644" y="758684"/>
+            <a:ext cx="619125" cy="1"/>
+          </a:xfrm>
+          <a:prstGeom prst="straightConnector1">
+            <a:avLst/>
+          </a:prstGeom>
+          <a:ln w="38100">
+            <a:solidFill>
+              <a:srgbClr val="260FAF"/>
+            </a:solidFill>
+            <a:tailEnd type="triangle"/>
+          </a:ln>
+        </p:spPr>
+        <p:style>
+          <a:lnRef idx="1">
+            <a:schemeClr val="accent1"/>
+          </a:lnRef>
+          <a:fillRef idx="0">
+            <a:schemeClr val="accent1"/>
+          </a:fillRef>
+          <a:effectRef idx="0">
+            <a:schemeClr val="accent1"/>
+          </a:effectRef>
+          <a:fontRef idx="minor">
+            <a:schemeClr val="tx1"/>
+          </a:fontRef>
+        </p:style>
+      </p:cxnSp>
+      <p:sp>
+        <p:nvSpPr>
+          <p:cNvPr id="35" name="Rectangle 34">
+            <a:extLst>
+              <a:ext uri="{FF2B5EF4-FFF2-40B4-BE49-F238E27FC236}">
+                <a16:creationId xmlns:a16="http://schemas.microsoft.com/office/drawing/2014/main" id="{935C2CE4-AF42-488B-9137-B92AF68D1704}"/>
+              </a:ext>
+            </a:extLst>
+          </p:cNvPr>
+          <p:cNvSpPr/>
+          <p:nvPr/>
+        </p:nvSpPr>
+        <p:spPr>
+          <a:xfrm>
+            <a:off x="6905625" y="428076"/>
+            <a:ext cx="1190625" cy="714375"/>
+          </a:xfrm>
+          <a:prstGeom prst="rect">
+            <a:avLst/>
+          </a:prstGeom>
+          <a:solidFill>
+            <a:srgbClr val="260FAF"/>
+          </a:solidFill>
+        </p:spPr>
+        <p:style>
+          <a:lnRef idx="2">
+            <a:schemeClr val="accent1">
+              <a:shade val="50000"/>
+            </a:schemeClr>
+          </a:lnRef>
+          <a:fillRef idx="1">
+            <a:schemeClr val="accent1"/>
+          </a:fillRef>
+          <a:effectRef idx="0">
+            <a:schemeClr val="accent1"/>
+          </a:effectRef>
+          <a:fontRef idx="minor">
+            <a:schemeClr val="lt1"/>
+          </a:fontRef>
+        </p:style>
+        <p:txBody>
+          <a:bodyPr rtlCol="0" anchor="ctr"/>
+          <a:lstStyle/>
+          <a:p>
+            <a:pPr algn="ctr"/>
+            <a:endParaRPr lang="en-US"/>
+          </a:p>
+        </p:txBody>
+      </p:sp>
+      <p:sp>
+        <p:nvSpPr>
+          <p:cNvPr id="36" name="TextBox 35">
+            <a:extLst>
+              <a:ext uri="{FF2B5EF4-FFF2-40B4-BE49-F238E27FC236}">
+                <a16:creationId xmlns:a16="http://schemas.microsoft.com/office/drawing/2014/main" id="{C5DDC802-3588-465C-8391-F3CAA288CF9C}"/>
+              </a:ext>
+            </a:extLst>
+          </p:cNvPr>
+          <p:cNvSpPr txBox="1"/>
+          <p:nvPr/>
+        </p:nvSpPr>
+        <p:spPr>
+          <a:xfrm>
+            <a:off x="7086600" y="478780"/>
+            <a:ext cx="1009650" cy="646331"/>
+          </a:xfrm>
+          <a:prstGeom prst="rect">
+            <a:avLst/>
+          </a:prstGeom>
+          <a:noFill/>
+        </p:spPr>
+        <p:txBody>
+          <a:bodyPr wrap="square" rtlCol="0">
+            <a:spAutoFit/>
+          </a:bodyPr>
+          <a:lstStyle/>
+          <a:p>
+            <a:r>
+              <a:rPr lang="en-US" b="1" dirty="0">
+                <a:solidFill>
+                  <a:schemeClr val="bg1"/>
+                </a:solidFill>
+              </a:rPr>
+              <a:t>input - features</a:t>
+            </a:r>
+          </a:p>
+        </p:txBody>
+      </p:sp>
+      <p:cxnSp>
+        <p:nvCxnSpPr>
+          <p:cNvPr id="38" name="Straight Arrow Connector 37">
+            <a:extLst>
+              <a:ext uri="{FF2B5EF4-FFF2-40B4-BE49-F238E27FC236}">
+                <a16:creationId xmlns:a16="http://schemas.microsoft.com/office/drawing/2014/main" id="{16A75D27-9A7F-4C00-8984-6A9FC9C33C0F}"/>
+              </a:ext>
+            </a:extLst>
+          </p:cNvPr>
+          <p:cNvCxnSpPr>
+            <a:cxnSpLocks/>
+            <a:stCxn id="30" idx="3"/>
+          </p:cNvCxnSpPr>
+          <p:nvPr/>
+        </p:nvCxnSpPr>
+        <p:spPr>
+          <a:xfrm flipV="1">
+            <a:off x="6330486" y="2554025"/>
+            <a:ext cx="348119" cy="8609"/>
+          </a:xfrm>
+          <a:prstGeom prst="straightConnector1">
+            <a:avLst/>
+          </a:prstGeom>
+          <a:ln w="38100">
+            <a:solidFill>
+              <a:srgbClr val="260FAF"/>
+            </a:solidFill>
+            <a:tailEnd type="triangle"/>
+          </a:ln>
+        </p:spPr>
+        <p:style>
+          <a:lnRef idx="1">
+            <a:schemeClr val="accent1"/>
+          </a:lnRef>
+          <a:fillRef idx="0">
+            <a:schemeClr val="accent1"/>
+          </a:fillRef>
+          <a:effectRef idx="0">
+            <a:schemeClr val="accent1"/>
+          </a:effectRef>
+          <a:fontRef idx="minor">
+            <a:schemeClr val="tx1"/>
+          </a:fontRef>
+        </p:style>
+      </p:cxnSp>
+      <p:sp>
+        <p:nvSpPr>
+          <p:cNvPr id="39" name="Rectangle 38">
+            <a:extLst>
+              <a:ext uri="{FF2B5EF4-FFF2-40B4-BE49-F238E27FC236}">
+                <a16:creationId xmlns:a16="http://schemas.microsoft.com/office/drawing/2014/main" id="{68D89314-568B-4D89-ABD8-10832AD70807}"/>
+              </a:ext>
+            </a:extLst>
+          </p:cNvPr>
+          <p:cNvSpPr/>
+          <p:nvPr/>
+        </p:nvSpPr>
+        <p:spPr>
+          <a:xfrm>
+            <a:off x="6716592" y="2219767"/>
+            <a:ext cx="1587449" cy="727684"/>
+          </a:xfrm>
+          <a:prstGeom prst="rect">
+            <a:avLst/>
+          </a:prstGeom>
+          <a:solidFill>
+            <a:srgbClr val="260FAF"/>
+          </a:solidFill>
+        </p:spPr>
+        <p:style>
+          <a:lnRef idx="2">
+            <a:schemeClr val="accent1">
+              <a:shade val="50000"/>
+            </a:schemeClr>
+          </a:lnRef>
+          <a:fillRef idx="1">
+            <a:schemeClr val="accent1"/>
+          </a:fillRef>
+          <a:effectRef idx="0">
+            <a:schemeClr val="accent1"/>
+          </a:effectRef>
+          <a:fontRef idx="minor">
+            <a:schemeClr val="lt1"/>
+          </a:fontRef>
+        </p:style>
+        <p:txBody>
+          <a:bodyPr rtlCol="0" anchor="ctr"/>
+          <a:lstStyle/>
+          <a:p>
+            <a:pPr algn="ctr"/>
+            <a:endParaRPr lang="en-US"/>
+          </a:p>
+        </p:txBody>
+      </p:sp>
+      <p:sp>
+        <p:nvSpPr>
+          <p:cNvPr id="41" name="Oval 40">
+            <a:extLst>
+              <a:ext uri="{FF2B5EF4-FFF2-40B4-BE49-F238E27FC236}">
+                <a16:creationId xmlns:a16="http://schemas.microsoft.com/office/drawing/2014/main" id="{C099CB87-64E5-4332-9B19-1FC89E2B684D}"/>
+              </a:ext>
+            </a:extLst>
+          </p:cNvPr>
+          <p:cNvSpPr/>
+          <p:nvPr/>
+        </p:nvSpPr>
+        <p:spPr>
+          <a:xfrm>
+            <a:off x="9791699" y="827085"/>
+            <a:ext cx="1885950" cy="1982811"/>
+          </a:xfrm>
+          <a:prstGeom prst="ellipse">
+            <a:avLst/>
+          </a:prstGeom>
+          <a:solidFill>
+            <a:srgbClr val="260FAF"/>
+          </a:solidFill>
+        </p:spPr>
+        <p:style>
+          <a:lnRef idx="2">
+            <a:schemeClr val="accent1">
+              <a:shade val="50000"/>
+            </a:schemeClr>
+          </a:lnRef>
+          <a:fillRef idx="1">
+            <a:schemeClr val="accent1"/>
+          </a:fillRef>
+          <a:effectRef idx="0">
+            <a:schemeClr val="accent1"/>
+          </a:effectRef>
+          <a:fontRef idx="minor">
+            <a:schemeClr val="lt1"/>
+          </a:fontRef>
+        </p:style>
+        <p:txBody>
+          <a:bodyPr rtlCol="0" anchor="ctr"/>
+          <a:lstStyle/>
+          <a:p>
+            <a:pPr algn="ctr"/>
+            <a:endParaRPr lang="en-US"/>
+          </a:p>
+        </p:txBody>
+      </p:sp>
+      <p:sp>
+        <p:nvSpPr>
+          <p:cNvPr id="42" name="TextBox 41">
+            <a:extLst>
+              <a:ext uri="{FF2B5EF4-FFF2-40B4-BE49-F238E27FC236}">
+                <a16:creationId xmlns:a16="http://schemas.microsoft.com/office/drawing/2014/main" id="{2ED29E5E-78A1-4BF9-9BB4-3584CE72CEE0}"/>
+              </a:ext>
+            </a:extLst>
+          </p:cNvPr>
+          <p:cNvSpPr txBox="1"/>
+          <p:nvPr/>
+        </p:nvSpPr>
+        <p:spPr>
+          <a:xfrm>
+            <a:off x="10013514" y="1328211"/>
+            <a:ext cx="1530524" cy="923330"/>
+          </a:xfrm>
+          <a:prstGeom prst="rect">
+            <a:avLst/>
+          </a:prstGeom>
+          <a:noFill/>
+        </p:spPr>
+        <p:txBody>
+          <a:bodyPr wrap="square" rtlCol="0">
+            <a:spAutoFit/>
+          </a:bodyPr>
+          <a:lstStyle/>
+          <a:p>
+            <a:pPr algn="ctr"/>
+            <a:r>
+              <a:rPr lang="en-US" b="1" dirty="0">
+                <a:solidFill>
+                  <a:schemeClr val="bg1"/>
+                </a:solidFill>
+              </a:rPr>
+              <a:t>train a classification algorithm</a:t>
+            </a:r>
+          </a:p>
+        </p:txBody>
+      </p:sp>
+      <p:cxnSp>
+        <p:nvCxnSpPr>
+          <p:cNvPr id="44" name="Straight Arrow Connector 43">
+            <a:extLst>
+              <a:ext uri="{FF2B5EF4-FFF2-40B4-BE49-F238E27FC236}">
+                <a16:creationId xmlns:a16="http://schemas.microsoft.com/office/drawing/2014/main" id="{9D810073-2978-4B52-BAF9-B668692ED4C6}"/>
+              </a:ext>
+            </a:extLst>
+          </p:cNvPr>
+          <p:cNvCxnSpPr>
+            <a:cxnSpLocks/>
+          </p:cNvCxnSpPr>
+          <p:nvPr/>
+        </p:nvCxnSpPr>
+        <p:spPr>
+          <a:xfrm flipV="1">
+            <a:off x="8127829" y="719929"/>
+            <a:ext cx="2308258" cy="18319"/>
+          </a:xfrm>
+          <a:prstGeom prst="straightConnector1">
+            <a:avLst/>
+          </a:prstGeom>
+          <a:ln w="38100">
+            <a:solidFill>
+              <a:srgbClr val="260FAF"/>
+            </a:solidFill>
+            <a:tailEnd type="triangle"/>
+          </a:ln>
+        </p:spPr>
+        <p:style>
+          <a:lnRef idx="1">
+            <a:schemeClr val="accent1"/>
+          </a:lnRef>
+          <a:fillRef idx="0">
+            <a:schemeClr val="accent1"/>
+          </a:fillRef>
+          <a:effectRef idx="0">
+            <a:schemeClr val="accent1"/>
+          </a:effectRef>
+          <a:fontRef idx="minor">
+            <a:schemeClr val="tx1"/>
+          </a:fontRef>
+        </p:style>
+      </p:cxnSp>
+      <p:cxnSp>
+        <p:nvCxnSpPr>
+          <p:cNvPr id="49" name="Straight Arrow Connector 48">
+            <a:extLst>
+              <a:ext uri="{FF2B5EF4-FFF2-40B4-BE49-F238E27FC236}">
+                <a16:creationId xmlns:a16="http://schemas.microsoft.com/office/drawing/2014/main" id="{24B04515-22FD-4198-B611-4E84A83B8300}"/>
+              </a:ext>
+            </a:extLst>
+          </p:cNvPr>
+          <p:cNvCxnSpPr>
+            <a:cxnSpLocks/>
+          </p:cNvCxnSpPr>
+          <p:nvPr/>
+        </p:nvCxnSpPr>
+        <p:spPr>
+          <a:xfrm>
+            <a:off x="10775413" y="2898733"/>
+            <a:ext cx="0" cy="1000882"/>
+          </a:xfrm>
+          <a:prstGeom prst="straightConnector1">
+            <a:avLst/>
+          </a:prstGeom>
+          <a:ln w="38100">
+            <a:solidFill>
+              <a:srgbClr val="260FAF"/>
+            </a:solidFill>
+            <a:tailEnd type="triangle"/>
+          </a:ln>
+        </p:spPr>
+        <p:style>
+          <a:lnRef idx="1">
+            <a:schemeClr val="accent1"/>
+          </a:lnRef>
+          <a:fillRef idx="0">
+            <a:schemeClr val="accent1"/>
+          </a:fillRef>
+          <a:effectRef idx="0">
+            <a:schemeClr val="accent1"/>
+          </a:effectRef>
+          <a:fontRef idx="minor">
+            <a:schemeClr val="tx1"/>
+          </a:fontRef>
+        </p:style>
+      </p:cxnSp>
+      <p:sp>
+        <p:nvSpPr>
+          <p:cNvPr id="50" name="Flowchart: Decision 49">
+            <a:extLst>
+              <a:ext uri="{FF2B5EF4-FFF2-40B4-BE49-F238E27FC236}">
+                <a16:creationId xmlns:a16="http://schemas.microsoft.com/office/drawing/2014/main" id="{FBA3A7EC-A759-459C-B5A9-44B7107B96E1}"/>
+              </a:ext>
+            </a:extLst>
+          </p:cNvPr>
+          <p:cNvSpPr/>
+          <p:nvPr/>
+        </p:nvSpPr>
+        <p:spPr>
+          <a:xfrm>
+            <a:off x="9791699" y="3910013"/>
+            <a:ext cx="1962150" cy="1895475"/>
+          </a:xfrm>
+          <a:prstGeom prst="flowChartDecision">
+            <a:avLst/>
+          </a:prstGeom>
+          <a:solidFill>
+            <a:srgbClr val="260FAF"/>
+          </a:solidFill>
+        </p:spPr>
+        <p:style>
+          <a:lnRef idx="2">
+            <a:schemeClr val="accent1">
+              <a:shade val="50000"/>
+            </a:schemeClr>
+          </a:lnRef>
+          <a:fillRef idx="1">
+            <a:schemeClr val="accent1"/>
+          </a:fillRef>
+          <a:effectRef idx="0">
+            <a:schemeClr val="accent1"/>
+          </a:effectRef>
+          <a:fontRef idx="minor">
+            <a:schemeClr val="lt1"/>
+          </a:fontRef>
+        </p:style>
+        <p:txBody>
+          <a:bodyPr rtlCol="0" anchor="ctr"/>
+          <a:lstStyle/>
+          <a:p>
+            <a:pPr algn="ctr"/>
+            <a:endParaRPr lang="en-US"/>
+          </a:p>
+        </p:txBody>
+      </p:sp>
+      <p:sp>
+        <p:nvSpPr>
+          <p:cNvPr id="52" name="TextBox 51">
+            <a:extLst>
+              <a:ext uri="{FF2B5EF4-FFF2-40B4-BE49-F238E27FC236}">
+                <a16:creationId xmlns:a16="http://schemas.microsoft.com/office/drawing/2014/main" id="{0EC7F8DE-6F7A-4CF6-926E-2DC28E7CFBE6}"/>
+              </a:ext>
+            </a:extLst>
+          </p:cNvPr>
+          <p:cNvSpPr txBox="1"/>
+          <p:nvPr/>
+        </p:nvSpPr>
+        <p:spPr>
+          <a:xfrm>
+            <a:off x="10301287" y="4318038"/>
+            <a:ext cx="1190625" cy="923330"/>
+          </a:xfrm>
+          <a:prstGeom prst="rect">
+            <a:avLst/>
+          </a:prstGeom>
+          <a:noFill/>
+        </p:spPr>
+        <p:txBody>
+          <a:bodyPr wrap="square" rtlCol="0">
+            <a:spAutoFit/>
+          </a:bodyPr>
+          <a:lstStyle/>
+          <a:p>
+            <a:r>
+              <a:rPr lang="en-US" b="1" dirty="0">
+                <a:solidFill>
+                  <a:schemeClr val="bg1"/>
+                </a:solidFill>
+              </a:rPr>
+              <a:t>random forest classifier</a:t>
+            </a:r>
+          </a:p>
+        </p:txBody>
+      </p:sp>
+      <p:sp>
+        <p:nvSpPr>
+          <p:cNvPr id="2" name="Rectangle 1">
+            <a:extLst>
+              <a:ext uri="{FF2B5EF4-FFF2-40B4-BE49-F238E27FC236}">
+                <a16:creationId xmlns:a16="http://schemas.microsoft.com/office/drawing/2014/main" id="{65BA81F8-2836-4117-9B52-21B49D776338}"/>
+              </a:ext>
+            </a:extLst>
+          </p:cNvPr>
+          <p:cNvSpPr/>
+          <p:nvPr/>
+        </p:nvSpPr>
+        <p:spPr>
+          <a:xfrm>
+            <a:off x="316704" y="4543425"/>
+            <a:ext cx="1471613" cy="737889"/>
+          </a:xfrm>
+          <a:prstGeom prst="rect">
+            <a:avLst/>
+          </a:prstGeom>
+          <a:solidFill>
+            <a:srgbClr val="FF0000"/>
+          </a:solidFill>
+          <a:ln>
+            <a:solidFill>
+              <a:srgbClr val="FF0000"/>
+            </a:solidFill>
+          </a:ln>
+        </p:spPr>
+        <p:style>
+          <a:lnRef idx="2">
+            <a:schemeClr val="accent1">
+              <a:shade val="50000"/>
+            </a:schemeClr>
+          </a:lnRef>
+          <a:fillRef idx="1">
+            <a:schemeClr val="accent1"/>
+          </a:fillRef>
+          <a:effectRef idx="0">
+            <a:schemeClr val="accent1"/>
+          </a:effectRef>
+          <a:fontRef idx="minor">
+            <a:schemeClr val="lt1"/>
+          </a:fontRef>
+        </p:style>
+        <p:txBody>
+          <a:bodyPr rtlCol="0" anchor="ctr"/>
+          <a:lstStyle/>
+          <a:p>
+            <a:pPr algn="ctr"/>
+            <a:endParaRPr lang="en-US" dirty="0"/>
+          </a:p>
+        </p:txBody>
+      </p:sp>
+      <p:sp>
+        <p:nvSpPr>
+          <p:cNvPr id="3" name="TextBox 2">
+            <a:extLst>
+              <a:ext uri="{FF2B5EF4-FFF2-40B4-BE49-F238E27FC236}">
+                <a16:creationId xmlns:a16="http://schemas.microsoft.com/office/drawing/2014/main" id="{DC86D73D-E9E9-4FF6-9595-CA07A4D9981B}"/>
+              </a:ext>
+            </a:extLst>
+          </p:cNvPr>
+          <p:cNvSpPr txBox="1"/>
+          <p:nvPr/>
+        </p:nvSpPr>
+        <p:spPr>
+          <a:xfrm>
+            <a:off x="502442" y="4595037"/>
+            <a:ext cx="1100136" cy="646331"/>
+          </a:xfrm>
+          <a:prstGeom prst="rect">
+            <a:avLst/>
+          </a:prstGeom>
+          <a:noFill/>
+        </p:spPr>
+        <p:txBody>
+          <a:bodyPr wrap="square" rtlCol="0">
+            <a:spAutoFit/>
+          </a:bodyPr>
+          <a:lstStyle/>
+          <a:p>
+            <a:r>
+              <a:rPr lang="en-US" b="1" dirty="0">
+                <a:solidFill>
+                  <a:schemeClr val="bg1"/>
+                </a:solidFill>
+              </a:rPr>
+              <a:t>new time series</a:t>
+            </a:r>
+          </a:p>
+        </p:txBody>
+      </p:sp>
+      <p:cxnSp>
+        <p:nvCxnSpPr>
+          <p:cNvPr id="12" name="Straight Arrow Connector 11">
+            <a:extLst>
+              <a:ext uri="{FF2B5EF4-FFF2-40B4-BE49-F238E27FC236}">
+                <a16:creationId xmlns:a16="http://schemas.microsoft.com/office/drawing/2014/main" id="{F45BD030-C527-4912-9F8D-049C112D2E0B}"/>
+              </a:ext>
+            </a:extLst>
+          </p:cNvPr>
+          <p:cNvCxnSpPr>
+            <a:stCxn id="4" idx="4"/>
+          </p:cNvCxnSpPr>
+          <p:nvPr/>
+        </p:nvCxnSpPr>
+        <p:spPr>
+          <a:xfrm flipH="1">
+            <a:off x="1052511" y="1933575"/>
+            <a:ext cx="1" cy="2609850"/>
+          </a:xfrm>
+          <a:prstGeom prst="straightConnector1">
+            <a:avLst/>
+          </a:prstGeom>
+          <a:ln w="38100">
+            <a:solidFill>
+              <a:srgbClr val="FF0000"/>
+            </a:solidFill>
+            <a:tailEnd type="triangle"/>
+          </a:ln>
+        </p:spPr>
+        <p:style>
+          <a:lnRef idx="1">
+            <a:schemeClr val="accent1"/>
+          </a:lnRef>
+          <a:fillRef idx="0">
+            <a:schemeClr val="accent1"/>
+          </a:fillRef>
+          <a:effectRef idx="0">
+            <a:schemeClr val="accent1"/>
+          </a:effectRef>
+          <a:fontRef idx="minor">
+            <a:schemeClr val="tx1"/>
+          </a:fontRef>
+        </p:style>
+      </p:cxnSp>
+      <p:sp>
+        <p:nvSpPr>
+          <p:cNvPr id="37" name="Rectangle 36">
+            <a:extLst>
+              <a:ext uri="{FF2B5EF4-FFF2-40B4-BE49-F238E27FC236}">
+                <a16:creationId xmlns:a16="http://schemas.microsoft.com/office/drawing/2014/main" id="{94A9776D-8F15-4981-89B0-AD9221084C63}"/>
+              </a:ext>
+            </a:extLst>
+          </p:cNvPr>
+          <p:cNvSpPr/>
+          <p:nvPr/>
+        </p:nvSpPr>
+        <p:spPr>
+          <a:xfrm>
+            <a:off x="4488650" y="4503479"/>
+            <a:ext cx="1471613" cy="737889"/>
+          </a:xfrm>
+          <a:prstGeom prst="rect">
+            <a:avLst/>
+          </a:prstGeom>
+          <a:solidFill>
+            <a:srgbClr val="FF0000"/>
+          </a:solidFill>
+          <a:ln>
+            <a:solidFill>
+              <a:srgbClr val="FF0000"/>
+            </a:solidFill>
+          </a:ln>
+        </p:spPr>
+        <p:style>
+          <a:lnRef idx="2">
+            <a:schemeClr val="accent1">
+              <a:shade val="50000"/>
+            </a:schemeClr>
+          </a:lnRef>
+          <a:fillRef idx="1">
+            <a:schemeClr val="accent1"/>
+          </a:fillRef>
+          <a:effectRef idx="0">
+            <a:schemeClr val="accent1"/>
+          </a:effectRef>
+          <a:fontRef idx="minor">
+            <a:schemeClr val="lt1"/>
+          </a:fontRef>
+        </p:style>
+        <p:txBody>
+          <a:bodyPr rtlCol="0" anchor="ctr"/>
+          <a:lstStyle/>
+          <a:p>
+            <a:pPr algn="ctr"/>
+            <a:endParaRPr lang="en-US"/>
+          </a:p>
+        </p:txBody>
+      </p:sp>
+      <p:sp>
+        <p:nvSpPr>
+          <p:cNvPr id="14" name="TextBox 13">
+            <a:extLst>
+              <a:ext uri="{FF2B5EF4-FFF2-40B4-BE49-F238E27FC236}">
+                <a16:creationId xmlns:a16="http://schemas.microsoft.com/office/drawing/2014/main" id="{648E31EF-1662-4C05-9147-284108D7F0A7}"/>
+              </a:ext>
+            </a:extLst>
+          </p:cNvPr>
+          <p:cNvSpPr txBox="1"/>
+          <p:nvPr/>
+        </p:nvSpPr>
+        <p:spPr>
+          <a:xfrm>
+            <a:off x="4641071" y="4557584"/>
+            <a:ext cx="1231106" cy="646331"/>
+          </a:xfrm>
+          <a:prstGeom prst="rect">
+            <a:avLst/>
+          </a:prstGeom>
+          <a:noFill/>
+        </p:spPr>
+        <p:txBody>
+          <a:bodyPr wrap="square" rtlCol="0">
+            <a:spAutoFit/>
+          </a:bodyPr>
+          <a:lstStyle/>
+          <a:p>
+            <a:r>
+              <a:rPr lang="en-US" b="1">
+                <a:solidFill>
+                  <a:schemeClr val="bg1"/>
+                </a:solidFill>
+              </a:rPr>
+              <a:t>input -</a:t>
+            </a:r>
+            <a:r>
+              <a:rPr lang="en-US" b="1" dirty="0">
+                <a:solidFill>
+                  <a:schemeClr val="bg1"/>
+                </a:solidFill>
+              </a:rPr>
+              <a:t>features</a:t>
+            </a:r>
+          </a:p>
+        </p:txBody>
+      </p:sp>
+      <p:cxnSp>
+        <p:nvCxnSpPr>
+          <p:cNvPr id="18" name="Straight Arrow Connector 17">
+            <a:extLst>
+              <a:ext uri="{FF2B5EF4-FFF2-40B4-BE49-F238E27FC236}">
+                <a16:creationId xmlns:a16="http://schemas.microsoft.com/office/drawing/2014/main" id="{487876C1-5711-4854-ADA2-BB5857A9B9B4}"/>
+              </a:ext>
+            </a:extLst>
+          </p:cNvPr>
+          <p:cNvCxnSpPr>
+            <a:stCxn id="2" idx="3"/>
+            <a:endCxn id="37" idx="1"/>
+          </p:cNvCxnSpPr>
+          <p:nvPr/>
+        </p:nvCxnSpPr>
+        <p:spPr>
+          <a:xfrm flipV="1">
+            <a:off x="1788317" y="4872424"/>
+            <a:ext cx="2700333" cy="39946"/>
+          </a:xfrm>
+          <a:prstGeom prst="straightConnector1">
+            <a:avLst/>
+          </a:prstGeom>
+          <a:ln w="38100">
+            <a:solidFill>
+              <a:srgbClr val="FF0000"/>
+            </a:solidFill>
+            <a:tailEnd type="triangle"/>
+          </a:ln>
+        </p:spPr>
+        <p:style>
+          <a:lnRef idx="1">
+            <a:schemeClr val="accent1"/>
+          </a:lnRef>
+          <a:fillRef idx="0">
+            <a:schemeClr val="accent1"/>
+          </a:fillRef>
+          <a:effectRef idx="0">
+            <a:schemeClr val="accent1"/>
+          </a:effectRef>
+          <a:fontRef idx="minor">
+            <a:schemeClr val="tx1"/>
+          </a:fontRef>
+        </p:style>
+      </p:cxnSp>
+      <p:cxnSp>
+        <p:nvCxnSpPr>
+          <p:cNvPr id="21" name="Straight Arrow Connector 20">
+            <a:extLst>
+              <a:ext uri="{FF2B5EF4-FFF2-40B4-BE49-F238E27FC236}">
+                <a16:creationId xmlns:a16="http://schemas.microsoft.com/office/drawing/2014/main" id="{C32968A2-112D-4638-BF89-598CE8AC01BB}"/>
+              </a:ext>
+            </a:extLst>
+          </p:cNvPr>
+          <p:cNvCxnSpPr>
+            <a:cxnSpLocks/>
+            <a:stCxn id="37" idx="3"/>
+            <a:endCxn id="50" idx="1"/>
+          </p:cNvCxnSpPr>
+          <p:nvPr/>
+        </p:nvCxnSpPr>
+        <p:spPr>
+          <a:xfrm flipV="1">
+            <a:off x="5960263" y="4857751"/>
+            <a:ext cx="3831436" cy="14673"/>
+          </a:xfrm>
+          <a:prstGeom prst="straightConnector1">
+            <a:avLst/>
+          </a:prstGeom>
+          <a:ln w="38100">
+            <a:solidFill>
+              <a:srgbClr val="FF0000"/>
+            </a:solidFill>
+            <a:tailEnd type="triangle"/>
+          </a:ln>
+        </p:spPr>
+        <p:style>
+          <a:lnRef idx="1">
+            <a:schemeClr val="accent1"/>
+          </a:lnRef>
+          <a:fillRef idx="0">
+            <a:schemeClr val="accent1"/>
+          </a:fillRef>
+          <a:effectRef idx="0">
+            <a:schemeClr val="accent1"/>
+          </a:effectRef>
+          <a:fontRef idx="minor">
+            <a:schemeClr val="tx1"/>
+          </a:fontRef>
+        </p:style>
+      </p:cxnSp>
+      <p:cxnSp>
+        <p:nvCxnSpPr>
+          <p:cNvPr id="26" name="Straight Arrow Connector 25">
+            <a:extLst>
+              <a:ext uri="{FF2B5EF4-FFF2-40B4-BE49-F238E27FC236}">
+                <a16:creationId xmlns:a16="http://schemas.microsoft.com/office/drawing/2014/main" id="{2A527058-4868-4576-B27B-72EDA6767192}"/>
+              </a:ext>
+            </a:extLst>
+          </p:cNvPr>
+          <p:cNvCxnSpPr>
+            <a:stCxn id="50" idx="2"/>
+          </p:cNvCxnSpPr>
+          <p:nvPr/>
+        </p:nvCxnSpPr>
+        <p:spPr>
+          <a:xfrm>
+            <a:off x="10772774" y="5805488"/>
+            <a:ext cx="0" cy="404813"/>
+          </a:xfrm>
+          <a:prstGeom prst="straightConnector1">
+            <a:avLst/>
+          </a:prstGeom>
+          <a:ln w="38100">
+            <a:solidFill>
+              <a:srgbClr val="FF0000"/>
+            </a:solidFill>
+            <a:tailEnd type="triangle"/>
+          </a:ln>
+        </p:spPr>
+        <p:style>
+          <a:lnRef idx="1">
+            <a:schemeClr val="accent1"/>
+          </a:lnRef>
+          <a:fillRef idx="0">
+            <a:schemeClr val="accent1"/>
+          </a:fillRef>
+          <a:effectRef idx="0">
+            <a:schemeClr val="accent1"/>
+          </a:effectRef>
+          <a:fontRef idx="minor">
+            <a:schemeClr val="tx1"/>
+          </a:fontRef>
+        </p:style>
+      </p:cxnSp>
+      <p:sp>
+        <p:nvSpPr>
+          <p:cNvPr id="27" name="Rectangle 26">
+            <a:extLst>
+              <a:ext uri="{FF2B5EF4-FFF2-40B4-BE49-F238E27FC236}">
+                <a16:creationId xmlns:a16="http://schemas.microsoft.com/office/drawing/2014/main" id="{94FD5AA0-5E0D-472B-9F12-BFCF8984990F}"/>
+              </a:ext>
+            </a:extLst>
+          </p:cNvPr>
+          <p:cNvSpPr/>
+          <p:nvPr/>
+        </p:nvSpPr>
+        <p:spPr>
+          <a:xfrm>
+            <a:off x="9925049" y="6210301"/>
+            <a:ext cx="1485900" cy="542925"/>
+          </a:xfrm>
+          <a:prstGeom prst="rect">
+            <a:avLst/>
+          </a:prstGeom>
+          <a:solidFill>
+            <a:srgbClr val="FF0000"/>
+          </a:solidFill>
+          <a:ln>
+            <a:solidFill>
+              <a:srgbClr val="FF0000"/>
+            </a:solidFill>
+          </a:ln>
+        </p:spPr>
+        <p:style>
+          <a:lnRef idx="2">
+            <a:schemeClr val="accent1">
+              <a:shade val="50000"/>
+            </a:schemeClr>
+          </a:lnRef>
+          <a:fillRef idx="1">
+            <a:schemeClr val="accent1"/>
+          </a:fillRef>
+          <a:effectRef idx="0">
+            <a:schemeClr val="accent1"/>
+          </a:effectRef>
+          <a:fontRef idx="minor">
+            <a:schemeClr val="lt1"/>
+          </a:fontRef>
+        </p:style>
+        <p:txBody>
+          <a:bodyPr rtlCol="0" anchor="ctr"/>
+          <a:lstStyle/>
+          <a:p>
+            <a:pPr algn="ctr"/>
+            <a:endParaRPr lang="en-US"/>
+          </a:p>
+        </p:txBody>
+      </p:sp>
+      <p:sp>
+        <p:nvSpPr>
+          <p:cNvPr id="33" name="TextBox 32">
+            <a:extLst>
+              <a:ext uri="{FF2B5EF4-FFF2-40B4-BE49-F238E27FC236}">
+                <a16:creationId xmlns:a16="http://schemas.microsoft.com/office/drawing/2014/main" id="{F4F52083-CA5B-400F-AA62-3D511575B93E}"/>
+              </a:ext>
+            </a:extLst>
+          </p:cNvPr>
+          <p:cNvSpPr txBox="1"/>
+          <p:nvPr/>
+        </p:nvSpPr>
+        <p:spPr>
+          <a:xfrm>
+            <a:off x="9991724" y="6174123"/>
+            <a:ext cx="1352550" cy="646331"/>
+          </a:xfrm>
+          <a:prstGeom prst="rect">
+            <a:avLst/>
+          </a:prstGeom>
+          <a:noFill/>
+        </p:spPr>
+        <p:txBody>
+          <a:bodyPr wrap="square" rtlCol="0">
+            <a:spAutoFit/>
+          </a:bodyPr>
+          <a:lstStyle/>
+          <a:p>
+            <a:r>
+              <a:rPr lang="en-US" b="1" dirty="0">
+                <a:solidFill>
+                  <a:schemeClr val="bg1"/>
+                </a:solidFill>
+              </a:rPr>
+              <a:t>forecasting method</a:t>
+            </a:r>
+          </a:p>
+        </p:txBody>
+      </p:sp>
+      <p:sp>
+        <p:nvSpPr>
+          <p:cNvPr id="10" name="TextBox 9">
+            <a:extLst>
+              <a:ext uri="{FF2B5EF4-FFF2-40B4-BE49-F238E27FC236}">
+                <a16:creationId xmlns:a16="http://schemas.microsoft.com/office/drawing/2014/main" id="{3524BB3E-8025-48D2-9F68-40BC9636F369}"/>
+              </a:ext>
+            </a:extLst>
+          </p:cNvPr>
+          <p:cNvSpPr txBox="1"/>
+          <p:nvPr/>
+        </p:nvSpPr>
+        <p:spPr>
+          <a:xfrm>
+            <a:off x="2595565" y="223668"/>
+            <a:ext cx="1609720" cy="369332"/>
+          </a:xfrm>
+          <a:prstGeom prst="rect">
+            <a:avLst/>
+          </a:prstGeom>
+          <a:noFill/>
+        </p:spPr>
+        <p:txBody>
+          <a:bodyPr wrap="square" rtlCol="0">
+            <a:spAutoFit/>
+          </a:bodyPr>
+          <a:lstStyle/>
+          <a:p>
+            <a:r>
+              <a:rPr lang="en-US" dirty="0"/>
+              <a:t>reference set</a:t>
+            </a:r>
+          </a:p>
+        </p:txBody>
+      </p:sp>
+      <p:sp>
+        <p:nvSpPr>
+          <p:cNvPr id="45" name="Rectangle 44">
+            <a:extLst>
+              <a:ext uri="{FF2B5EF4-FFF2-40B4-BE49-F238E27FC236}">
+                <a16:creationId xmlns:a16="http://schemas.microsoft.com/office/drawing/2014/main" id="{B096087A-E633-48C6-BE7F-6FD05CA29447}"/>
+              </a:ext>
+            </a:extLst>
+          </p:cNvPr>
+          <p:cNvSpPr/>
+          <p:nvPr/>
+        </p:nvSpPr>
+        <p:spPr>
+          <a:xfrm>
+            <a:off x="6885320" y="1299593"/>
+            <a:ext cx="1242505" cy="566656"/>
+          </a:xfrm>
+          <a:prstGeom prst="rect">
+            <a:avLst/>
+          </a:prstGeom>
+          <a:solidFill>
+            <a:srgbClr val="260FAF"/>
+          </a:solidFill>
+        </p:spPr>
+        <p:style>
+          <a:lnRef idx="2">
+            <a:schemeClr val="accent1">
+              <a:shade val="50000"/>
+            </a:schemeClr>
+          </a:lnRef>
+          <a:fillRef idx="1">
+            <a:schemeClr val="accent1"/>
+          </a:fillRef>
+          <a:effectRef idx="0">
+            <a:schemeClr val="accent1"/>
+          </a:effectRef>
+          <a:fontRef idx="minor">
+            <a:schemeClr val="lt1"/>
+          </a:fontRef>
+        </p:style>
+        <p:txBody>
+          <a:bodyPr rtlCol="0" anchor="ctr"/>
+          <a:lstStyle/>
+          <a:p>
+            <a:pPr algn="ctr"/>
+            <a:endParaRPr lang="en-US"/>
+          </a:p>
+        </p:txBody>
+      </p:sp>
+      <p:sp>
+        <p:nvSpPr>
+          <p:cNvPr id="57" name="TextBox 56">
+            <a:extLst>
+              <a:ext uri="{FF2B5EF4-FFF2-40B4-BE49-F238E27FC236}">
+                <a16:creationId xmlns:a16="http://schemas.microsoft.com/office/drawing/2014/main" id="{F1AF2F00-7240-43C9-8576-6826A2E53A37}"/>
+              </a:ext>
+            </a:extLst>
+          </p:cNvPr>
+          <p:cNvSpPr txBox="1"/>
+          <p:nvPr/>
+        </p:nvSpPr>
+        <p:spPr>
+          <a:xfrm>
+            <a:off x="6975559" y="1299592"/>
+            <a:ext cx="1369256" cy="369332"/>
+          </a:xfrm>
+          <a:prstGeom prst="rect">
+            <a:avLst/>
+          </a:prstGeom>
+          <a:noFill/>
+        </p:spPr>
+        <p:txBody>
+          <a:bodyPr wrap="square" rtlCol="0">
+            <a:spAutoFit/>
+          </a:bodyPr>
+          <a:lstStyle/>
+          <a:p>
+            <a:r>
+              <a:rPr lang="en-US" b="1" dirty="0">
+                <a:solidFill>
+                  <a:schemeClr val="bg1"/>
+                </a:solidFill>
+              </a:rPr>
+              <a:t>fit models</a:t>
+            </a:r>
+          </a:p>
+        </p:txBody>
+      </p:sp>
+      <p:sp>
+        <p:nvSpPr>
+          <p:cNvPr id="60" name="Rectangle 59">
+            <a:extLst>
+              <a:ext uri="{FF2B5EF4-FFF2-40B4-BE49-F238E27FC236}">
+                <a16:creationId xmlns:a16="http://schemas.microsoft.com/office/drawing/2014/main" id="{CB20FE32-DA01-4CDD-B840-37108AA6B32A}"/>
+              </a:ext>
+            </a:extLst>
+          </p:cNvPr>
+          <p:cNvSpPr/>
+          <p:nvPr/>
+        </p:nvSpPr>
+        <p:spPr>
+          <a:xfrm>
+            <a:off x="8499901" y="2187312"/>
+            <a:ext cx="1162050" cy="733425"/>
+          </a:xfrm>
+          <a:prstGeom prst="rect">
+            <a:avLst/>
+          </a:prstGeom>
+          <a:solidFill>
+            <a:srgbClr val="260FAF"/>
+          </a:solidFill>
+        </p:spPr>
+        <p:style>
+          <a:lnRef idx="2">
+            <a:schemeClr val="accent1">
+              <a:shade val="50000"/>
+            </a:schemeClr>
+          </a:lnRef>
+          <a:fillRef idx="1">
+            <a:schemeClr val="accent1"/>
+          </a:fillRef>
+          <a:effectRef idx="0">
+            <a:schemeClr val="accent1"/>
+          </a:effectRef>
+          <a:fontRef idx="minor">
+            <a:schemeClr val="lt1"/>
+          </a:fontRef>
+        </p:style>
+        <p:txBody>
+          <a:bodyPr rtlCol="0" anchor="ctr"/>
+          <a:lstStyle/>
+          <a:p>
+            <a:pPr algn="ctr"/>
+            <a:endParaRPr lang="en-US"/>
+          </a:p>
+        </p:txBody>
+      </p:sp>
+      <p:sp>
+        <p:nvSpPr>
+          <p:cNvPr id="61" name="TextBox 60">
+            <a:extLst>
+              <a:ext uri="{FF2B5EF4-FFF2-40B4-BE49-F238E27FC236}">
+                <a16:creationId xmlns:a16="http://schemas.microsoft.com/office/drawing/2014/main" id="{84E32220-FE4A-4A9F-AC2F-8F32CF154BA9}"/>
+              </a:ext>
+            </a:extLst>
+          </p:cNvPr>
+          <p:cNvSpPr txBox="1"/>
+          <p:nvPr/>
+        </p:nvSpPr>
+        <p:spPr>
+          <a:xfrm>
+            <a:off x="9095417" y="3238500"/>
+            <a:ext cx="870501" cy="369332"/>
+          </a:xfrm>
+          <a:prstGeom prst="rect">
+            <a:avLst/>
+          </a:prstGeom>
+          <a:noFill/>
+        </p:spPr>
+        <p:txBody>
+          <a:bodyPr wrap="square" rtlCol="0">
+            <a:spAutoFit/>
+          </a:bodyPr>
+          <a:lstStyle/>
+          <a:p>
+            <a:r>
+              <a:rPr lang="en-US" b="1" dirty="0">
+                <a:solidFill>
+                  <a:schemeClr val="bg1"/>
+                </a:solidFill>
+              </a:rPr>
+              <a:t>label</a:t>
+            </a:r>
+          </a:p>
+        </p:txBody>
+      </p:sp>
+      <p:sp>
+        <p:nvSpPr>
+          <p:cNvPr id="62" name="TextBox 61">
+            <a:extLst>
+              <a:ext uri="{FF2B5EF4-FFF2-40B4-BE49-F238E27FC236}">
+                <a16:creationId xmlns:a16="http://schemas.microsoft.com/office/drawing/2014/main" id="{504E8D90-7073-4CC0-89C7-F5363692511B}"/>
+              </a:ext>
+            </a:extLst>
+          </p:cNvPr>
+          <p:cNvSpPr txBox="1"/>
+          <p:nvPr/>
+        </p:nvSpPr>
+        <p:spPr>
+          <a:xfrm>
+            <a:off x="6748582" y="2268638"/>
+            <a:ext cx="1683200" cy="646331"/>
+          </a:xfrm>
+          <a:prstGeom prst="rect">
+            <a:avLst/>
+          </a:prstGeom>
+          <a:noFill/>
+        </p:spPr>
+        <p:txBody>
+          <a:bodyPr wrap="square" rtlCol="0">
+            <a:spAutoFit/>
+          </a:bodyPr>
+          <a:lstStyle/>
+          <a:p>
+            <a:r>
+              <a:rPr lang="en-US" b="1" dirty="0">
+                <a:solidFill>
+                  <a:schemeClr val="bg1"/>
+                </a:solidFill>
+              </a:rPr>
+              <a:t>identify “best” model</a:t>
+            </a:r>
+          </a:p>
+        </p:txBody>
+      </p:sp>
+      <p:cxnSp>
+        <p:nvCxnSpPr>
+          <p:cNvPr id="65" name="Straight Connector 64">
+            <a:extLst>
+              <a:ext uri="{FF2B5EF4-FFF2-40B4-BE49-F238E27FC236}">
+                <a16:creationId xmlns:a16="http://schemas.microsoft.com/office/drawing/2014/main" id="{B17D9329-3168-47D2-B079-2122063A6FBE}"/>
+              </a:ext>
+            </a:extLst>
+          </p:cNvPr>
+          <p:cNvCxnSpPr>
+            <a:cxnSpLocks/>
+            <a:stCxn id="31" idx="2"/>
+          </p:cNvCxnSpPr>
+          <p:nvPr/>
+        </p:nvCxnSpPr>
+        <p:spPr>
+          <a:xfrm>
+            <a:off x="5705478" y="1073793"/>
+            <a:ext cx="0" cy="456211"/>
+          </a:xfrm>
+          <a:prstGeom prst="line">
+            <a:avLst/>
+          </a:prstGeom>
+          <a:ln w="38100">
+            <a:solidFill>
+              <a:srgbClr val="260FAF"/>
+            </a:solidFill>
+          </a:ln>
+        </p:spPr>
+        <p:style>
+          <a:lnRef idx="1">
+            <a:schemeClr val="accent1"/>
+          </a:lnRef>
+          <a:fillRef idx="0">
+            <a:schemeClr val="accent1"/>
+          </a:fillRef>
+          <a:effectRef idx="0">
+            <a:schemeClr val="accent1"/>
+          </a:effectRef>
+          <a:fontRef idx="minor">
+            <a:schemeClr val="tx1"/>
+          </a:fontRef>
+        </p:style>
+      </p:cxnSp>
+      <p:cxnSp>
+        <p:nvCxnSpPr>
+          <p:cNvPr id="54" name="Straight Arrow Connector 53">
+            <a:extLst>
+              <a:ext uri="{FF2B5EF4-FFF2-40B4-BE49-F238E27FC236}">
+                <a16:creationId xmlns:a16="http://schemas.microsoft.com/office/drawing/2014/main" id="{17A3C256-1BC5-41BC-8AE2-930A39E1C98E}"/>
+              </a:ext>
+            </a:extLst>
+          </p:cNvPr>
+          <p:cNvCxnSpPr>
+            <a:stCxn id="60" idx="3"/>
+          </p:cNvCxnSpPr>
+          <p:nvPr/>
+        </p:nvCxnSpPr>
+        <p:spPr>
+          <a:xfrm>
+            <a:off x="9661951" y="2554025"/>
+            <a:ext cx="329773" cy="8197"/>
+          </a:xfrm>
+          <a:prstGeom prst="straightConnector1">
+            <a:avLst/>
+          </a:prstGeom>
+          <a:ln w="38100">
+            <a:solidFill>
+              <a:srgbClr val="260FAF"/>
+            </a:solidFill>
+            <a:tailEnd type="triangle"/>
+          </a:ln>
+        </p:spPr>
+        <p:style>
+          <a:lnRef idx="1">
+            <a:schemeClr val="accent1"/>
+          </a:lnRef>
+          <a:fillRef idx="0">
+            <a:schemeClr val="accent1"/>
+          </a:fillRef>
+          <a:effectRef idx="0">
+            <a:schemeClr val="accent1"/>
+          </a:effectRef>
+          <a:fontRef idx="minor">
+            <a:schemeClr val="tx1"/>
+          </a:fontRef>
+        </p:style>
+      </p:cxnSp>
+      <p:cxnSp>
+        <p:nvCxnSpPr>
+          <p:cNvPr id="56" name="Straight Arrow Connector 55">
+            <a:extLst>
+              <a:ext uri="{FF2B5EF4-FFF2-40B4-BE49-F238E27FC236}">
+                <a16:creationId xmlns:a16="http://schemas.microsoft.com/office/drawing/2014/main" id="{06960468-7776-44E7-82B6-0C778445F265}"/>
+              </a:ext>
+            </a:extLst>
+          </p:cNvPr>
+          <p:cNvCxnSpPr>
+            <a:endCxn id="45" idx="1"/>
+          </p:cNvCxnSpPr>
+          <p:nvPr/>
+        </p:nvCxnSpPr>
+        <p:spPr>
+          <a:xfrm>
+            <a:off x="5714994" y="1582921"/>
+            <a:ext cx="1170326" cy="0"/>
+          </a:xfrm>
+          <a:prstGeom prst="straightConnector1">
+            <a:avLst/>
+          </a:prstGeom>
+          <a:ln w="38100">
+            <a:solidFill>
+              <a:srgbClr val="260FAF"/>
+            </a:solidFill>
+            <a:tailEnd type="triangle"/>
+          </a:ln>
+        </p:spPr>
+        <p:style>
+          <a:lnRef idx="1">
+            <a:schemeClr val="accent1"/>
+          </a:lnRef>
+          <a:fillRef idx="0">
+            <a:schemeClr val="accent1"/>
+          </a:fillRef>
+          <a:effectRef idx="0">
+            <a:schemeClr val="accent1"/>
+          </a:effectRef>
+          <a:fontRef idx="minor">
+            <a:schemeClr val="tx1"/>
+          </a:fontRef>
+        </p:style>
+      </p:cxnSp>
+      <p:cxnSp>
+        <p:nvCxnSpPr>
+          <p:cNvPr id="69" name="Straight Arrow Connector 68">
+            <a:extLst>
+              <a:ext uri="{FF2B5EF4-FFF2-40B4-BE49-F238E27FC236}">
+                <a16:creationId xmlns:a16="http://schemas.microsoft.com/office/drawing/2014/main" id="{51A0714B-4158-44C5-A591-EBE8BFE4A6BA}"/>
+              </a:ext>
+            </a:extLst>
+          </p:cNvPr>
+          <p:cNvCxnSpPr>
+            <a:endCxn id="60" idx="1"/>
+          </p:cNvCxnSpPr>
+          <p:nvPr/>
+        </p:nvCxnSpPr>
+        <p:spPr>
+          <a:xfrm>
+            <a:off x="8304041" y="2554024"/>
+            <a:ext cx="195860" cy="1"/>
+          </a:xfrm>
+          <a:prstGeom prst="straightConnector1">
+            <a:avLst/>
+          </a:prstGeom>
+          <a:ln w="38100">
+            <a:solidFill>
+              <a:srgbClr val="260FAF"/>
+            </a:solidFill>
+            <a:tailEnd type="triangle"/>
+          </a:ln>
+        </p:spPr>
+        <p:style>
+          <a:lnRef idx="1">
+            <a:schemeClr val="accent1"/>
+          </a:lnRef>
+          <a:fillRef idx="0">
+            <a:schemeClr val="accent1"/>
+          </a:fillRef>
+          <a:effectRef idx="0">
+            <a:schemeClr val="accent1"/>
+          </a:effectRef>
+          <a:fontRef idx="minor">
+            <a:schemeClr val="tx1"/>
+          </a:fontRef>
+        </p:style>
+      </p:cxnSp>
+      <p:sp>
+        <p:nvSpPr>
+          <p:cNvPr id="72" name="TextBox 71">
+            <a:extLst>
+              <a:ext uri="{FF2B5EF4-FFF2-40B4-BE49-F238E27FC236}">
+                <a16:creationId xmlns:a16="http://schemas.microsoft.com/office/drawing/2014/main" id="{97A6A80A-8E21-4DF1-9BA5-AA6C7B166877}"/>
+              </a:ext>
+            </a:extLst>
+          </p:cNvPr>
+          <p:cNvSpPr txBox="1"/>
+          <p:nvPr/>
+        </p:nvSpPr>
+        <p:spPr>
+          <a:xfrm>
+            <a:off x="8637973" y="2268638"/>
+            <a:ext cx="975390" cy="646331"/>
+          </a:xfrm>
+          <a:prstGeom prst="rect">
+            <a:avLst/>
+          </a:prstGeom>
+          <a:noFill/>
+        </p:spPr>
+        <p:txBody>
+          <a:bodyPr wrap="square" rtlCol="0">
+            <a:spAutoFit/>
+          </a:bodyPr>
+          <a:lstStyle/>
+          <a:p>
+            <a:r>
+              <a:rPr lang="en-US" b="1" dirty="0">
+                <a:solidFill>
+                  <a:schemeClr val="bg1"/>
+                </a:solidFill>
+              </a:rPr>
+              <a:t>output - labels</a:t>
+            </a:r>
+          </a:p>
+        </p:txBody>
+      </p:sp>
+      <p:cxnSp>
+        <p:nvCxnSpPr>
+          <p:cNvPr id="74" name="Straight Arrow Connector 73">
+            <a:extLst>
+              <a:ext uri="{FF2B5EF4-FFF2-40B4-BE49-F238E27FC236}">
+                <a16:creationId xmlns:a16="http://schemas.microsoft.com/office/drawing/2014/main" id="{2827E4B8-6F8A-45C7-962B-EB882C32E532}"/>
+              </a:ext>
+            </a:extLst>
+          </p:cNvPr>
+          <p:cNvCxnSpPr>
+            <a:stCxn id="45" idx="2"/>
+            <a:endCxn id="39" idx="0"/>
+          </p:cNvCxnSpPr>
+          <p:nvPr/>
+        </p:nvCxnSpPr>
+        <p:spPr>
+          <a:xfrm>
+            <a:off x="7506573" y="1866249"/>
+            <a:ext cx="3744" cy="353518"/>
+          </a:xfrm>
+          <a:prstGeom prst="straightConnector1">
+            <a:avLst/>
+          </a:prstGeom>
+          <a:ln w="38100">
+            <a:solidFill>
+              <a:srgbClr val="260FAF"/>
+            </a:solidFill>
+            <a:tailEnd type="triangle"/>
+          </a:ln>
+        </p:spPr>
+        <p:style>
+          <a:lnRef idx="1">
+            <a:schemeClr val="accent1"/>
+          </a:lnRef>
+          <a:fillRef idx="0">
+            <a:schemeClr val="accent1"/>
+          </a:fillRef>
+          <a:effectRef idx="0">
+            <a:schemeClr val="accent1"/>
+          </a:effectRef>
+          <a:fontRef idx="minor">
+            <a:schemeClr val="tx1"/>
+          </a:fontRef>
+        </p:style>
+      </p:cxnSp>
+    </p:spTree>
+    <p:extLst>
+      <p:ext uri="{BB962C8B-B14F-4D97-AF65-F5344CB8AC3E}">
+        <p14:creationId xmlns:p14="http://schemas.microsoft.com/office/powerpoint/2010/main" val="3659014254"/>
+      </p:ext>
+    </p:extLst>
+  </p:cSld>
+  <p:clrMapOvr>
+    <a:masterClrMapping/>
+  </p:clrMapOvr>
+</p:sld>
+</file>
+
+<file path=ppt/slides/slide4.xml><?xml version="1.0" encoding="utf-8"?>
+<p:sld xmlns:a="http://schemas.openxmlformats.org/drawingml/2006/main" xmlns:r="http://schemas.openxmlformats.org/officeDocument/2006/relationships" xmlns:p="http://schemas.openxmlformats.org/presentationml/2006/main">
+  <p:cSld>
+    <p:spTree>
+      <p:nvGrpSpPr>
+        <p:cNvPr id="1" name=""/>
+        <p:cNvGrpSpPr/>
+        <p:nvPr/>
+      </p:nvGrpSpPr>
+      <p:grpSpPr>
+        <a:xfrm>
+          <a:off x="0" y="0"/>
+          <a:ext cx="0" cy="0"/>
+          <a:chOff x="0" y="0"/>
+          <a:chExt cx="0" cy="0"/>
+        </a:xfrm>
+      </p:grpSpPr>
       <p:pic>
         <p:nvPicPr>
           <p:cNvPr id="4" name="Picture 3">

--- a/ppt_framework_development.pptx
+++ b/ppt_framework_development.pptx
@@ -1,23 +1,23 @@
 
 <file path=ppt/presentation.xml><?xml version="1.0" encoding="utf-8"?>
-<p:presentation xmlns:a="http://schemas.openxmlformats.org/drawingml/2006/main" xmlns:r="http://schemas.openxmlformats.org/officeDocument/2006/relationships" xmlns:p="http://schemas.openxmlformats.org/presentationml/2006/main" saveSubsetFonts="1">
+<p:presentation xmlns:a="http://schemas.openxmlformats.org/drawingml/2006/main" xmlns:r="http://schemas.openxmlformats.org/officeDocument/2006/relationships" xmlns:p="http://schemas.openxmlformats.org/presentationml/2006/main" xmlns:m="http://schemas.openxmlformats.org/officeDocument/2006/math" xmlns:w="http://schemas.openxmlformats.org/wordprocessingml/2006/main" saveSubsetFonts="1">
   <p:sldMasterIdLst>
     <p:sldMasterId id="2147483648" r:id="rId1"/>
   </p:sldMasterIdLst>
   <p:sldIdLst>
-    <p:sldId id="256" r:id="rId2"/>
-    <p:sldId id="301" r:id="rId3"/>
-    <p:sldId id="303" r:id="rId4"/>
-    <p:sldId id="302" r:id="rId5"/>
+    <p:sldId id="256" r:id="rId3"/>
+    <p:sldId id="257" r:id="rId4"/>
+    <p:sldId id="258" r:id="rId5"/>
+    <p:sldId id="259" r:id="rId6"/>
   </p:sldIdLst>
   <p:sldSz cx="12192000" cy="6858000"/>
-  <p:notesSz cx="6858000" cy="9144000"/>
+  <p:notesSz cx="12192000" cy="6858000"/>
   <p:defaultTextStyle>
     <a:defPPr>
       <a:defRPr lang="en-US"/>
     </a:defPPr>
-    <a:lvl1pPr marL="0" algn="l" defTabSz="914400" rtl="0" eaLnBrk="1" latinLnBrk="0" hangingPunct="1">
-      <a:defRPr sz="1800" kern="1200">
+    <a:lvl1pPr marL="0" algn="l" defTabSz="914400">
+      <a:defRPr sz="1800">
         <a:solidFill>
           <a:schemeClr val="tx1"/>
         </a:solidFill>
@@ -26,8 +26,8 @@
         <a:cs typeface="+mn-cs"/>
       </a:defRPr>
     </a:lvl1pPr>
-    <a:lvl2pPr marL="457200" algn="l" defTabSz="914400" rtl="0" eaLnBrk="1" latinLnBrk="0" hangingPunct="1">
-      <a:defRPr sz="1800" kern="1200">
+    <a:lvl2pPr marL="457200" algn="l" defTabSz="914400">
+      <a:defRPr sz="1800">
         <a:solidFill>
           <a:schemeClr val="tx1"/>
         </a:solidFill>
@@ -36,8 +36,8 @@
         <a:cs typeface="+mn-cs"/>
       </a:defRPr>
     </a:lvl2pPr>
-    <a:lvl3pPr marL="914400" algn="l" defTabSz="914400" rtl="0" eaLnBrk="1" latinLnBrk="0" hangingPunct="1">
-      <a:defRPr sz="1800" kern="1200">
+    <a:lvl3pPr marL="914400" algn="l" defTabSz="914400">
+      <a:defRPr sz="1800">
         <a:solidFill>
           <a:schemeClr val="tx1"/>
         </a:solidFill>
@@ -46,8 +46,8 @@
         <a:cs typeface="+mn-cs"/>
       </a:defRPr>
     </a:lvl3pPr>
-    <a:lvl4pPr marL="1371600" algn="l" defTabSz="914400" rtl="0" eaLnBrk="1" latinLnBrk="0" hangingPunct="1">
-      <a:defRPr sz="1800" kern="1200">
+    <a:lvl4pPr marL="1371600" algn="l" defTabSz="914400">
+      <a:defRPr sz="1800">
         <a:solidFill>
           <a:schemeClr val="tx1"/>
         </a:solidFill>
@@ -56,8 +56,8 @@
         <a:cs typeface="+mn-cs"/>
       </a:defRPr>
     </a:lvl4pPr>
-    <a:lvl5pPr marL="1828800" algn="l" defTabSz="914400" rtl="0" eaLnBrk="1" latinLnBrk="0" hangingPunct="1">
-      <a:defRPr sz="1800" kern="1200">
+    <a:lvl5pPr marL="1828800" algn="l" defTabSz="914400">
+      <a:defRPr sz="1800">
         <a:solidFill>
           <a:schemeClr val="tx1"/>
         </a:solidFill>
@@ -66,8 +66,8 @@
         <a:cs typeface="+mn-cs"/>
       </a:defRPr>
     </a:lvl5pPr>
-    <a:lvl6pPr marL="2286000" algn="l" defTabSz="914400" rtl="0" eaLnBrk="1" latinLnBrk="0" hangingPunct="1">
-      <a:defRPr sz="1800" kern="1200">
+    <a:lvl6pPr marL="2286000" algn="l" defTabSz="914400">
+      <a:defRPr sz="1800">
         <a:solidFill>
           <a:schemeClr val="tx1"/>
         </a:solidFill>
@@ -76,8 +76,8 @@
         <a:cs typeface="+mn-cs"/>
       </a:defRPr>
     </a:lvl6pPr>
-    <a:lvl7pPr marL="2743200" algn="l" defTabSz="914400" rtl="0" eaLnBrk="1" latinLnBrk="0" hangingPunct="1">
-      <a:defRPr sz="1800" kern="1200">
+    <a:lvl7pPr marL="2743200" algn="l" defTabSz="914400">
+      <a:defRPr sz="1800">
         <a:solidFill>
           <a:schemeClr val="tx1"/>
         </a:solidFill>
@@ -86,8 +86,8 @@
         <a:cs typeface="+mn-cs"/>
       </a:defRPr>
     </a:lvl7pPr>
-    <a:lvl8pPr marL="3200400" algn="l" defTabSz="914400" rtl="0" eaLnBrk="1" latinLnBrk="0" hangingPunct="1">
-      <a:defRPr sz="1800" kern="1200">
+    <a:lvl8pPr marL="3200400" algn="l" defTabSz="914400">
+      <a:defRPr sz="1800">
         <a:solidFill>
           <a:schemeClr val="tx1"/>
         </a:solidFill>
@@ -96,8 +96,8 @@
         <a:cs typeface="+mn-cs"/>
       </a:defRPr>
     </a:lvl8pPr>
-    <a:lvl9pPr marL="3657600" algn="l" defTabSz="914400" rtl="0" eaLnBrk="1" latinLnBrk="0" hangingPunct="1">
-      <a:defRPr sz="1800" kern="1200">
+    <a:lvl9pPr marL="3657600" algn="l" defTabSz="914400">
+      <a:defRPr sz="1800">
         <a:solidFill>
           <a:schemeClr val="tx1"/>
         </a:solidFill>
@@ -107,16 +107,11 @@
       </a:defRPr>
     </a:lvl9pPr>
   </p:defaultTextStyle>
-  <p:extLst>
-    <p:ext uri="{EFAFB233-063F-42B5-8137-9DF3F51BA10A}">
-      <p15:sldGuideLst xmlns:p15="http://schemas.microsoft.com/office/powerpoint/2012/main"/>
-    </p:ext>
-  </p:extLst>
 </p:presentation>
 </file>
 
 <file path=ppt/slideLayouts/slideLayout1.xml><?xml version="1.0" encoding="utf-8"?>
-<p:sldLayout xmlns:a="http://schemas.openxmlformats.org/drawingml/2006/main" xmlns:r="http://schemas.openxmlformats.org/officeDocument/2006/relationships" xmlns:p="http://schemas.openxmlformats.org/presentationml/2006/main" type="title" preserve="1">
+<p:sldLayout xmlns:a="http://schemas.openxmlformats.org/drawingml/2006/main" xmlns:r="http://schemas.openxmlformats.org/officeDocument/2006/relationships" xmlns:p="http://schemas.openxmlformats.org/presentationml/2006/main" xmlns:m="http://schemas.openxmlformats.org/officeDocument/2006/math" xmlns:w="http://schemas.openxmlformats.org/wordprocessingml/2006/main" matchingName="" preserve="1" showMasterPhAnim="0" type="title" userDrawn="1">
   <p:cSld name="Title Slide">
     <p:spTree>
       <p:nvGrpSpPr>
@@ -124,7 +119,7 @@
         <p:cNvGrpSpPr/>
         <p:nvPr/>
       </p:nvGrpSpPr>
-      <p:grpSpPr>
+      <p:grpSpPr bwMode="auto">
         <a:xfrm>
           <a:off x="0" y="0"/>
           <a:ext cx="0" cy="0"/>
@@ -134,13 +129,7 @@
       </p:grpSpPr>
       <p:sp>
         <p:nvSpPr>
-          <p:cNvPr id="2" name="Title 1">
-            <a:extLst>
-              <a:ext uri="{FF2B5EF4-FFF2-40B4-BE49-F238E27FC236}">
-                <a16:creationId xmlns:a16="http://schemas.microsoft.com/office/drawing/2014/main" id="{C4200953-9E53-49E0-BFBD-6B9F1E4FA81D}"/>
-              </a:ext>
-            </a:extLst>
-          </p:cNvPr>
+          <p:cNvPr id="2" name="Title 1"/>
           <p:cNvSpPr>
             <a:spLocks noGrp="1"/>
           </p:cNvSpPr>
@@ -148,7 +137,7 @@
             <p:ph type="ctrTitle"/>
           </p:nvPr>
         </p:nvSpPr>
-        <p:spPr>
+        <p:spPr bwMode="auto">
           <a:xfrm>
             <a:off x="1524000" y="1122363"/>
             <a:ext cx="9144000" cy="2387600"/>
@@ -162,22 +151,20 @@
             </a:lvl1pPr>
           </a:lstStyle>
           <a:p>
+            <a:pPr>
+              <a:defRPr/>
+            </a:pPr>
             <a:r>
               <a:rPr lang="en-US"/>
               <a:t>Click to edit Master title style</a:t>
             </a:r>
-          </a:p>
-        </p:txBody>
-      </p:sp>
-      <p:sp>
-        <p:nvSpPr>
-          <p:cNvPr id="3" name="Subtitle 2">
-            <a:extLst>
-              <a:ext uri="{FF2B5EF4-FFF2-40B4-BE49-F238E27FC236}">
-                <a16:creationId xmlns:a16="http://schemas.microsoft.com/office/drawing/2014/main" id="{AFAF71AC-2A3E-4523-9F13-7D96CF17E6B5}"/>
-              </a:ext>
-            </a:extLst>
-          </p:cNvPr>
+            <a:endParaRPr/>
+          </a:p>
+        </p:txBody>
+      </p:sp>
+      <p:sp>
+        <p:nvSpPr>
+          <p:cNvPr id="3" name="Subtitle 2"/>
           <p:cNvSpPr>
             <a:spLocks noGrp="1"/>
           </p:cNvSpPr>
@@ -185,7 +172,7 @@
             <p:ph type="subTitle" idx="1"/>
           </p:nvPr>
         </p:nvSpPr>
-        <p:spPr>
+        <p:spPr bwMode="auto">
           <a:xfrm>
             <a:off x="1524000" y="3602038"/>
             <a:ext cx="9144000" cy="1655762"/>
@@ -232,22 +219,20 @@
             </a:lvl9pPr>
           </a:lstStyle>
           <a:p>
+            <a:pPr>
+              <a:defRPr/>
+            </a:pPr>
             <a:r>
               <a:rPr lang="en-US"/>
               <a:t>Click to edit Master subtitle style</a:t>
             </a:r>
-          </a:p>
-        </p:txBody>
-      </p:sp>
-      <p:sp>
-        <p:nvSpPr>
-          <p:cNvPr id="4" name="Date Placeholder 3">
-            <a:extLst>
-              <a:ext uri="{FF2B5EF4-FFF2-40B4-BE49-F238E27FC236}">
-                <a16:creationId xmlns:a16="http://schemas.microsoft.com/office/drawing/2014/main" id="{44F2AD0B-1911-4A2F-956E-82A832DAFF09}"/>
-              </a:ext>
-            </a:extLst>
-          </p:cNvPr>
+            <a:endParaRPr/>
+          </a:p>
+        </p:txBody>
+      </p:sp>
+      <p:sp>
+        <p:nvSpPr>
+          <p:cNvPr id="4" name="Date Placeholder 3"/>
           <p:cNvSpPr>
             <a:spLocks noGrp="1"/>
           </p:cNvSpPr>
@@ -255,14 +240,17 @@
             <p:ph type="dt" sz="half" idx="10"/>
           </p:nvPr>
         </p:nvSpPr>
-        <p:spPr/>
+        <p:spPr bwMode="auto"/>
         <p:txBody>
           <a:bodyPr/>
           <a:lstStyle/>
           <a:p>
+            <a:pPr>
+              <a:defRPr/>
+            </a:pPr>
             <a:fld id="{FF54DEC8-C894-4AC5-953F-8FB9825CC77C}" type="datetimeFigureOut">
-              <a:rPr lang="en-US" smtClean="0"/>
-              <a:t>11/28/22</a:t>
+              <a:rPr lang="en-US"/>
+              <a:t/>
             </a:fld>
             <a:endParaRPr lang="en-US"/>
           </a:p>
@@ -270,13 +258,7 @@
       </p:sp>
       <p:sp>
         <p:nvSpPr>
-          <p:cNvPr id="5" name="Footer Placeholder 4">
-            <a:extLst>
-              <a:ext uri="{FF2B5EF4-FFF2-40B4-BE49-F238E27FC236}">
-                <a16:creationId xmlns:a16="http://schemas.microsoft.com/office/drawing/2014/main" id="{2BA93009-4A2E-400F-A543-D623E0006DD8}"/>
-              </a:ext>
-            </a:extLst>
-          </p:cNvPr>
+          <p:cNvPr id="5" name="Footer Placeholder 4"/>
           <p:cNvSpPr>
             <a:spLocks noGrp="1"/>
           </p:cNvSpPr>
@@ -284,24 +266,21 @@
             <p:ph type="ftr" sz="quarter" idx="11"/>
           </p:nvPr>
         </p:nvSpPr>
-        <p:spPr/>
+        <p:spPr bwMode="auto"/>
         <p:txBody>
           <a:bodyPr/>
           <a:lstStyle/>
           <a:p>
+            <a:pPr>
+              <a:defRPr/>
+            </a:pPr>
             <a:endParaRPr lang="en-US"/>
           </a:p>
         </p:txBody>
       </p:sp>
       <p:sp>
         <p:nvSpPr>
-          <p:cNvPr id="6" name="Slide Number Placeholder 5">
-            <a:extLst>
-              <a:ext uri="{FF2B5EF4-FFF2-40B4-BE49-F238E27FC236}">
-                <a16:creationId xmlns:a16="http://schemas.microsoft.com/office/drawing/2014/main" id="{F59A10D3-879D-4858-B1DA-6F51456A2E4A}"/>
-              </a:ext>
-            </a:extLst>
-          </p:cNvPr>
+          <p:cNvPr id="6" name="Slide Number Placeholder 5"/>
           <p:cNvSpPr>
             <a:spLocks noGrp="1"/>
           </p:cNvSpPr>
@@ -309,25 +288,23 @@
             <p:ph type="sldNum" sz="quarter" idx="12"/>
           </p:nvPr>
         </p:nvSpPr>
-        <p:spPr/>
+        <p:spPr bwMode="auto"/>
         <p:txBody>
           <a:bodyPr/>
           <a:lstStyle/>
           <a:p>
+            <a:pPr>
+              <a:defRPr/>
+            </a:pPr>
             <a:fld id="{10C9208F-ADE9-4BAE-A43F-CB26C8E13901}" type="slidenum">
-              <a:rPr lang="en-US" smtClean="0"/>
-              <a:t>‹#›</a:t>
+              <a:rPr lang="en-US"/>
+              <a:t/>
             </a:fld>
             <a:endParaRPr lang="en-US"/>
           </a:p>
         </p:txBody>
       </p:sp>
     </p:spTree>
-    <p:extLst>
-      <p:ext uri="{BB962C8B-B14F-4D97-AF65-F5344CB8AC3E}">
-        <p14:creationId xmlns:p14="http://schemas.microsoft.com/office/powerpoint/2010/main" val="3421874257"/>
-      </p:ext>
-    </p:extLst>
   </p:cSld>
   <p:clrMapOvr>
     <a:masterClrMapping/>
@@ -336,7 +313,7 @@
 </file>
 
 <file path=ppt/slideLayouts/slideLayout10.xml><?xml version="1.0" encoding="utf-8"?>
-<p:sldLayout xmlns:a="http://schemas.openxmlformats.org/drawingml/2006/main" xmlns:r="http://schemas.openxmlformats.org/officeDocument/2006/relationships" xmlns:p="http://schemas.openxmlformats.org/presentationml/2006/main" type="vertTx" preserve="1">
+<p:sldLayout xmlns:a="http://schemas.openxmlformats.org/drawingml/2006/main" xmlns:r="http://schemas.openxmlformats.org/officeDocument/2006/relationships" xmlns:p="http://schemas.openxmlformats.org/presentationml/2006/main" xmlns:m="http://schemas.openxmlformats.org/officeDocument/2006/math" xmlns:w="http://schemas.openxmlformats.org/wordprocessingml/2006/main" matchingName="" preserve="1" showMasterPhAnim="0" type="vertTx" userDrawn="1">
   <p:cSld name="Title and Vertical Text">
     <p:spTree>
       <p:nvGrpSpPr>
@@ -344,7 +321,7 @@
         <p:cNvGrpSpPr/>
         <p:nvPr/>
       </p:nvGrpSpPr>
-      <p:grpSpPr>
+      <p:grpSpPr bwMode="auto">
         <a:xfrm>
           <a:off x="0" y="0"/>
           <a:ext cx="0" cy="0"/>
@@ -354,13 +331,7 @@
       </p:grpSpPr>
       <p:sp>
         <p:nvSpPr>
-          <p:cNvPr id="2" name="Title 1">
-            <a:extLst>
-              <a:ext uri="{FF2B5EF4-FFF2-40B4-BE49-F238E27FC236}">
-                <a16:creationId xmlns:a16="http://schemas.microsoft.com/office/drawing/2014/main" id="{7B751025-DF19-4B22-A689-774006A712F9}"/>
-              </a:ext>
-            </a:extLst>
-          </p:cNvPr>
+          <p:cNvPr id="2" name="Title 1"/>
           <p:cNvSpPr>
             <a:spLocks noGrp="1"/>
           </p:cNvSpPr>
@@ -368,27 +339,25 @@
             <p:ph type="title"/>
           </p:nvPr>
         </p:nvSpPr>
-        <p:spPr/>
+        <p:spPr bwMode="auto"/>
         <p:txBody>
           <a:bodyPr/>
           <a:lstStyle/>
           <a:p>
+            <a:pPr>
+              <a:defRPr/>
+            </a:pPr>
             <a:r>
               <a:rPr lang="en-US"/>
               <a:t>Click to edit Master title style</a:t>
             </a:r>
-          </a:p>
-        </p:txBody>
-      </p:sp>
-      <p:sp>
-        <p:nvSpPr>
-          <p:cNvPr id="3" name="Vertical Text Placeholder 2">
-            <a:extLst>
-              <a:ext uri="{FF2B5EF4-FFF2-40B4-BE49-F238E27FC236}">
-                <a16:creationId xmlns:a16="http://schemas.microsoft.com/office/drawing/2014/main" id="{4D845E9C-B316-4E29-95EB-DC562A84180E}"/>
-              </a:ext>
-            </a:extLst>
-          </p:cNvPr>
+            <a:endParaRPr/>
+          </a:p>
+        </p:txBody>
+      </p:sp>
+      <p:sp>
+        <p:nvSpPr>
+          <p:cNvPr id="3" name="Vertical Text Placeholder 2"/>
           <p:cNvSpPr>
             <a:spLocks noGrp="1"/>
           </p:cNvSpPr>
@@ -396,56 +365,65 @@
             <p:ph type="body" orient="vert" idx="1"/>
           </p:nvPr>
         </p:nvSpPr>
-        <p:spPr/>
+        <p:spPr bwMode="auto"/>
         <p:txBody>
           <a:bodyPr vert="eaVert"/>
           <a:lstStyle/>
           <a:p>
-            <a:pPr lvl="0"/>
+            <a:pPr lvl="0">
+              <a:defRPr/>
+            </a:pPr>
             <a:r>
               <a:rPr lang="en-US"/>
               <a:t>Click to edit Master text styles</a:t>
             </a:r>
-          </a:p>
-          <a:p>
-            <a:pPr lvl="1"/>
+            <a:endParaRPr/>
+          </a:p>
+          <a:p>
+            <a:pPr lvl="1">
+              <a:defRPr/>
+            </a:pPr>
             <a:r>
               <a:rPr lang="en-US"/>
               <a:t>Second level</a:t>
             </a:r>
-          </a:p>
-          <a:p>
-            <a:pPr lvl="2"/>
+            <a:endParaRPr/>
+          </a:p>
+          <a:p>
+            <a:pPr lvl="2">
+              <a:defRPr/>
+            </a:pPr>
             <a:r>
               <a:rPr lang="en-US"/>
               <a:t>Third level</a:t>
             </a:r>
-          </a:p>
-          <a:p>
-            <a:pPr lvl="3"/>
+            <a:endParaRPr/>
+          </a:p>
+          <a:p>
+            <a:pPr lvl="3">
+              <a:defRPr/>
+            </a:pPr>
             <a:r>
               <a:rPr lang="en-US"/>
               <a:t>Fourth level</a:t>
             </a:r>
-          </a:p>
-          <a:p>
-            <a:pPr lvl="4"/>
+            <a:endParaRPr/>
+          </a:p>
+          <a:p>
+            <a:pPr lvl="4">
+              <a:defRPr/>
+            </a:pPr>
             <a:r>
               <a:rPr lang="en-US"/>
               <a:t>Fifth level</a:t>
             </a:r>
-          </a:p>
-        </p:txBody>
-      </p:sp>
-      <p:sp>
-        <p:nvSpPr>
-          <p:cNvPr id="4" name="Date Placeholder 3">
-            <a:extLst>
-              <a:ext uri="{FF2B5EF4-FFF2-40B4-BE49-F238E27FC236}">
-                <a16:creationId xmlns:a16="http://schemas.microsoft.com/office/drawing/2014/main" id="{B3B586EC-ADC3-43F6-A648-CBFB3904D69A}"/>
-              </a:ext>
-            </a:extLst>
-          </p:cNvPr>
+            <a:endParaRPr/>
+          </a:p>
+        </p:txBody>
+      </p:sp>
+      <p:sp>
+        <p:nvSpPr>
+          <p:cNvPr id="4" name="Date Placeholder 3"/>
           <p:cNvSpPr>
             <a:spLocks noGrp="1"/>
           </p:cNvSpPr>
@@ -453,14 +431,17 @@
             <p:ph type="dt" sz="half" idx="10"/>
           </p:nvPr>
         </p:nvSpPr>
-        <p:spPr/>
+        <p:spPr bwMode="auto"/>
         <p:txBody>
           <a:bodyPr/>
           <a:lstStyle/>
           <a:p>
+            <a:pPr>
+              <a:defRPr/>
+            </a:pPr>
             <a:fld id="{FF54DEC8-C894-4AC5-953F-8FB9825CC77C}" type="datetimeFigureOut">
-              <a:rPr lang="en-US" smtClean="0"/>
-              <a:t>11/28/22</a:t>
+              <a:rPr lang="en-US"/>
+              <a:t/>
             </a:fld>
             <a:endParaRPr lang="en-US"/>
           </a:p>
@@ -468,13 +449,7 @@
       </p:sp>
       <p:sp>
         <p:nvSpPr>
-          <p:cNvPr id="5" name="Footer Placeholder 4">
-            <a:extLst>
-              <a:ext uri="{FF2B5EF4-FFF2-40B4-BE49-F238E27FC236}">
-                <a16:creationId xmlns:a16="http://schemas.microsoft.com/office/drawing/2014/main" id="{DE39CB69-ABBC-43AC-B56E-8EDAD2902D95}"/>
-              </a:ext>
-            </a:extLst>
-          </p:cNvPr>
+          <p:cNvPr id="5" name="Footer Placeholder 4"/>
           <p:cNvSpPr>
             <a:spLocks noGrp="1"/>
           </p:cNvSpPr>
@@ -482,24 +457,21 @@
             <p:ph type="ftr" sz="quarter" idx="11"/>
           </p:nvPr>
         </p:nvSpPr>
-        <p:spPr/>
+        <p:spPr bwMode="auto"/>
         <p:txBody>
           <a:bodyPr/>
           <a:lstStyle/>
           <a:p>
+            <a:pPr>
+              <a:defRPr/>
+            </a:pPr>
             <a:endParaRPr lang="en-US"/>
           </a:p>
         </p:txBody>
       </p:sp>
       <p:sp>
         <p:nvSpPr>
-          <p:cNvPr id="6" name="Slide Number Placeholder 5">
-            <a:extLst>
-              <a:ext uri="{FF2B5EF4-FFF2-40B4-BE49-F238E27FC236}">
-                <a16:creationId xmlns:a16="http://schemas.microsoft.com/office/drawing/2014/main" id="{BE09C9CE-8CAF-4E51-B506-25E310F9BB78}"/>
-              </a:ext>
-            </a:extLst>
-          </p:cNvPr>
+          <p:cNvPr id="6" name="Slide Number Placeholder 5"/>
           <p:cNvSpPr>
             <a:spLocks noGrp="1"/>
           </p:cNvSpPr>
@@ -507,25 +479,23 @@
             <p:ph type="sldNum" sz="quarter" idx="12"/>
           </p:nvPr>
         </p:nvSpPr>
-        <p:spPr/>
+        <p:spPr bwMode="auto"/>
         <p:txBody>
           <a:bodyPr/>
           <a:lstStyle/>
           <a:p>
+            <a:pPr>
+              <a:defRPr/>
+            </a:pPr>
             <a:fld id="{10C9208F-ADE9-4BAE-A43F-CB26C8E13901}" type="slidenum">
-              <a:rPr lang="en-US" smtClean="0"/>
-              <a:t>‹#›</a:t>
+              <a:rPr lang="en-US"/>
+              <a:t/>
             </a:fld>
             <a:endParaRPr lang="en-US"/>
           </a:p>
         </p:txBody>
       </p:sp>
     </p:spTree>
-    <p:extLst>
-      <p:ext uri="{BB962C8B-B14F-4D97-AF65-F5344CB8AC3E}">
-        <p14:creationId xmlns:p14="http://schemas.microsoft.com/office/powerpoint/2010/main" val="296435410"/>
-      </p:ext>
-    </p:extLst>
   </p:cSld>
   <p:clrMapOvr>
     <a:masterClrMapping/>
@@ -534,7 +504,7 @@
 </file>
 
 <file path=ppt/slideLayouts/slideLayout11.xml><?xml version="1.0" encoding="utf-8"?>
-<p:sldLayout xmlns:a="http://schemas.openxmlformats.org/drawingml/2006/main" xmlns:r="http://schemas.openxmlformats.org/officeDocument/2006/relationships" xmlns:p="http://schemas.openxmlformats.org/presentationml/2006/main" type="vertTitleAndTx" preserve="1">
+<p:sldLayout xmlns:a="http://schemas.openxmlformats.org/drawingml/2006/main" xmlns:r="http://schemas.openxmlformats.org/officeDocument/2006/relationships" xmlns:p="http://schemas.openxmlformats.org/presentationml/2006/main" xmlns:m="http://schemas.openxmlformats.org/officeDocument/2006/math" xmlns:w="http://schemas.openxmlformats.org/wordprocessingml/2006/main" matchingName="" preserve="1" showMasterPhAnim="0" type="vertTitleAndTx" userDrawn="1">
   <p:cSld name="Vertical Title and Text">
     <p:spTree>
       <p:nvGrpSpPr>
@@ -542,7 +512,7 @@
         <p:cNvGrpSpPr/>
         <p:nvPr/>
       </p:nvGrpSpPr>
-      <p:grpSpPr>
+      <p:grpSpPr bwMode="auto">
         <a:xfrm>
           <a:off x="0" y="0"/>
           <a:ext cx="0" cy="0"/>
@@ -552,13 +522,7 @@
       </p:grpSpPr>
       <p:sp>
         <p:nvSpPr>
-          <p:cNvPr id="2" name="Vertical Title 1">
-            <a:extLst>
-              <a:ext uri="{FF2B5EF4-FFF2-40B4-BE49-F238E27FC236}">
-                <a16:creationId xmlns:a16="http://schemas.microsoft.com/office/drawing/2014/main" id="{21CEBFB2-B480-4A43-9142-9C7E978E2E0D}"/>
-              </a:ext>
-            </a:extLst>
-          </p:cNvPr>
+          <p:cNvPr id="2" name="Vertical Title 1"/>
           <p:cNvSpPr>
             <a:spLocks noGrp="1"/>
           </p:cNvSpPr>
@@ -566,7 +530,7 @@
             <p:ph type="title" orient="vert"/>
           </p:nvPr>
         </p:nvSpPr>
-        <p:spPr>
+        <p:spPr bwMode="auto">
           <a:xfrm>
             <a:off x="8724900" y="365125"/>
             <a:ext cx="2628900" cy="5811838"/>
@@ -576,22 +540,20 @@
           <a:bodyPr vert="eaVert"/>
           <a:lstStyle/>
           <a:p>
+            <a:pPr>
+              <a:defRPr/>
+            </a:pPr>
             <a:r>
               <a:rPr lang="en-US"/>
               <a:t>Click to edit Master title style</a:t>
             </a:r>
-          </a:p>
-        </p:txBody>
-      </p:sp>
-      <p:sp>
-        <p:nvSpPr>
-          <p:cNvPr id="3" name="Vertical Text Placeholder 2">
-            <a:extLst>
-              <a:ext uri="{FF2B5EF4-FFF2-40B4-BE49-F238E27FC236}">
-                <a16:creationId xmlns:a16="http://schemas.microsoft.com/office/drawing/2014/main" id="{9F7C27D4-FE80-4D0D-9326-18B1AC4F3504}"/>
-              </a:ext>
-            </a:extLst>
-          </p:cNvPr>
+            <a:endParaRPr/>
+          </a:p>
+        </p:txBody>
+      </p:sp>
+      <p:sp>
+        <p:nvSpPr>
+          <p:cNvPr id="3" name="Vertical Text Placeholder 2"/>
           <p:cNvSpPr>
             <a:spLocks noGrp="1"/>
           </p:cNvSpPr>
@@ -599,7 +561,7 @@
             <p:ph type="body" orient="vert" idx="1"/>
           </p:nvPr>
         </p:nvSpPr>
-        <p:spPr>
+        <p:spPr bwMode="auto">
           <a:xfrm>
             <a:off x="838200" y="365125"/>
             <a:ext cx="7734300" cy="5811838"/>
@@ -609,51 +571,60 @@
           <a:bodyPr vert="eaVert"/>
           <a:lstStyle/>
           <a:p>
-            <a:pPr lvl="0"/>
+            <a:pPr lvl="0">
+              <a:defRPr/>
+            </a:pPr>
             <a:r>
               <a:rPr lang="en-US"/>
               <a:t>Click to edit Master text styles</a:t>
             </a:r>
-          </a:p>
-          <a:p>
-            <a:pPr lvl="1"/>
+            <a:endParaRPr/>
+          </a:p>
+          <a:p>
+            <a:pPr lvl="1">
+              <a:defRPr/>
+            </a:pPr>
             <a:r>
               <a:rPr lang="en-US"/>
               <a:t>Second level</a:t>
             </a:r>
-          </a:p>
-          <a:p>
-            <a:pPr lvl="2"/>
+            <a:endParaRPr/>
+          </a:p>
+          <a:p>
+            <a:pPr lvl="2">
+              <a:defRPr/>
+            </a:pPr>
             <a:r>
               <a:rPr lang="en-US"/>
               <a:t>Third level</a:t>
             </a:r>
-          </a:p>
-          <a:p>
-            <a:pPr lvl="3"/>
+            <a:endParaRPr/>
+          </a:p>
+          <a:p>
+            <a:pPr lvl="3">
+              <a:defRPr/>
+            </a:pPr>
             <a:r>
               <a:rPr lang="en-US"/>
               <a:t>Fourth level</a:t>
             </a:r>
-          </a:p>
-          <a:p>
-            <a:pPr lvl="4"/>
+            <a:endParaRPr/>
+          </a:p>
+          <a:p>
+            <a:pPr lvl="4">
+              <a:defRPr/>
+            </a:pPr>
             <a:r>
               <a:rPr lang="en-US"/>
               <a:t>Fifth level</a:t>
             </a:r>
-          </a:p>
-        </p:txBody>
-      </p:sp>
-      <p:sp>
-        <p:nvSpPr>
-          <p:cNvPr id="4" name="Date Placeholder 3">
-            <a:extLst>
-              <a:ext uri="{FF2B5EF4-FFF2-40B4-BE49-F238E27FC236}">
-                <a16:creationId xmlns:a16="http://schemas.microsoft.com/office/drawing/2014/main" id="{8FF9E265-9EE7-43A5-8848-47C8255CDDFF}"/>
-              </a:ext>
-            </a:extLst>
-          </p:cNvPr>
+            <a:endParaRPr/>
+          </a:p>
+        </p:txBody>
+      </p:sp>
+      <p:sp>
+        <p:nvSpPr>
+          <p:cNvPr id="4" name="Date Placeholder 3"/>
           <p:cNvSpPr>
             <a:spLocks noGrp="1"/>
           </p:cNvSpPr>
@@ -661,14 +632,17 @@
             <p:ph type="dt" sz="half" idx="10"/>
           </p:nvPr>
         </p:nvSpPr>
-        <p:spPr/>
+        <p:spPr bwMode="auto"/>
         <p:txBody>
           <a:bodyPr/>
           <a:lstStyle/>
           <a:p>
+            <a:pPr>
+              <a:defRPr/>
+            </a:pPr>
             <a:fld id="{FF54DEC8-C894-4AC5-953F-8FB9825CC77C}" type="datetimeFigureOut">
-              <a:rPr lang="en-US" smtClean="0"/>
-              <a:t>11/28/22</a:t>
+              <a:rPr lang="en-US"/>
+              <a:t/>
             </a:fld>
             <a:endParaRPr lang="en-US"/>
           </a:p>
@@ -676,13 +650,7 @@
       </p:sp>
       <p:sp>
         <p:nvSpPr>
-          <p:cNvPr id="5" name="Footer Placeholder 4">
-            <a:extLst>
-              <a:ext uri="{FF2B5EF4-FFF2-40B4-BE49-F238E27FC236}">
-                <a16:creationId xmlns:a16="http://schemas.microsoft.com/office/drawing/2014/main" id="{D5F32D3F-CF2B-4103-B04B-9BB0DA2F1E2B}"/>
-              </a:ext>
-            </a:extLst>
-          </p:cNvPr>
+          <p:cNvPr id="5" name="Footer Placeholder 4"/>
           <p:cNvSpPr>
             <a:spLocks noGrp="1"/>
           </p:cNvSpPr>
@@ -690,24 +658,21 @@
             <p:ph type="ftr" sz="quarter" idx="11"/>
           </p:nvPr>
         </p:nvSpPr>
-        <p:spPr/>
+        <p:spPr bwMode="auto"/>
         <p:txBody>
           <a:bodyPr/>
           <a:lstStyle/>
           <a:p>
+            <a:pPr>
+              <a:defRPr/>
+            </a:pPr>
             <a:endParaRPr lang="en-US"/>
           </a:p>
         </p:txBody>
       </p:sp>
       <p:sp>
         <p:nvSpPr>
-          <p:cNvPr id="6" name="Slide Number Placeholder 5">
-            <a:extLst>
-              <a:ext uri="{FF2B5EF4-FFF2-40B4-BE49-F238E27FC236}">
-                <a16:creationId xmlns:a16="http://schemas.microsoft.com/office/drawing/2014/main" id="{03C5E911-C1F2-4A87-BD26-1ADDF730B82F}"/>
-              </a:ext>
-            </a:extLst>
-          </p:cNvPr>
+          <p:cNvPr id="6" name="Slide Number Placeholder 5"/>
           <p:cNvSpPr>
             <a:spLocks noGrp="1"/>
           </p:cNvSpPr>
@@ -715,25 +680,23 @@
             <p:ph type="sldNum" sz="quarter" idx="12"/>
           </p:nvPr>
         </p:nvSpPr>
-        <p:spPr/>
+        <p:spPr bwMode="auto"/>
         <p:txBody>
           <a:bodyPr/>
           <a:lstStyle/>
           <a:p>
+            <a:pPr>
+              <a:defRPr/>
+            </a:pPr>
             <a:fld id="{10C9208F-ADE9-4BAE-A43F-CB26C8E13901}" type="slidenum">
-              <a:rPr lang="en-US" smtClean="0"/>
-              <a:t>‹#›</a:t>
+              <a:rPr lang="en-US"/>
+              <a:t/>
             </a:fld>
             <a:endParaRPr lang="en-US"/>
           </a:p>
         </p:txBody>
       </p:sp>
     </p:spTree>
-    <p:extLst>
-      <p:ext uri="{BB962C8B-B14F-4D97-AF65-F5344CB8AC3E}">
-        <p14:creationId xmlns:p14="http://schemas.microsoft.com/office/powerpoint/2010/main" val="329512675"/>
-      </p:ext>
-    </p:extLst>
   </p:cSld>
   <p:clrMapOvr>
     <a:masterClrMapping/>
@@ -742,7 +705,7 @@
 </file>
 
 <file path=ppt/slideLayouts/slideLayout2.xml><?xml version="1.0" encoding="utf-8"?>
-<p:sldLayout xmlns:a="http://schemas.openxmlformats.org/drawingml/2006/main" xmlns:r="http://schemas.openxmlformats.org/officeDocument/2006/relationships" xmlns:p="http://schemas.openxmlformats.org/presentationml/2006/main" type="obj" preserve="1">
+<p:sldLayout xmlns:a="http://schemas.openxmlformats.org/drawingml/2006/main" xmlns:r="http://schemas.openxmlformats.org/officeDocument/2006/relationships" xmlns:p="http://schemas.openxmlformats.org/presentationml/2006/main" xmlns:m="http://schemas.openxmlformats.org/officeDocument/2006/math" xmlns:w="http://schemas.openxmlformats.org/wordprocessingml/2006/main" matchingName="" preserve="1" showMasterPhAnim="0" type="obj" userDrawn="1">
   <p:cSld name="Title and Content">
     <p:spTree>
       <p:nvGrpSpPr>
@@ -750,7 +713,7 @@
         <p:cNvGrpSpPr/>
         <p:nvPr/>
       </p:nvGrpSpPr>
-      <p:grpSpPr>
+      <p:grpSpPr bwMode="auto">
         <a:xfrm>
           <a:off x="0" y="0"/>
           <a:ext cx="0" cy="0"/>
@@ -760,13 +723,7 @@
       </p:grpSpPr>
       <p:sp>
         <p:nvSpPr>
-          <p:cNvPr id="2" name="Title 1">
-            <a:extLst>
-              <a:ext uri="{FF2B5EF4-FFF2-40B4-BE49-F238E27FC236}">
-                <a16:creationId xmlns:a16="http://schemas.microsoft.com/office/drawing/2014/main" id="{890A8E7F-5F8A-419E-A376-529A5049DA0D}"/>
-              </a:ext>
-            </a:extLst>
-          </p:cNvPr>
+          <p:cNvPr id="2" name="Title 1"/>
           <p:cNvSpPr>
             <a:spLocks noGrp="1"/>
           </p:cNvSpPr>
@@ -774,27 +731,25 @@
             <p:ph type="title"/>
           </p:nvPr>
         </p:nvSpPr>
-        <p:spPr/>
+        <p:spPr bwMode="auto"/>
         <p:txBody>
           <a:bodyPr/>
           <a:lstStyle/>
           <a:p>
+            <a:pPr>
+              <a:defRPr/>
+            </a:pPr>
             <a:r>
               <a:rPr lang="en-US"/>
               <a:t>Click to edit Master title style</a:t>
             </a:r>
-          </a:p>
-        </p:txBody>
-      </p:sp>
-      <p:sp>
-        <p:nvSpPr>
-          <p:cNvPr id="3" name="Content Placeholder 2">
-            <a:extLst>
-              <a:ext uri="{FF2B5EF4-FFF2-40B4-BE49-F238E27FC236}">
-                <a16:creationId xmlns:a16="http://schemas.microsoft.com/office/drawing/2014/main" id="{E0F68680-6581-46AE-AE92-AF2D363ACC04}"/>
-              </a:ext>
-            </a:extLst>
-          </p:cNvPr>
+            <a:endParaRPr/>
+          </a:p>
+        </p:txBody>
+      </p:sp>
+      <p:sp>
+        <p:nvSpPr>
+          <p:cNvPr id="3" name="Content Placeholder 2"/>
           <p:cNvSpPr>
             <a:spLocks noGrp="1"/>
           </p:cNvSpPr>
@@ -802,56 +757,65 @@
             <p:ph idx="1"/>
           </p:nvPr>
         </p:nvSpPr>
-        <p:spPr/>
+        <p:spPr bwMode="auto"/>
         <p:txBody>
           <a:bodyPr/>
           <a:lstStyle/>
           <a:p>
-            <a:pPr lvl="0"/>
+            <a:pPr lvl="0">
+              <a:defRPr/>
+            </a:pPr>
             <a:r>
               <a:rPr lang="en-US"/>
               <a:t>Click to edit Master text styles</a:t>
             </a:r>
-          </a:p>
-          <a:p>
-            <a:pPr lvl="1"/>
+            <a:endParaRPr/>
+          </a:p>
+          <a:p>
+            <a:pPr lvl="1">
+              <a:defRPr/>
+            </a:pPr>
             <a:r>
               <a:rPr lang="en-US"/>
               <a:t>Second level</a:t>
             </a:r>
-          </a:p>
-          <a:p>
-            <a:pPr lvl="2"/>
+            <a:endParaRPr/>
+          </a:p>
+          <a:p>
+            <a:pPr lvl="2">
+              <a:defRPr/>
+            </a:pPr>
             <a:r>
               <a:rPr lang="en-US"/>
               <a:t>Third level</a:t>
             </a:r>
-          </a:p>
-          <a:p>
-            <a:pPr lvl="3"/>
+            <a:endParaRPr/>
+          </a:p>
+          <a:p>
+            <a:pPr lvl="3">
+              <a:defRPr/>
+            </a:pPr>
             <a:r>
               <a:rPr lang="en-US"/>
               <a:t>Fourth level</a:t>
             </a:r>
-          </a:p>
-          <a:p>
-            <a:pPr lvl="4"/>
+            <a:endParaRPr/>
+          </a:p>
+          <a:p>
+            <a:pPr lvl="4">
+              <a:defRPr/>
+            </a:pPr>
             <a:r>
               <a:rPr lang="en-US"/>
               <a:t>Fifth level</a:t>
             </a:r>
-          </a:p>
-        </p:txBody>
-      </p:sp>
-      <p:sp>
-        <p:nvSpPr>
-          <p:cNvPr id="4" name="Date Placeholder 3">
-            <a:extLst>
-              <a:ext uri="{FF2B5EF4-FFF2-40B4-BE49-F238E27FC236}">
-                <a16:creationId xmlns:a16="http://schemas.microsoft.com/office/drawing/2014/main" id="{D4FEE1BB-2728-4A56-889C-A0AD8938AE25}"/>
-              </a:ext>
-            </a:extLst>
-          </p:cNvPr>
+            <a:endParaRPr/>
+          </a:p>
+        </p:txBody>
+      </p:sp>
+      <p:sp>
+        <p:nvSpPr>
+          <p:cNvPr id="4" name="Date Placeholder 3"/>
           <p:cNvSpPr>
             <a:spLocks noGrp="1"/>
           </p:cNvSpPr>
@@ -859,14 +823,17 @@
             <p:ph type="dt" sz="half" idx="10"/>
           </p:nvPr>
         </p:nvSpPr>
-        <p:spPr/>
+        <p:spPr bwMode="auto"/>
         <p:txBody>
           <a:bodyPr/>
           <a:lstStyle/>
           <a:p>
+            <a:pPr>
+              <a:defRPr/>
+            </a:pPr>
             <a:fld id="{FF54DEC8-C894-4AC5-953F-8FB9825CC77C}" type="datetimeFigureOut">
-              <a:rPr lang="en-US" smtClean="0"/>
-              <a:t>11/28/22</a:t>
+              <a:rPr lang="en-US"/>
+              <a:t/>
             </a:fld>
             <a:endParaRPr lang="en-US"/>
           </a:p>
@@ -874,13 +841,7 @@
       </p:sp>
       <p:sp>
         <p:nvSpPr>
-          <p:cNvPr id="5" name="Footer Placeholder 4">
-            <a:extLst>
-              <a:ext uri="{FF2B5EF4-FFF2-40B4-BE49-F238E27FC236}">
-                <a16:creationId xmlns:a16="http://schemas.microsoft.com/office/drawing/2014/main" id="{CE5B97B9-9C6D-4291-AC81-9A998EC2061E}"/>
-              </a:ext>
-            </a:extLst>
-          </p:cNvPr>
+          <p:cNvPr id="5" name="Footer Placeholder 4"/>
           <p:cNvSpPr>
             <a:spLocks noGrp="1"/>
           </p:cNvSpPr>
@@ -888,24 +849,21 @@
             <p:ph type="ftr" sz="quarter" idx="11"/>
           </p:nvPr>
         </p:nvSpPr>
-        <p:spPr/>
+        <p:spPr bwMode="auto"/>
         <p:txBody>
           <a:bodyPr/>
           <a:lstStyle/>
           <a:p>
+            <a:pPr>
+              <a:defRPr/>
+            </a:pPr>
             <a:endParaRPr lang="en-US"/>
           </a:p>
         </p:txBody>
       </p:sp>
       <p:sp>
         <p:nvSpPr>
-          <p:cNvPr id="6" name="Slide Number Placeholder 5">
-            <a:extLst>
-              <a:ext uri="{FF2B5EF4-FFF2-40B4-BE49-F238E27FC236}">
-                <a16:creationId xmlns:a16="http://schemas.microsoft.com/office/drawing/2014/main" id="{138281C1-6BCE-4B4A-A589-720E0AFB4970}"/>
-              </a:ext>
-            </a:extLst>
-          </p:cNvPr>
+          <p:cNvPr id="6" name="Slide Number Placeholder 5"/>
           <p:cNvSpPr>
             <a:spLocks noGrp="1"/>
           </p:cNvSpPr>
@@ -913,25 +871,23 @@
             <p:ph type="sldNum" sz="quarter" idx="12"/>
           </p:nvPr>
         </p:nvSpPr>
-        <p:spPr/>
+        <p:spPr bwMode="auto"/>
         <p:txBody>
           <a:bodyPr/>
           <a:lstStyle/>
           <a:p>
+            <a:pPr>
+              <a:defRPr/>
+            </a:pPr>
             <a:fld id="{10C9208F-ADE9-4BAE-A43F-CB26C8E13901}" type="slidenum">
-              <a:rPr lang="en-US" smtClean="0"/>
-              <a:t>‹#›</a:t>
+              <a:rPr lang="en-US"/>
+              <a:t/>
             </a:fld>
             <a:endParaRPr lang="en-US"/>
           </a:p>
         </p:txBody>
       </p:sp>
     </p:spTree>
-    <p:extLst>
-      <p:ext uri="{BB962C8B-B14F-4D97-AF65-F5344CB8AC3E}">
-        <p14:creationId xmlns:p14="http://schemas.microsoft.com/office/powerpoint/2010/main" val="4072272047"/>
-      </p:ext>
-    </p:extLst>
   </p:cSld>
   <p:clrMapOvr>
     <a:masterClrMapping/>
@@ -940,7 +896,7 @@
 </file>
 
 <file path=ppt/slideLayouts/slideLayout3.xml><?xml version="1.0" encoding="utf-8"?>
-<p:sldLayout xmlns:a="http://schemas.openxmlformats.org/drawingml/2006/main" xmlns:r="http://schemas.openxmlformats.org/officeDocument/2006/relationships" xmlns:p="http://schemas.openxmlformats.org/presentationml/2006/main" type="secHead" preserve="1">
+<p:sldLayout xmlns:a="http://schemas.openxmlformats.org/drawingml/2006/main" xmlns:r="http://schemas.openxmlformats.org/officeDocument/2006/relationships" xmlns:p="http://schemas.openxmlformats.org/presentationml/2006/main" xmlns:m="http://schemas.openxmlformats.org/officeDocument/2006/math" xmlns:w="http://schemas.openxmlformats.org/wordprocessingml/2006/main" matchingName="" preserve="1" showMasterPhAnim="0" type="secHead" userDrawn="1">
   <p:cSld name="Section Header">
     <p:spTree>
       <p:nvGrpSpPr>
@@ -948,7 +904,7 @@
         <p:cNvGrpSpPr/>
         <p:nvPr/>
       </p:nvGrpSpPr>
-      <p:grpSpPr>
+      <p:grpSpPr bwMode="auto">
         <a:xfrm>
           <a:off x="0" y="0"/>
           <a:ext cx="0" cy="0"/>
@@ -958,13 +914,7 @@
       </p:grpSpPr>
       <p:sp>
         <p:nvSpPr>
-          <p:cNvPr id="2" name="Title 1">
-            <a:extLst>
-              <a:ext uri="{FF2B5EF4-FFF2-40B4-BE49-F238E27FC236}">
-                <a16:creationId xmlns:a16="http://schemas.microsoft.com/office/drawing/2014/main" id="{E01A266E-44A7-4B5D-85BC-A5CA816431BA}"/>
-              </a:ext>
-            </a:extLst>
-          </p:cNvPr>
+          <p:cNvPr id="2" name="Title 1"/>
           <p:cNvSpPr>
             <a:spLocks noGrp="1"/>
           </p:cNvSpPr>
@@ -972,7 +922,7 @@
             <p:ph type="title"/>
           </p:nvPr>
         </p:nvSpPr>
-        <p:spPr>
+        <p:spPr bwMode="auto">
           <a:xfrm>
             <a:off x="831850" y="1709738"/>
             <a:ext cx="10515600" cy="2852737"/>
@@ -986,22 +936,20 @@
             </a:lvl1pPr>
           </a:lstStyle>
           <a:p>
+            <a:pPr>
+              <a:defRPr/>
+            </a:pPr>
             <a:r>
               <a:rPr lang="en-US"/>
               <a:t>Click to edit Master title style</a:t>
             </a:r>
-          </a:p>
-        </p:txBody>
-      </p:sp>
-      <p:sp>
-        <p:nvSpPr>
-          <p:cNvPr id="3" name="Text Placeholder 2">
-            <a:extLst>
-              <a:ext uri="{FF2B5EF4-FFF2-40B4-BE49-F238E27FC236}">
-                <a16:creationId xmlns:a16="http://schemas.microsoft.com/office/drawing/2014/main" id="{1BFCAD94-E117-4BC3-9C9B-604538856F52}"/>
-              </a:ext>
-            </a:extLst>
-          </p:cNvPr>
+            <a:endParaRPr/>
+          </a:p>
+        </p:txBody>
+      </p:sp>
+      <p:sp>
+        <p:nvSpPr>
+          <p:cNvPr id="3" name="Text Placeholder 2"/>
           <p:cNvSpPr>
             <a:spLocks noGrp="1"/>
           </p:cNvSpPr>
@@ -1009,7 +957,7 @@
             <p:ph type="body" idx="1"/>
           </p:nvPr>
         </p:nvSpPr>
-        <p:spPr>
+        <p:spPr bwMode="auto">
           <a:xfrm>
             <a:off x="831850" y="4589463"/>
             <a:ext cx="10515600" cy="1500187"/>
@@ -1110,23 +1058,20 @@
             </a:lvl9pPr>
           </a:lstStyle>
           <a:p>
-            <a:pPr lvl="0"/>
+            <a:pPr lvl="0">
+              <a:defRPr/>
+            </a:pPr>
             <a:r>
               <a:rPr lang="en-US"/>
               <a:t>Click to edit Master text styles</a:t>
             </a:r>
-          </a:p>
-        </p:txBody>
-      </p:sp>
-      <p:sp>
-        <p:nvSpPr>
-          <p:cNvPr id="4" name="Date Placeholder 3">
-            <a:extLst>
-              <a:ext uri="{FF2B5EF4-FFF2-40B4-BE49-F238E27FC236}">
-                <a16:creationId xmlns:a16="http://schemas.microsoft.com/office/drawing/2014/main" id="{7483162F-309A-435A-AF4C-B969ED824FC8}"/>
-              </a:ext>
-            </a:extLst>
-          </p:cNvPr>
+            <a:endParaRPr/>
+          </a:p>
+        </p:txBody>
+      </p:sp>
+      <p:sp>
+        <p:nvSpPr>
+          <p:cNvPr id="4" name="Date Placeholder 3"/>
           <p:cNvSpPr>
             <a:spLocks noGrp="1"/>
           </p:cNvSpPr>
@@ -1134,14 +1079,17 @@
             <p:ph type="dt" sz="half" idx="10"/>
           </p:nvPr>
         </p:nvSpPr>
-        <p:spPr/>
+        <p:spPr bwMode="auto"/>
         <p:txBody>
           <a:bodyPr/>
           <a:lstStyle/>
           <a:p>
+            <a:pPr>
+              <a:defRPr/>
+            </a:pPr>
             <a:fld id="{FF54DEC8-C894-4AC5-953F-8FB9825CC77C}" type="datetimeFigureOut">
-              <a:rPr lang="en-US" smtClean="0"/>
-              <a:t>11/28/22</a:t>
+              <a:rPr lang="en-US"/>
+              <a:t/>
             </a:fld>
             <a:endParaRPr lang="en-US"/>
           </a:p>
@@ -1149,13 +1097,7 @@
       </p:sp>
       <p:sp>
         <p:nvSpPr>
-          <p:cNvPr id="5" name="Footer Placeholder 4">
-            <a:extLst>
-              <a:ext uri="{FF2B5EF4-FFF2-40B4-BE49-F238E27FC236}">
-                <a16:creationId xmlns:a16="http://schemas.microsoft.com/office/drawing/2014/main" id="{F968F9BA-CC19-4844-B087-88D00670B635}"/>
-              </a:ext>
-            </a:extLst>
-          </p:cNvPr>
+          <p:cNvPr id="5" name="Footer Placeholder 4"/>
           <p:cNvSpPr>
             <a:spLocks noGrp="1"/>
           </p:cNvSpPr>
@@ -1163,24 +1105,21 @@
             <p:ph type="ftr" sz="quarter" idx="11"/>
           </p:nvPr>
         </p:nvSpPr>
-        <p:spPr/>
+        <p:spPr bwMode="auto"/>
         <p:txBody>
           <a:bodyPr/>
           <a:lstStyle/>
           <a:p>
+            <a:pPr>
+              <a:defRPr/>
+            </a:pPr>
             <a:endParaRPr lang="en-US"/>
           </a:p>
         </p:txBody>
       </p:sp>
       <p:sp>
         <p:nvSpPr>
-          <p:cNvPr id="6" name="Slide Number Placeholder 5">
-            <a:extLst>
-              <a:ext uri="{FF2B5EF4-FFF2-40B4-BE49-F238E27FC236}">
-                <a16:creationId xmlns:a16="http://schemas.microsoft.com/office/drawing/2014/main" id="{7EF0AEE8-DD9D-411E-A578-BE48A68024B8}"/>
-              </a:ext>
-            </a:extLst>
-          </p:cNvPr>
+          <p:cNvPr id="6" name="Slide Number Placeholder 5"/>
           <p:cNvSpPr>
             <a:spLocks noGrp="1"/>
           </p:cNvSpPr>
@@ -1188,25 +1127,23 @@
             <p:ph type="sldNum" sz="quarter" idx="12"/>
           </p:nvPr>
         </p:nvSpPr>
-        <p:spPr/>
+        <p:spPr bwMode="auto"/>
         <p:txBody>
           <a:bodyPr/>
           <a:lstStyle/>
           <a:p>
+            <a:pPr>
+              <a:defRPr/>
+            </a:pPr>
             <a:fld id="{10C9208F-ADE9-4BAE-A43F-CB26C8E13901}" type="slidenum">
-              <a:rPr lang="en-US" smtClean="0"/>
-              <a:t>‹#›</a:t>
+              <a:rPr lang="en-US"/>
+              <a:t/>
             </a:fld>
             <a:endParaRPr lang="en-US"/>
           </a:p>
         </p:txBody>
       </p:sp>
     </p:spTree>
-    <p:extLst>
-      <p:ext uri="{BB962C8B-B14F-4D97-AF65-F5344CB8AC3E}">
-        <p14:creationId xmlns:p14="http://schemas.microsoft.com/office/powerpoint/2010/main" val="4073206372"/>
-      </p:ext>
-    </p:extLst>
   </p:cSld>
   <p:clrMapOvr>
     <a:masterClrMapping/>
@@ -1215,7 +1152,7 @@
 </file>
 
 <file path=ppt/slideLayouts/slideLayout4.xml><?xml version="1.0" encoding="utf-8"?>
-<p:sldLayout xmlns:a="http://schemas.openxmlformats.org/drawingml/2006/main" xmlns:r="http://schemas.openxmlformats.org/officeDocument/2006/relationships" xmlns:p="http://schemas.openxmlformats.org/presentationml/2006/main" type="twoObj" preserve="1">
+<p:sldLayout xmlns:a="http://schemas.openxmlformats.org/drawingml/2006/main" xmlns:r="http://schemas.openxmlformats.org/officeDocument/2006/relationships" xmlns:p="http://schemas.openxmlformats.org/presentationml/2006/main" xmlns:m="http://schemas.openxmlformats.org/officeDocument/2006/math" xmlns:w="http://schemas.openxmlformats.org/wordprocessingml/2006/main" matchingName="" preserve="1" showMasterPhAnim="0" type="twoObj" userDrawn="1">
   <p:cSld name="Two Content">
     <p:spTree>
       <p:nvGrpSpPr>
@@ -1223,7 +1160,7 @@
         <p:cNvGrpSpPr/>
         <p:nvPr/>
       </p:nvGrpSpPr>
-      <p:grpSpPr>
+      <p:grpSpPr bwMode="auto">
         <a:xfrm>
           <a:off x="0" y="0"/>
           <a:ext cx="0" cy="0"/>
@@ -1233,13 +1170,7 @@
       </p:grpSpPr>
       <p:sp>
         <p:nvSpPr>
-          <p:cNvPr id="2" name="Title 1">
-            <a:extLst>
-              <a:ext uri="{FF2B5EF4-FFF2-40B4-BE49-F238E27FC236}">
-                <a16:creationId xmlns:a16="http://schemas.microsoft.com/office/drawing/2014/main" id="{2FA049F7-1ACF-4077-8CEE-66279B839379}"/>
-              </a:ext>
-            </a:extLst>
-          </p:cNvPr>
+          <p:cNvPr id="2" name="Title 1"/>
           <p:cNvSpPr>
             <a:spLocks noGrp="1"/>
           </p:cNvSpPr>
@@ -1247,27 +1178,25 @@
             <p:ph type="title"/>
           </p:nvPr>
         </p:nvSpPr>
-        <p:spPr/>
+        <p:spPr bwMode="auto"/>
         <p:txBody>
           <a:bodyPr/>
           <a:lstStyle/>
           <a:p>
+            <a:pPr>
+              <a:defRPr/>
+            </a:pPr>
             <a:r>
               <a:rPr lang="en-US"/>
               <a:t>Click to edit Master title style</a:t>
             </a:r>
-          </a:p>
-        </p:txBody>
-      </p:sp>
-      <p:sp>
-        <p:nvSpPr>
-          <p:cNvPr id="3" name="Content Placeholder 2">
-            <a:extLst>
-              <a:ext uri="{FF2B5EF4-FFF2-40B4-BE49-F238E27FC236}">
-                <a16:creationId xmlns:a16="http://schemas.microsoft.com/office/drawing/2014/main" id="{166E7D36-36D1-4775-8158-5EAD5AEBAF41}"/>
-              </a:ext>
-            </a:extLst>
-          </p:cNvPr>
+            <a:endParaRPr/>
+          </a:p>
+        </p:txBody>
+      </p:sp>
+      <p:sp>
+        <p:nvSpPr>
+          <p:cNvPr id="3" name="Content Placeholder 2"/>
           <p:cNvSpPr>
             <a:spLocks noGrp="1"/>
           </p:cNvSpPr>
@@ -1275,7 +1204,7 @@
             <p:ph sz="half" idx="1"/>
           </p:nvPr>
         </p:nvSpPr>
-        <p:spPr>
+        <p:spPr bwMode="auto">
           <a:xfrm>
             <a:off x="838200" y="1825625"/>
             <a:ext cx="5181600" cy="4351338"/>
@@ -1285,51 +1214,60 @@
           <a:bodyPr/>
           <a:lstStyle/>
           <a:p>
-            <a:pPr lvl="0"/>
+            <a:pPr lvl="0">
+              <a:defRPr/>
+            </a:pPr>
             <a:r>
               <a:rPr lang="en-US"/>
               <a:t>Click to edit Master text styles</a:t>
             </a:r>
-          </a:p>
-          <a:p>
-            <a:pPr lvl="1"/>
+            <a:endParaRPr/>
+          </a:p>
+          <a:p>
+            <a:pPr lvl="1">
+              <a:defRPr/>
+            </a:pPr>
             <a:r>
               <a:rPr lang="en-US"/>
               <a:t>Second level</a:t>
             </a:r>
-          </a:p>
-          <a:p>
-            <a:pPr lvl="2"/>
+            <a:endParaRPr/>
+          </a:p>
+          <a:p>
+            <a:pPr lvl="2">
+              <a:defRPr/>
+            </a:pPr>
             <a:r>
               <a:rPr lang="en-US"/>
               <a:t>Third level</a:t>
             </a:r>
-          </a:p>
-          <a:p>
-            <a:pPr lvl="3"/>
+            <a:endParaRPr/>
+          </a:p>
+          <a:p>
+            <a:pPr lvl="3">
+              <a:defRPr/>
+            </a:pPr>
             <a:r>
               <a:rPr lang="en-US"/>
               <a:t>Fourth level</a:t>
             </a:r>
-          </a:p>
-          <a:p>
-            <a:pPr lvl="4"/>
+            <a:endParaRPr/>
+          </a:p>
+          <a:p>
+            <a:pPr lvl="4">
+              <a:defRPr/>
+            </a:pPr>
             <a:r>
               <a:rPr lang="en-US"/>
               <a:t>Fifth level</a:t>
             </a:r>
-          </a:p>
-        </p:txBody>
-      </p:sp>
-      <p:sp>
-        <p:nvSpPr>
-          <p:cNvPr id="4" name="Content Placeholder 3">
-            <a:extLst>
-              <a:ext uri="{FF2B5EF4-FFF2-40B4-BE49-F238E27FC236}">
-                <a16:creationId xmlns:a16="http://schemas.microsoft.com/office/drawing/2014/main" id="{71DE0F88-897C-4B5C-B4FF-75DE9089B197}"/>
-              </a:ext>
-            </a:extLst>
-          </p:cNvPr>
+            <a:endParaRPr/>
+          </a:p>
+        </p:txBody>
+      </p:sp>
+      <p:sp>
+        <p:nvSpPr>
+          <p:cNvPr id="4" name="Content Placeholder 3"/>
           <p:cNvSpPr>
             <a:spLocks noGrp="1"/>
           </p:cNvSpPr>
@@ -1337,7 +1275,7 @@
             <p:ph sz="half" idx="2"/>
           </p:nvPr>
         </p:nvSpPr>
-        <p:spPr>
+        <p:spPr bwMode="auto">
           <a:xfrm>
             <a:off x="6172200" y="1825625"/>
             <a:ext cx="5181600" cy="4351338"/>
@@ -1347,51 +1285,60 @@
           <a:bodyPr/>
           <a:lstStyle/>
           <a:p>
-            <a:pPr lvl="0"/>
+            <a:pPr lvl="0">
+              <a:defRPr/>
+            </a:pPr>
             <a:r>
               <a:rPr lang="en-US"/>
               <a:t>Click to edit Master text styles</a:t>
             </a:r>
-          </a:p>
-          <a:p>
-            <a:pPr lvl="1"/>
+            <a:endParaRPr/>
+          </a:p>
+          <a:p>
+            <a:pPr lvl="1">
+              <a:defRPr/>
+            </a:pPr>
             <a:r>
               <a:rPr lang="en-US"/>
               <a:t>Second level</a:t>
             </a:r>
-          </a:p>
-          <a:p>
-            <a:pPr lvl="2"/>
+            <a:endParaRPr/>
+          </a:p>
+          <a:p>
+            <a:pPr lvl="2">
+              <a:defRPr/>
+            </a:pPr>
             <a:r>
               <a:rPr lang="en-US"/>
               <a:t>Third level</a:t>
             </a:r>
-          </a:p>
-          <a:p>
-            <a:pPr lvl="3"/>
+            <a:endParaRPr/>
+          </a:p>
+          <a:p>
+            <a:pPr lvl="3">
+              <a:defRPr/>
+            </a:pPr>
             <a:r>
               <a:rPr lang="en-US"/>
               <a:t>Fourth level</a:t>
             </a:r>
-          </a:p>
-          <a:p>
-            <a:pPr lvl="4"/>
+            <a:endParaRPr/>
+          </a:p>
+          <a:p>
+            <a:pPr lvl="4">
+              <a:defRPr/>
+            </a:pPr>
             <a:r>
               <a:rPr lang="en-US"/>
               <a:t>Fifth level</a:t>
             </a:r>
-          </a:p>
-        </p:txBody>
-      </p:sp>
-      <p:sp>
-        <p:nvSpPr>
-          <p:cNvPr id="5" name="Date Placeholder 4">
-            <a:extLst>
-              <a:ext uri="{FF2B5EF4-FFF2-40B4-BE49-F238E27FC236}">
-                <a16:creationId xmlns:a16="http://schemas.microsoft.com/office/drawing/2014/main" id="{88FEFA4E-A349-4C8A-B446-C7923460048C}"/>
-              </a:ext>
-            </a:extLst>
-          </p:cNvPr>
+            <a:endParaRPr/>
+          </a:p>
+        </p:txBody>
+      </p:sp>
+      <p:sp>
+        <p:nvSpPr>
+          <p:cNvPr id="5" name="Date Placeholder 4"/>
           <p:cNvSpPr>
             <a:spLocks noGrp="1"/>
           </p:cNvSpPr>
@@ -1399,14 +1346,17 @@
             <p:ph type="dt" sz="half" idx="10"/>
           </p:nvPr>
         </p:nvSpPr>
-        <p:spPr/>
+        <p:spPr bwMode="auto"/>
         <p:txBody>
           <a:bodyPr/>
           <a:lstStyle/>
           <a:p>
+            <a:pPr>
+              <a:defRPr/>
+            </a:pPr>
             <a:fld id="{FF54DEC8-C894-4AC5-953F-8FB9825CC77C}" type="datetimeFigureOut">
-              <a:rPr lang="en-US" smtClean="0"/>
-              <a:t>11/28/22</a:t>
+              <a:rPr lang="en-US"/>
+              <a:t/>
             </a:fld>
             <a:endParaRPr lang="en-US"/>
           </a:p>
@@ -1414,13 +1364,7 @@
       </p:sp>
       <p:sp>
         <p:nvSpPr>
-          <p:cNvPr id="6" name="Footer Placeholder 5">
-            <a:extLst>
-              <a:ext uri="{FF2B5EF4-FFF2-40B4-BE49-F238E27FC236}">
-                <a16:creationId xmlns:a16="http://schemas.microsoft.com/office/drawing/2014/main" id="{C1CF8781-7A69-4379-B2FC-EDA6AB886CE7}"/>
-              </a:ext>
-            </a:extLst>
-          </p:cNvPr>
+          <p:cNvPr id="6" name="Footer Placeholder 5"/>
           <p:cNvSpPr>
             <a:spLocks noGrp="1"/>
           </p:cNvSpPr>
@@ -1428,24 +1372,21 @@
             <p:ph type="ftr" sz="quarter" idx="11"/>
           </p:nvPr>
         </p:nvSpPr>
-        <p:spPr/>
+        <p:spPr bwMode="auto"/>
         <p:txBody>
           <a:bodyPr/>
           <a:lstStyle/>
           <a:p>
+            <a:pPr>
+              <a:defRPr/>
+            </a:pPr>
             <a:endParaRPr lang="en-US"/>
           </a:p>
         </p:txBody>
       </p:sp>
       <p:sp>
         <p:nvSpPr>
-          <p:cNvPr id="7" name="Slide Number Placeholder 6">
-            <a:extLst>
-              <a:ext uri="{FF2B5EF4-FFF2-40B4-BE49-F238E27FC236}">
-                <a16:creationId xmlns:a16="http://schemas.microsoft.com/office/drawing/2014/main" id="{17FAD1CA-3CFD-43BC-984D-17E8D8338A96}"/>
-              </a:ext>
-            </a:extLst>
-          </p:cNvPr>
+          <p:cNvPr id="7" name="Slide Number Placeholder 6"/>
           <p:cNvSpPr>
             <a:spLocks noGrp="1"/>
           </p:cNvSpPr>
@@ -1453,25 +1394,23 @@
             <p:ph type="sldNum" sz="quarter" idx="12"/>
           </p:nvPr>
         </p:nvSpPr>
-        <p:spPr/>
+        <p:spPr bwMode="auto"/>
         <p:txBody>
           <a:bodyPr/>
           <a:lstStyle/>
           <a:p>
+            <a:pPr>
+              <a:defRPr/>
+            </a:pPr>
             <a:fld id="{10C9208F-ADE9-4BAE-A43F-CB26C8E13901}" type="slidenum">
-              <a:rPr lang="en-US" smtClean="0"/>
-              <a:t>‹#›</a:t>
+              <a:rPr lang="en-US"/>
+              <a:t/>
             </a:fld>
             <a:endParaRPr lang="en-US"/>
           </a:p>
         </p:txBody>
       </p:sp>
     </p:spTree>
-    <p:extLst>
-      <p:ext uri="{BB962C8B-B14F-4D97-AF65-F5344CB8AC3E}">
-        <p14:creationId xmlns:p14="http://schemas.microsoft.com/office/powerpoint/2010/main" val="4197711610"/>
-      </p:ext>
-    </p:extLst>
   </p:cSld>
   <p:clrMapOvr>
     <a:masterClrMapping/>
@@ -1480,7 +1419,7 @@
 </file>
 
 <file path=ppt/slideLayouts/slideLayout5.xml><?xml version="1.0" encoding="utf-8"?>
-<p:sldLayout xmlns:a="http://schemas.openxmlformats.org/drawingml/2006/main" xmlns:r="http://schemas.openxmlformats.org/officeDocument/2006/relationships" xmlns:p="http://schemas.openxmlformats.org/presentationml/2006/main" type="twoTxTwoObj" preserve="1">
+<p:sldLayout xmlns:a="http://schemas.openxmlformats.org/drawingml/2006/main" xmlns:r="http://schemas.openxmlformats.org/officeDocument/2006/relationships" xmlns:p="http://schemas.openxmlformats.org/presentationml/2006/main" xmlns:m="http://schemas.openxmlformats.org/officeDocument/2006/math" xmlns:w="http://schemas.openxmlformats.org/wordprocessingml/2006/main" matchingName="" preserve="1" showMasterPhAnim="0" type="twoTxTwoObj" userDrawn="1">
   <p:cSld name="Comparison">
     <p:spTree>
       <p:nvGrpSpPr>
@@ -1488,7 +1427,7 @@
         <p:cNvGrpSpPr/>
         <p:nvPr/>
       </p:nvGrpSpPr>
-      <p:grpSpPr>
+      <p:grpSpPr bwMode="auto">
         <a:xfrm>
           <a:off x="0" y="0"/>
           <a:ext cx="0" cy="0"/>
@@ -1498,13 +1437,7 @@
       </p:grpSpPr>
       <p:sp>
         <p:nvSpPr>
-          <p:cNvPr id="2" name="Title 1">
-            <a:extLst>
-              <a:ext uri="{FF2B5EF4-FFF2-40B4-BE49-F238E27FC236}">
-                <a16:creationId xmlns:a16="http://schemas.microsoft.com/office/drawing/2014/main" id="{C914479B-A945-4DEC-B237-A1BC8421B898}"/>
-              </a:ext>
-            </a:extLst>
-          </p:cNvPr>
+          <p:cNvPr id="2" name="Title 1"/>
           <p:cNvSpPr>
             <a:spLocks noGrp="1"/>
           </p:cNvSpPr>
@@ -1512,7 +1445,7 @@
             <p:ph type="title"/>
           </p:nvPr>
         </p:nvSpPr>
-        <p:spPr>
+        <p:spPr bwMode="auto">
           <a:xfrm>
             <a:off x="839788" y="365125"/>
             <a:ext cx="10515600" cy="1325563"/>
@@ -1522,22 +1455,20 @@
           <a:bodyPr/>
           <a:lstStyle/>
           <a:p>
+            <a:pPr>
+              <a:defRPr/>
+            </a:pPr>
             <a:r>
               <a:rPr lang="en-US"/>
               <a:t>Click to edit Master title style</a:t>
             </a:r>
-          </a:p>
-        </p:txBody>
-      </p:sp>
-      <p:sp>
-        <p:nvSpPr>
-          <p:cNvPr id="3" name="Text Placeholder 2">
-            <a:extLst>
-              <a:ext uri="{FF2B5EF4-FFF2-40B4-BE49-F238E27FC236}">
-                <a16:creationId xmlns:a16="http://schemas.microsoft.com/office/drawing/2014/main" id="{805566BD-EFAC-4679-93BB-27C8730002FA}"/>
-              </a:ext>
-            </a:extLst>
-          </p:cNvPr>
+            <a:endParaRPr/>
+          </a:p>
+        </p:txBody>
+      </p:sp>
+      <p:sp>
+        <p:nvSpPr>
+          <p:cNvPr id="3" name="Text Placeholder 2"/>
           <p:cNvSpPr>
             <a:spLocks noGrp="1"/>
           </p:cNvSpPr>
@@ -1545,7 +1476,7 @@
             <p:ph type="body" idx="1"/>
           </p:nvPr>
         </p:nvSpPr>
-        <p:spPr>
+        <p:spPr bwMode="auto">
           <a:xfrm>
             <a:off x="839788" y="1681163"/>
             <a:ext cx="5157787" cy="823912"/>
@@ -1592,23 +1523,20 @@
             </a:lvl9pPr>
           </a:lstStyle>
           <a:p>
-            <a:pPr lvl="0"/>
+            <a:pPr lvl="0">
+              <a:defRPr/>
+            </a:pPr>
             <a:r>
               <a:rPr lang="en-US"/>
               <a:t>Click to edit Master text styles</a:t>
             </a:r>
-          </a:p>
-        </p:txBody>
-      </p:sp>
-      <p:sp>
-        <p:nvSpPr>
-          <p:cNvPr id="4" name="Content Placeholder 3">
-            <a:extLst>
-              <a:ext uri="{FF2B5EF4-FFF2-40B4-BE49-F238E27FC236}">
-                <a16:creationId xmlns:a16="http://schemas.microsoft.com/office/drawing/2014/main" id="{310FD6C1-A70A-4EC9-90AA-D3C03F802C65}"/>
-              </a:ext>
-            </a:extLst>
-          </p:cNvPr>
+            <a:endParaRPr/>
+          </a:p>
+        </p:txBody>
+      </p:sp>
+      <p:sp>
+        <p:nvSpPr>
+          <p:cNvPr id="4" name="Content Placeholder 3"/>
           <p:cNvSpPr>
             <a:spLocks noGrp="1"/>
           </p:cNvSpPr>
@@ -1616,9 +1544,9 @@
             <p:ph sz="half" idx="2"/>
           </p:nvPr>
         </p:nvSpPr>
-        <p:spPr>
-          <a:xfrm>
-            <a:off x="839788" y="2505075"/>
+        <p:spPr bwMode="auto">
+          <a:xfrm>
+            <a:off x="839788" y="2505074"/>
             <a:ext cx="5157787" cy="3684588"/>
           </a:xfrm>
         </p:spPr>
@@ -1626,51 +1554,60 @@
           <a:bodyPr/>
           <a:lstStyle/>
           <a:p>
-            <a:pPr lvl="0"/>
+            <a:pPr lvl="0">
+              <a:defRPr/>
+            </a:pPr>
             <a:r>
               <a:rPr lang="en-US"/>
               <a:t>Click to edit Master text styles</a:t>
             </a:r>
-          </a:p>
-          <a:p>
-            <a:pPr lvl="1"/>
+            <a:endParaRPr/>
+          </a:p>
+          <a:p>
+            <a:pPr lvl="1">
+              <a:defRPr/>
+            </a:pPr>
             <a:r>
               <a:rPr lang="en-US"/>
               <a:t>Second level</a:t>
             </a:r>
-          </a:p>
-          <a:p>
-            <a:pPr lvl="2"/>
+            <a:endParaRPr/>
+          </a:p>
+          <a:p>
+            <a:pPr lvl="2">
+              <a:defRPr/>
+            </a:pPr>
             <a:r>
               <a:rPr lang="en-US"/>
               <a:t>Third level</a:t>
             </a:r>
-          </a:p>
-          <a:p>
-            <a:pPr lvl="3"/>
+            <a:endParaRPr/>
+          </a:p>
+          <a:p>
+            <a:pPr lvl="3">
+              <a:defRPr/>
+            </a:pPr>
             <a:r>
               <a:rPr lang="en-US"/>
               <a:t>Fourth level</a:t>
             </a:r>
-          </a:p>
-          <a:p>
-            <a:pPr lvl="4"/>
+            <a:endParaRPr/>
+          </a:p>
+          <a:p>
+            <a:pPr lvl="4">
+              <a:defRPr/>
+            </a:pPr>
             <a:r>
               <a:rPr lang="en-US"/>
               <a:t>Fifth level</a:t>
             </a:r>
-          </a:p>
-        </p:txBody>
-      </p:sp>
-      <p:sp>
-        <p:nvSpPr>
-          <p:cNvPr id="5" name="Text Placeholder 4">
-            <a:extLst>
-              <a:ext uri="{FF2B5EF4-FFF2-40B4-BE49-F238E27FC236}">
-                <a16:creationId xmlns:a16="http://schemas.microsoft.com/office/drawing/2014/main" id="{92D7528D-18D5-4CEF-941B-094DAE6D1230}"/>
-              </a:ext>
-            </a:extLst>
-          </p:cNvPr>
+            <a:endParaRPr/>
+          </a:p>
+        </p:txBody>
+      </p:sp>
+      <p:sp>
+        <p:nvSpPr>
+          <p:cNvPr id="5" name="Text Placeholder 4"/>
           <p:cNvSpPr>
             <a:spLocks noGrp="1"/>
           </p:cNvSpPr>
@@ -1678,7 +1615,7 @@
             <p:ph type="body" sz="quarter" idx="3"/>
           </p:nvPr>
         </p:nvSpPr>
-        <p:spPr>
+        <p:spPr bwMode="auto">
           <a:xfrm>
             <a:off x="6172200" y="1681163"/>
             <a:ext cx="5183188" cy="823912"/>
@@ -1725,23 +1662,20 @@
             </a:lvl9pPr>
           </a:lstStyle>
           <a:p>
-            <a:pPr lvl="0"/>
+            <a:pPr lvl="0">
+              <a:defRPr/>
+            </a:pPr>
             <a:r>
               <a:rPr lang="en-US"/>
               <a:t>Click to edit Master text styles</a:t>
             </a:r>
-          </a:p>
-        </p:txBody>
-      </p:sp>
-      <p:sp>
-        <p:nvSpPr>
-          <p:cNvPr id="6" name="Content Placeholder 5">
-            <a:extLst>
-              <a:ext uri="{FF2B5EF4-FFF2-40B4-BE49-F238E27FC236}">
-                <a16:creationId xmlns:a16="http://schemas.microsoft.com/office/drawing/2014/main" id="{F55D3D6B-E50D-481A-8D77-8394F081884C}"/>
-              </a:ext>
-            </a:extLst>
-          </p:cNvPr>
+            <a:endParaRPr/>
+          </a:p>
+        </p:txBody>
+      </p:sp>
+      <p:sp>
+        <p:nvSpPr>
+          <p:cNvPr id="6" name="Content Placeholder 5"/>
           <p:cNvSpPr>
             <a:spLocks noGrp="1"/>
           </p:cNvSpPr>
@@ -1749,9 +1683,9 @@
             <p:ph sz="quarter" idx="4"/>
           </p:nvPr>
         </p:nvSpPr>
-        <p:spPr>
-          <a:xfrm>
-            <a:off x="6172200" y="2505075"/>
+        <p:spPr bwMode="auto">
+          <a:xfrm>
+            <a:off x="6172200" y="2505074"/>
             <a:ext cx="5183188" cy="3684588"/>
           </a:xfrm>
         </p:spPr>
@@ -1759,51 +1693,60 @@
           <a:bodyPr/>
           <a:lstStyle/>
           <a:p>
-            <a:pPr lvl="0"/>
+            <a:pPr lvl="0">
+              <a:defRPr/>
+            </a:pPr>
             <a:r>
               <a:rPr lang="en-US"/>
               <a:t>Click to edit Master text styles</a:t>
             </a:r>
-          </a:p>
-          <a:p>
-            <a:pPr lvl="1"/>
+            <a:endParaRPr/>
+          </a:p>
+          <a:p>
+            <a:pPr lvl="1">
+              <a:defRPr/>
+            </a:pPr>
             <a:r>
               <a:rPr lang="en-US"/>
               <a:t>Second level</a:t>
             </a:r>
-          </a:p>
-          <a:p>
-            <a:pPr lvl="2"/>
+            <a:endParaRPr/>
+          </a:p>
+          <a:p>
+            <a:pPr lvl="2">
+              <a:defRPr/>
+            </a:pPr>
             <a:r>
               <a:rPr lang="en-US"/>
               <a:t>Third level</a:t>
             </a:r>
-          </a:p>
-          <a:p>
-            <a:pPr lvl="3"/>
+            <a:endParaRPr/>
+          </a:p>
+          <a:p>
+            <a:pPr lvl="3">
+              <a:defRPr/>
+            </a:pPr>
             <a:r>
               <a:rPr lang="en-US"/>
               <a:t>Fourth level</a:t>
             </a:r>
-          </a:p>
-          <a:p>
-            <a:pPr lvl="4"/>
+            <a:endParaRPr/>
+          </a:p>
+          <a:p>
+            <a:pPr lvl="4">
+              <a:defRPr/>
+            </a:pPr>
             <a:r>
               <a:rPr lang="en-US"/>
               <a:t>Fifth level</a:t>
             </a:r>
-          </a:p>
-        </p:txBody>
-      </p:sp>
-      <p:sp>
-        <p:nvSpPr>
-          <p:cNvPr id="7" name="Date Placeholder 6">
-            <a:extLst>
-              <a:ext uri="{FF2B5EF4-FFF2-40B4-BE49-F238E27FC236}">
-                <a16:creationId xmlns:a16="http://schemas.microsoft.com/office/drawing/2014/main" id="{AF5E5891-0684-4932-9A22-9734620FB6D5}"/>
-              </a:ext>
-            </a:extLst>
-          </p:cNvPr>
+            <a:endParaRPr/>
+          </a:p>
+        </p:txBody>
+      </p:sp>
+      <p:sp>
+        <p:nvSpPr>
+          <p:cNvPr id="7" name="Date Placeholder 6"/>
           <p:cNvSpPr>
             <a:spLocks noGrp="1"/>
           </p:cNvSpPr>
@@ -1811,14 +1754,17 @@
             <p:ph type="dt" sz="half" idx="10"/>
           </p:nvPr>
         </p:nvSpPr>
-        <p:spPr/>
+        <p:spPr bwMode="auto"/>
         <p:txBody>
           <a:bodyPr/>
           <a:lstStyle/>
           <a:p>
+            <a:pPr>
+              <a:defRPr/>
+            </a:pPr>
             <a:fld id="{FF54DEC8-C894-4AC5-953F-8FB9825CC77C}" type="datetimeFigureOut">
-              <a:rPr lang="en-US" smtClean="0"/>
-              <a:t>11/28/22</a:t>
+              <a:rPr lang="en-US"/>
+              <a:t/>
             </a:fld>
             <a:endParaRPr lang="en-US"/>
           </a:p>
@@ -1826,13 +1772,7 @@
       </p:sp>
       <p:sp>
         <p:nvSpPr>
-          <p:cNvPr id="8" name="Footer Placeholder 7">
-            <a:extLst>
-              <a:ext uri="{FF2B5EF4-FFF2-40B4-BE49-F238E27FC236}">
-                <a16:creationId xmlns:a16="http://schemas.microsoft.com/office/drawing/2014/main" id="{23513AC2-E643-40CF-97BE-71FD7DDDCE2D}"/>
-              </a:ext>
-            </a:extLst>
-          </p:cNvPr>
+          <p:cNvPr id="8" name="Footer Placeholder 7"/>
           <p:cNvSpPr>
             <a:spLocks noGrp="1"/>
           </p:cNvSpPr>
@@ -1840,24 +1780,21 @@
             <p:ph type="ftr" sz="quarter" idx="11"/>
           </p:nvPr>
         </p:nvSpPr>
-        <p:spPr/>
+        <p:spPr bwMode="auto"/>
         <p:txBody>
           <a:bodyPr/>
           <a:lstStyle/>
           <a:p>
+            <a:pPr>
+              <a:defRPr/>
+            </a:pPr>
             <a:endParaRPr lang="en-US"/>
           </a:p>
         </p:txBody>
       </p:sp>
       <p:sp>
         <p:nvSpPr>
-          <p:cNvPr id="9" name="Slide Number Placeholder 8">
-            <a:extLst>
-              <a:ext uri="{FF2B5EF4-FFF2-40B4-BE49-F238E27FC236}">
-                <a16:creationId xmlns:a16="http://schemas.microsoft.com/office/drawing/2014/main" id="{CB5A0D79-A8B1-4DEA-9B33-5070589E8F3F}"/>
-              </a:ext>
-            </a:extLst>
-          </p:cNvPr>
+          <p:cNvPr id="9" name="Slide Number Placeholder 8"/>
           <p:cNvSpPr>
             <a:spLocks noGrp="1"/>
           </p:cNvSpPr>
@@ -1865,25 +1802,23 @@
             <p:ph type="sldNum" sz="quarter" idx="12"/>
           </p:nvPr>
         </p:nvSpPr>
-        <p:spPr/>
+        <p:spPr bwMode="auto"/>
         <p:txBody>
           <a:bodyPr/>
           <a:lstStyle/>
           <a:p>
+            <a:pPr>
+              <a:defRPr/>
+            </a:pPr>
             <a:fld id="{10C9208F-ADE9-4BAE-A43F-CB26C8E13901}" type="slidenum">
-              <a:rPr lang="en-US" smtClean="0"/>
-              <a:t>‹#›</a:t>
+              <a:rPr lang="en-US"/>
+              <a:t/>
             </a:fld>
             <a:endParaRPr lang="en-US"/>
           </a:p>
         </p:txBody>
       </p:sp>
     </p:spTree>
-    <p:extLst>
-      <p:ext uri="{BB962C8B-B14F-4D97-AF65-F5344CB8AC3E}">
-        <p14:creationId xmlns:p14="http://schemas.microsoft.com/office/powerpoint/2010/main" val="2205273132"/>
-      </p:ext>
-    </p:extLst>
   </p:cSld>
   <p:clrMapOvr>
     <a:masterClrMapping/>
@@ -1892,7 +1827,7 @@
 </file>
 
 <file path=ppt/slideLayouts/slideLayout6.xml><?xml version="1.0" encoding="utf-8"?>
-<p:sldLayout xmlns:a="http://schemas.openxmlformats.org/drawingml/2006/main" xmlns:r="http://schemas.openxmlformats.org/officeDocument/2006/relationships" xmlns:p="http://schemas.openxmlformats.org/presentationml/2006/main" type="titleOnly" preserve="1">
+<p:sldLayout xmlns:a="http://schemas.openxmlformats.org/drawingml/2006/main" xmlns:r="http://schemas.openxmlformats.org/officeDocument/2006/relationships" xmlns:p="http://schemas.openxmlformats.org/presentationml/2006/main" xmlns:m="http://schemas.openxmlformats.org/officeDocument/2006/math" xmlns:w="http://schemas.openxmlformats.org/wordprocessingml/2006/main" matchingName="" preserve="1" showMasterPhAnim="0" type="titleOnly" userDrawn="1">
   <p:cSld name="Title Only">
     <p:spTree>
       <p:nvGrpSpPr>
@@ -1900,7 +1835,7 @@
         <p:cNvGrpSpPr/>
         <p:nvPr/>
       </p:nvGrpSpPr>
-      <p:grpSpPr>
+      <p:grpSpPr bwMode="auto">
         <a:xfrm>
           <a:off x="0" y="0"/>
           <a:ext cx="0" cy="0"/>
@@ -1910,13 +1845,7 @@
       </p:grpSpPr>
       <p:sp>
         <p:nvSpPr>
-          <p:cNvPr id="2" name="Title 1">
-            <a:extLst>
-              <a:ext uri="{FF2B5EF4-FFF2-40B4-BE49-F238E27FC236}">
-                <a16:creationId xmlns:a16="http://schemas.microsoft.com/office/drawing/2014/main" id="{0D43A87F-41BC-4314-A641-19C7A001474E}"/>
-              </a:ext>
-            </a:extLst>
-          </p:cNvPr>
+          <p:cNvPr id="2" name="Title 1"/>
           <p:cNvSpPr>
             <a:spLocks noGrp="1"/>
           </p:cNvSpPr>
@@ -1924,27 +1853,25 @@
             <p:ph type="title"/>
           </p:nvPr>
         </p:nvSpPr>
-        <p:spPr/>
+        <p:spPr bwMode="auto"/>
         <p:txBody>
           <a:bodyPr/>
           <a:lstStyle/>
           <a:p>
+            <a:pPr>
+              <a:defRPr/>
+            </a:pPr>
             <a:r>
               <a:rPr lang="en-US"/>
               <a:t>Click to edit Master title style</a:t>
             </a:r>
-          </a:p>
-        </p:txBody>
-      </p:sp>
-      <p:sp>
-        <p:nvSpPr>
-          <p:cNvPr id="3" name="Date Placeholder 2">
-            <a:extLst>
-              <a:ext uri="{FF2B5EF4-FFF2-40B4-BE49-F238E27FC236}">
-                <a16:creationId xmlns:a16="http://schemas.microsoft.com/office/drawing/2014/main" id="{6D621482-5AFF-4589-96B3-E45439C77D85}"/>
-              </a:ext>
-            </a:extLst>
-          </p:cNvPr>
+            <a:endParaRPr/>
+          </a:p>
+        </p:txBody>
+      </p:sp>
+      <p:sp>
+        <p:nvSpPr>
+          <p:cNvPr id="3" name="Date Placeholder 2"/>
           <p:cNvSpPr>
             <a:spLocks noGrp="1"/>
           </p:cNvSpPr>
@@ -1952,14 +1879,17 @@
             <p:ph type="dt" sz="half" idx="10"/>
           </p:nvPr>
         </p:nvSpPr>
-        <p:spPr/>
+        <p:spPr bwMode="auto"/>
         <p:txBody>
           <a:bodyPr/>
           <a:lstStyle/>
           <a:p>
+            <a:pPr>
+              <a:defRPr/>
+            </a:pPr>
             <a:fld id="{FF54DEC8-C894-4AC5-953F-8FB9825CC77C}" type="datetimeFigureOut">
-              <a:rPr lang="en-US" smtClean="0"/>
-              <a:t>11/28/22</a:t>
+              <a:rPr lang="en-US"/>
+              <a:t/>
             </a:fld>
             <a:endParaRPr lang="en-US"/>
           </a:p>
@@ -1967,13 +1897,7 @@
       </p:sp>
       <p:sp>
         <p:nvSpPr>
-          <p:cNvPr id="4" name="Footer Placeholder 3">
-            <a:extLst>
-              <a:ext uri="{FF2B5EF4-FFF2-40B4-BE49-F238E27FC236}">
-                <a16:creationId xmlns:a16="http://schemas.microsoft.com/office/drawing/2014/main" id="{F63746E7-0E9D-4087-A121-79DEFD2FD409}"/>
-              </a:ext>
-            </a:extLst>
-          </p:cNvPr>
+          <p:cNvPr id="4" name="Footer Placeholder 3"/>
           <p:cNvSpPr>
             <a:spLocks noGrp="1"/>
           </p:cNvSpPr>
@@ -1981,24 +1905,21 @@
             <p:ph type="ftr" sz="quarter" idx="11"/>
           </p:nvPr>
         </p:nvSpPr>
-        <p:spPr/>
+        <p:spPr bwMode="auto"/>
         <p:txBody>
           <a:bodyPr/>
           <a:lstStyle/>
           <a:p>
+            <a:pPr>
+              <a:defRPr/>
+            </a:pPr>
             <a:endParaRPr lang="en-US"/>
           </a:p>
         </p:txBody>
       </p:sp>
       <p:sp>
         <p:nvSpPr>
-          <p:cNvPr id="5" name="Slide Number Placeholder 4">
-            <a:extLst>
-              <a:ext uri="{FF2B5EF4-FFF2-40B4-BE49-F238E27FC236}">
-                <a16:creationId xmlns:a16="http://schemas.microsoft.com/office/drawing/2014/main" id="{F4EF54D5-B6FF-404A-B78A-DBDB95DC72A5}"/>
-              </a:ext>
-            </a:extLst>
-          </p:cNvPr>
+          <p:cNvPr id="5" name="Slide Number Placeholder 4"/>
           <p:cNvSpPr>
             <a:spLocks noGrp="1"/>
           </p:cNvSpPr>
@@ -2006,25 +1927,23 @@
             <p:ph type="sldNum" sz="quarter" idx="12"/>
           </p:nvPr>
         </p:nvSpPr>
-        <p:spPr/>
+        <p:spPr bwMode="auto"/>
         <p:txBody>
           <a:bodyPr/>
           <a:lstStyle/>
           <a:p>
+            <a:pPr>
+              <a:defRPr/>
+            </a:pPr>
             <a:fld id="{10C9208F-ADE9-4BAE-A43F-CB26C8E13901}" type="slidenum">
-              <a:rPr lang="en-US" smtClean="0"/>
-              <a:t>‹#›</a:t>
+              <a:rPr lang="en-US"/>
+              <a:t/>
             </a:fld>
             <a:endParaRPr lang="en-US"/>
           </a:p>
         </p:txBody>
       </p:sp>
     </p:spTree>
-    <p:extLst>
-      <p:ext uri="{BB962C8B-B14F-4D97-AF65-F5344CB8AC3E}">
-        <p14:creationId xmlns:p14="http://schemas.microsoft.com/office/powerpoint/2010/main" val="2526543943"/>
-      </p:ext>
-    </p:extLst>
   </p:cSld>
   <p:clrMapOvr>
     <a:masterClrMapping/>
@@ -2033,7 +1952,7 @@
 </file>
 
 <file path=ppt/slideLayouts/slideLayout7.xml><?xml version="1.0" encoding="utf-8"?>
-<p:sldLayout xmlns:a="http://schemas.openxmlformats.org/drawingml/2006/main" xmlns:r="http://schemas.openxmlformats.org/officeDocument/2006/relationships" xmlns:p="http://schemas.openxmlformats.org/presentationml/2006/main" type="blank" preserve="1">
+<p:sldLayout xmlns:a="http://schemas.openxmlformats.org/drawingml/2006/main" xmlns:r="http://schemas.openxmlformats.org/officeDocument/2006/relationships" xmlns:p="http://schemas.openxmlformats.org/presentationml/2006/main" xmlns:m="http://schemas.openxmlformats.org/officeDocument/2006/math" xmlns:w="http://schemas.openxmlformats.org/wordprocessingml/2006/main" matchingName="" preserve="1" showMasterPhAnim="0" type="blank" userDrawn="1">
   <p:cSld name="Blank">
     <p:spTree>
       <p:nvGrpSpPr>
@@ -2041,7 +1960,7 @@
         <p:cNvGrpSpPr/>
         <p:nvPr/>
       </p:nvGrpSpPr>
-      <p:grpSpPr>
+      <p:grpSpPr bwMode="auto">
         <a:xfrm>
           <a:off x="0" y="0"/>
           <a:ext cx="0" cy="0"/>
@@ -2051,13 +1970,7 @@
       </p:grpSpPr>
       <p:sp>
         <p:nvSpPr>
-          <p:cNvPr id="2" name="Date Placeholder 1">
-            <a:extLst>
-              <a:ext uri="{FF2B5EF4-FFF2-40B4-BE49-F238E27FC236}">
-                <a16:creationId xmlns:a16="http://schemas.microsoft.com/office/drawing/2014/main" id="{5C89C806-3E1A-4302-B147-DFD04A2D6B82}"/>
-              </a:ext>
-            </a:extLst>
-          </p:cNvPr>
+          <p:cNvPr id="2" name="Date Placeholder 1"/>
           <p:cNvSpPr>
             <a:spLocks noGrp="1"/>
           </p:cNvSpPr>
@@ -2065,14 +1978,17 @@
             <p:ph type="dt" sz="half" idx="10"/>
           </p:nvPr>
         </p:nvSpPr>
-        <p:spPr/>
+        <p:spPr bwMode="auto"/>
         <p:txBody>
           <a:bodyPr/>
           <a:lstStyle/>
           <a:p>
+            <a:pPr>
+              <a:defRPr/>
+            </a:pPr>
             <a:fld id="{FF54DEC8-C894-4AC5-953F-8FB9825CC77C}" type="datetimeFigureOut">
-              <a:rPr lang="en-US" smtClean="0"/>
-              <a:t>11/28/22</a:t>
+              <a:rPr lang="en-US"/>
+              <a:t/>
             </a:fld>
             <a:endParaRPr lang="en-US"/>
           </a:p>
@@ -2080,13 +1996,7 @@
       </p:sp>
       <p:sp>
         <p:nvSpPr>
-          <p:cNvPr id="3" name="Footer Placeholder 2">
-            <a:extLst>
-              <a:ext uri="{FF2B5EF4-FFF2-40B4-BE49-F238E27FC236}">
-                <a16:creationId xmlns:a16="http://schemas.microsoft.com/office/drawing/2014/main" id="{2EBC0355-8C60-49CC-8F6E-1B38CC467E65}"/>
-              </a:ext>
-            </a:extLst>
-          </p:cNvPr>
+          <p:cNvPr id="3" name="Footer Placeholder 2"/>
           <p:cNvSpPr>
             <a:spLocks noGrp="1"/>
           </p:cNvSpPr>
@@ -2094,24 +2004,21 @@
             <p:ph type="ftr" sz="quarter" idx="11"/>
           </p:nvPr>
         </p:nvSpPr>
-        <p:spPr/>
+        <p:spPr bwMode="auto"/>
         <p:txBody>
           <a:bodyPr/>
           <a:lstStyle/>
           <a:p>
+            <a:pPr>
+              <a:defRPr/>
+            </a:pPr>
             <a:endParaRPr lang="en-US"/>
           </a:p>
         </p:txBody>
       </p:sp>
       <p:sp>
         <p:nvSpPr>
-          <p:cNvPr id="4" name="Slide Number Placeholder 3">
-            <a:extLst>
-              <a:ext uri="{FF2B5EF4-FFF2-40B4-BE49-F238E27FC236}">
-                <a16:creationId xmlns:a16="http://schemas.microsoft.com/office/drawing/2014/main" id="{31235876-6526-4C98-ABA7-E0B0F017E440}"/>
-              </a:ext>
-            </a:extLst>
-          </p:cNvPr>
+          <p:cNvPr id="4" name="Slide Number Placeholder 3"/>
           <p:cNvSpPr>
             <a:spLocks noGrp="1"/>
           </p:cNvSpPr>
@@ -2119,25 +2026,23 @@
             <p:ph type="sldNum" sz="quarter" idx="12"/>
           </p:nvPr>
         </p:nvSpPr>
-        <p:spPr/>
+        <p:spPr bwMode="auto"/>
         <p:txBody>
           <a:bodyPr/>
           <a:lstStyle/>
           <a:p>
+            <a:pPr>
+              <a:defRPr/>
+            </a:pPr>
             <a:fld id="{10C9208F-ADE9-4BAE-A43F-CB26C8E13901}" type="slidenum">
-              <a:rPr lang="en-US" smtClean="0"/>
-              <a:t>‹#›</a:t>
+              <a:rPr lang="en-US"/>
+              <a:t/>
             </a:fld>
             <a:endParaRPr lang="en-US"/>
           </a:p>
         </p:txBody>
       </p:sp>
     </p:spTree>
-    <p:extLst>
-      <p:ext uri="{BB962C8B-B14F-4D97-AF65-F5344CB8AC3E}">
-        <p14:creationId xmlns:p14="http://schemas.microsoft.com/office/powerpoint/2010/main" val="972742429"/>
-      </p:ext>
-    </p:extLst>
   </p:cSld>
   <p:clrMapOvr>
     <a:masterClrMapping/>
@@ -2146,7 +2051,7 @@
 </file>
 
 <file path=ppt/slideLayouts/slideLayout8.xml><?xml version="1.0" encoding="utf-8"?>
-<p:sldLayout xmlns:a="http://schemas.openxmlformats.org/drawingml/2006/main" xmlns:r="http://schemas.openxmlformats.org/officeDocument/2006/relationships" xmlns:p="http://schemas.openxmlformats.org/presentationml/2006/main" type="objTx" preserve="1">
+<p:sldLayout xmlns:a="http://schemas.openxmlformats.org/drawingml/2006/main" xmlns:r="http://schemas.openxmlformats.org/officeDocument/2006/relationships" xmlns:p="http://schemas.openxmlformats.org/presentationml/2006/main" xmlns:m="http://schemas.openxmlformats.org/officeDocument/2006/math" xmlns:w="http://schemas.openxmlformats.org/wordprocessingml/2006/main" matchingName="" preserve="1" showMasterPhAnim="0" type="objTx" userDrawn="1">
   <p:cSld name="Content with Caption">
     <p:spTree>
       <p:nvGrpSpPr>
@@ -2154,7 +2059,7 @@
         <p:cNvGrpSpPr/>
         <p:nvPr/>
       </p:nvGrpSpPr>
-      <p:grpSpPr>
+      <p:grpSpPr bwMode="auto">
         <a:xfrm>
           <a:off x="0" y="0"/>
           <a:ext cx="0" cy="0"/>
@@ -2164,13 +2069,7 @@
       </p:grpSpPr>
       <p:sp>
         <p:nvSpPr>
-          <p:cNvPr id="2" name="Title 1">
-            <a:extLst>
-              <a:ext uri="{FF2B5EF4-FFF2-40B4-BE49-F238E27FC236}">
-                <a16:creationId xmlns:a16="http://schemas.microsoft.com/office/drawing/2014/main" id="{FD870A1B-C4FA-4087-AB43-3B4E6007778A}"/>
-              </a:ext>
-            </a:extLst>
-          </p:cNvPr>
+          <p:cNvPr id="2" name="Title 1"/>
           <p:cNvSpPr>
             <a:spLocks noGrp="1"/>
           </p:cNvSpPr>
@@ -2178,7 +2077,7 @@
             <p:ph type="title"/>
           </p:nvPr>
         </p:nvSpPr>
-        <p:spPr>
+        <p:spPr bwMode="auto">
           <a:xfrm>
             <a:off x="839788" y="457200"/>
             <a:ext cx="3932237" cy="1600200"/>
@@ -2192,22 +2091,20 @@
             </a:lvl1pPr>
           </a:lstStyle>
           <a:p>
+            <a:pPr>
+              <a:defRPr/>
+            </a:pPr>
             <a:r>
               <a:rPr lang="en-US"/>
               <a:t>Click to edit Master title style</a:t>
             </a:r>
-          </a:p>
-        </p:txBody>
-      </p:sp>
-      <p:sp>
-        <p:nvSpPr>
-          <p:cNvPr id="3" name="Content Placeholder 2">
-            <a:extLst>
-              <a:ext uri="{FF2B5EF4-FFF2-40B4-BE49-F238E27FC236}">
-                <a16:creationId xmlns:a16="http://schemas.microsoft.com/office/drawing/2014/main" id="{C3650771-0651-43CC-B0C1-B0622DE817ED}"/>
-              </a:ext>
-            </a:extLst>
-          </p:cNvPr>
+            <a:endParaRPr/>
+          </a:p>
+        </p:txBody>
+      </p:sp>
+      <p:sp>
+        <p:nvSpPr>
+          <p:cNvPr id="3" name="Content Placeholder 2"/>
           <p:cNvSpPr>
             <a:spLocks noGrp="1"/>
           </p:cNvSpPr>
@@ -2215,7 +2112,7 @@
             <p:ph idx="1"/>
           </p:nvPr>
         </p:nvSpPr>
-        <p:spPr>
+        <p:spPr bwMode="auto">
           <a:xfrm>
             <a:off x="5183188" y="987425"/>
             <a:ext cx="6172200" cy="4873625"/>
@@ -2253,51 +2150,60 @@
             </a:lvl9pPr>
           </a:lstStyle>
           <a:p>
-            <a:pPr lvl="0"/>
+            <a:pPr lvl="0">
+              <a:defRPr/>
+            </a:pPr>
             <a:r>
               <a:rPr lang="en-US"/>
               <a:t>Click to edit Master text styles</a:t>
             </a:r>
-          </a:p>
-          <a:p>
-            <a:pPr lvl="1"/>
+            <a:endParaRPr/>
+          </a:p>
+          <a:p>
+            <a:pPr lvl="1">
+              <a:defRPr/>
+            </a:pPr>
             <a:r>
               <a:rPr lang="en-US"/>
               <a:t>Second level</a:t>
             </a:r>
-          </a:p>
-          <a:p>
-            <a:pPr lvl="2"/>
+            <a:endParaRPr/>
+          </a:p>
+          <a:p>
+            <a:pPr lvl="2">
+              <a:defRPr/>
+            </a:pPr>
             <a:r>
               <a:rPr lang="en-US"/>
               <a:t>Third level</a:t>
             </a:r>
-          </a:p>
-          <a:p>
-            <a:pPr lvl="3"/>
+            <a:endParaRPr/>
+          </a:p>
+          <a:p>
+            <a:pPr lvl="3">
+              <a:defRPr/>
+            </a:pPr>
             <a:r>
               <a:rPr lang="en-US"/>
               <a:t>Fourth level</a:t>
             </a:r>
-          </a:p>
-          <a:p>
-            <a:pPr lvl="4"/>
+            <a:endParaRPr/>
+          </a:p>
+          <a:p>
+            <a:pPr lvl="4">
+              <a:defRPr/>
+            </a:pPr>
             <a:r>
               <a:rPr lang="en-US"/>
               <a:t>Fifth level</a:t>
             </a:r>
-          </a:p>
-        </p:txBody>
-      </p:sp>
-      <p:sp>
-        <p:nvSpPr>
-          <p:cNvPr id="4" name="Text Placeholder 3">
-            <a:extLst>
-              <a:ext uri="{FF2B5EF4-FFF2-40B4-BE49-F238E27FC236}">
-                <a16:creationId xmlns:a16="http://schemas.microsoft.com/office/drawing/2014/main" id="{44EBCD10-E880-46D6-AC2E-58AE4B7AD282}"/>
-              </a:ext>
-            </a:extLst>
-          </p:cNvPr>
+            <a:endParaRPr/>
+          </a:p>
+        </p:txBody>
+      </p:sp>
+      <p:sp>
+        <p:nvSpPr>
+          <p:cNvPr id="4" name="Text Placeholder 3"/>
           <p:cNvSpPr>
             <a:spLocks noGrp="1"/>
           </p:cNvSpPr>
@@ -2305,7 +2211,7 @@
             <p:ph type="body" sz="half" idx="2"/>
           </p:nvPr>
         </p:nvSpPr>
-        <p:spPr>
+        <p:spPr bwMode="auto">
           <a:xfrm>
             <a:off x="839788" y="2057400"/>
             <a:ext cx="3932237" cy="3811588"/>
@@ -2352,23 +2258,20 @@
             </a:lvl9pPr>
           </a:lstStyle>
           <a:p>
-            <a:pPr lvl="0"/>
+            <a:pPr lvl="0">
+              <a:defRPr/>
+            </a:pPr>
             <a:r>
               <a:rPr lang="en-US"/>
               <a:t>Click to edit Master text styles</a:t>
             </a:r>
-          </a:p>
-        </p:txBody>
-      </p:sp>
-      <p:sp>
-        <p:nvSpPr>
-          <p:cNvPr id="5" name="Date Placeholder 4">
-            <a:extLst>
-              <a:ext uri="{FF2B5EF4-FFF2-40B4-BE49-F238E27FC236}">
-                <a16:creationId xmlns:a16="http://schemas.microsoft.com/office/drawing/2014/main" id="{27B96CAA-5C1C-48C0-BBD4-16BC05742475}"/>
-              </a:ext>
-            </a:extLst>
-          </p:cNvPr>
+            <a:endParaRPr/>
+          </a:p>
+        </p:txBody>
+      </p:sp>
+      <p:sp>
+        <p:nvSpPr>
+          <p:cNvPr id="5" name="Date Placeholder 4"/>
           <p:cNvSpPr>
             <a:spLocks noGrp="1"/>
           </p:cNvSpPr>
@@ -2376,14 +2279,17 @@
             <p:ph type="dt" sz="half" idx="10"/>
           </p:nvPr>
         </p:nvSpPr>
-        <p:spPr/>
+        <p:spPr bwMode="auto"/>
         <p:txBody>
           <a:bodyPr/>
           <a:lstStyle/>
           <a:p>
+            <a:pPr>
+              <a:defRPr/>
+            </a:pPr>
             <a:fld id="{FF54DEC8-C894-4AC5-953F-8FB9825CC77C}" type="datetimeFigureOut">
-              <a:rPr lang="en-US" smtClean="0"/>
-              <a:t>11/28/22</a:t>
+              <a:rPr lang="en-US"/>
+              <a:t/>
             </a:fld>
             <a:endParaRPr lang="en-US"/>
           </a:p>
@@ -2391,13 +2297,7 @@
       </p:sp>
       <p:sp>
         <p:nvSpPr>
-          <p:cNvPr id="6" name="Footer Placeholder 5">
-            <a:extLst>
-              <a:ext uri="{FF2B5EF4-FFF2-40B4-BE49-F238E27FC236}">
-                <a16:creationId xmlns:a16="http://schemas.microsoft.com/office/drawing/2014/main" id="{CDF14C91-DE5F-43A2-91B0-E317A626F6B0}"/>
-              </a:ext>
-            </a:extLst>
-          </p:cNvPr>
+          <p:cNvPr id="6" name="Footer Placeholder 5"/>
           <p:cNvSpPr>
             <a:spLocks noGrp="1"/>
           </p:cNvSpPr>
@@ -2405,24 +2305,21 @@
             <p:ph type="ftr" sz="quarter" idx="11"/>
           </p:nvPr>
         </p:nvSpPr>
-        <p:spPr/>
+        <p:spPr bwMode="auto"/>
         <p:txBody>
           <a:bodyPr/>
           <a:lstStyle/>
           <a:p>
+            <a:pPr>
+              <a:defRPr/>
+            </a:pPr>
             <a:endParaRPr lang="en-US"/>
           </a:p>
         </p:txBody>
       </p:sp>
       <p:sp>
         <p:nvSpPr>
-          <p:cNvPr id="7" name="Slide Number Placeholder 6">
-            <a:extLst>
-              <a:ext uri="{FF2B5EF4-FFF2-40B4-BE49-F238E27FC236}">
-                <a16:creationId xmlns:a16="http://schemas.microsoft.com/office/drawing/2014/main" id="{AFAF24B2-C482-4816-8E3B-DCBBE33A96FC}"/>
-              </a:ext>
-            </a:extLst>
-          </p:cNvPr>
+          <p:cNvPr id="7" name="Slide Number Placeholder 6"/>
           <p:cNvSpPr>
             <a:spLocks noGrp="1"/>
           </p:cNvSpPr>
@@ -2430,25 +2327,23 @@
             <p:ph type="sldNum" sz="quarter" idx="12"/>
           </p:nvPr>
         </p:nvSpPr>
-        <p:spPr/>
+        <p:spPr bwMode="auto"/>
         <p:txBody>
           <a:bodyPr/>
           <a:lstStyle/>
           <a:p>
+            <a:pPr>
+              <a:defRPr/>
+            </a:pPr>
             <a:fld id="{10C9208F-ADE9-4BAE-A43F-CB26C8E13901}" type="slidenum">
-              <a:rPr lang="en-US" smtClean="0"/>
-              <a:t>‹#›</a:t>
+              <a:rPr lang="en-US"/>
+              <a:t/>
             </a:fld>
             <a:endParaRPr lang="en-US"/>
           </a:p>
         </p:txBody>
       </p:sp>
     </p:spTree>
-    <p:extLst>
-      <p:ext uri="{BB962C8B-B14F-4D97-AF65-F5344CB8AC3E}">
-        <p14:creationId xmlns:p14="http://schemas.microsoft.com/office/powerpoint/2010/main" val="3490986719"/>
-      </p:ext>
-    </p:extLst>
   </p:cSld>
   <p:clrMapOvr>
     <a:masterClrMapping/>
@@ -2457,7 +2352,7 @@
 </file>
 
 <file path=ppt/slideLayouts/slideLayout9.xml><?xml version="1.0" encoding="utf-8"?>
-<p:sldLayout xmlns:a="http://schemas.openxmlformats.org/drawingml/2006/main" xmlns:r="http://schemas.openxmlformats.org/officeDocument/2006/relationships" xmlns:p="http://schemas.openxmlformats.org/presentationml/2006/main" type="picTx" preserve="1">
+<p:sldLayout xmlns:a="http://schemas.openxmlformats.org/drawingml/2006/main" xmlns:r="http://schemas.openxmlformats.org/officeDocument/2006/relationships" xmlns:p="http://schemas.openxmlformats.org/presentationml/2006/main" xmlns:m="http://schemas.openxmlformats.org/officeDocument/2006/math" xmlns:w="http://schemas.openxmlformats.org/wordprocessingml/2006/main" matchingName="" preserve="1" showMasterPhAnim="0" type="picTx" userDrawn="1">
   <p:cSld name="Picture with Caption">
     <p:spTree>
       <p:nvGrpSpPr>
@@ -2465,7 +2360,7 @@
         <p:cNvGrpSpPr/>
         <p:nvPr/>
       </p:nvGrpSpPr>
-      <p:grpSpPr>
+      <p:grpSpPr bwMode="auto">
         <a:xfrm>
           <a:off x="0" y="0"/>
           <a:ext cx="0" cy="0"/>
@@ -2475,13 +2370,7 @@
       </p:grpSpPr>
       <p:sp>
         <p:nvSpPr>
-          <p:cNvPr id="2" name="Title 1">
-            <a:extLst>
-              <a:ext uri="{FF2B5EF4-FFF2-40B4-BE49-F238E27FC236}">
-                <a16:creationId xmlns:a16="http://schemas.microsoft.com/office/drawing/2014/main" id="{B1AE09E5-4EB4-480D-9D12-63276B28FF8C}"/>
-              </a:ext>
-            </a:extLst>
-          </p:cNvPr>
+          <p:cNvPr id="2" name="Title 1"/>
           <p:cNvSpPr>
             <a:spLocks noGrp="1"/>
           </p:cNvSpPr>
@@ -2489,7 +2378,7 @@
             <p:ph type="title"/>
           </p:nvPr>
         </p:nvSpPr>
-        <p:spPr>
+        <p:spPr bwMode="auto">
           <a:xfrm>
             <a:off x="839788" y="457200"/>
             <a:ext cx="3932237" cy="1600200"/>
@@ -2503,22 +2392,20 @@
             </a:lvl1pPr>
           </a:lstStyle>
           <a:p>
+            <a:pPr>
+              <a:defRPr/>
+            </a:pPr>
             <a:r>
               <a:rPr lang="en-US"/>
               <a:t>Click to edit Master title style</a:t>
             </a:r>
-          </a:p>
-        </p:txBody>
-      </p:sp>
-      <p:sp>
-        <p:nvSpPr>
-          <p:cNvPr id="3" name="Picture Placeholder 2">
-            <a:extLst>
-              <a:ext uri="{FF2B5EF4-FFF2-40B4-BE49-F238E27FC236}">
-                <a16:creationId xmlns:a16="http://schemas.microsoft.com/office/drawing/2014/main" id="{E8AD84DE-46C4-42DA-8186-EA691D44FCFB}"/>
-              </a:ext>
-            </a:extLst>
-          </p:cNvPr>
+            <a:endParaRPr/>
+          </a:p>
+        </p:txBody>
+      </p:sp>
+      <p:sp>
+        <p:nvSpPr>
+          <p:cNvPr id="3" name="Picture Placeholder 2"/>
           <p:cNvSpPr>
             <a:spLocks noGrp="1"/>
           </p:cNvSpPr>
@@ -2526,7 +2413,7 @@
             <p:ph type="pic" idx="1"/>
           </p:nvPr>
         </p:nvSpPr>
-        <p:spPr>
+        <p:spPr bwMode="auto">
           <a:xfrm>
             <a:off x="5183188" y="987425"/>
             <a:ext cx="6172200" cy="4873625"/>
@@ -2573,19 +2460,16 @@
             </a:lvl9pPr>
           </a:lstStyle>
           <a:p>
+            <a:pPr>
+              <a:defRPr/>
+            </a:pPr>
             <a:endParaRPr lang="en-US"/>
           </a:p>
         </p:txBody>
       </p:sp>
       <p:sp>
         <p:nvSpPr>
-          <p:cNvPr id="4" name="Text Placeholder 3">
-            <a:extLst>
-              <a:ext uri="{FF2B5EF4-FFF2-40B4-BE49-F238E27FC236}">
-                <a16:creationId xmlns:a16="http://schemas.microsoft.com/office/drawing/2014/main" id="{E0E732F6-88BB-443E-A38A-CC198B117E7F}"/>
-              </a:ext>
-            </a:extLst>
-          </p:cNvPr>
+          <p:cNvPr id="4" name="Text Placeholder 3"/>
           <p:cNvSpPr>
             <a:spLocks noGrp="1"/>
           </p:cNvSpPr>
@@ -2593,7 +2477,7 @@
             <p:ph type="body" sz="half" idx="2"/>
           </p:nvPr>
         </p:nvSpPr>
-        <p:spPr>
+        <p:spPr bwMode="auto">
           <a:xfrm>
             <a:off x="839788" y="2057400"/>
             <a:ext cx="3932237" cy="3811588"/>
@@ -2640,23 +2524,20 @@
             </a:lvl9pPr>
           </a:lstStyle>
           <a:p>
-            <a:pPr lvl="0"/>
+            <a:pPr lvl="0">
+              <a:defRPr/>
+            </a:pPr>
             <a:r>
               <a:rPr lang="en-US"/>
               <a:t>Click to edit Master text styles</a:t>
             </a:r>
-          </a:p>
-        </p:txBody>
-      </p:sp>
-      <p:sp>
-        <p:nvSpPr>
-          <p:cNvPr id="5" name="Date Placeholder 4">
-            <a:extLst>
-              <a:ext uri="{FF2B5EF4-FFF2-40B4-BE49-F238E27FC236}">
-                <a16:creationId xmlns:a16="http://schemas.microsoft.com/office/drawing/2014/main" id="{E71852F0-E61E-4769-B6FB-84763816092D}"/>
-              </a:ext>
-            </a:extLst>
-          </p:cNvPr>
+            <a:endParaRPr/>
+          </a:p>
+        </p:txBody>
+      </p:sp>
+      <p:sp>
+        <p:nvSpPr>
+          <p:cNvPr id="5" name="Date Placeholder 4"/>
           <p:cNvSpPr>
             <a:spLocks noGrp="1"/>
           </p:cNvSpPr>
@@ -2664,14 +2545,17 @@
             <p:ph type="dt" sz="half" idx="10"/>
           </p:nvPr>
         </p:nvSpPr>
-        <p:spPr/>
+        <p:spPr bwMode="auto"/>
         <p:txBody>
           <a:bodyPr/>
           <a:lstStyle/>
           <a:p>
+            <a:pPr>
+              <a:defRPr/>
+            </a:pPr>
             <a:fld id="{FF54DEC8-C894-4AC5-953F-8FB9825CC77C}" type="datetimeFigureOut">
-              <a:rPr lang="en-US" smtClean="0"/>
-              <a:t>11/28/22</a:t>
+              <a:rPr lang="en-US"/>
+              <a:t/>
             </a:fld>
             <a:endParaRPr lang="en-US"/>
           </a:p>
@@ -2679,13 +2563,7 @@
       </p:sp>
       <p:sp>
         <p:nvSpPr>
-          <p:cNvPr id="6" name="Footer Placeholder 5">
-            <a:extLst>
-              <a:ext uri="{FF2B5EF4-FFF2-40B4-BE49-F238E27FC236}">
-                <a16:creationId xmlns:a16="http://schemas.microsoft.com/office/drawing/2014/main" id="{5B585519-A97F-4022-96C8-5305881776D3}"/>
-              </a:ext>
-            </a:extLst>
-          </p:cNvPr>
+          <p:cNvPr id="6" name="Footer Placeholder 5"/>
           <p:cNvSpPr>
             <a:spLocks noGrp="1"/>
           </p:cNvSpPr>
@@ -2693,24 +2571,21 @@
             <p:ph type="ftr" sz="quarter" idx="11"/>
           </p:nvPr>
         </p:nvSpPr>
-        <p:spPr/>
+        <p:spPr bwMode="auto"/>
         <p:txBody>
           <a:bodyPr/>
           <a:lstStyle/>
           <a:p>
+            <a:pPr>
+              <a:defRPr/>
+            </a:pPr>
             <a:endParaRPr lang="en-US"/>
           </a:p>
         </p:txBody>
       </p:sp>
       <p:sp>
         <p:nvSpPr>
-          <p:cNvPr id="7" name="Slide Number Placeholder 6">
-            <a:extLst>
-              <a:ext uri="{FF2B5EF4-FFF2-40B4-BE49-F238E27FC236}">
-                <a16:creationId xmlns:a16="http://schemas.microsoft.com/office/drawing/2014/main" id="{E7CA6C52-9B0B-4552-8E83-D3F8BD596B70}"/>
-              </a:ext>
-            </a:extLst>
-          </p:cNvPr>
+          <p:cNvPr id="7" name="Slide Number Placeholder 6"/>
           <p:cNvSpPr>
             <a:spLocks noGrp="1"/>
           </p:cNvSpPr>
@@ -2718,25 +2593,23 @@
             <p:ph type="sldNum" sz="quarter" idx="12"/>
           </p:nvPr>
         </p:nvSpPr>
-        <p:spPr/>
+        <p:spPr bwMode="auto"/>
         <p:txBody>
           <a:bodyPr/>
           <a:lstStyle/>
           <a:p>
+            <a:pPr>
+              <a:defRPr/>
+            </a:pPr>
             <a:fld id="{10C9208F-ADE9-4BAE-A43F-CB26C8E13901}" type="slidenum">
-              <a:rPr lang="en-US" smtClean="0"/>
-              <a:t>‹#›</a:t>
+              <a:rPr lang="en-US"/>
+              <a:t/>
             </a:fld>
             <a:endParaRPr lang="en-US"/>
           </a:p>
         </p:txBody>
       </p:sp>
     </p:spTree>
-    <p:extLst>
-      <p:ext uri="{BB962C8B-B14F-4D97-AF65-F5344CB8AC3E}">
-        <p14:creationId xmlns:p14="http://schemas.microsoft.com/office/powerpoint/2010/main" val="3678909251"/>
-      </p:ext>
-    </p:extLst>
   </p:cSld>
   <p:clrMapOvr>
     <a:masterClrMapping/>
@@ -2745,8 +2618,8 @@
 </file>
 
 <file path=ppt/slideMasters/slideMaster1.xml><?xml version="1.0" encoding="utf-8"?>
-<p:sldMaster xmlns:a="http://schemas.openxmlformats.org/drawingml/2006/main" xmlns:r="http://schemas.openxmlformats.org/officeDocument/2006/relationships" xmlns:p="http://schemas.openxmlformats.org/presentationml/2006/main">
-  <p:cSld>
+<p:sldMaster xmlns:a="http://schemas.openxmlformats.org/drawingml/2006/main" xmlns:r="http://schemas.openxmlformats.org/officeDocument/2006/relationships" xmlns:p="http://schemas.openxmlformats.org/presentationml/2006/main" xmlns:m="http://schemas.openxmlformats.org/officeDocument/2006/math" xmlns:w="http://schemas.openxmlformats.org/wordprocessingml/2006/main" preserve="0">
+  <p:cSld name="">
     <p:bg>
       <p:bgRef idx="1001">
         <a:schemeClr val="bg1"/>
@@ -2758,7 +2631,7 @@
         <p:cNvGrpSpPr/>
         <p:nvPr/>
       </p:nvGrpSpPr>
-      <p:grpSpPr>
+      <p:grpSpPr bwMode="auto">
         <a:xfrm>
           <a:off x="0" y="0"/>
           <a:ext cx="0" cy="0"/>
@@ -2768,13 +2641,7 @@
       </p:grpSpPr>
       <p:sp>
         <p:nvSpPr>
-          <p:cNvPr id="2" name="Title Placeholder 1">
-            <a:extLst>
-              <a:ext uri="{FF2B5EF4-FFF2-40B4-BE49-F238E27FC236}">
-                <a16:creationId xmlns:a16="http://schemas.microsoft.com/office/drawing/2014/main" id="{CB8713F9-6DD0-45D5-891C-FEF58A15E714}"/>
-              </a:ext>
-            </a:extLst>
-          </p:cNvPr>
+          <p:cNvPr id="2" name="Title Placeholder 1"/>
           <p:cNvSpPr>
             <a:spLocks noGrp="1"/>
           </p:cNvSpPr>
@@ -2782,7 +2649,7 @@
             <p:ph type="title"/>
           </p:nvPr>
         </p:nvSpPr>
-        <p:spPr>
+        <p:spPr bwMode="auto">
           <a:xfrm>
             <a:off x="838200" y="365125"/>
             <a:ext cx="10515600" cy="1325563"/>
@@ -2797,22 +2664,20 @@
           </a:bodyPr>
           <a:lstStyle/>
           <a:p>
+            <a:pPr>
+              <a:defRPr/>
+            </a:pPr>
             <a:r>
               <a:rPr lang="en-US"/>
               <a:t>Click to edit Master title style</a:t>
             </a:r>
-          </a:p>
-        </p:txBody>
-      </p:sp>
-      <p:sp>
-        <p:nvSpPr>
-          <p:cNvPr id="3" name="Text Placeholder 2">
-            <a:extLst>
-              <a:ext uri="{FF2B5EF4-FFF2-40B4-BE49-F238E27FC236}">
-                <a16:creationId xmlns:a16="http://schemas.microsoft.com/office/drawing/2014/main" id="{2EE1A346-D941-4BF5-8428-15674106B4F7}"/>
-              </a:ext>
-            </a:extLst>
-          </p:cNvPr>
+            <a:endParaRPr/>
+          </a:p>
+        </p:txBody>
+      </p:sp>
+      <p:sp>
+        <p:nvSpPr>
+          <p:cNvPr id="3" name="Text Placeholder 2"/>
           <p:cNvSpPr>
             <a:spLocks noGrp="1"/>
           </p:cNvSpPr>
@@ -2820,7 +2685,7 @@
             <p:ph type="body" idx="1"/>
           </p:nvPr>
         </p:nvSpPr>
-        <p:spPr>
+        <p:spPr bwMode="auto">
           <a:xfrm>
             <a:off x="838200" y="1825625"/>
             <a:ext cx="10515600" cy="4351338"/>
@@ -2835,51 +2700,60 @@
           </a:bodyPr>
           <a:lstStyle/>
           <a:p>
-            <a:pPr lvl="0"/>
+            <a:pPr lvl="0">
+              <a:defRPr/>
+            </a:pPr>
             <a:r>
               <a:rPr lang="en-US"/>
               <a:t>Click to edit Master text styles</a:t>
             </a:r>
-          </a:p>
-          <a:p>
-            <a:pPr lvl="1"/>
+            <a:endParaRPr/>
+          </a:p>
+          <a:p>
+            <a:pPr lvl="1">
+              <a:defRPr/>
+            </a:pPr>
             <a:r>
               <a:rPr lang="en-US"/>
               <a:t>Second level</a:t>
             </a:r>
-          </a:p>
-          <a:p>
-            <a:pPr lvl="2"/>
+            <a:endParaRPr/>
+          </a:p>
+          <a:p>
+            <a:pPr lvl="2">
+              <a:defRPr/>
+            </a:pPr>
             <a:r>
               <a:rPr lang="en-US"/>
               <a:t>Third level</a:t>
             </a:r>
-          </a:p>
-          <a:p>
-            <a:pPr lvl="3"/>
+            <a:endParaRPr/>
+          </a:p>
+          <a:p>
+            <a:pPr lvl="3">
+              <a:defRPr/>
+            </a:pPr>
             <a:r>
               <a:rPr lang="en-US"/>
               <a:t>Fourth level</a:t>
             </a:r>
-          </a:p>
-          <a:p>
-            <a:pPr lvl="4"/>
+            <a:endParaRPr/>
+          </a:p>
+          <a:p>
+            <a:pPr lvl="4">
+              <a:defRPr/>
+            </a:pPr>
             <a:r>
               <a:rPr lang="en-US"/>
               <a:t>Fifth level</a:t>
             </a:r>
-          </a:p>
-        </p:txBody>
-      </p:sp>
-      <p:sp>
-        <p:nvSpPr>
-          <p:cNvPr id="4" name="Date Placeholder 3">
-            <a:extLst>
-              <a:ext uri="{FF2B5EF4-FFF2-40B4-BE49-F238E27FC236}">
-                <a16:creationId xmlns:a16="http://schemas.microsoft.com/office/drawing/2014/main" id="{F104FB43-175D-4427-B0A5-9FBC8F924913}"/>
-              </a:ext>
-            </a:extLst>
-          </p:cNvPr>
+            <a:endParaRPr/>
+          </a:p>
+        </p:txBody>
+      </p:sp>
+      <p:sp>
+        <p:nvSpPr>
+          <p:cNvPr id="4" name="Date Placeholder 3"/>
           <p:cNvSpPr>
             <a:spLocks noGrp="1"/>
           </p:cNvSpPr>
@@ -2887,7 +2761,7 @@
             <p:ph type="dt" sz="half" idx="2"/>
           </p:nvPr>
         </p:nvSpPr>
-        <p:spPr>
+        <p:spPr bwMode="auto">
           <a:xfrm>
             <a:off x="838200" y="6356350"/>
             <a:ext cx="2743200" cy="365125"/>
@@ -2910,9 +2784,12 @@
             </a:lvl1pPr>
           </a:lstStyle>
           <a:p>
+            <a:pPr>
+              <a:defRPr/>
+            </a:pPr>
             <a:fld id="{FF54DEC8-C894-4AC5-953F-8FB9825CC77C}" type="datetimeFigureOut">
-              <a:rPr lang="en-US" smtClean="0"/>
-              <a:t>11/28/22</a:t>
+              <a:rPr lang="en-US"/>
+              <a:t/>
             </a:fld>
             <a:endParaRPr lang="en-US"/>
           </a:p>
@@ -2920,13 +2797,7 @@
       </p:sp>
       <p:sp>
         <p:nvSpPr>
-          <p:cNvPr id="5" name="Footer Placeholder 4">
-            <a:extLst>
-              <a:ext uri="{FF2B5EF4-FFF2-40B4-BE49-F238E27FC236}">
-                <a16:creationId xmlns:a16="http://schemas.microsoft.com/office/drawing/2014/main" id="{3E46BCFB-790C-4440-8FBD-3A232B1E25B9}"/>
-              </a:ext>
-            </a:extLst>
-          </p:cNvPr>
+          <p:cNvPr id="5" name="Footer Placeholder 4"/>
           <p:cNvSpPr>
             <a:spLocks noGrp="1"/>
           </p:cNvSpPr>
@@ -2934,7 +2805,7 @@
             <p:ph type="ftr" sz="quarter" idx="3"/>
           </p:nvPr>
         </p:nvSpPr>
-        <p:spPr>
+        <p:spPr bwMode="auto">
           <a:xfrm>
             <a:off x="4038600" y="6356350"/>
             <a:ext cx="4114800" cy="365125"/>
@@ -2957,19 +2828,16 @@
             </a:lvl1pPr>
           </a:lstStyle>
           <a:p>
+            <a:pPr>
+              <a:defRPr/>
+            </a:pPr>
             <a:endParaRPr lang="en-US"/>
           </a:p>
         </p:txBody>
       </p:sp>
       <p:sp>
         <p:nvSpPr>
-          <p:cNvPr id="6" name="Slide Number Placeholder 5">
-            <a:extLst>
-              <a:ext uri="{FF2B5EF4-FFF2-40B4-BE49-F238E27FC236}">
-                <a16:creationId xmlns:a16="http://schemas.microsoft.com/office/drawing/2014/main" id="{91C21016-9981-4A82-84E8-7CD3C7951B62}"/>
-              </a:ext>
-            </a:extLst>
-          </p:cNvPr>
+          <p:cNvPr id="6" name="Slide Number Placeholder 5"/>
           <p:cNvSpPr>
             <a:spLocks noGrp="1"/>
           </p:cNvSpPr>
@@ -2977,7 +2845,7 @@
             <p:ph type="sldNum" sz="quarter" idx="4"/>
           </p:nvPr>
         </p:nvSpPr>
-        <p:spPr>
+        <p:spPr bwMode="auto">
           <a:xfrm>
             <a:off x="8610600" y="6356350"/>
             <a:ext cx="2743200" cy="365125"/>
@@ -3000,20 +2868,18 @@
             </a:lvl1pPr>
           </a:lstStyle>
           <a:p>
+            <a:pPr>
+              <a:defRPr/>
+            </a:pPr>
             <a:fld id="{10C9208F-ADE9-4BAE-A43F-CB26C8E13901}" type="slidenum">
-              <a:rPr lang="en-US" smtClean="0"/>
-              <a:t>‹#›</a:t>
+              <a:rPr lang="en-US"/>
+              <a:t/>
             </a:fld>
             <a:endParaRPr lang="en-US"/>
           </a:p>
         </p:txBody>
       </p:sp>
     </p:spTree>
-    <p:extLst>
-      <p:ext uri="{BB962C8B-B14F-4D97-AF65-F5344CB8AC3E}">
-        <p14:creationId xmlns:p14="http://schemas.microsoft.com/office/powerpoint/2010/main" val="1414272868"/>
-      </p:ext>
-    </p:extLst>
   </p:cSld>
   <p:clrMap bg1="lt1" tx1="dk1" bg2="lt2" tx2="dk2" accent1="accent1" accent2="accent2" accent3="accent3" accent4="accent4" accent5="accent5" accent6="accent6" hlink="hlink" folHlink="folHlink"/>
   <p:sldLayoutIdLst>
@@ -3031,15 +2897,15 @@
   </p:sldLayoutIdLst>
   <p:txStyles>
     <p:titleStyle>
-      <a:lvl1pPr algn="l" defTabSz="914400" rtl="0" eaLnBrk="1" latinLnBrk="0" hangingPunct="1">
+      <a:lvl1pPr algn="l" defTabSz="914400">
         <a:lnSpc>
           <a:spcPct val="90000"/>
         </a:lnSpc>
         <a:spcBef>
-          <a:spcPct val="0"/>
+          <a:spcPts val="0"/>
         </a:spcBef>
         <a:buNone/>
-        <a:defRPr sz="4400" kern="1200">
+        <a:defRPr sz="4400">
           <a:solidFill>
             <a:schemeClr val="tx1"/>
           </a:solidFill>
@@ -3050,16 +2916,16 @@
       </a:lvl1pPr>
     </p:titleStyle>
     <p:bodyStyle>
-      <a:lvl1pPr marL="228600" indent="-228600" algn="l" defTabSz="914400" rtl="0" eaLnBrk="1" latinLnBrk="0" hangingPunct="1">
+      <a:lvl1pPr marL="228600" indent="-228600" algn="l" defTabSz="914400">
         <a:lnSpc>
           <a:spcPct val="90000"/>
         </a:lnSpc>
         <a:spcBef>
           <a:spcPts val="1000"/>
         </a:spcBef>
-        <a:buFont typeface="Arial" panose="020B0604020202020204" pitchFamily="34" charset="0"/>
+        <a:buFont typeface="Arial"/>
         <a:buChar char="•"/>
-        <a:defRPr sz="2800" kern="1200">
+        <a:defRPr sz="2800">
           <a:solidFill>
             <a:schemeClr val="tx1"/>
           </a:solidFill>
@@ -3068,16 +2934,16 @@
           <a:cs typeface="+mn-cs"/>
         </a:defRPr>
       </a:lvl1pPr>
-      <a:lvl2pPr marL="685800" indent="-228600" algn="l" defTabSz="914400" rtl="0" eaLnBrk="1" latinLnBrk="0" hangingPunct="1">
+      <a:lvl2pPr marL="685800" indent="-228600" algn="l" defTabSz="914400">
         <a:lnSpc>
           <a:spcPct val="90000"/>
         </a:lnSpc>
         <a:spcBef>
           <a:spcPts val="500"/>
         </a:spcBef>
-        <a:buFont typeface="Arial" panose="020B0604020202020204" pitchFamily="34" charset="0"/>
+        <a:buFont typeface="Arial"/>
         <a:buChar char="•"/>
-        <a:defRPr sz="2400" kern="1200">
+        <a:defRPr sz="2400">
           <a:solidFill>
             <a:schemeClr val="tx1"/>
           </a:solidFill>
@@ -3086,16 +2952,16 @@
           <a:cs typeface="+mn-cs"/>
         </a:defRPr>
       </a:lvl2pPr>
-      <a:lvl3pPr marL="1143000" indent="-228600" algn="l" defTabSz="914400" rtl="0" eaLnBrk="1" latinLnBrk="0" hangingPunct="1">
+      <a:lvl3pPr marL="1143000" indent="-228600" algn="l" defTabSz="914400">
         <a:lnSpc>
           <a:spcPct val="90000"/>
         </a:lnSpc>
         <a:spcBef>
           <a:spcPts val="500"/>
         </a:spcBef>
-        <a:buFont typeface="Arial" panose="020B0604020202020204" pitchFamily="34" charset="0"/>
+        <a:buFont typeface="Arial"/>
         <a:buChar char="•"/>
-        <a:defRPr sz="2000" kern="1200">
+        <a:defRPr sz="2000">
           <a:solidFill>
             <a:schemeClr val="tx1"/>
           </a:solidFill>
@@ -3104,16 +2970,16 @@
           <a:cs typeface="+mn-cs"/>
         </a:defRPr>
       </a:lvl3pPr>
-      <a:lvl4pPr marL="1600200" indent="-228600" algn="l" defTabSz="914400" rtl="0" eaLnBrk="1" latinLnBrk="0" hangingPunct="1">
+      <a:lvl4pPr marL="1600200" indent="-228600" algn="l" defTabSz="914400">
         <a:lnSpc>
           <a:spcPct val="90000"/>
         </a:lnSpc>
         <a:spcBef>
           <a:spcPts val="500"/>
         </a:spcBef>
-        <a:buFont typeface="Arial" panose="020B0604020202020204" pitchFamily="34" charset="0"/>
+        <a:buFont typeface="Arial"/>
         <a:buChar char="•"/>
-        <a:defRPr sz="1800" kern="1200">
+        <a:defRPr sz="1800">
           <a:solidFill>
             <a:schemeClr val="tx1"/>
           </a:solidFill>
@@ -3122,16 +2988,16 @@
           <a:cs typeface="+mn-cs"/>
         </a:defRPr>
       </a:lvl4pPr>
-      <a:lvl5pPr marL="2057400" indent="-228600" algn="l" defTabSz="914400" rtl="0" eaLnBrk="1" latinLnBrk="0" hangingPunct="1">
+      <a:lvl5pPr marL="2057400" indent="-228600" algn="l" defTabSz="914400">
         <a:lnSpc>
           <a:spcPct val="90000"/>
         </a:lnSpc>
         <a:spcBef>
           <a:spcPts val="500"/>
         </a:spcBef>
-        <a:buFont typeface="Arial" panose="020B0604020202020204" pitchFamily="34" charset="0"/>
+        <a:buFont typeface="Arial"/>
         <a:buChar char="•"/>
-        <a:defRPr sz="1800" kern="1200">
+        <a:defRPr sz="1800">
           <a:solidFill>
             <a:schemeClr val="tx1"/>
           </a:solidFill>
@@ -3140,16 +3006,16 @@
           <a:cs typeface="+mn-cs"/>
         </a:defRPr>
       </a:lvl5pPr>
-      <a:lvl6pPr marL="2514600" indent="-228600" algn="l" defTabSz="914400" rtl="0" eaLnBrk="1" latinLnBrk="0" hangingPunct="1">
+      <a:lvl6pPr marL="2514600" indent="-228600" algn="l" defTabSz="914400">
         <a:lnSpc>
           <a:spcPct val="90000"/>
         </a:lnSpc>
         <a:spcBef>
           <a:spcPts val="500"/>
         </a:spcBef>
-        <a:buFont typeface="Arial" panose="020B0604020202020204" pitchFamily="34" charset="0"/>
+        <a:buFont typeface="Arial"/>
         <a:buChar char="•"/>
-        <a:defRPr sz="1800" kern="1200">
+        <a:defRPr sz="1800">
           <a:solidFill>
             <a:schemeClr val="tx1"/>
           </a:solidFill>
@@ -3158,16 +3024,16 @@
           <a:cs typeface="+mn-cs"/>
         </a:defRPr>
       </a:lvl6pPr>
-      <a:lvl7pPr marL="2971800" indent="-228600" algn="l" defTabSz="914400" rtl="0" eaLnBrk="1" latinLnBrk="0" hangingPunct="1">
+      <a:lvl7pPr marL="2971800" indent="-228600" algn="l" defTabSz="914400">
         <a:lnSpc>
           <a:spcPct val="90000"/>
         </a:lnSpc>
         <a:spcBef>
           <a:spcPts val="500"/>
         </a:spcBef>
-        <a:buFont typeface="Arial" panose="020B0604020202020204" pitchFamily="34" charset="0"/>
+        <a:buFont typeface="Arial"/>
         <a:buChar char="•"/>
-        <a:defRPr sz="1800" kern="1200">
+        <a:defRPr sz="1800">
           <a:solidFill>
             <a:schemeClr val="tx1"/>
           </a:solidFill>
@@ -3176,16 +3042,16 @@
           <a:cs typeface="+mn-cs"/>
         </a:defRPr>
       </a:lvl7pPr>
-      <a:lvl8pPr marL="3429000" indent="-228600" algn="l" defTabSz="914400" rtl="0" eaLnBrk="1" latinLnBrk="0" hangingPunct="1">
+      <a:lvl8pPr marL="3429000" indent="-228600" algn="l" defTabSz="914400">
         <a:lnSpc>
           <a:spcPct val="90000"/>
         </a:lnSpc>
         <a:spcBef>
           <a:spcPts val="500"/>
         </a:spcBef>
-        <a:buFont typeface="Arial" panose="020B0604020202020204" pitchFamily="34" charset="0"/>
+        <a:buFont typeface="Arial"/>
         <a:buChar char="•"/>
-        <a:defRPr sz="1800" kern="1200">
+        <a:defRPr sz="1800">
           <a:solidFill>
             <a:schemeClr val="tx1"/>
           </a:solidFill>
@@ -3194,16 +3060,16 @@
           <a:cs typeface="+mn-cs"/>
         </a:defRPr>
       </a:lvl8pPr>
-      <a:lvl9pPr marL="3886200" indent="-228600" algn="l" defTabSz="914400" rtl="0" eaLnBrk="1" latinLnBrk="0" hangingPunct="1">
+      <a:lvl9pPr marL="3886200" indent="-228600" algn="l" defTabSz="914400">
         <a:lnSpc>
           <a:spcPct val="90000"/>
         </a:lnSpc>
         <a:spcBef>
           <a:spcPts val="500"/>
         </a:spcBef>
-        <a:buFont typeface="Arial" panose="020B0604020202020204" pitchFamily="34" charset="0"/>
+        <a:buFont typeface="Arial"/>
         <a:buChar char="•"/>
-        <a:defRPr sz="1800" kern="1200">
+        <a:defRPr sz="1800">
           <a:solidFill>
             <a:schemeClr val="tx1"/>
           </a:solidFill>
@@ -3217,8 +3083,8 @@
       <a:defPPr>
         <a:defRPr lang="en-US"/>
       </a:defPPr>
-      <a:lvl1pPr marL="0" algn="l" defTabSz="914400" rtl="0" eaLnBrk="1" latinLnBrk="0" hangingPunct="1">
-        <a:defRPr sz="1800" kern="1200">
+      <a:lvl1pPr marL="0" algn="l" defTabSz="914400">
+        <a:defRPr sz="1800">
           <a:solidFill>
             <a:schemeClr val="tx1"/>
           </a:solidFill>
@@ -3227,8 +3093,8 @@
           <a:cs typeface="+mn-cs"/>
         </a:defRPr>
       </a:lvl1pPr>
-      <a:lvl2pPr marL="457200" algn="l" defTabSz="914400" rtl="0" eaLnBrk="1" latinLnBrk="0" hangingPunct="1">
-        <a:defRPr sz="1800" kern="1200">
+      <a:lvl2pPr marL="457200" algn="l" defTabSz="914400">
+        <a:defRPr sz="1800">
           <a:solidFill>
             <a:schemeClr val="tx1"/>
           </a:solidFill>
@@ -3237,8 +3103,8 @@
           <a:cs typeface="+mn-cs"/>
         </a:defRPr>
       </a:lvl2pPr>
-      <a:lvl3pPr marL="914400" algn="l" defTabSz="914400" rtl="0" eaLnBrk="1" latinLnBrk="0" hangingPunct="1">
-        <a:defRPr sz="1800" kern="1200">
+      <a:lvl3pPr marL="914400" algn="l" defTabSz="914400">
+        <a:defRPr sz="1800">
           <a:solidFill>
             <a:schemeClr val="tx1"/>
           </a:solidFill>
@@ -3247,8 +3113,8 @@
           <a:cs typeface="+mn-cs"/>
         </a:defRPr>
       </a:lvl3pPr>
-      <a:lvl4pPr marL="1371600" algn="l" defTabSz="914400" rtl="0" eaLnBrk="1" latinLnBrk="0" hangingPunct="1">
-        <a:defRPr sz="1800" kern="1200">
+      <a:lvl4pPr marL="1371600" algn="l" defTabSz="914400">
+        <a:defRPr sz="1800">
           <a:solidFill>
             <a:schemeClr val="tx1"/>
           </a:solidFill>
@@ -3257,8 +3123,8 @@
           <a:cs typeface="+mn-cs"/>
         </a:defRPr>
       </a:lvl4pPr>
-      <a:lvl5pPr marL="1828800" algn="l" defTabSz="914400" rtl="0" eaLnBrk="1" latinLnBrk="0" hangingPunct="1">
-        <a:defRPr sz="1800" kern="1200">
+      <a:lvl5pPr marL="1828800" algn="l" defTabSz="914400">
+        <a:defRPr sz="1800">
           <a:solidFill>
             <a:schemeClr val="tx1"/>
           </a:solidFill>
@@ -3267,8 +3133,8 @@
           <a:cs typeface="+mn-cs"/>
         </a:defRPr>
       </a:lvl5pPr>
-      <a:lvl6pPr marL="2286000" algn="l" defTabSz="914400" rtl="0" eaLnBrk="1" latinLnBrk="0" hangingPunct="1">
-        <a:defRPr sz="1800" kern="1200">
+      <a:lvl6pPr marL="2286000" algn="l" defTabSz="914400">
+        <a:defRPr sz="1800">
           <a:solidFill>
             <a:schemeClr val="tx1"/>
           </a:solidFill>
@@ -3277,8 +3143,8 @@
           <a:cs typeface="+mn-cs"/>
         </a:defRPr>
       </a:lvl6pPr>
-      <a:lvl7pPr marL="2743200" algn="l" defTabSz="914400" rtl="0" eaLnBrk="1" latinLnBrk="0" hangingPunct="1">
-        <a:defRPr sz="1800" kern="1200">
+      <a:lvl7pPr marL="2743200" algn="l" defTabSz="914400">
+        <a:defRPr sz="1800">
           <a:solidFill>
             <a:schemeClr val="tx1"/>
           </a:solidFill>
@@ -3287,8 +3153,8 @@
           <a:cs typeface="+mn-cs"/>
         </a:defRPr>
       </a:lvl7pPr>
-      <a:lvl8pPr marL="3200400" algn="l" defTabSz="914400" rtl="0" eaLnBrk="1" latinLnBrk="0" hangingPunct="1">
-        <a:defRPr sz="1800" kern="1200">
+      <a:lvl8pPr marL="3200400" algn="l" defTabSz="914400">
+        <a:defRPr sz="1800">
           <a:solidFill>
             <a:schemeClr val="tx1"/>
           </a:solidFill>
@@ -3297,8 +3163,8 @@
           <a:cs typeface="+mn-cs"/>
         </a:defRPr>
       </a:lvl8pPr>
-      <a:lvl9pPr marL="3657600" algn="l" defTabSz="914400" rtl="0" eaLnBrk="1" latinLnBrk="0" hangingPunct="1">
-        <a:defRPr sz="1800" kern="1200">
+      <a:lvl9pPr marL="3657600" algn="l" defTabSz="914400">
+        <a:defRPr sz="1800">
           <a:solidFill>
             <a:schemeClr val="tx1"/>
           </a:solidFill>
@@ -3313,15 +3179,15 @@
 </file>
 
 <file path=ppt/slides/slide1.xml><?xml version="1.0" encoding="utf-8"?>
-<p:sld xmlns:a="http://schemas.openxmlformats.org/drawingml/2006/main" xmlns:r="http://schemas.openxmlformats.org/officeDocument/2006/relationships" xmlns:p="http://schemas.openxmlformats.org/presentationml/2006/main">
-  <p:cSld>
+<p:sld xmlns:a="http://schemas.openxmlformats.org/drawingml/2006/main" xmlns:r="http://schemas.openxmlformats.org/officeDocument/2006/relationships" xmlns:p="http://schemas.openxmlformats.org/presentationml/2006/main" xmlns:m="http://schemas.openxmlformats.org/officeDocument/2006/math" xmlns:w="http://schemas.openxmlformats.org/wordprocessingml/2006/main" showMasterPhAnim="0" show="1">
+  <p:cSld name="">
     <p:spTree>
       <p:nvGrpSpPr>
         <p:cNvPr id="1" name=""/>
         <p:cNvGrpSpPr/>
         <p:nvPr/>
       </p:nvGrpSpPr>
-      <p:grpSpPr>
+      <p:grpSpPr bwMode="auto">
         <a:xfrm>
           <a:off x="0" y="0"/>
           <a:ext cx="0" cy="0"/>
@@ -3331,13 +3197,7 @@
       </p:grpSpPr>
       <p:sp>
         <p:nvSpPr>
-          <p:cNvPr id="2" name="Title 1">
-            <a:extLst>
-              <a:ext uri="{FF2B5EF4-FFF2-40B4-BE49-F238E27FC236}">
-                <a16:creationId xmlns:a16="http://schemas.microsoft.com/office/drawing/2014/main" id="{8A62390F-C554-4101-8D31-60F63A7959B6}"/>
-              </a:ext>
-            </a:extLst>
-          </p:cNvPr>
+          <p:cNvPr id="2" name="Title 1"/>
           <p:cNvSpPr>
             <a:spLocks noGrp="1"/>
           </p:cNvSpPr>
@@ -3345,24 +3205,21 @@
             <p:ph type="ctrTitle"/>
           </p:nvPr>
         </p:nvSpPr>
-        <p:spPr/>
+        <p:spPr bwMode="auto"/>
         <p:txBody>
           <a:bodyPr/>
           <a:lstStyle/>
           <a:p>
+            <a:pPr>
+              <a:defRPr/>
+            </a:pPr>
             <a:endParaRPr lang="en-US"/>
           </a:p>
         </p:txBody>
       </p:sp>
       <p:sp>
         <p:nvSpPr>
-          <p:cNvPr id="3" name="Subtitle 2">
-            <a:extLst>
-              <a:ext uri="{FF2B5EF4-FFF2-40B4-BE49-F238E27FC236}">
-                <a16:creationId xmlns:a16="http://schemas.microsoft.com/office/drawing/2014/main" id="{56538F40-3528-4122-874A-08EB349E6D95}"/>
-              </a:ext>
-            </a:extLst>
-          </p:cNvPr>
+          <p:cNvPr id="3" name="Subtitle 2"/>
           <p:cNvSpPr>
             <a:spLocks noGrp="1"/>
           </p:cNvSpPr>
@@ -3370,38 +3227,44 @@
             <p:ph type="subTitle" idx="1"/>
           </p:nvPr>
         </p:nvSpPr>
-        <p:spPr/>
+        <p:spPr bwMode="auto"/>
         <p:txBody>
           <a:bodyPr/>
           <a:lstStyle/>
           <a:p>
+            <a:pPr>
+              <a:defRPr/>
+            </a:pPr>
             <a:endParaRPr lang="en-US"/>
           </a:p>
         </p:txBody>
       </p:sp>
     </p:spTree>
-    <p:extLst>
-      <p:ext uri="{BB962C8B-B14F-4D97-AF65-F5344CB8AC3E}">
-        <p14:creationId xmlns:p14="http://schemas.microsoft.com/office/powerpoint/2010/main" val="1190273128"/>
-      </p:ext>
-    </p:extLst>
   </p:cSld>
   <p:clrMapOvr>
     <a:masterClrMapping/>
   </p:clrMapOvr>
+  <mc:AlternateContent xmlns:mc="http://schemas.openxmlformats.org/markup-compatibility/2006">
+    <mc:Choice xmlns:p14="http://schemas.microsoft.com/office/powerpoint/2010/main" Requires="p14">
+      <p:transition p14:dur="2000" advClick="1"/>
+    </mc:Choice>
+    <mc:Fallback>
+      <p:transition advClick="1"/>
+    </mc:Fallback>
+  </mc:AlternateContent>
 </p:sld>
 </file>
 
 <file path=ppt/slides/slide2.xml><?xml version="1.0" encoding="utf-8"?>
-<p:sld xmlns:a="http://schemas.openxmlformats.org/drawingml/2006/main" xmlns:r="http://schemas.openxmlformats.org/officeDocument/2006/relationships" xmlns:p="http://schemas.openxmlformats.org/presentationml/2006/main">
-  <p:cSld>
+<p:sld xmlns:a="http://schemas.openxmlformats.org/drawingml/2006/main" xmlns:r="http://schemas.openxmlformats.org/officeDocument/2006/relationships" xmlns:p="http://schemas.openxmlformats.org/presentationml/2006/main" xmlns:m="http://schemas.openxmlformats.org/officeDocument/2006/math" xmlns:w="http://schemas.openxmlformats.org/wordprocessingml/2006/main" showMasterPhAnim="0" show="1">
+  <p:cSld name="">
     <p:spTree>
       <p:nvGrpSpPr>
         <p:cNvPr id="1" name=""/>
         <p:cNvGrpSpPr/>
         <p:nvPr/>
       </p:nvGrpSpPr>
-      <p:grpSpPr>
+      <p:grpSpPr bwMode="auto">
         <a:xfrm>
           <a:off x="0" y="0"/>
           <a:ext cx="0" cy="0"/>
@@ -3411,17 +3274,11 @@
       </p:grpSpPr>
       <p:sp>
         <p:nvSpPr>
-          <p:cNvPr id="4" name="Oval 3">
-            <a:extLst>
-              <a:ext uri="{FF2B5EF4-FFF2-40B4-BE49-F238E27FC236}">
-                <a16:creationId xmlns:a16="http://schemas.microsoft.com/office/drawing/2014/main" id="{AC984C56-788C-43C8-9C93-259B7650F7B9}"/>
-              </a:ext>
-            </a:extLst>
-          </p:cNvPr>
+          <p:cNvPr id="4" name="Oval 3"/>
           <p:cNvSpPr/>
           <p:nvPr/>
         </p:nvSpPr>
-        <p:spPr>
+        <p:spPr bwMode="auto">
           <a:xfrm>
             <a:off x="209549" y="695325"/>
             <a:ext cx="1685925" cy="1238250"/>
@@ -3453,24 +3310,20 @@
           <a:bodyPr rtlCol="0" anchor="ctr"/>
           <a:lstStyle/>
           <a:p>
-            <a:pPr algn="ctr"/>
+            <a:pPr algn="ctr">
+              <a:defRPr/>
+            </a:pPr>
             <a:endParaRPr lang="en-US"/>
           </a:p>
         </p:txBody>
       </p:sp>
       <p:sp>
         <p:nvSpPr>
-          <p:cNvPr id="5" name="TextBox 4">
-            <a:extLst>
-              <a:ext uri="{FF2B5EF4-FFF2-40B4-BE49-F238E27FC236}">
-                <a16:creationId xmlns:a16="http://schemas.microsoft.com/office/drawing/2014/main" id="{0A93330E-F92C-46C4-83C3-92CDFED639AC}"/>
-              </a:ext>
-            </a:extLst>
-          </p:cNvPr>
+          <p:cNvPr id="5" name="TextBox 4"/>
           <p:cNvSpPr txBox="1"/>
           <p:nvPr/>
         </p:nvSpPr>
-        <p:spPr>
+        <p:spPr bwMode="auto">
           <a:xfrm>
             <a:off x="423861" y="1129784"/>
             <a:ext cx="1257300" cy="369332"/>
@@ -3486,32 +3339,30 @@
           </a:bodyPr>
           <a:lstStyle/>
           <a:p>
-            <a:r>
-              <a:rPr lang="en-US" b="1" dirty="0">
+            <a:pPr>
+              <a:defRPr/>
+            </a:pPr>
+            <a:r>
+              <a:rPr lang="en-US" b="1">
                 <a:solidFill>
                   <a:schemeClr val="bg1"/>
                 </a:solidFill>
               </a:rPr>
               <a:t>population</a:t>
             </a:r>
-          </a:p>
-        </p:txBody>
-      </p:sp>
-      <p:sp>
-        <p:nvSpPr>
-          <p:cNvPr id="6" name="Rectangle 5">
-            <a:extLst>
-              <a:ext uri="{FF2B5EF4-FFF2-40B4-BE49-F238E27FC236}">
-                <a16:creationId xmlns:a16="http://schemas.microsoft.com/office/drawing/2014/main" id="{36ECF4D3-F4B6-4207-BCAF-9FDC10462DA2}"/>
-              </a:ext>
-            </a:extLst>
-          </p:cNvPr>
+            <a:endParaRPr/>
+          </a:p>
+        </p:txBody>
+      </p:sp>
+      <p:sp>
+        <p:nvSpPr>
+          <p:cNvPr id="6" name="Rectangle 5"/>
           <p:cNvSpPr/>
           <p:nvPr/>
         </p:nvSpPr>
-        <p:spPr>
-          <a:xfrm>
-            <a:off x="2700337" y="981075"/>
+        <p:spPr bwMode="auto">
+          <a:xfrm>
+            <a:off x="2700336" y="981075"/>
             <a:ext cx="1352550" cy="666750"/>
           </a:xfrm>
           <a:prstGeom prst="rect">
@@ -3541,24 +3392,20 @@
           <a:bodyPr rtlCol="0" anchor="ctr"/>
           <a:lstStyle/>
           <a:p>
-            <a:pPr algn="ctr"/>
+            <a:pPr algn="ctr">
+              <a:defRPr/>
+            </a:pPr>
             <a:endParaRPr lang="en-US"/>
           </a:p>
         </p:txBody>
       </p:sp>
       <p:sp>
         <p:nvSpPr>
-          <p:cNvPr id="7" name="TextBox 6">
-            <a:extLst>
-              <a:ext uri="{FF2B5EF4-FFF2-40B4-BE49-F238E27FC236}">
-                <a16:creationId xmlns:a16="http://schemas.microsoft.com/office/drawing/2014/main" id="{64D48CD1-B772-4F7D-B4C9-4510AD901345}"/>
-              </a:ext>
-            </a:extLst>
-          </p:cNvPr>
+          <p:cNvPr id="7" name="TextBox 6"/>
           <p:cNvSpPr txBox="1"/>
           <p:nvPr/>
         </p:nvSpPr>
-        <p:spPr>
+        <p:spPr bwMode="auto">
           <a:xfrm>
             <a:off x="2905125" y="981075"/>
             <a:ext cx="1076325" cy="646331"/>
@@ -3574,32 +3421,30 @@
           </a:bodyPr>
           <a:lstStyle/>
           <a:p>
-            <a:r>
-              <a:rPr lang="en-US" b="1" dirty="0">
+            <a:pPr>
+              <a:defRPr/>
+            </a:pPr>
+            <a:r>
+              <a:rPr lang="en-US" b="1">
                 <a:solidFill>
                   <a:schemeClr val="bg1"/>
                 </a:solidFill>
               </a:rPr>
               <a:t>observed sample</a:t>
             </a:r>
-          </a:p>
-        </p:txBody>
-      </p:sp>
-      <p:sp>
-        <p:nvSpPr>
-          <p:cNvPr id="8" name="Rectangle 7">
-            <a:extLst>
-              <a:ext uri="{FF2B5EF4-FFF2-40B4-BE49-F238E27FC236}">
-                <a16:creationId xmlns:a16="http://schemas.microsoft.com/office/drawing/2014/main" id="{1FA45961-0BF3-4BE2-89A5-9536CC949E61}"/>
-              </a:ext>
-            </a:extLst>
-          </p:cNvPr>
+            <a:endParaRPr/>
+          </a:p>
+        </p:txBody>
+      </p:sp>
+      <p:sp>
+        <p:nvSpPr>
+          <p:cNvPr id="8" name="Rectangle 7"/>
           <p:cNvSpPr/>
           <p:nvPr/>
         </p:nvSpPr>
-        <p:spPr>
-          <a:xfrm>
-            <a:off x="2700337" y="2224085"/>
+        <p:spPr bwMode="auto">
+          <a:xfrm>
+            <a:off x="2700336" y="2224085"/>
             <a:ext cx="1352550" cy="676275"/>
           </a:xfrm>
           <a:prstGeom prst="rect">
@@ -3640,24 +3485,20 @@
           <a:bodyPr rtlCol="0" anchor="ctr"/>
           <a:lstStyle/>
           <a:p>
-            <a:pPr algn="ctr"/>
+            <a:pPr algn="ctr">
+              <a:defRPr/>
+            </a:pPr>
             <a:endParaRPr lang="en-US"/>
           </a:p>
         </p:txBody>
       </p:sp>
       <p:sp>
         <p:nvSpPr>
-          <p:cNvPr id="9" name="TextBox 8">
-            <a:extLst>
-              <a:ext uri="{FF2B5EF4-FFF2-40B4-BE49-F238E27FC236}">
-                <a16:creationId xmlns:a16="http://schemas.microsoft.com/office/drawing/2014/main" id="{6033A433-CCF4-4212-9658-02CC71F4773E}"/>
-              </a:ext>
-            </a:extLst>
-          </p:cNvPr>
+          <p:cNvPr id="9" name="TextBox 8"/>
           <p:cNvSpPr txBox="1"/>
           <p:nvPr/>
         </p:nvSpPr>
-        <p:spPr>
+        <p:spPr bwMode="auto">
           <a:xfrm>
             <a:off x="2767012" y="2254029"/>
             <a:ext cx="1352550" cy="646331"/>
@@ -3673,29 +3514,28 @@
           </a:bodyPr>
           <a:lstStyle/>
           <a:p>
-            <a:r>
-              <a:rPr lang="en-US" b="1" dirty="0"/>
+            <a:pPr>
+              <a:defRPr/>
+            </a:pPr>
+            <a:r>
+              <a:rPr lang="en-US" b="1"/>
               <a:t>simulated time series</a:t>
             </a:r>
+            <a:endParaRPr/>
           </a:p>
         </p:txBody>
       </p:sp>
       <p:cxnSp>
         <p:nvCxnSpPr>
-          <p:cNvPr id="11" name="Straight Arrow Connector 10">
-            <a:extLst>
-              <a:ext uri="{FF2B5EF4-FFF2-40B4-BE49-F238E27FC236}">
-                <a16:creationId xmlns:a16="http://schemas.microsoft.com/office/drawing/2014/main" id="{E83F0871-22DD-4597-9F9A-7CB389DE8363}"/>
-              </a:ext>
-            </a:extLst>
-          </p:cNvPr>
+          <p:cNvPr id="11" name="Straight Arrow Connector 10"/>
           <p:cNvCxnSpPr>
+            <a:cxnSpLocks/>
             <a:stCxn id="4" idx="6"/>
             <a:endCxn id="6" idx="1"/>
           </p:cNvCxnSpPr>
           <p:nvPr/>
         </p:nvCxnSpPr>
-        <p:spPr>
+        <p:spPr bwMode="auto">
           <a:xfrm>
             <a:off x="1895474" y="1314450"/>
             <a:ext cx="804863" cy="0"/>
@@ -3727,19 +3567,13 @@
       </p:cxnSp>
       <p:cxnSp>
         <p:nvCxnSpPr>
-          <p:cNvPr id="13" name="Straight Arrow Connector 12">
-            <a:extLst>
-              <a:ext uri="{FF2B5EF4-FFF2-40B4-BE49-F238E27FC236}">
-                <a16:creationId xmlns:a16="http://schemas.microsoft.com/office/drawing/2014/main" id="{1FB94464-77A9-4EF1-B057-5ECCA1AF0B5E}"/>
-              </a:ext>
-            </a:extLst>
-          </p:cNvPr>
+          <p:cNvPr id="13" name="Straight Arrow Connector 12"/>
           <p:cNvCxnSpPr>
             <a:cxnSpLocks/>
           </p:cNvCxnSpPr>
           <p:nvPr/>
         </p:nvCxnSpPr>
-        <p:spPr>
+        <p:spPr bwMode="auto">
           <a:xfrm>
             <a:off x="3319462" y="1647825"/>
             <a:ext cx="0" cy="576260"/>
@@ -3774,17 +3608,11 @@
       </p:cxnSp>
       <p:sp>
         <p:nvSpPr>
-          <p:cNvPr id="15" name="Rectangle 14">
-            <a:extLst>
-              <a:ext uri="{FF2B5EF4-FFF2-40B4-BE49-F238E27FC236}">
-                <a16:creationId xmlns:a16="http://schemas.microsoft.com/office/drawing/2014/main" id="{CF6531D8-364B-497F-BF4B-4BA458619475}"/>
-              </a:ext>
-            </a:extLst>
-          </p:cNvPr>
+          <p:cNvPr id="15" name="Rectangle 14"/>
           <p:cNvSpPr/>
           <p:nvPr/>
         </p:nvSpPr>
-        <p:spPr>
+        <p:spPr bwMode="auto">
           <a:xfrm>
             <a:off x="2409825" y="542925"/>
             <a:ext cx="1981200" cy="2771775"/>
@@ -3822,26 +3650,22 @@
           <a:bodyPr rtlCol="0" anchor="ctr"/>
           <a:lstStyle/>
           <a:p>
-            <a:pPr algn="ctr"/>
-            <a:endParaRPr lang="en-US" dirty="0"/>
+            <a:pPr algn="ctr">
+              <a:defRPr/>
+            </a:pPr>
+            <a:endParaRPr lang="en-US"/>
           </a:p>
         </p:txBody>
       </p:sp>
       <p:cxnSp>
         <p:nvCxnSpPr>
-          <p:cNvPr id="19" name="Straight Connector 18">
-            <a:extLst>
-              <a:ext uri="{FF2B5EF4-FFF2-40B4-BE49-F238E27FC236}">
-                <a16:creationId xmlns:a16="http://schemas.microsoft.com/office/drawing/2014/main" id="{76108B02-A23E-476B-90E1-1F7D9B23FBC0}"/>
-              </a:ext>
-            </a:extLst>
-          </p:cNvPr>
+          <p:cNvPr id="19" name="Straight Connector 18"/>
           <p:cNvCxnSpPr>
             <a:cxnSpLocks/>
           </p:cNvCxnSpPr>
           <p:nvPr/>
         </p:nvCxnSpPr>
-        <p:spPr>
+        <p:spPr bwMode="auto">
           <a:xfrm flipV="1">
             <a:off x="4387023" y="1696965"/>
             <a:ext cx="419100" cy="1"/>
@@ -3872,17 +3696,11 @@
       </p:cxnSp>
       <p:grpSp>
         <p:nvGrpSpPr>
-          <p:cNvPr id="28" name="Group 27">
-            <a:extLst>
-              <a:ext uri="{FF2B5EF4-FFF2-40B4-BE49-F238E27FC236}">
-                <a16:creationId xmlns:a16="http://schemas.microsoft.com/office/drawing/2014/main" id="{9E5380D1-4914-4176-995D-96C589726A56}"/>
-              </a:ext>
-            </a:extLst>
-          </p:cNvPr>
+          <p:cNvPr id="28" name="Group 27"/>
           <p:cNvGrpSpPr/>
           <p:nvPr/>
         </p:nvGrpSpPr>
-        <p:grpSpPr>
+        <p:grpSpPr bwMode="auto">
           <a:xfrm>
             <a:off x="4788691" y="758683"/>
             <a:ext cx="331171" cy="1833121"/>
@@ -3892,19 +3710,13 @@
         </p:grpSpPr>
         <p:cxnSp>
           <p:nvCxnSpPr>
-            <p:cNvPr id="17" name="Straight Connector 16">
-              <a:extLst>
-                <a:ext uri="{FF2B5EF4-FFF2-40B4-BE49-F238E27FC236}">
-                  <a16:creationId xmlns:a16="http://schemas.microsoft.com/office/drawing/2014/main" id="{B26C53E0-368E-488B-B114-8DE490611847}"/>
-                </a:ext>
-              </a:extLst>
-            </p:cNvPr>
+            <p:cNvPr id="17" name="Straight Connector 16"/>
             <p:cNvCxnSpPr>
               <a:cxnSpLocks/>
             </p:cNvCxnSpPr>
             <p:nvPr/>
           </p:nvCxnSpPr>
-          <p:spPr>
+          <p:spPr bwMode="auto">
             <a:xfrm>
               <a:off x="4810124" y="1058344"/>
               <a:ext cx="0" cy="1763436"/>
@@ -3935,17 +3747,13 @@
         </p:cxnSp>
         <p:cxnSp>
           <p:nvCxnSpPr>
-            <p:cNvPr id="22" name="Straight Arrow Connector 21">
-              <a:extLst>
-                <a:ext uri="{FF2B5EF4-FFF2-40B4-BE49-F238E27FC236}">
-                  <a16:creationId xmlns:a16="http://schemas.microsoft.com/office/drawing/2014/main" id="{40226CEB-8B1F-46E9-934B-C424A344B283}"/>
-                </a:ext>
-              </a:extLst>
-            </p:cNvPr>
-            <p:cNvCxnSpPr/>
+            <p:cNvPr id="22" name="Straight Arrow Connector 21"/>
+            <p:cNvCxnSpPr>
+              <a:cxnSpLocks/>
+            </p:cNvCxnSpPr>
             <p:nvPr/>
           </p:nvCxnSpPr>
-          <p:spPr>
+          <p:spPr bwMode="auto">
             <a:xfrm>
               <a:off x="4795835" y="1058344"/>
               <a:ext cx="257175" cy="0"/>
@@ -3977,17 +3785,13 @@
         </p:cxnSp>
         <p:cxnSp>
           <p:nvCxnSpPr>
-            <p:cNvPr id="24" name="Straight Arrow Connector 23">
-              <a:extLst>
-                <a:ext uri="{FF2B5EF4-FFF2-40B4-BE49-F238E27FC236}">
-                  <a16:creationId xmlns:a16="http://schemas.microsoft.com/office/drawing/2014/main" id="{7BCC2817-EEC0-4756-BCA2-F751E85F21D1}"/>
-                </a:ext>
-              </a:extLst>
-            </p:cNvPr>
-            <p:cNvCxnSpPr/>
+            <p:cNvPr id="24" name="Straight Arrow Connector 23"/>
+            <p:cNvCxnSpPr>
+              <a:cxnSpLocks/>
+            </p:cNvCxnSpPr>
             <p:nvPr/>
           </p:nvCxnSpPr>
-          <p:spPr>
+          <p:spPr bwMode="auto">
             <a:xfrm>
               <a:off x="4810124" y="2805110"/>
               <a:ext cx="257175" cy="0"/>
@@ -4020,17 +3824,11 @@
       </p:grpSp>
       <p:sp>
         <p:nvSpPr>
-          <p:cNvPr id="29" name="Rectangle 28">
-            <a:extLst>
-              <a:ext uri="{FF2B5EF4-FFF2-40B4-BE49-F238E27FC236}">
-                <a16:creationId xmlns:a16="http://schemas.microsoft.com/office/drawing/2014/main" id="{8EBDE2B3-6487-4619-8517-FA6C1C1CAD23}"/>
-              </a:ext>
-            </a:extLst>
-          </p:cNvPr>
+          <p:cNvPr id="29" name="Rectangle 28"/>
           <p:cNvSpPr/>
           <p:nvPr/>
         </p:nvSpPr>
-        <p:spPr>
+        <p:spPr bwMode="auto">
           <a:xfrm>
             <a:off x="5060154" y="401497"/>
             <a:ext cx="1233490" cy="714375"/>
@@ -4062,27 +3860,23 @@
           <a:bodyPr rtlCol="0" anchor="ctr"/>
           <a:lstStyle/>
           <a:p>
-            <a:pPr algn="ctr"/>
+            <a:pPr algn="ctr">
+              <a:defRPr/>
+            </a:pPr>
             <a:endParaRPr lang="en-US"/>
           </a:p>
         </p:txBody>
       </p:sp>
       <p:sp>
         <p:nvSpPr>
-          <p:cNvPr id="30" name="Rectangle 29">
-            <a:extLst>
-              <a:ext uri="{FF2B5EF4-FFF2-40B4-BE49-F238E27FC236}">
-                <a16:creationId xmlns:a16="http://schemas.microsoft.com/office/drawing/2014/main" id="{2CC534C7-3E47-4540-9D7E-23CE4361E61D}"/>
-              </a:ext>
-            </a:extLst>
-          </p:cNvPr>
+          <p:cNvPr id="30" name="Rectangle 29"/>
           <p:cNvSpPr/>
           <p:nvPr/>
         </p:nvSpPr>
-        <p:spPr>
+        <p:spPr bwMode="auto">
           <a:xfrm>
             <a:off x="5111285" y="2195921"/>
-            <a:ext cx="1219201" cy="733425"/>
+            <a:ext cx="1219200" cy="733424"/>
           </a:xfrm>
           <a:prstGeom prst="rect">
             <a:avLst/>
@@ -4111,24 +3905,20 @@
           <a:bodyPr rtlCol="0" anchor="ctr"/>
           <a:lstStyle/>
           <a:p>
-            <a:pPr algn="ctr"/>
+            <a:pPr algn="ctr">
+              <a:defRPr/>
+            </a:pPr>
             <a:endParaRPr lang="en-US"/>
           </a:p>
         </p:txBody>
       </p:sp>
       <p:sp>
         <p:nvSpPr>
-          <p:cNvPr id="31" name="TextBox 30">
-            <a:extLst>
-              <a:ext uri="{FF2B5EF4-FFF2-40B4-BE49-F238E27FC236}">
-                <a16:creationId xmlns:a16="http://schemas.microsoft.com/office/drawing/2014/main" id="{87E101F8-CF55-42DF-8736-4C705C984809}"/>
-              </a:ext>
-            </a:extLst>
-          </p:cNvPr>
+          <p:cNvPr id="31" name="TextBox 30"/>
           <p:cNvSpPr txBox="1"/>
           <p:nvPr/>
         </p:nvSpPr>
-        <p:spPr>
+        <p:spPr bwMode="auto">
           <a:xfrm>
             <a:off x="5214940" y="427462"/>
             <a:ext cx="981075" cy="646331"/>
@@ -4144,30 +3934,28 @@
           </a:bodyPr>
           <a:lstStyle/>
           <a:p>
-            <a:r>
-              <a:rPr lang="en-US" b="1" dirty="0">
+            <a:pPr>
+              <a:defRPr/>
+            </a:pPr>
+            <a:r>
+              <a:rPr lang="en-US" b="1">
                 <a:solidFill>
                   <a:schemeClr val="bg1"/>
                 </a:solidFill>
               </a:rPr>
               <a:t>training period</a:t>
             </a:r>
-          </a:p>
-        </p:txBody>
-      </p:sp>
-      <p:sp>
-        <p:nvSpPr>
-          <p:cNvPr id="32" name="TextBox 31">
-            <a:extLst>
-              <a:ext uri="{FF2B5EF4-FFF2-40B4-BE49-F238E27FC236}">
-                <a16:creationId xmlns:a16="http://schemas.microsoft.com/office/drawing/2014/main" id="{1AD650F8-63B8-4215-972F-090C8BD8649F}"/>
-              </a:ext>
-            </a:extLst>
-          </p:cNvPr>
+            <a:endParaRPr/>
+          </a:p>
+        </p:txBody>
+      </p:sp>
+      <p:sp>
+        <p:nvSpPr>
+          <p:cNvPr id="32" name="TextBox 31"/>
           <p:cNvSpPr txBox="1"/>
           <p:nvPr/>
         </p:nvSpPr>
-        <p:spPr>
+        <p:spPr bwMode="auto">
           <a:xfrm>
             <a:off x="5256624" y="2244602"/>
             <a:ext cx="981075" cy="646331"/>
@@ -4183,32 +3971,31 @@
           </a:bodyPr>
           <a:lstStyle/>
           <a:p>
-            <a:r>
-              <a:rPr lang="en-US" b="1" dirty="0">
+            <a:pPr>
+              <a:defRPr/>
+            </a:pPr>
+            <a:r>
+              <a:rPr lang="en-US" b="1">
                 <a:solidFill>
                   <a:schemeClr val="bg1"/>
                 </a:solidFill>
               </a:rPr>
               <a:t>test period</a:t>
             </a:r>
+            <a:endParaRPr/>
           </a:p>
         </p:txBody>
       </p:sp>
       <p:cxnSp>
         <p:nvCxnSpPr>
-          <p:cNvPr id="34" name="Straight Arrow Connector 33">
-            <a:extLst>
-              <a:ext uri="{FF2B5EF4-FFF2-40B4-BE49-F238E27FC236}">
-                <a16:creationId xmlns:a16="http://schemas.microsoft.com/office/drawing/2014/main" id="{4FA4DA6A-4D66-42F9-8EE6-0521854F9404}"/>
-              </a:ext>
-            </a:extLst>
-          </p:cNvPr>
+          <p:cNvPr id="34" name="Straight Arrow Connector 33"/>
           <p:cNvCxnSpPr>
+            <a:cxnSpLocks/>
             <a:stCxn id="29" idx="3"/>
           </p:cNvCxnSpPr>
           <p:nvPr/>
         </p:nvCxnSpPr>
-        <p:spPr>
+        <p:spPr bwMode="auto">
           <a:xfrm flipV="1">
             <a:off x="6293644" y="758684"/>
             <a:ext cx="619125" cy="1"/>
@@ -4240,17 +4027,11 @@
       </p:cxnSp>
       <p:sp>
         <p:nvSpPr>
-          <p:cNvPr id="35" name="Rectangle 34">
-            <a:extLst>
-              <a:ext uri="{FF2B5EF4-FFF2-40B4-BE49-F238E27FC236}">
-                <a16:creationId xmlns:a16="http://schemas.microsoft.com/office/drawing/2014/main" id="{935C2CE4-AF42-488B-9137-B92AF68D1704}"/>
-              </a:ext>
-            </a:extLst>
-          </p:cNvPr>
+          <p:cNvPr id="35" name="Rectangle 34"/>
           <p:cNvSpPr/>
           <p:nvPr/>
         </p:nvSpPr>
-        <p:spPr>
+        <p:spPr bwMode="auto">
           <a:xfrm>
             <a:off x="6905625" y="428076"/>
             <a:ext cx="1190625" cy="714375"/>
@@ -4282,24 +4063,20 @@
           <a:bodyPr rtlCol="0" anchor="ctr"/>
           <a:lstStyle/>
           <a:p>
-            <a:pPr algn="ctr"/>
+            <a:pPr algn="ctr">
+              <a:defRPr/>
+            </a:pPr>
             <a:endParaRPr lang="en-US"/>
           </a:p>
         </p:txBody>
       </p:sp>
       <p:sp>
         <p:nvSpPr>
-          <p:cNvPr id="36" name="TextBox 35">
-            <a:extLst>
-              <a:ext uri="{FF2B5EF4-FFF2-40B4-BE49-F238E27FC236}">
-                <a16:creationId xmlns:a16="http://schemas.microsoft.com/office/drawing/2014/main" id="{C5DDC802-3588-465C-8391-F3CAA288CF9C}"/>
-              </a:ext>
-            </a:extLst>
-          </p:cNvPr>
+          <p:cNvPr id="36" name="TextBox 35"/>
           <p:cNvSpPr txBox="1"/>
           <p:nvPr/>
         </p:nvSpPr>
-        <p:spPr>
+        <p:spPr bwMode="auto">
           <a:xfrm>
             <a:off x="7086600" y="478780"/>
             <a:ext cx="1009650" cy="646331"/>
@@ -4315,33 +4092,31 @@
           </a:bodyPr>
           <a:lstStyle/>
           <a:p>
-            <a:r>
-              <a:rPr lang="en-US" b="1" dirty="0">
+            <a:pPr>
+              <a:defRPr/>
+            </a:pPr>
+            <a:r>
+              <a:rPr lang="en-US" b="1">
                 <a:solidFill>
                   <a:schemeClr val="bg1"/>
                 </a:solidFill>
               </a:rPr>
               <a:t>input - features</a:t>
             </a:r>
+            <a:endParaRPr/>
           </a:p>
         </p:txBody>
       </p:sp>
       <p:cxnSp>
         <p:nvCxnSpPr>
-          <p:cNvPr id="38" name="Straight Arrow Connector 37">
-            <a:extLst>
-              <a:ext uri="{FF2B5EF4-FFF2-40B4-BE49-F238E27FC236}">
-                <a16:creationId xmlns:a16="http://schemas.microsoft.com/office/drawing/2014/main" id="{16A75D27-9A7F-4C00-8984-6A9FC9C33C0F}"/>
-              </a:ext>
-            </a:extLst>
-          </p:cNvPr>
+          <p:cNvPr id="38" name="Straight Arrow Connector 37"/>
           <p:cNvCxnSpPr>
             <a:cxnSpLocks/>
             <a:stCxn id="30" idx="3"/>
           </p:cNvCxnSpPr>
           <p:nvPr/>
         </p:nvCxnSpPr>
-        <p:spPr>
+        <p:spPr bwMode="auto">
           <a:xfrm flipV="1">
             <a:off x="6330486" y="2554025"/>
             <a:ext cx="348119" cy="8609"/>
@@ -4373,17 +4148,11 @@
       </p:cxnSp>
       <p:sp>
         <p:nvSpPr>
-          <p:cNvPr id="39" name="Rectangle 38">
-            <a:extLst>
-              <a:ext uri="{FF2B5EF4-FFF2-40B4-BE49-F238E27FC236}">
-                <a16:creationId xmlns:a16="http://schemas.microsoft.com/office/drawing/2014/main" id="{68D89314-568B-4D89-ABD8-10832AD70807}"/>
-              </a:ext>
-            </a:extLst>
-          </p:cNvPr>
+          <p:cNvPr id="39" name="Rectangle 38"/>
           <p:cNvSpPr/>
           <p:nvPr/>
         </p:nvSpPr>
-        <p:spPr>
+        <p:spPr bwMode="auto">
           <a:xfrm>
             <a:off x="6716592" y="2219767"/>
             <a:ext cx="1587449" cy="727684"/>
@@ -4415,26 +4184,22 @@
           <a:bodyPr rtlCol="0" anchor="ctr"/>
           <a:lstStyle/>
           <a:p>
-            <a:pPr algn="ctr"/>
+            <a:pPr algn="ctr">
+              <a:defRPr/>
+            </a:pPr>
             <a:endParaRPr lang="en-US"/>
           </a:p>
         </p:txBody>
       </p:sp>
       <p:sp>
         <p:nvSpPr>
-          <p:cNvPr id="41" name="Oval 40">
-            <a:extLst>
-              <a:ext uri="{FF2B5EF4-FFF2-40B4-BE49-F238E27FC236}">
-                <a16:creationId xmlns:a16="http://schemas.microsoft.com/office/drawing/2014/main" id="{C099CB87-64E5-4332-9B19-1FC89E2B684D}"/>
-              </a:ext>
-            </a:extLst>
-          </p:cNvPr>
+          <p:cNvPr id="41" name="Oval 40"/>
           <p:cNvSpPr/>
           <p:nvPr/>
         </p:nvSpPr>
-        <p:spPr>
-          <a:xfrm>
-            <a:off x="9791699" y="827085"/>
+        <p:spPr bwMode="auto">
+          <a:xfrm>
+            <a:off x="9791699" y="827084"/>
             <a:ext cx="1885950" cy="1982811"/>
           </a:xfrm>
           <a:prstGeom prst="ellipse">
@@ -4464,24 +4229,20 @@
           <a:bodyPr rtlCol="0" anchor="ctr"/>
           <a:lstStyle/>
           <a:p>
-            <a:pPr algn="ctr"/>
+            <a:pPr algn="ctr">
+              <a:defRPr/>
+            </a:pPr>
             <a:endParaRPr lang="en-US"/>
           </a:p>
         </p:txBody>
       </p:sp>
       <p:sp>
         <p:nvSpPr>
-          <p:cNvPr id="42" name="TextBox 41">
-            <a:extLst>
-              <a:ext uri="{FF2B5EF4-FFF2-40B4-BE49-F238E27FC236}">
-                <a16:creationId xmlns:a16="http://schemas.microsoft.com/office/drawing/2014/main" id="{2ED29E5E-78A1-4BF9-9BB4-3584CE72CEE0}"/>
-              </a:ext>
-            </a:extLst>
-          </p:cNvPr>
+          <p:cNvPr id="42" name="TextBox 41"/>
           <p:cNvSpPr txBox="1"/>
           <p:nvPr/>
         </p:nvSpPr>
-        <p:spPr>
+        <p:spPr bwMode="auto">
           <a:xfrm>
             <a:off x="10013514" y="1328211"/>
             <a:ext cx="1530524" cy="923330"/>
@@ -4497,33 +4258,30 @@
           </a:bodyPr>
           <a:lstStyle/>
           <a:p>
-            <a:pPr algn="ctr"/>
-            <a:r>
-              <a:rPr lang="en-US" b="1" dirty="0">
+            <a:pPr algn="ctr">
+              <a:defRPr/>
+            </a:pPr>
+            <a:r>
+              <a:rPr lang="en-US" b="1">
                 <a:solidFill>
                   <a:schemeClr val="bg1"/>
                 </a:solidFill>
               </a:rPr>
               <a:t>train a classification algorithm</a:t>
             </a:r>
+            <a:endParaRPr/>
           </a:p>
         </p:txBody>
       </p:sp>
       <p:cxnSp>
         <p:nvCxnSpPr>
-          <p:cNvPr id="44" name="Straight Arrow Connector 43">
-            <a:extLst>
-              <a:ext uri="{FF2B5EF4-FFF2-40B4-BE49-F238E27FC236}">
-                <a16:creationId xmlns:a16="http://schemas.microsoft.com/office/drawing/2014/main" id="{9D810073-2978-4B52-BAF9-B668692ED4C6}"/>
-              </a:ext>
-            </a:extLst>
-          </p:cNvPr>
+          <p:cNvPr id="44" name="Straight Arrow Connector 43"/>
           <p:cNvCxnSpPr>
             <a:cxnSpLocks/>
           </p:cNvCxnSpPr>
           <p:nvPr/>
         </p:nvCxnSpPr>
-        <p:spPr>
+        <p:spPr bwMode="auto">
           <a:xfrm flipV="1">
             <a:off x="8127829" y="719929"/>
             <a:ext cx="2308258" cy="18319"/>
@@ -4555,19 +4313,13 @@
       </p:cxnSp>
       <p:cxnSp>
         <p:nvCxnSpPr>
-          <p:cNvPr id="49" name="Straight Arrow Connector 48">
-            <a:extLst>
-              <a:ext uri="{FF2B5EF4-FFF2-40B4-BE49-F238E27FC236}">
-                <a16:creationId xmlns:a16="http://schemas.microsoft.com/office/drawing/2014/main" id="{24B04515-22FD-4198-B611-4E84A83B8300}"/>
-              </a:ext>
-            </a:extLst>
-          </p:cNvPr>
+          <p:cNvPr id="49" name="Straight Arrow Connector 48"/>
           <p:cNvCxnSpPr>
             <a:cxnSpLocks/>
           </p:cNvCxnSpPr>
           <p:nvPr/>
         </p:nvCxnSpPr>
-        <p:spPr>
+        <p:spPr bwMode="auto">
           <a:xfrm>
             <a:off x="10775413" y="2898733"/>
             <a:ext cx="0" cy="1000882"/>
@@ -4599,20 +4351,14 @@
       </p:cxnSp>
       <p:sp>
         <p:nvSpPr>
-          <p:cNvPr id="50" name="Flowchart: Decision 49">
-            <a:extLst>
-              <a:ext uri="{FF2B5EF4-FFF2-40B4-BE49-F238E27FC236}">
-                <a16:creationId xmlns:a16="http://schemas.microsoft.com/office/drawing/2014/main" id="{FBA3A7EC-A759-459C-B5A9-44B7107B96E1}"/>
-              </a:ext>
-            </a:extLst>
-          </p:cNvPr>
+          <p:cNvPr id="50" name="Flowchart: Decision 49"/>
           <p:cNvSpPr/>
           <p:nvPr/>
         </p:nvSpPr>
-        <p:spPr>
+        <p:spPr bwMode="auto">
           <a:xfrm>
             <a:off x="9791699" y="3910013"/>
-            <a:ext cx="1962150" cy="1895475"/>
+            <a:ext cx="1962150" cy="1895474"/>
           </a:xfrm>
           <a:prstGeom prst="flowChartDecision">
             <a:avLst/>
@@ -4641,24 +4387,20 @@
           <a:bodyPr rtlCol="0" anchor="ctr"/>
           <a:lstStyle/>
           <a:p>
-            <a:pPr algn="ctr"/>
+            <a:pPr algn="ctr">
+              <a:defRPr/>
+            </a:pPr>
             <a:endParaRPr lang="en-US"/>
           </a:p>
         </p:txBody>
       </p:sp>
       <p:sp>
         <p:nvSpPr>
-          <p:cNvPr id="52" name="TextBox 51">
-            <a:extLst>
-              <a:ext uri="{FF2B5EF4-FFF2-40B4-BE49-F238E27FC236}">
-                <a16:creationId xmlns:a16="http://schemas.microsoft.com/office/drawing/2014/main" id="{0EC7F8DE-6F7A-4CF6-926E-2DC28E7CFBE6}"/>
-              </a:ext>
-            </a:extLst>
-          </p:cNvPr>
+          <p:cNvPr id="52" name="TextBox 51"/>
           <p:cNvSpPr txBox="1"/>
           <p:nvPr/>
         </p:nvSpPr>
-        <p:spPr>
+        <p:spPr bwMode="auto">
           <a:xfrm>
             <a:off x="10301287" y="4318038"/>
             <a:ext cx="1190625" cy="923330"/>
@@ -4674,30 +4416,28 @@
           </a:bodyPr>
           <a:lstStyle/>
           <a:p>
-            <a:r>
-              <a:rPr lang="en-US" b="1" dirty="0">
+            <a:pPr>
+              <a:defRPr/>
+            </a:pPr>
+            <a:r>
+              <a:rPr lang="en-US" b="1">
                 <a:solidFill>
                   <a:schemeClr val="bg1"/>
                 </a:solidFill>
               </a:rPr>
               <a:t>random forest classifier</a:t>
             </a:r>
-          </a:p>
-        </p:txBody>
-      </p:sp>
-      <p:sp>
-        <p:nvSpPr>
-          <p:cNvPr id="2" name="Rectangle 1">
-            <a:extLst>
-              <a:ext uri="{FF2B5EF4-FFF2-40B4-BE49-F238E27FC236}">
-                <a16:creationId xmlns:a16="http://schemas.microsoft.com/office/drawing/2014/main" id="{65BA81F8-2836-4117-9B52-21B49D776338}"/>
-              </a:ext>
-            </a:extLst>
-          </p:cNvPr>
+            <a:endParaRPr/>
+          </a:p>
+        </p:txBody>
+      </p:sp>
+      <p:sp>
+        <p:nvSpPr>
+          <p:cNvPr id="2" name="Rectangle 1"/>
           <p:cNvSpPr/>
           <p:nvPr/>
         </p:nvSpPr>
-        <p:spPr>
+        <p:spPr bwMode="auto">
           <a:xfrm>
             <a:off x="316704" y="4543425"/>
             <a:ext cx="1471613" cy="737889"/>
@@ -4734,24 +4474,20 @@
           <a:bodyPr rtlCol="0" anchor="ctr"/>
           <a:lstStyle/>
           <a:p>
-            <a:pPr algn="ctr"/>
-            <a:endParaRPr lang="en-US" dirty="0"/>
-          </a:p>
-        </p:txBody>
-      </p:sp>
-      <p:sp>
-        <p:nvSpPr>
-          <p:cNvPr id="3" name="TextBox 2">
-            <a:extLst>
-              <a:ext uri="{FF2B5EF4-FFF2-40B4-BE49-F238E27FC236}">
-                <a16:creationId xmlns:a16="http://schemas.microsoft.com/office/drawing/2014/main" id="{DC86D73D-E9E9-4FF6-9595-CA07A4D9981B}"/>
-              </a:ext>
-            </a:extLst>
-          </p:cNvPr>
+            <a:pPr algn="ctr">
+              <a:defRPr/>
+            </a:pPr>
+            <a:endParaRPr lang="en-US"/>
+          </a:p>
+        </p:txBody>
+      </p:sp>
+      <p:sp>
+        <p:nvSpPr>
+          <p:cNvPr id="3" name="TextBox 2"/>
           <p:cNvSpPr txBox="1"/>
           <p:nvPr/>
         </p:nvSpPr>
-        <p:spPr>
+        <p:spPr bwMode="auto">
           <a:xfrm>
             <a:off x="502442" y="4595037"/>
             <a:ext cx="1100136" cy="646331"/>
@@ -4767,32 +4503,31 @@
           </a:bodyPr>
           <a:lstStyle/>
           <a:p>
-            <a:r>
-              <a:rPr lang="en-US" b="1" dirty="0">
+            <a:pPr>
+              <a:defRPr/>
+            </a:pPr>
+            <a:r>
+              <a:rPr lang="en-US" b="1">
                 <a:solidFill>
                   <a:schemeClr val="bg1"/>
                 </a:solidFill>
               </a:rPr>
               <a:t>new time series</a:t>
             </a:r>
+            <a:endParaRPr/>
           </a:p>
         </p:txBody>
       </p:sp>
       <p:cxnSp>
         <p:nvCxnSpPr>
-          <p:cNvPr id="12" name="Straight Arrow Connector 11">
-            <a:extLst>
-              <a:ext uri="{FF2B5EF4-FFF2-40B4-BE49-F238E27FC236}">
-                <a16:creationId xmlns:a16="http://schemas.microsoft.com/office/drawing/2014/main" id="{F45BD030-C527-4912-9F8D-049C112D2E0B}"/>
-              </a:ext>
-            </a:extLst>
-          </p:cNvPr>
+          <p:cNvPr id="12" name="Straight Arrow Connector 11"/>
           <p:cNvCxnSpPr>
+            <a:cxnSpLocks/>
             <a:stCxn id="4" idx="4"/>
           </p:cNvCxnSpPr>
           <p:nvPr/>
         </p:nvCxnSpPr>
-        <p:spPr>
+        <p:spPr bwMode="auto">
           <a:xfrm flipH="1">
             <a:off x="1052511" y="1933575"/>
             <a:ext cx="1" cy="2609850"/>
@@ -4824,17 +4559,11 @@
       </p:cxnSp>
       <p:sp>
         <p:nvSpPr>
-          <p:cNvPr id="37" name="Rectangle 36">
-            <a:extLst>
-              <a:ext uri="{FF2B5EF4-FFF2-40B4-BE49-F238E27FC236}">
-                <a16:creationId xmlns:a16="http://schemas.microsoft.com/office/drawing/2014/main" id="{94A9776D-8F15-4981-89B0-AD9221084C63}"/>
-              </a:ext>
-            </a:extLst>
-          </p:cNvPr>
+          <p:cNvPr id="37" name="Rectangle 36"/>
           <p:cNvSpPr/>
           <p:nvPr/>
         </p:nvSpPr>
-        <p:spPr>
+        <p:spPr bwMode="auto">
           <a:xfrm>
             <a:off x="4488650" y="4503479"/>
             <a:ext cx="1471613" cy="737889"/>
@@ -4871,24 +4600,20 @@
           <a:bodyPr rtlCol="0" anchor="ctr"/>
           <a:lstStyle/>
           <a:p>
-            <a:pPr algn="ctr"/>
+            <a:pPr algn="ctr">
+              <a:defRPr/>
+            </a:pPr>
             <a:endParaRPr lang="en-US"/>
           </a:p>
         </p:txBody>
       </p:sp>
       <p:sp>
         <p:nvSpPr>
-          <p:cNvPr id="14" name="TextBox 13">
-            <a:extLst>
-              <a:ext uri="{FF2B5EF4-FFF2-40B4-BE49-F238E27FC236}">
-                <a16:creationId xmlns:a16="http://schemas.microsoft.com/office/drawing/2014/main" id="{648E31EF-1662-4C05-9147-284108D7F0A7}"/>
-              </a:ext>
-            </a:extLst>
-          </p:cNvPr>
+          <p:cNvPr id="14" name="TextBox 13"/>
           <p:cNvSpPr txBox="1"/>
           <p:nvPr/>
         </p:nvSpPr>
-        <p:spPr>
+        <p:spPr bwMode="auto">
           <a:xfrm>
             <a:off x="4641071" y="4557584"/>
             <a:ext cx="1231106" cy="646331"/>
@@ -4904,33 +4629,32 @@
           </a:bodyPr>
           <a:lstStyle/>
           <a:p>
-            <a:r>
-              <a:rPr lang="en-US" b="1" dirty="0">
+            <a:pPr>
+              <a:defRPr/>
+            </a:pPr>
+            <a:r>
+              <a:rPr lang="en-US" b="1">
                 <a:solidFill>
                   <a:schemeClr val="bg1"/>
                 </a:solidFill>
               </a:rPr>
               <a:t>feature calculation</a:t>
             </a:r>
+            <a:endParaRPr/>
           </a:p>
         </p:txBody>
       </p:sp>
       <p:cxnSp>
         <p:nvCxnSpPr>
-          <p:cNvPr id="18" name="Straight Arrow Connector 17">
-            <a:extLst>
-              <a:ext uri="{FF2B5EF4-FFF2-40B4-BE49-F238E27FC236}">
-                <a16:creationId xmlns:a16="http://schemas.microsoft.com/office/drawing/2014/main" id="{487876C1-5711-4854-ADA2-BB5857A9B9B4}"/>
-              </a:ext>
-            </a:extLst>
-          </p:cNvPr>
+          <p:cNvPr id="18" name="Straight Arrow Connector 17"/>
           <p:cNvCxnSpPr>
+            <a:cxnSpLocks/>
             <a:stCxn id="2" idx="3"/>
             <a:endCxn id="37" idx="1"/>
           </p:cNvCxnSpPr>
           <p:nvPr/>
         </p:nvCxnSpPr>
-        <p:spPr>
+        <p:spPr bwMode="auto">
           <a:xfrm flipV="1">
             <a:off x="1788317" y="4872424"/>
             <a:ext cx="2700333" cy="39946"/>
@@ -4962,13 +4686,7 @@
       </p:cxnSp>
       <p:cxnSp>
         <p:nvCxnSpPr>
-          <p:cNvPr id="21" name="Straight Arrow Connector 20">
-            <a:extLst>
-              <a:ext uri="{FF2B5EF4-FFF2-40B4-BE49-F238E27FC236}">
-                <a16:creationId xmlns:a16="http://schemas.microsoft.com/office/drawing/2014/main" id="{C32968A2-112D-4638-BF89-598CE8AC01BB}"/>
-              </a:ext>
-            </a:extLst>
-          </p:cNvPr>
+          <p:cNvPr id="21" name="Straight Arrow Connector 20"/>
           <p:cNvCxnSpPr>
             <a:cxnSpLocks/>
             <a:stCxn id="37" idx="3"/>
@@ -4976,7 +4694,7 @@
           </p:cNvCxnSpPr>
           <p:nvPr/>
         </p:nvCxnSpPr>
-        <p:spPr>
+        <p:spPr bwMode="auto">
           <a:xfrm flipV="1">
             <a:off x="5960263" y="4857751"/>
             <a:ext cx="3831436" cy="14673"/>
@@ -5008,19 +4726,14 @@
       </p:cxnSp>
       <p:cxnSp>
         <p:nvCxnSpPr>
-          <p:cNvPr id="26" name="Straight Arrow Connector 25">
-            <a:extLst>
-              <a:ext uri="{FF2B5EF4-FFF2-40B4-BE49-F238E27FC236}">
-                <a16:creationId xmlns:a16="http://schemas.microsoft.com/office/drawing/2014/main" id="{2A527058-4868-4576-B27B-72EDA6767192}"/>
-              </a:ext>
-            </a:extLst>
-          </p:cNvPr>
+          <p:cNvPr id="26" name="Straight Arrow Connector 25"/>
           <p:cNvCxnSpPr>
+            <a:cxnSpLocks/>
             <a:stCxn id="50" idx="2"/>
           </p:cNvCxnSpPr>
           <p:nvPr/>
         </p:nvCxnSpPr>
-        <p:spPr>
+        <p:spPr bwMode="auto">
           <a:xfrm>
             <a:off x="10772774" y="5805488"/>
             <a:ext cx="0" cy="404813"/>
@@ -5052,17 +4765,11 @@
       </p:cxnSp>
       <p:sp>
         <p:nvSpPr>
-          <p:cNvPr id="27" name="Rectangle 26">
-            <a:extLst>
-              <a:ext uri="{FF2B5EF4-FFF2-40B4-BE49-F238E27FC236}">
-                <a16:creationId xmlns:a16="http://schemas.microsoft.com/office/drawing/2014/main" id="{94FD5AA0-5E0D-472B-9F12-BFCF8984990F}"/>
-              </a:ext>
-            </a:extLst>
-          </p:cNvPr>
+          <p:cNvPr id="27" name="Rectangle 26"/>
           <p:cNvSpPr/>
           <p:nvPr/>
         </p:nvSpPr>
-        <p:spPr>
+        <p:spPr bwMode="auto">
           <a:xfrm>
             <a:off x="9925049" y="6210301"/>
             <a:ext cx="1485900" cy="542925"/>
@@ -5099,24 +4806,20 @@
           <a:bodyPr rtlCol="0" anchor="ctr"/>
           <a:lstStyle/>
           <a:p>
-            <a:pPr algn="ctr"/>
+            <a:pPr algn="ctr">
+              <a:defRPr/>
+            </a:pPr>
             <a:endParaRPr lang="en-US"/>
           </a:p>
         </p:txBody>
       </p:sp>
       <p:sp>
         <p:nvSpPr>
-          <p:cNvPr id="33" name="TextBox 32">
-            <a:extLst>
-              <a:ext uri="{FF2B5EF4-FFF2-40B4-BE49-F238E27FC236}">
-                <a16:creationId xmlns:a16="http://schemas.microsoft.com/office/drawing/2014/main" id="{F4F52083-CA5B-400F-AA62-3D511575B93E}"/>
-              </a:ext>
-            </a:extLst>
-          </p:cNvPr>
+          <p:cNvPr id="33" name="TextBox 32"/>
           <p:cNvSpPr txBox="1"/>
           <p:nvPr/>
         </p:nvSpPr>
-        <p:spPr>
+        <p:spPr bwMode="auto">
           <a:xfrm>
             <a:off x="9991724" y="6174123"/>
             <a:ext cx="1352550" cy="646331"/>
@@ -5132,30 +4835,28 @@
           </a:bodyPr>
           <a:lstStyle/>
           <a:p>
-            <a:r>
-              <a:rPr lang="en-US" b="1" dirty="0">
+            <a:pPr>
+              <a:defRPr/>
+            </a:pPr>
+            <a:r>
+              <a:rPr lang="en-US" b="1">
                 <a:solidFill>
                   <a:schemeClr val="bg1"/>
                 </a:solidFill>
               </a:rPr>
               <a:t>forecasting method</a:t>
             </a:r>
-          </a:p>
-        </p:txBody>
-      </p:sp>
-      <p:sp>
-        <p:nvSpPr>
-          <p:cNvPr id="10" name="TextBox 9">
-            <a:extLst>
-              <a:ext uri="{FF2B5EF4-FFF2-40B4-BE49-F238E27FC236}">
-                <a16:creationId xmlns:a16="http://schemas.microsoft.com/office/drawing/2014/main" id="{3524BB3E-8025-48D2-9F68-40BC9636F369}"/>
-              </a:ext>
-            </a:extLst>
-          </p:cNvPr>
+            <a:endParaRPr/>
+          </a:p>
+        </p:txBody>
+      </p:sp>
+      <p:sp>
+        <p:nvSpPr>
+          <p:cNvPr id="10" name="TextBox 9"/>
           <p:cNvSpPr txBox="1"/>
           <p:nvPr/>
         </p:nvSpPr>
-        <p:spPr>
+        <p:spPr bwMode="auto">
           <a:xfrm>
             <a:off x="2595565" y="223668"/>
             <a:ext cx="1609720" cy="369332"/>
@@ -5171,26 +4872,24 @@
           </a:bodyPr>
           <a:lstStyle/>
           <a:p>
-            <a:r>
-              <a:rPr lang="en-US" dirty="0"/>
+            <a:pPr>
+              <a:defRPr/>
+            </a:pPr>
+            <a:r>
+              <a:rPr lang="en-US"/>
               <a:t>reference set</a:t>
             </a:r>
-          </a:p>
-        </p:txBody>
-      </p:sp>
-      <p:sp>
-        <p:nvSpPr>
-          <p:cNvPr id="45" name="Rectangle 44">
-            <a:extLst>
-              <a:ext uri="{FF2B5EF4-FFF2-40B4-BE49-F238E27FC236}">
-                <a16:creationId xmlns:a16="http://schemas.microsoft.com/office/drawing/2014/main" id="{B096087A-E633-48C6-BE7F-6FD05CA29447}"/>
-              </a:ext>
-            </a:extLst>
-          </p:cNvPr>
+            <a:endParaRPr/>
+          </a:p>
+        </p:txBody>
+      </p:sp>
+      <p:sp>
+        <p:nvSpPr>
+          <p:cNvPr id="45" name="Rectangle 44"/>
           <p:cNvSpPr/>
           <p:nvPr/>
         </p:nvSpPr>
-        <p:spPr>
+        <p:spPr bwMode="auto">
           <a:xfrm>
             <a:off x="6885320" y="1299593"/>
             <a:ext cx="1242505" cy="566656"/>
@@ -5222,24 +4921,20 @@
           <a:bodyPr rtlCol="0" anchor="ctr"/>
           <a:lstStyle/>
           <a:p>
-            <a:pPr algn="ctr"/>
+            <a:pPr algn="ctr">
+              <a:defRPr/>
+            </a:pPr>
             <a:endParaRPr lang="en-US"/>
           </a:p>
         </p:txBody>
       </p:sp>
       <p:sp>
         <p:nvSpPr>
-          <p:cNvPr id="57" name="TextBox 56">
-            <a:extLst>
-              <a:ext uri="{FF2B5EF4-FFF2-40B4-BE49-F238E27FC236}">
-                <a16:creationId xmlns:a16="http://schemas.microsoft.com/office/drawing/2014/main" id="{F1AF2F00-7240-43C9-8576-6826A2E53A37}"/>
-              </a:ext>
-            </a:extLst>
-          </p:cNvPr>
+          <p:cNvPr id="57" name="TextBox 56"/>
           <p:cNvSpPr txBox="1"/>
           <p:nvPr/>
         </p:nvSpPr>
-        <p:spPr>
+        <p:spPr bwMode="auto">
           <a:xfrm>
             <a:off x="6975559" y="1299592"/>
             <a:ext cx="1369256" cy="369332"/>
@@ -5255,33 +4950,31 @@
           </a:bodyPr>
           <a:lstStyle/>
           <a:p>
-            <a:r>
-              <a:rPr lang="en-US" b="1" dirty="0">
+            <a:pPr>
+              <a:defRPr/>
+            </a:pPr>
+            <a:r>
+              <a:rPr lang="en-US" b="1">
                 <a:solidFill>
                   <a:schemeClr val="bg1"/>
                 </a:solidFill>
               </a:rPr>
               <a:t>fit models</a:t>
             </a:r>
-          </a:p>
-        </p:txBody>
-      </p:sp>
-      <p:sp>
-        <p:nvSpPr>
-          <p:cNvPr id="60" name="Rectangle 59">
-            <a:extLst>
-              <a:ext uri="{FF2B5EF4-FFF2-40B4-BE49-F238E27FC236}">
-                <a16:creationId xmlns:a16="http://schemas.microsoft.com/office/drawing/2014/main" id="{CB20FE32-DA01-4CDD-B840-37108AA6B32A}"/>
-              </a:ext>
-            </a:extLst>
-          </p:cNvPr>
+            <a:endParaRPr/>
+          </a:p>
+        </p:txBody>
+      </p:sp>
+      <p:sp>
+        <p:nvSpPr>
+          <p:cNvPr id="60" name="Rectangle 59"/>
           <p:cNvSpPr/>
           <p:nvPr/>
         </p:nvSpPr>
-        <p:spPr>
+        <p:spPr bwMode="auto">
           <a:xfrm>
             <a:off x="8499901" y="2187312"/>
-            <a:ext cx="1162050" cy="733425"/>
+            <a:ext cx="1162050" cy="733424"/>
           </a:xfrm>
           <a:prstGeom prst="rect">
             <a:avLst/>
@@ -5310,24 +5003,20 @@
           <a:bodyPr rtlCol="0" anchor="ctr"/>
           <a:lstStyle/>
           <a:p>
-            <a:pPr algn="ctr"/>
+            <a:pPr algn="ctr">
+              <a:defRPr/>
+            </a:pPr>
             <a:endParaRPr lang="en-US"/>
           </a:p>
         </p:txBody>
       </p:sp>
       <p:sp>
         <p:nvSpPr>
-          <p:cNvPr id="61" name="TextBox 60">
-            <a:extLst>
-              <a:ext uri="{FF2B5EF4-FFF2-40B4-BE49-F238E27FC236}">
-                <a16:creationId xmlns:a16="http://schemas.microsoft.com/office/drawing/2014/main" id="{84E32220-FE4A-4A9F-AC2F-8F32CF154BA9}"/>
-              </a:ext>
-            </a:extLst>
-          </p:cNvPr>
+          <p:cNvPr id="61" name="TextBox 60"/>
           <p:cNvSpPr txBox="1"/>
           <p:nvPr/>
         </p:nvSpPr>
-        <p:spPr>
+        <p:spPr bwMode="auto">
           <a:xfrm>
             <a:off x="9095417" y="3238500"/>
             <a:ext cx="870501" cy="369332"/>
@@ -5343,30 +5032,28 @@
           </a:bodyPr>
           <a:lstStyle/>
           <a:p>
-            <a:r>
-              <a:rPr lang="en-US" b="1" dirty="0">
+            <a:pPr>
+              <a:defRPr/>
+            </a:pPr>
+            <a:r>
+              <a:rPr lang="en-US" b="1">
                 <a:solidFill>
                   <a:schemeClr val="bg1"/>
                 </a:solidFill>
               </a:rPr>
               <a:t>label</a:t>
             </a:r>
-          </a:p>
-        </p:txBody>
-      </p:sp>
-      <p:sp>
-        <p:nvSpPr>
-          <p:cNvPr id="62" name="TextBox 61">
-            <a:extLst>
-              <a:ext uri="{FF2B5EF4-FFF2-40B4-BE49-F238E27FC236}">
-                <a16:creationId xmlns:a16="http://schemas.microsoft.com/office/drawing/2014/main" id="{504E8D90-7073-4CC0-89C7-F5363692511B}"/>
-              </a:ext>
-            </a:extLst>
-          </p:cNvPr>
+            <a:endParaRPr/>
+          </a:p>
+        </p:txBody>
+      </p:sp>
+      <p:sp>
+        <p:nvSpPr>
+          <p:cNvPr id="62" name="TextBox 61"/>
           <p:cNvSpPr txBox="1"/>
           <p:nvPr/>
         </p:nvSpPr>
-        <p:spPr>
+        <p:spPr bwMode="auto">
           <a:xfrm>
             <a:off x="6748582" y="2268638"/>
             <a:ext cx="1683200" cy="646331"/>
@@ -5382,36 +5069,34 @@
           </a:bodyPr>
           <a:lstStyle/>
           <a:p>
-            <a:r>
-              <a:rPr lang="en-US" b="1" dirty="0">
+            <a:pPr>
+              <a:defRPr/>
+            </a:pPr>
+            <a:r>
+              <a:rPr lang="en-US" b="1">
                 <a:solidFill>
                   <a:schemeClr val="bg1"/>
                 </a:solidFill>
               </a:rPr>
               <a:t>identify “best” model</a:t>
             </a:r>
+            <a:endParaRPr/>
           </a:p>
         </p:txBody>
       </p:sp>
       <p:cxnSp>
         <p:nvCxnSpPr>
-          <p:cNvPr id="65" name="Straight Connector 64">
-            <a:extLst>
-              <a:ext uri="{FF2B5EF4-FFF2-40B4-BE49-F238E27FC236}">
-                <a16:creationId xmlns:a16="http://schemas.microsoft.com/office/drawing/2014/main" id="{B17D9329-3168-47D2-B079-2122063A6FBE}"/>
-              </a:ext>
-            </a:extLst>
-          </p:cNvPr>
+          <p:cNvPr id="65" name="Straight Connector 64"/>
           <p:cNvCxnSpPr>
             <a:cxnSpLocks/>
             <a:stCxn id="31" idx="2"/>
           </p:cNvCxnSpPr>
           <p:nvPr/>
         </p:nvCxnSpPr>
-        <p:spPr>
+        <p:spPr bwMode="auto">
           <a:xfrm>
             <a:off x="5705478" y="1073793"/>
-            <a:ext cx="0" cy="456211"/>
+            <a:ext cx="0" cy="456210"/>
           </a:xfrm>
           <a:prstGeom prst="line">
             <a:avLst/>
@@ -5439,19 +5124,14 @@
       </p:cxnSp>
       <p:cxnSp>
         <p:nvCxnSpPr>
-          <p:cNvPr id="54" name="Straight Arrow Connector 53">
-            <a:extLst>
-              <a:ext uri="{FF2B5EF4-FFF2-40B4-BE49-F238E27FC236}">
-                <a16:creationId xmlns:a16="http://schemas.microsoft.com/office/drawing/2014/main" id="{17A3C256-1BC5-41BC-8AE2-930A39E1C98E}"/>
-              </a:ext>
-            </a:extLst>
-          </p:cNvPr>
+          <p:cNvPr id="54" name="Straight Arrow Connector 53"/>
           <p:cNvCxnSpPr>
+            <a:cxnSpLocks/>
             <a:stCxn id="60" idx="3"/>
           </p:cNvCxnSpPr>
           <p:nvPr/>
         </p:nvCxnSpPr>
-        <p:spPr>
+        <p:spPr bwMode="auto">
           <a:xfrm>
             <a:off x="9661951" y="2554025"/>
             <a:ext cx="329773" cy="8197"/>
@@ -5483,19 +5163,14 @@
       </p:cxnSp>
       <p:cxnSp>
         <p:nvCxnSpPr>
-          <p:cNvPr id="56" name="Straight Arrow Connector 55">
-            <a:extLst>
-              <a:ext uri="{FF2B5EF4-FFF2-40B4-BE49-F238E27FC236}">
-                <a16:creationId xmlns:a16="http://schemas.microsoft.com/office/drawing/2014/main" id="{06960468-7776-44E7-82B6-0C778445F265}"/>
-              </a:ext>
-            </a:extLst>
-          </p:cNvPr>
+          <p:cNvPr id="56" name="Straight Arrow Connector 55"/>
           <p:cNvCxnSpPr>
+            <a:cxnSpLocks/>
             <a:endCxn id="45" idx="1"/>
           </p:cNvCxnSpPr>
           <p:nvPr/>
         </p:nvCxnSpPr>
-        <p:spPr>
+        <p:spPr bwMode="auto">
           <a:xfrm>
             <a:off x="5714994" y="1582921"/>
             <a:ext cx="1170326" cy="0"/>
@@ -5527,22 +5202,17 @@
       </p:cxnSp>
       <p:cxnSp>
         <p:nvCxnSpPr>
-          <p:cNvPr id="69" name="Straight Arrow Connector 68">
-            <a:extLst>
-              <a:ext uri="{FF2B5EF4-FFF2-40B4-BE49-F238E27FC236}">
-                <a16:creationId xmlns:a16="http://schemas.microsoft.com/office/drawing/2014/main" id="{51A0714B-4158-44C5-A591-EBE8BFE4A6BA}"/>
-              </a:ext>
-            </a:extLst>
-          </p:cNvPr>
+          <p:cNvPr id="69" name="Straight Arrow Connector 68"/>
           <p:cNvCxnSpPr>
+            <a:cxnSpLocks/>
             <a:endCxn id="60" idx="1"/>
           </p:cNvCxnSpPr>
           <p:nvPr/>
         </p:nvCxnSpPr>
-        <p:spPr>
+        <p:spPr bwMode="auto">
           <a:xfrm>
             <a:off x="8304041" y="2554024"/>
-            <a:ext cx="195860" cy="1"/>
+            <a:ext cx="195859" cy="1"/>
           </a:xfrm>
           <a:prstGeom prst="straightConnector1">
             <a:avLst/>
@@ -5571,17 +5241,11 @@
       </p:cxnSp>
       <p:sp>
         <p:nvSpPr>
-          <p:cNvPr id="72" name="TextBox 71">
-            <a:extLst>
-              <a:ext uri="{FF2B5EF4-FFF2-40B4-BE49-F238E27FC236}">
-                <a16:creationId xmlns:a16="http://schemas.microsoft.com/office/drawing/2014/main" id="{97A6A80A-8E21-4DF1-9BA5-AA6C7B166877}"/>
-              </a:ext>
-            </a:extLst>
-          </p:cNvPr>
+          <p:cNvPr id="72" name="TextBox 71"/>
           <p:cNvSpPr txBox="1"/>
           <p:nvPr/>
         </p:nvSpPr>
-        <p:spPr>
+        <p:spPr bwMode="auto">
           <a:xfrm>
             <a:off x="8637973" y="2268638"/>
             <a:ext cx="975390" cy="646331"/>
@@ -5597,33 +5261,32 @@
           </a:bodyPr>
           <a:lstStyle/>
           <a:p>
-            <a:r>
-              <a:rPr lang="en-US" b="1" dirty="0">
+            <a:pPr>
+              <a:defRPr/>
+            </a:pPr>
+            <a:r>
+              <a:rPr lang="en-US" b="1">
                 <a:solidFill>
                   <a:schemeClr val="bg1"/>
                 </a:solidFill>
               </a:rPr>
               <a:t>output - labels</a:t>
             </a:r>
+            <a:endParaRPr/>
           </a:p>
         </p:txBody>
       </p:sp>
       <p:cxnSp>
         <p:nvCxnSpPr>
-          <p:cNvPr id="74" name="Straight Arrow Connector 73">
-            <a:extLst>
-              <a:ext uri="{FF2B5EF4-FFF2-40B4-BE49-F238E27FC236}">
-                <a16:creationId xmlns:a16="http://schemas.microsoft.com/office/drawing/2014/main" id="{2827E4B8-6F8A-45C7-962B-EB882C32E532}"/>
-              </a:ext>
-            </a:extLst>
-          </p:cNvPr>
+          <p:cNvPr id="74" name="Straight Arrow Connector 73"/>
           <p:cNvCxnSpPr>
+            <a:cxnSpLocks/>
             <a:stCxn id="45" idx="2"/>
             <a:endCxn id="39" idx="0"/>
           </p:cNvCxnSpPr>
           <p:nvPr/>
         </p:nvCxnSpPr>
-        <p:spPr>
+        <p:spPr bwMode="auto">
           <a:xfrm>
             <a:off x="7506573" y="1866249"/>
             <a:ext cx="3744" cy="353518"/>
@@ -5654,28 +5317,31 @@
         </p:style>
       </p:cxnSp>
     </p:spTree>
-    <p:extLst>
-      <p:ext uri="{BB962C8B-B14F-4D97-AF65-F5344CB8AC3E}">
-        <p14:creationId xmlns:p14="http://schemas.microsoft.com/office/powerpoint/2010/main" val="863757944"/>
-      </p:ext>
-    </p:extLst>
   </p:cSld>
   <p:clrMapOvr>
     <a:masterClrMapping/>
   </p:clrMapOvr>
+  <mc:AlternateContent xmlns:mc="http://schemas.openxmlformats.org/markup-compatibility/2006">
+    <mc:Choice xmlns:p14="http://schemas.microsoft.com/office/powerpoint/2010/main" Requires="p14">
+      <p:transition p14:dur="2000" advClick="1"/>
+    </mc:Choice>
+    <mc:Fallback>
+      <p:transition advClick="1"/>
+    </mc:Fallback>
+  </mc:AlternateContent>
 </p:sld>
 </file>
 
 <file path=ppt/slides/slide3.xml><?xml version="1.0" encoding="utf-8"?>
-<p:sld xmlns:a="http://schemas.openxmlformats.org/drawingml/2006/main" xmlns:r="http://schemas.openxmlformats.org/officeDocument/2006/relationships" xmlns:p="http://schemas.openxmlformats.org/presentationml/2006/main">
-  <p:cSld>
+<p:sld xmlns:a="http://schemas.openxmlformats.org/drawingml/2006/main" xmlns:r="http://schemas.openxmlformats.org/officeDocument/2006/relationships" xmlns:p="http://schemas.openxmlformats.org/presentationml/2006/main" xmlns:m="http://schemas.openxmlformats.org/officeDocument/2006/math" xmlns:w="http://schemas.openxmlformats.org/wordprocessingml/2006/main" showMasterPhAnim="0" show="1">
+  <p:cSld name="">
     <p:spTree>
       <p:nvGrpSpPr>
         <p:cNvPr id="1" name=""/>
         <p:cNvGrpSpPr/>
         <p:nvPr/>
       </p:nvGrpSpPr>
-      <p:grpSpPr>
+      <p:grpSpPr bwMode="auto">
         <a:xfrm>
           <a:off x="0" y="0"/>
           <a:ext cx="0" cy="0"/>
@@ -5685,17 +5351,11 @@
       </p:grpSpPr>
       <p:sp>
         <p:nvSpPr>
-          <p:cNvPr id="4" name="Oval 3">
-            <a:extLst>
-              <a:ext uri="{FF2B5EF4-FFF2-40B4-BE49-F238E27FC236}">
-                <a16:creationId xmlns:a16="http://schemas.microsoft.com/office/drawing/2014/main" id="{AC984C56-788C-43C8-9C93-259B7650F7B9}"/>
-              </a:ext>
-            </a:extLst>
-          </p:cNvPr>
+          <p:cNvPr id="4" name="Oval 3"/>
           <p:cNvSpPr/>
           <p:nvPr/>
         </p:nvSpPr>
-        <p:spPr>
+        <p:spPr bwMode="auto">
           <a:xfrm>
             <a:off x="209549" y="695325"/>
             <a:ext cx="1685925" cy="1238250"/>
@@ -5727,24 +5387,20 @@
           <a:bodyPr rtlCol="0" anchor="ctr"/>
           <a:lstStyle/>
           <a:p>
-            <a:pPr algn="ctr"/>
+            <a:pPr algn="ctr">
+              <a:defRPr/>
+            </a:pPr>
             <a:endParaRPr lang="en-US"/>
           </a:p>
         </p:txBody>
       </p:sp>
       <p:sp>
         <p:nvSpPr>
-          <p:cNvPr id="5" name="TextBox 4">
-            <a:extLst>
-              <a:ext uri="{FF2B5EF4-FFF2-40B4-BE49-F238E27FC236}">
-                <a16:creationId xmlns:a16="http://schemas.microsoft.com/office/drawing/2014/main" id="{0A93330E-F92C-46C4-83C3-92CDFED639AC}"/>
-              </a:ext>
-            </a:extLst>
-          </p:cNvPr>
+          <p:cNvPr id="5" name="TextBox 4"/>
           <p:cNvSpPr txBox="1"/>
           <p:nvPr/>
         </p:nvSpPr>
-        <p:spPr>
+        <p:spPr bwMode="auto">
           <a:xfrm>
             <a:off x="423861" y="1129784"/>
             <a:ext cx="1257300" cy="369332"/>
@@ -5760,32 +5416,30 @@
           </a:bodyPr>
           <a:lstStyle/>
           <a:p>
-            <a:r>
-              <a:rPr lang="en-US" b="1" dirty="0">
+            <a:pPr>
+              <a:defRPr/>
+            </a:pPr>
+            <a:r>
+              <a:rPr lang="en-US" b="1">
                 <a:solidFill>
                   <a:schemeClr val="bg1"/>
                 </a:solidFill>
               </a:rPr>
               <a:t>population</a:t>
             </a:r>
-          </a:p>
-        </p:txBody>
-      </p:sp>
-      <p:sp>
-        <p:nvSpPr>
-          <p:cNvPr id="6" name="Rectangle 5">
-            <a:extLst>
-              <a:ext uri="{FF2B5EF4-FFF2-40B4-BE49-F238E27FC236}">
-                <a16:creationId xmlns:a16="http://schemas.microsoft.com/office/drawing/2014/main" id="{36ECF4D3-F4B6-4207-BCAF-9FDC10462DA2}"/>
-              </a:ext>
-            </a:extLst>
-          </p:cNvPr>
+            <a:endParaRPr/>
+          </a:p>
+        </p:txBody>
+      </p:sp>
+      <p:sp>
+        <p:nvSpPr>
+          <p:cNvPr id="6" name="Rectangle 5"/>
           <p:cNvSpPr/>
           <p:nvPr/>
         </p:nvSpPr>
-        <p:spPr>
-          <a:xfrm>
-            <a:off x="2700337" y="981075"/>
+        <p:spPr bwMode="auto">
+          <a:xfrm>
+            <a:off x="2700336" y="981075"/>
             <a:ext cx="1352550" cy="666750"/>
           </a:xfrm>
           <a:prstGeom prst="rect">
@@ -5815,24 +5469,20 @@
           <a:bodyPr rtlCol="0" anchor="ctr"/>
           <a:lstStyle/>
           <a:p>
-            <a:pPr algn="ctr"/>
+            <a:pPr algn="ctr">
+              <a:defRPr/>
+            </a:pPr>
             <a:endParaRPr lang="en-US"/>
           </a:p>
         </p:txBody>
       </p:sp>
       <p:sp>
         <p:nvSpPr>
-          <p:cNvPr id="7" name="TextBox 6">
-            <a:extLst>
-              <a:ext uri="{FF2B5EF4-FFF2-40B4-BE49-F238E27FC236}">
-                <a16:creationId xmlns:a16="http://schemas.microsoft.com/office/drawing/2014/main" id="{64D48CD1-B772-4F7D-B4C9-4510AD901345}"/>
-              </a:ext>
-            </a:extLst>
-          </p:cNvPr>
+          <p:cNvPr id="7" name="TextBox 6"/>
           <p:cNvSpPr txBox="1"/>
           <p:nvPr/>
         </p:nvSpPr>
-        <p:spPr>
+        <p:spPr bwMode="auto">
           <a:xfrm>
             <a:off x="2905125" y="981075"/>
             <a:ext cx="1076325" cy="646331"/>
@@ -5848,32 +5498,30 @@
           </a:bodyPr>
           <a:lstStyle/>
           <a:p>
-            <a:r>
-              <a:rPr lang="en-US" b="1" dirty="0">
+            <a:pPr>
+              <a:defRPr/>
+            </a:pPr>
+            <a:r>
+              <a:rPr lang="en-US" b="1">
                 <a:solidFill>
                   <a:schemeClr val="bg1"/>
                 </a:solidFill>
               </a:rPr>
               <a:t>observed sample</a:t>
             </a:r>
-          </a:p>
-        </p:txBody>
-      </p:sp>
-      <p:sp>
-        <p:nvSpPr>
-          <p:cNvPr id="8" name="Rectangle 7">
-            <a:extLst>
-              <a:ext uri="{FF2B5EF4-FFF2-40B4-BE49-F238E27FC236}">
-                <a16:creationId xmlns:a16="http://schemas.microsoft.com/office/drawing/2014/main" id="{1FA45961-0BF3-4BE2-89A5-9536CC949E61}"/>
-              </a:ext>
-            </a:extLst>
-          </p:cNvPr>
+            <a:endParaRPr/>
+          </a:p>
+        </p:txBody>
+      </p:sp>
+      <p:sp>
+        <p:nvSpPr>
+          <p:cNvPr id="8" name="Rectangle 7"/>
           <p:cNvSpPr/>
           <p:nvPr/>
         </p:nvSpPr>
-        <p:spPr>
-          <a:xfrm>
-            <a:off x="2700337" y="2224085"/>
+        <p:spPr bwMode="auto">
+          <a:xfrm>
+            <a:off x="2700336" y="2224085"/>
             <a:ext cx="1352550" cy="676275"/>
           </a:xfrm>
           <a:prstGeom prst="rect">
@@ -5914,24 +5562,20 @@
           <a:bodyPr rtlCol="0" anchor="ctr"/>
           <a:lstStyle/>
           <a:p>
-            <a:pPr algn="ctr"/>
+            <a:pPr algn="ctr">
+              <a:defRPr/>
+            </a:pPr>
             <a:endParaRPr lang="en-US"/>
           </a:p>
         </p:txBody>
       </p:sp>
       <p:sp>
         <p:nvSpPr>
-          <p:cNvPr id="9" name="TextBox 8">
-            <a:extLst>
-              <a:ext uri="{FF2B5EF4-FFF2-40B4-BE49-F238E27FC236}">
-                <a16:creationId xmlns:a16="http://schemas.microsoft.com/office/drawing/2014/main" id="{6033A433-CCF4-4212-9658-02CC71F4773E}"/>
-              </a:ext>
-            </a:extLst>
-          </p:cNvPr>
+          <p:cNvPr id="9" name="TextBox 8"/>
           <p:cNvSpPr txBox="1"/>
           <p:nvPr/>
         </p:nvSpPr>
-        <p:spPr>
+        <p:spPr bwMode="auto">
           <a:xfrm>
             <a:off x="2767012" y="2254029"/>
             <a:ext cx="1352550" cy="646331"/>
@@ -5947,29 +5591,28 @@
           </a:bodyPr>
           <a:lstStyle/>
           <a:p>
-            <a:r>
-              <a:rPr lang="en-US" b="1" dirty="0"/>
+            <a:pPr>
+              <a:defRPr/>
+            </a:pPr>
+            <a:r>
+              <a:rPr lang="en-US" b="1"/>
               <a:t>simulated time series</a:t>
             </a:r>
+            <a:endParaRPr/>
           </a:p>
         </p:txBody>
       </p:sp>
       <p:cxnSp>
         <p:nvCxnSpPr>
-          <p:cNvPr id="11" name="Straight Arrow Connector 10">
-            <a:extLst>
-              <a:ext uri="{FF2B5EF4-FFF2-40B4-BE49-F238E27FC236}">
-                <a16:creationId xmlns:a16="http://schemas.microsoft.com/office/drawing/2014/main" id="{E83F0871-22DD-4597-9F9A-7CB389DE8363}"/>
-              </a:ext>
-            </a:extLst>
-          </p:cNvPr>
+          <p:cNvPr id="11" name="Straight Arrow Connector 10"/>
           <p:cNvCxnSpPr>
+            <a:cxnSpLocks/>
             <a:stCxn id="4" idx="6"/>
             <a:endCxn id="6" idx="1"/>
           </p:cNvCxnSpPr>
           <p:nvPr/>
         </p:nvCxnSpPr>
-        <p:spPr>
+        <p:spPr bwMode="auto">
           <a:xfrm>
             <a:off x="1895474" y="1314450"/>
             <a:ext cx="804863" cy="0"/>
@@ -6001,19 +5644,13 @@
       </p:cxnSp>
       <p:cxnSp>
         <p:nvCxnSpPr>
-          <p:cNvPr id="13" name="Straight Arrow Connector 12">
-            <a:extLst>
-              <a:ext uri="{FF2B5EF4-FFF2-40B4-BE49-F238E27FC236}">
-                <a16:creationId xmlns:a16="http://schemas.microsoft.com/office/drawing/2014/main" id="{1FB94464-77A9-4EF1-B057-5ECCA1AF0B5E}"/>
-              </a:ext>
-            </a:extLst>
-          </p:cNvPr>
+          <p:cNvPr id="13" name="Straight Arrow Connector 12"/>
           <p:cNvCxnSpPr>
             <a:cxnSpLocks/>
           </p:cNvCxnSpPr>
           <p:nvPr/>
         </p:nvCxnSpPr>
-        <p:spPr>
+        <p:spPr bwMode="auto">
           <a:xfrm>
             <a:off x="3319462" y="1647825"/>
             <a:ext cx="0" cy="576260"/>
@@ -6048,17 +5685,11 @@
       </p:cxnSp>
       <p:sp>
         <p:nvSpPr>
-          <p:cNvPr id="15" name="Rectangle 14">
-            <a:extLst>
-              <a:ext uri="{FF2B5EF4-FFF2-40B4-BE49-F238E27FC236}">
-                <a16:creationId xmlns:a16="http://schemas.microsoft.com/office/drawing/2014/main" id="{CF6531D8-364B-497F-BF4B-4BA458619475}"/>
-              </a:ext>
-            </a:extLst>
-          </p:cNvPr>
+          <p:cNvPr id="15" name="Rectangle 14"/>
           <p:cNvSpPr/>
           <p:nvPr/>
         </p:nvSpPr>
-        <p:spPr>
+        <p:spPr bwMode="auto">
           <a:xfrm>
             <a:off x="2409825" y="542925"/>
             <a:ext cx="1981200" cy="2771775"/>
@@ -6096,26 +5727,22 @@
           <a:bodyPr rtlCol="0" anchor="ctr"/>
           <a:lstStyle/>
           <a:p>
-            <a:pPr algn="ctr"/>
-            <a:endParaRPr lang="en-US" dirty="0"/>
+            <a:pPr algn="ctr">
+              <a:defRPr/>
+            </a:pPr>
+            <a:endParaRPr lang="en-US"/>
           </a:p>
         </p:txBody>
       </p:sp>
       <p:cxnSp>
         <p:nvCxnSpPr>
-          <p:cNvPr id="19" name="Straight Connector 18">
-            <a:extLst>
-              <a:ext uri="{FF2B5EF4-FFF2-40B4-BE49-F238E27FC236}">
-                <a16:creationId xmlns:a16="http://schemas.microsoft.com/office/drawing/2014/main" id="{76108B02-A23E-476B-90E1-1F7D9B23FBC0}"/>
-              </a:ext>
-            </a:extLst>
-          </p:cNvPr>
+          <p:cNvPr id="19" name="Straight Connector 18"/>
           <p:cNvCxnSpPr>
             <a:cxnSpLocks/>
           </p:cNvCxnSpPr>
           <p:nvPr/>
         </p:nvCxnSpPr>
-        <p:spPr>
+        <p:spPr bwMode="auto">
           <a:xfrm flipV="1">
             <a:off x="4387023" y="1696965"/>
             <a:ext cx="419100" cy="1"/>
@@ -6146,17 +5773,11 @@
       </p:cxnSp>
       <p:grpSp>
         <p:nvGrpSpPr>
-          <p:cNvPr id="28" name="Group 27">
-            <a:extLst>
-              <a:ext uri="{FF2B5EF4-FFF2-40B4-BE49-F238E27FC236}">
-                <a16:creationId xmlns:a16="http://schemas.microsoft.com/office/drawing/2014/main" id="{9E5380D1-4914-4176-995D-96C589726A56}"/>
-              </a:ext>
-            </a:extLst>
-          </p:cNvPr>
+          <p:cNvPr id="28" name="Group 27"/>
           <p:cNvGrpSpPr/>
           <p:nvPr/>
         </p:nvGrpSpPr>
-        <p:grpSpPr>
+        <p:grpSpPr bwMode="auto">
           <a:xfrm>
             <a:off x="4788691" y="758683"/>
             <a:ext cx="331171" cy="1833121"/>
@@ -6166,19 +5787,13 @@
         </p:grpSpPr>
         <p:cxnSp>
           <p:nvCxnSpPr>
-            <p:cNvPr id="17" name="Straight Connector 16">
-              <a:extLst>
-                <a:ext uri="{FF2B5EF4-FFF2-40B4-BE49-F238E27FC236}">
-                  <a16:creationId xmlns:a16="http://schemas.microsoft.com/office/drawing/2014/main" id="{B26C53E0-368E-488B-B114-8DE490611847}"/>
-                </a:ext>
-              </a:extLst>
-            </p:cNvPr>
+            <p:cNvPr id="17" name="Straight Connector 16"/>
             <p:cNvCxnSpPr>
               <a:cxnSpLocks/>
             </p:cNvCxnSpPr>
             <p:nvPr/>
           </p:nvCxnSpPr>
-          <p:spPr>
+          <p:spPr bwMode="auto">
             <a:xfrm>
               <a:off x="4810124" y="1058344"/>
               <a:ext cx="0" cy="1763436"/>
@@ -6209,17 +5824,13 @@
         </p:cxnSp>
         <p:cxnSp>
           <p:nvCxnSpPr>
-            <p:cNvPr id="22" name="Straight Arrow Connector 21">
-              <a:extLst>
-                <a:ext uri="{FF2B5EF4-FFF2-40B4-BE49-F238E27FC236}">
-                  <a16:creationId xmlns:a16="http://schemas.microsoft.com/office/drawing/2014/main" id="{40226CEB-8B1F-46E9-934B-C424A344B283}"/>
-                </a:ext>
-              </a:extLst>
-            </p:cNvPr>
-            <p:cNvCxnSpPr/>
+            <p:cNvPr id="22" name="Straight Arrow Connector 21"/>
+            <p:cNvCxnSpPr>
+              <a:cxnSpLocks/>
+            </p:cNvCxnSpPr>
             <p:nvPr/>
           </p:nvCxnSpPr>
-          <p:spPr>
+          <p:spPr bwMode="auto">
             <a:xfrm>
               <a:off x="4795835" y="1058344"/>
               <a:ext cx="257175" cy="0"/>
@@ -6251,17 +5862,13 @@
         </p:cxnSp>
         <p:cxnSp>
           <p:nvCxnSpPr>
-            <p:cNvPr id="24" name="Straight Arrow Connector 23">
-              <a:extLst>
-                <a:ext uri="{FF2B5EF4-FFF2-40B4-BE49-F238E27FC236}">
-                  <a16:creationId xmlns:a16="http://schemas.microsoft.com/office/drawing/2014/main" id="{7BCC2817-EEC0-4756-BCA2-F751E85F21D1}"/>
-                </a:ext>
-              </a:extLst>
-            </p:cNvPr>
-            <p:cNvCxnSpPr/>
+            <p:cNvPr id="24" name="Straight Arrow Connector 23"/>
+            <p:cNvCxnSpPr>
+              <a:cxnSpLocks/>
+            </p:cNvCxnSpPr>
             <p:nvPr/>
           </p:nvCxnSpPr>
-          <p:spPr>
+          <p:spPr bwMode="auto">
             <a:xfrm>
               <a:off x="4810124" y="2805110"/>
               <a:ext cx="257175" cy="0"/>
@@ -6294,17 +5901,11 @@
       </p:grpSp>
       <p:sp>
         <p:nvSpPr>
-          <p:cNvPr id="29" name="Rectangle 28">
-            <a:extLst>
-              <a:ext uri="{FF2B5EF4-FFF2-40B4-BE49-F238E27FC236}">
-                <a16:creationId xmlns:a16="http://schemas.microsoft.com/office/drawing/2014/main" id="{8EBDE2B3-6487-4619-8517-FA6C1C1CAD23}"/>
-              </a:ext>
-            </a:extLst>
-          </p:cNvPr>
+          <p:cNvPr id="29" name="Rectangle 28"/>
           <p:cNvSpPr/>
           <p:nvPr/>
         </p:nvSpPr>
-        <p:spPr>
+        <p:spPr bwMode="auto">
           <a:xfrm>
             <a:off x="5060154" y="401497"/>
             <a:ext cx="1233490" cy="714375"/>
@@ -6336,27 +5937,23 @@
           <a:bodyPr rtlCol="0" anchor="ctr"/>
           <a:lstStyle/>
           <a:p>
-            <a:pPr algn="ctr"/>
+            <a:pPr algn="ctr">
+              <a:defRPr/>
+            </a:pPr>
             <a:endParaRPr lang="en-US"/>
           </a:p>
         </p:txBody>
       </p:sp>
       <p:sp>
         <p:nvSpPr>
-          <p:cNvPr id="30" name="Rectangle 29">
-            <a:extLst>
-              <a:ext uri="{FF2B5EF4-FFF2-40B4-BE49-F238E27FC236}">
-                <a16:creationId xmlns:a16="http://schemas.microsoft.com/office/drawing/2014/main" id="{2CC534C7-3E47-4540-9D7E-23CE4361E61D}"/>
-              </a:ext>
-            </a:extLst>
-          </p:cNvPr>
+          <p:cNvPr id="30" name="Rectangle 29"/>
           <p:cNvSpPr/>
           <p:nvPr/>
         </p:nvSpPr>
-        <p:spPr>
+        <p:spPr bwMode="auto">
           <a:xfrm>
             <a:off x="5111285" y="2195921"/>
-            <a:ext cx="1219201" cy="733425"/>
+            <a:ext cx="1219200" cy="733424"/>
           </a:xfrm>
           <a:prstGeom prst="rect">
             <a:avLst/>
@@ -6385,24 +5982,20 @@
           <a:bodyPr rtlCol="0" anchor="ctr"/>
           <a:lstStyle/>
           <a:p>
-            <a:pPr algn="ctr"/>
+            <a:pPr algn="ctr">
+              <a:defRPr/>
+            </a:pPr>
             <a:endParaRPr lang="en-US"/>
           </a:p>
         </p:txBody>
       </p:sp>
       <p:sp>
         <p:nvSpPr>
-          <p:cNvPr id="31" name="TextBox 30">
-            <a:extLst>
-              <a:ext uri="{FF2B5EF4-FFF2-40B4-BE49-F238E27FC236}">
-                <a16:creationId xmlns:a16="http://schemas.microsoft.com/office/drawing/2014/main" id="{87E101F8-CF55-42DF-8736-4C705C984809}"/>
-              </a:ext>
-            </a:extLst>
-          </p:cNvPr>
+          <p:cNvPr id="31" name="TextBox 30"/>
           <p:cNvSpPr txBox="1"/>
           <p:nvPr/>
         </p:nvSpPr>
-        <p:spPr>
+        <p:spPr bwMode="auto">
           <a:xfrm>
             <a:off x="5214940" y="427462"/>
             <a:ext cx="981075" cy="646331"/>
@@ -6418,30 +6011,28 @@
           </a:bodyPr>
           <a:lstStyle/>
           <a:p>
-            <a:r>
-              <a:rPr lang="en-US" b="1" dirty="0">
+            <a:pPr>
+              <a:defRPr/>
+            </a:pPr>
+            <a:r>
+              <a:rPr lang="en-US" b="1">
                 <a:solidFill>
                   <a:schemeClr val="bg1"/>
                 </a:solidFill>
               </a:rPr>
               <a:t>training period</a:t>
             </a:r>
-          </a:p>
-        </p:txBody>
-      </p:sp>
-      <p:sp>
-        <p:nvSpPr>
-          <p:cNvPr id="32" name="TextBox 31">
-            <a:extLst>
-              <a:ext uri="{FF2B5EF4-FFF2-40B4-BE49-F238E27FC236}">
-                <a16:creationId xmlns:a16="http://schemas.microsoft.com/office/drawing/2014/main" id="{1AD650F8-63B8-4215-972F-090C8BD8649F}"/>
-              </a:ext>
-            </a:extLst>
-          </p:cNvPr>
+            <a:endParaRPr/>
+          </a:p>
+        </p:txBody>
+      </p:sp>
+      <p:sp>
+        <p:nvSpPr>
+          <p:cNvPr id="32" name="TextBox 31"/>
           <p:cNvSpPr txBox="1"/>
           <p:nvPr/>
         </p:nvSpPr>
-        <p:spPr>
+        <p:spPr bwMode="auto">
           <a:xfrm>
             <a:off x="5256624" y="2244602"/>
             <a:ext cx="981075" cy="646331"/>
@@ -6457,32 +6048,31 @@
           </a:bodyPr>
           <a:lstStyle/>
           <a:p>
-            <a:r>
-              <a:rPr lang="en-US" b="1" dirty="0">
+            <a:pPr>
+              <a:defRPr/>
+            </a:pPr>
+            <a:r>
+              <a:rPr lang="en-US" b="1">
                 <a:solidFill>
                   <a:schemeClr val="bg1"/>
                 </a:solidFill>
               </a:rPr>
               <a:t>test period</a:t>
             </a:r>
+            <a:endParaRPr/>
           </a:p>
         </p:txBody>
       </p:sp>
       <p:cxnSp>
         <p:nvCxnSpPr>
-          <p:cNvPr id="34" name="Straight Arrow Connector 33">
-            <a:extLst>
-              <a:ext uri="{FF2B5EF4-FFF2-40B4-BE49-F238E27FC236}">
-                <a16:creationId xmlns:a16="http://schemas.microsoft.com/office/drawing/2014/main" id="{4FA4DA6A-4D66-42F9-8EE6-0521854F9404}"/>
-              </a:ext>
-            </a:extLst>
-          </p:cNvPr>
+          <p:cNvPr id="34" name="Straight Arrow Connector 33"/>
           <p:cNvCxnSpPr>
+            <a:cxnSpLocks/>
             <a:stCxn id="29" idx="3"/>
           </p:cNvCxnSpPr>
           <p:nvPr/>
         </p:nvCxnSpPr>
-        <p:spPr>
+        <p:spPr bwMode="auto">
           <a:xfrm flipV="1">
             <a:off x="6293644" y="758684"/>
             <a:ext cx="619125" cy="1"/>
@@ -6514,17 +6104,11 @@
       </p:cxnSp>
       <p:sp>
         <p:nvSpPr>
-          <p:cNvPr id="35" name="Rectangle 34">
-            <a:extLst>
-              <a:ext uri="{FF2B5EF4-FFF2-40B4-BE49-F238E27FC236}">
-                <a16:creationId xmlns:a16="http://schemas.microsoft.com/office/drawing/2014/main" id="{935C2CE4-AF42-488B-9137-B92AF68D1704}"/>
-              </a:ext>
-            </a:extLst>
-          </p:cNvPr>
+          <p:cNvPr id="35" name="Rectangle 34"/>
           <p:cNvSpPr/>
           <p:nvPr/>
         </p:nvSpPr>
-        <p:spPr>
+        <p:spPr bwMode="auto">
           <a:xfrm>
             <a:off x="6905625" y="428076"/>
             <a:ext cx="1190625" cy="714375"/>
@@ -6556,27 +6140,23 @@
           <a:bodyPr rtlCol="0" anchor="ctr"/>
           <a:lstStyle/>
           <a:p>
-            <a:pPr algn="ctr"/>
+            <a:pPr algn="ctr">
+              <a:defRPr/>
+            </a:pPr>
             <a:endParaRPr lang="en-US"/>
           </a:p>
         </p:txBody>
       </p:sp>
       <p:sp>
         <p:nvSpPr>
-          <p:cNvPr id="36" name="TextBox 35">
-            <a:extLst>
-              <a:ext uri="{FF2B5EF4-FFF2-40B4-BE49-F238E27FC236}">
-                <a16:creationId xmlns:a16="http://schemas.microsoft.com/office/drawing/2014/main" id="{C5DDC802-3588-465C-8391-F3CAA288CF9C}"/>
-              </a:ext>
-            </a:extLst>
-          </p:cNvPr>
+          <p:cNvPr id="36" name="TextBox 35"/>
           <p:cNvSpPr txBox="1"/>
           <p:nvPr/>
         </p:nvSpPr>
-        <p:spPr>
-          <a:xfrm>
-            <a:off x="7086600" y="478780"/>
-            <a:ext cx="1009650" cy="646331"/>
+        <p:spPr bwMode="auto">
+          <a:xfrm flipH="0" flipV="0">
+            <a:off x="6912768" y="465205"/>
+            <a:ext cx="1238591" cy="640115"/>
           </a:xfrm>
           <a:prstGeom prst="rect">
             <a:avLst/>
@@ -6589,33 +6169,31 @@
           </a:bodyPr>
           <a:lstStyle/>
           <a:p>
-            <a:r>
-              <a:rPr lang="en-US" b="1" dirty="0">
+            <a:pPr>
+              <a:defRPr/>
+            </a:pPr>
+            <a:r>
+              <a:rPr lang="en-US" b="1">
                 <a:solidFill>
                   <a:schemeClr val="bg1"/>
                 </a:solidFill>
               </a:rPr>
-              <a:t>input - features</a:t>
-            </a:r>
+              <a:t>feature calculation</a:t>
+            </a:r>
+            <a:endParaRPr/>
           </a:p>
         </p:txBody>
       </p:sp>
       <p:cxnSp>
         <p:nvCxnSpPr>
-          <p:cNvPr id="38" name="Straight Arrow Connector 37">
-            <a:extLst>
-              <a:ext uri="{FF2B5EF4-FFF2-40B4-BE49-F238E27FC236}">
-                <a16:creationId xmlns:a16="http://schemas.microsoft.com/office/drawing/2014/main" id="{16A75D27-9A7F-4C00-8984-6A9FC9C33C0F}"/>
-              </a:ext>
-            </a:extLst>
-          </p:cNvPr>
+          <p:cNvPr id="38" name="Straight Arrow Connector 37"/>
           <p:cNvCxnSpPr>
             <a:cxnSpLocks/>
             <a:stCxn id="30" idx="3"/>
           </p:cNvCxnSpPr>
           <p:nvPr/>
         </p:nvCxnSpPr>
-        <p:spPr>
+        <p:spPr bwMode="auto">
           <a:xfrm flipV="1">
             <a:off x="6330486" y="2554025"/>
             <a:ext cx="348119" cy="8609"/>
@@ -6647,17 +6225,11 @@
       </p:cxnSp>
       <p:sp>
         <p:nvSpPr>
-          <p:cNvPr id="39" name="Rectangle 38">
-            <a:extLst>
-              <a:ext uri="{FF2B5EF4-FFF2-40B4-BE49-F238E27FC236}">
-                <a16:creationId xmlns:a16="http://schemas.microsoft.com/office/drawing/2014/main" id="{68D89314-568B-4D89-ABD8-10832AD70807}"/>
-              </a:ext>
-            </a:extLst>
-          </p:cNvPr>
+          <p:cNvPr id="39" name="Rectangle 38"/>
           <p:cNvSpPr/>
           <p:nvPr/>
         </p:nvSpPr>
-        <p:spPr>
+        <p:spPr bwMode="auto">
           <a:xfrm>
             <a:off x="6716592" y="2219767"/>
             <a:ext cx="1587449" cy="727684"/>
@@ -6689,26 +6261,22 @@
           <a:bodyPr rtlCol="0" anchor="ctr"/>
           <a:lstStyle/>
           <a:p>
-            <a:pPr algn="ctr"/>
+            <a:pPr algn="ctr">
+              <a:defRPr/>
+            </a:pPr>
             <a:endParaRPr lang="en-US"/>
           </a:p>
         </p:txBody>
       </p:sp>
       <p:sp>
         <p:nvSpPr>
-          <p:cNvPr id="41" name="Oval 40">
-            <a:extLst>
-              <a:ext uri="{FF2B5EF4-FFF2-40B4-BE49-F238E27FC236}">
-                <a16:creationId xmlns:a16="http://schemas.microsoft.com/office/drawing/2014/main" id="{C099CB87-64E5-4332-9B19-1FC89E2B684D}"/>
-              </a:ext>
-            </a:extLst>
-          </p:cNvPr>
+          <p:cNvPr id="41" name="Oval 40"/>
           <p:cNvSpPr/>
           <p:nvPr/>
         </p:nvSpPr>
-        <p:spPr>
-          <a:xfrm>
-            <a:off x="9791699" y="827085"/>
+        <p:spPr bwMode="auto">
+          <a:xfrm>
+            <a:off x="9791699" y="827084"/>
             <a:ext cx="1885950" cy="1982811"/>
           </a:xfrm>
           <a:prstGeom prst="ellipse">
@@ -6738,24 +6306,20 @@
           <a:bodyPr rtlCol="0" anchor="ctr"/>
           <a:lstStyle/>
           <a:p>
-            <a:pPr algn="ctr"/>
+            <a:pPr algn="ctr">
+              <a:defRPr/>
+            </a:pPr>
             <a:endParaRPr lang="en-US"/>
           </a:p>
         </p:txBody>
       </p:sp>
       <p:sp>
         <p:nvSpPr>
-          <p:cNvPr id="42" name="TextBox 41">
-            <a:extLst>
-              <a:ext uri="{FF2B5EF4-FFF2-40B4-BE49-F238E27FC236}">
-                <a16:creationId xmlns:a16="http://schemas.microsoft.com/office/drawing/2014/main" id="{2ED29E5E-78A1-4BF9-9BB4-3584CE72CEE0}"/>
-              </a:ext>
-            </a:extLst>
-          </p:cNvPr>
+          <p:cNvPr id="42" name="TextBox 41"/>
           <p:cNvSpPr txBox="1"/>
           <p:nvPr/>
         </p:nvSpPr>
-        <p:spPr>
+        <p:spPr bwMode="auto">
           <a:xfrm>
             <a:off x="10013514" y="1328211"/>
             <a:ext cx="1530524" cy="923330"/>
@@ -6771,33 +6335,30 @@
           </a:bodyPr>
           <a:lstStyle/>
           <a:p>
-            <a:pPr algn="ctr"/>
-            <a:r>
-              <a:rPr lang="en-US" b="1" dirty="0">
+            <a:pPr algn="ctr">
+              <a:defRPr/>
+            </a:pPr>
+            <a:r>
+              <a:rPr lang="en-US" b="1">
                 <a:solidFill>
                   <a:schemeClr val="bg1"/>
                 </a:solidFill>
               </a:rPr>
               <a:t>train a classification algorithm</a:t>
             </a:r>
+            <a:endParaRPr/>
           </a:p>
         </p:txBody>
       </p:sp>
       <p:cxnSp>
         <p:nvCxnSpPr>
-          <p:cNvPr id="44" name="Straight Arrow Connector 43">
-            <a:extLst>
-              <a:ext uri="{FF2B5EF4-FFF2-40B4-BE49-F238E27FC236}">
-                <a16:creationId xmlns:a16="http://schemas.microsoft.com/office/drawing/2014/main" id="{9D810073-2978-4B52-BAF9-B668692ED4C6}"/>
-              </a:ext>
-            </a:extLst>
-          </p:cNvPr>
+          <p:cNvPr id="44" name="Straight Arrow Connector 43"/>
           <p:cNvCxnSpPr>
             <a:cxnSpLocks/>
           </p:cNvCxnSpPr>
           <p:nvPr/>
         </p:nvCxnSpPr>
-        <p:spPr>
+        <p:spPr bwMode="auto">
           <a:xfrm flipV="1">
             <a:off x="8127829" y="719929"/>
             <a:ext cx="2308258" cy="18319"/>
@@ -6829,19 +6390,13 @@
       </p:cxnSp>
       <p:cxnSp>
         <p:nvCxnSpPr>
-          <p:cNvPr id="49" name="Straight Arrow Connector 48">
-            <a:extLst>
-              <a:ext uri="{FF2B5EF4-FFF2-40B4-BE49-F238E27FC236}">
-                <a16:creationId xmlns:a16="http://schemas.microsoft.com/office/drawing/2014/main" id="{24B04515-22FD-4198-B611-4E84A83B8300}"/>
-              </a:ext>
-            </a:extLst>
-          </p:cNvPr>
+          <p:cNvPr id="49" name="Straight Arrow Connector 48"/>
           <p:cNvCxnSpPr>
             <a:cxnSpLocks/>
           </p:cNvCxnSpPr>
           <p:nvPr/>
         </p:nvCxnSpPr>
-        <p:spPr>
+        <p:spPr bwMode="auto">
           <a:xfrm>
             <a:off x="10775413" y="2898733"/>
             <a:ext cx="0" cy="1000882"/>
@@ -6873,20 +6428,14 @@
       </p:cxnSp>
       <p:sp>
         <p:nvSpPr>
-          <p:cNvPr id="50" name="Flowchart: Decision 49">
-            <a:extLst>
-              <a:ext uri="{FF2B5EF4-FFF2-40B4-BE49-F238E27FC236}">
-                <a16:creationId xmlns:a16="http://schemas.microsoft.com/office/drawing/2014/main" id="{FBA3A7EC-A759-459C-B5A9-44B7107B96E1}"/>
-              </a:ext>
-            </a:extLst>
-          </p:cNvPr>
+          <p:cNvPr id="50" name="Flowchart: Decision 49"/>
           <p:cNvSpPr/>
           <p:nvPr/>
         </p:nvSpPr>
-        <p:spPr>
+        <p:spPr bwMode="auto">
           <a:xfrm>
             <a:off x="9791699" y="3910013"/>
-            <a:ext cx="1962150" cy="1895475"/>
+            <a:ext cx="1962150" cy="1895474"/>
           </a:xfrm>
           <a:prstGeom prst="flowChartDecision">
             <a:avLst/>
@@ -6915,24 +6464,20 @@
           <a:bodyPr rtlCol="0" anchor="ctr"/>
           <a:lstStyle/>
           <a:p>
-            <a:pPr algn="ctr"/>
+            <a:pPr algn="ctr">
+              <a:defRPr/>
+            </a:pPr>
             <a:endParaRPr lang="en-US"/>
           </a:p>
         </p:txBody>
       </p:sp>
       <p:sp>
         <p:nvSpPr>
-          <p:cNvPr id="52" name="TextBox 51">
-            <a:extLst>
-              <a:ext uri="{FF2B5EF4-FFF2-40B4-BE49-F238E27FC236}">
-                <a16:creationId xmlns:a16="http://schemas.microsoft.com/office/drawing/2014/main" id="{0EC7F8DE-6F7A-4CF6-926E-2DC28E7CFBE6}"/>
-              </a:ext>
-            </a:extLst>
-          </p:cNvPr>
+          <p:cNvPr id="52" name="TextBox 51"/>
           <p:cNvSpPr txBox="1"/>
           <p:nvPr/>
         </p:nvSpPr>
-        <p:spPr>
+        <p:spPr bwMode="auto">
           <a:xfrm>
             <a:off x="10301287" y="4318038"/>
             <a:ext cx="1190625" cy="923330"/>
@@ -6948,30 +6493,28 @@
           </a:bodyPr>
           <a:lstStyle/>
           <a:p>
-            <a:r>
-              <a:rPr lang="en-US" b="1" dirty="0">
+            <a:pPr>
+              <a:defRPr/>
+            </a:pPr>
+            <a:r>
+              <a:rPr lang="en-US" b="1">
                 <a:solidFill>
                   <a:schemeClr val="bg1"/>
                 </a:solidFill>
               </a:rPr>
               <a:t>random forest classifier</a:t>
             </a:r>
-          </a:p>
-        </p:txBody>
-      </p:sp>
-      <p:sp>
-        <p:nvSpPr>
-          <p:cNvPr id="2" name="Rectangle 1">
-            <a:extLst>
-              <a:ext uri="{FF2B5EF4-FFF2-40B4-BE49-F238E27FC236}">
-                <a16:creationId xmlns:a16="http://schemas.microsoft.com/office/drawing/2014/main" id="{65BA81F8-2836-4117-9B52-21B49D776338}"/>
-              </a:ext>
-            </a:extLst>
-          </p:cNvPr>
+            <a:endParaRPr/>
+          </a:p>
+        </p:txBody>
+      </p:sp>
+      <p:sp>
+        <p:nvSpPr>
+          <p:cNvPr id="2" name="Rectangle 1"/>
           <p:cNvSpPr/>
           <p:nvPr/>
         </p:nvSpPr>
-        <p:spPr>
+        <p:spPr bwMode="auto">
           <a:xfrm>
             <a:off x="316704" y="4543425"/>
             <a:ext cx="1471613" cy="737889"/>
@@ -7008,24 +6551,20 @@
           <a:bodyPr rtlCol="0" anchor="ctr"/>
           <a:lstStyle/>
           <a:p>
-            <a:pPr algn="ctr"/>
-            <a:endParaRPr lang="en-US" dirty="0"/>
-          </a:p>
-        </p:txBody>
-      </p:sp>
-      <p:sp>
-        <p:nvSpPr>
-          <p:cNvPr id="3" name="TextBox 2">
-            <a:extLst>
-              <a:ext uri="{FF2B5EF4-FFF2-40B4-BE49-F238E27FC236}">
-                <a16:creationId xmlns:a16="http://schemas.microsoft.com/office/drawing/2014/main" id="{DC86D73D-E9E9-4FF6-9595-CA07A4D9981B}"/>
-              </a:ext>
-            </a:extLst>
-          </p:cNvPr>
+            <a:pPr algn="ctr">
+              <a:defRPr/>
+            </a:pPr>
+            <a:endParaRPr lang="en-US"/>
+          </a:p>
+        </p:txBody>
+      </p:sp>
+      <p:sp>
+        <p:nvSpPr>
+          <p:cNvPr id="3" name="TextBox 2"/>
           <p:cNvSpPr txBox="1"/>
           <p:nvPr/>
         </p:nvSpPr>
-        <p:spPr>
+        <p:spPr bwMode="auto">
           <a:xfrm>
             <a:off x="502442" y="4595037"/>
             <a:ext cx="1100136" cy="646331"/>
@@ -7041,32 +6580,31 @@
           </a:bodyPr>
           <a:lstStyle/>
           <a:p>
-            <a:r>
-              <a:rPr lang="en-US" b="1" dirty="0">
+            <a:pPr>
+              <a:defRPr/>
+            </a:pPr>
+            <a:r>
+              <a:rPr lang="en-US" b="1">
                 <a:solidFill>
                   <a:schemeClr val="bg1"/>
                 </a:solidFill>
               </a:rPr>
               <a:t>new time series</a:t>
             </a:r>
+            <a:endParaRPr/>
           </a:p>
         </p:txBody>
       </p:sp>
       <p:cxnSp>
         <p:nvCxnSpPr>
-          <p:cNvPr id="12" name="Straight Arrow Connector 11">
-            <a:extLst>
-              <a:ext uri="{FF2B5EF4-FFF2-40B4-BE49-F238E27FC236}">
-                <a16:creationId xmlns:a16="http://schemas.microsoft.com/office/drawing/2014/main" id="{F45BD030-C527-4912-9F8D-049C112D2E0B}"/>
-              </a:ext>
-            </a:extLst>
-          </p:cNvPr>
+          <p:cNvPr id="12" name="Straight Arrow Connector 11"/>
           <p:cNvCxnSpPr>
+            <a:cxnSpLocks/>
             <a:stCxn id="4" idx="4"/>
           </p:cNvCxnSpPr>
           <p:nvPr/>
         </p:nvCxnSpPr>
-        <p:spPr>
+        <p:spPr bwMode="auto">
           <a:xfrm flipH="1">
             <a:off x="1052511" y="1933575"/>
             <a:ext cx="1" cy="2609850"/>
@@ -7098,17 +6636,11 @@
       </p:cxnSp>
       <p:sp>
         <p:nvSpPr>
-          <p:cNvPr id="37" name="Rectangle 36">
-            <a:extLst>
-              <a:ext uri="{FF2B5EF4-FFF2-40B4-BE49-F238E27FC236}">
-                <a16:creationId xmlns:a16="http://schemas.microsoft.com/office/drawing/2014/main" id="{94A9776D-8F15-4981-89B0-AD9221084C63}"/>
-              </a:ext>
-            </a:extLst>
-          </p:cNvPr>
+          <p:cNvPr id="37" name="Rectangle 36"/>
           <p:cNvSpPr/>
           <p:nvPr/>
         </p:nvSpPr>
-        <p:spPr>
+        <p:spPr bwMode="auto">
           <a:xfrm>
             <a:off x="4488650" y="4503479"/>
             <a:ext cx="1471613" cy="737889"/>
@@ -7145,27 +6677,23 @@
           <a:bodyPr rtlCol="0" anchor="ctr"/>
           <a:lstStyle/>
           <a:p>
-            <a:pPr algn="ctr"/>
+            <a:pPr algn="ctr">
+              <a:defRPr/>
+            </a:pPr>
             <a:endParaRPr lang="en-US"/>
           </a:p>
         </p:txBody>
       </p:sp>
       <p:sp>
         <p:nvSpPr>
-          <p:cNvPr id="14" name="TextBox 13">
-            <a:extLst>
-              <a:ext uri="{FF2B5EF4-FFF2-40B4-BE49-F238E27FC236}">
-                <a16:creationId xmlns:a16="http://schemas.microsoft.com/office/drawing/2014/main" id="{648E31EF-1662-4C05-9147-284108D7F0A7}"/>
-              </a:ext>
-            </a:extLst>
-          </p:cNvPr>
+          <p:cNvPr id="14" name="TextBox 13"/>
           <p:cNvSpPr txBox="1"/>
           <p:nvPr/>
         </p:nvSpPr>
-        <p:spPr>
-          <a:xfrm>
-            <a:off x="4641071" y="4557584"/>
-            <a:ext cx="1231106" cy="646331"/>
+        <p:spPr bwMode="auto">
+          <a:xfrm>
+            <a:off x="4641070" y="4557583"/>
+            <a:ext cx="1231897" cy="640115"/>
           </a:xfrm>
           <a:prstGeom prst="rect">
             <a:avLst/>
@@ -7178,41 +6706,32 @@
           </a:bodyPr>
           <a:lstStyle/>
           <a:p>
+            <a:pPr>
+              <a:defRPr/>
+            </a:pPr>
             <a:r>
               <a:rPr lang="en-US" b="1">
                 <a:solidFill>
                   <a:schemeClr val="bg1"/>
                 </a:solidFill>
               </a:rPr>
-              <a:t>input -</a:t>
-            </a:r>
-            <a:r>
-              <a:rPr lang="en-US" b="1" dirty="0">
-                <a:solidFill>
-                  <a:schemeClr val="bg1"/>
-                </a:solidFill>
-              </a:rPr>
-              <a:t>features</a:t>
-            </a:r>
+              <a:t>feature calculation</a:t>
+            </a:r>
+            <a:endParaRPr/>
           </a:p>
         </p:txBody>
       </p:sp>
       <p:cxnSp>
         <p:nvCxnSpPr>
-          <p:cNvPr id="18" name="Straight Arrow Connector 17">
-            <a:extLst>
-              <a:ext uri="{FF2B5EF4-FFF2-40B4-BE49-F238E27FC236}">
-                <a16:creationId xmlns:a16="http://schemas.microsoft.com/office/drawing/2014/main" id="{487876C1-5711-4854-ADA2-BB5857A9B9B4}"/>
-              </a:ext>
-            </a:extLst>
-          </p:cNvPr>
+          <p:cNvPr id="18" name="Straight Arrow Connector 17"/>
           <p:cNvCxnSpPr>
+            <a:cxnSpLocks/>
             <a:stCxn id="2" idx="3"/>
             <a:endCxn id="37" idx="1"/>
           </p:cNvCxnSpPr>
           <p:nvPr/>
         </p:nvCxnSpPr>
-        <p:spPr>
+        <p:spPr bwMode="auto">
           <a:xfrm flipV="1">
             <a:off x="1788317" y="4872424"/>
             <a:ext cx="2700333" cy="39946"/>
@@ -7244,13 +6763,7 @@
       </p:cxnSp>
       <p:cxnSp>
         <p:nvCxnSpPr>
-          <p:cNvPr id="21" name="Straight Arrow Connector 20">
-            <a:extLst>
-              <a:ext uri="{FF2B5EF4-FFF2-40B4-BE49-F238E27FC236}">
-                <a16:creationId xmlns:a16="http://schemas.microsoft.com/office/drawing/2014/main" id="{C32968A2-112D-4638-BF89-598CE8AC01BB}"/>
-              </a:ext>
-            </a:extLst>
-          </p:cNvPr>
+          <p:cNvPr id="21" name="Straight Arrow Connector 20"/>
           <p:cNvCxnSpPr>
             <a:cxnSpLocks/>
             <a:stCxn id="37" idx="3"/>
@@ -7258,7 +6771,7 @@
           </p:cNvCxnSpPr>
           <p:nvPr/>
         </p:nvCxnSpPr>
-        <p:spPr>
+        <p:spPr bwMode="auto">
           <a:xfrm flipV="1">
             <a:off x="5960263" y="4857751"/>
             <a:ext cx="3831436" cy="14673"/>
@@ -7290,19 +6803,14 @@
       </p:cxnSp>
       <p:cxnSp>
         <p:nvCxnSpPr>
-          <p:cNvPr id="26" name="Straight Arrow Connector 25">
-            <a:extLst>
-              <a:ext uri="{FF2B5EF4-FFF2-40B4-BE49-F238E27FC236}">
-                <a16:creationId xmlns:a16="http://schemas.microsoft.com/office/drawing/2014/main" id="{2A527058-4868-4576-B27B-72EDA6767192}"/>
-              </a:ext>
-            </a:extLst>
-          </p:cNvPr>
+          <p:cNvPr id="26" name="Straight Arrow Connector 25"/>
           <p:cNvCxnSpPr>
+            <a:cxnSpLocks/>
             <a:stCxn id="50" idx="2"/>
           </p:cNvCxnSpPr>
           <p:nvPr/>
         </p:nvCxnSpPr>
-        <p:spPr>
+        <p:spPr bwMode="auto">
           <a:xfrm>
             <a:off x="10772774" y="5805488"/>
             <a:ext cx="0" cy="404813"/>
@@ -7334,17 +6842,11 @@
       </p:cxnSp>
       <p:sp>
         <p:nvSpPr>
-          <p:cNvPr id="27" name="Rectangle 26">
-            <a:extLst>
-              <a:ext uri="{FF2B5EF4-FFF2-40B4-BE49-F238E27FC236}">
-                <a16:creationId xmlns:a16="http://schemas.microsoft.com/office/drawing/2014/main" id="{94FD5AA0-5E0D-472B-9F12-BFCF8984990F}"/>
-              </a:ext>
-            </a:extLst>
-          </p:cNvPr>
+          <p:cNvPr id="27" name="Rectangle 26"/>
           <p:cNvSpPr/>
           <p:nvPr/>
         </p:nvSpPr>
-        <p:spPr>
+        <p:spPr bwMode="auto">
           <a:xfrm>
             <a:off x="9925049" y="6210301"/>
             <a:ext cx="1485900" cy="542925"/>
@@ -7381,24 +6883,20 @@
           <a:bodyPr rtlCol="0" anchor="ctr"/>
           <a:lstStyle/>
           <a:p>
-            <a:pPr algn="ctr"/>
+            <a:pPr algn="ctr">
+              <a:defRPr/>
+            </a:pPr>
             <a:endParaRPr lang="en-US"/>
           </a:p>
         </p:txBody>
       </p:sp>
       <p:sp>
         <p:nvSpPr>
-          <p:cNvPr id="33" name="TextBox 32">
-            <a:extLst>
-              <a:ext uri="{FF2B5EF4-FFF2-40B4-BE49-F238E27FC236}">
-                <a16:creationId xmlns:a16="http://schemas.microsoft.com/office/drawing/2014/main" id="{F4F52083-CA5B-400F-AA62-3D511575B93E}"/>
-              </a:ext>
-            </a:extLst>
-          </p:cNvPr>
+          <p:cNvPr id="33" name="TextBox 32"/>
           <p:cNvSpPr txBox="1"/>
           <p:nvPr/>
         </p:nvSpPr>
-        <p:spPr>
+        <p:spPr bwMode="auto">
           <a:xfrm>
             <a:off x="9991724" y="6174123"/>
             <a:ext cx="1352550" cy="646331"/>
@@ -7414,30 +6912,28 @@
           </a:bodyPr>
           <a:lstStyle/>
           <a:p>
-            <a:r>
-              <a:rPr lang="en-US" b="1" dirty="0">
+            <a:pPr>
+              <a:defRPr/>
+            </a:pPr>
+            <a:r>
+              <a:rPr lang="en-US" b="1">
                 <a:solidFill>
                   <a:schemeClr val="bg1"/>
                 </a:solidFill>
               </a:rPr>
               <a:t>forecasting method</a:t>
             </a:r>
-          </a:p>
-        </p:txBody>
-      </p:sp>
-      <p:sp>
-        <p:nvSpPr>
-          <p:cNvPr id="10" name="TextBox 9">
-            <a:extLst>
-              <a:ext uri="{FF2B5EF4-FFF2-40B4-BE49-F238E27FC236}">
-                <a16:creationId xmlns:a16="http://schemas.microsoft.com/office/drawing/2014/main" id="{3524BB3E-8025-48D2-9F68-40BC9636F369}"/>
-              </a:ext>
-            </a:extLst>
-          </p:cNvPr>
+            <a:endParaRPr/>
+          </a:p>
+        </p:txBody>
+      </p:sp>
+      <p:sp>
+        <p:nvSpPr>
+          <p:cNvPr id="10" name="TextBox 9"/>
           <p:cNvSpPr txBox="1"/>
           <p:nvPr/>
         </p:nvSpPr>
-        <p:spPr>
+        <p:spPr bwMode="auto">
           <a:xfrm>
             <a:off x="2595565" y="223668"/>
             <a:ext cx="1609720" cy="369332"/>
@@ -7453,26 +6949,24 @@
           </a:bodyPr>
           <a:lstStyle/>
           <a:p>
-            <a:r>
-              <a:rPr lang="en-US" dirty="0"/>
+            <a:pPr>
+              <a:defRPr/>
+            </a:pPr>
+            <a:r>
+              <a:rPr lang="en-US"/>
               <a:t>reference set</a:t>
             </a:r>
-          </a:p>
-        </p:txBody>
-      </p:sp>
-      <p:sp>
-        <p:nvSpPr>
-          <p:cNvPr id="45" name="Rectangle 44">
-            <a:extLst>
-              <a:ext uri="{FF2B5EF4-FFF2-40B4-BE49-F238E27FC236}">
-                <a16:creationId xmlns:a16="http://schemas.microsoft.com/office/drawing/2014/main" id="{B096087A-E633-48C6-BE7F-6FD05CA29447}"/>
-              </a:ext>
-            </a:extLst>
-          </p:cNvPr>
+            <a:endParaRPr/>
+          </a:p>
+        </p:txBody>
+      </p:sp>
+      <p:sp>
+        <p:nvSpPr>
+          <p:cNvPr id="45" name="Rectangle 44"/>
           <p:cNvSpPr/>
           <p:nvPr/>
         </p:nvSpPr>
-        <p:spPr>
+        <p:spPr bwMode="auto">
           <a:xfrm>
             <a:off x="6885320" y="1299593"/>
             <a:ext cx="1242505" cy="566656"/>
@@ -7504,24 +6998,20 @@
           <a:bodyPr rtlCol="0" anchor="ctr"/>
           <a:lstStyle/>
           <a:p>
-            <a:pPr algn="ctr"/>
+            <a:pPr algn="ctr">
+              <a:defRPr/>
+            </a:pPr>
             <a:endParaRPr lang="en-US"/>
           </a:p>
         </p:txBody>
       </p:sp>
       <p:sp>
         <p:nvSpPr>
-          <p:cNvPr id="57" name="TextBox 56">
-            <a:extLst>
-              <a:ext uri="{FF2B5EF4-FFF2-40B4-BE49-F238E27FC236}">
-                <a16:creationId xmlns:a16="http://schemas.microsoft.com/office/drawing/2014/main" id="{F1AF2F00-7240-43C9-8576-6826A2E53A37}"/>
-              </a:ext>
-            </a:extLst>
-          </p:cNvPr>
+          <p:cNvPr id="57" name="TextBox 56"/>
           <p:cNvSpPr txBox="1"/>
           <p:nvPr/>
         </p:nvSpPr>
-        <p:spPr>
+        <p:spPr bwMode="auto">
           <a:xfrm>
             <a:off x="6975559" y="1299592"/>
             <a:ext cx="1369256" cy="369332"/>
@@ -7537,33 +7027,31 @@
           </a:bodyPr>
           <a:lstStyle/>
           <a:p>
-            <a:r>
-              <a:rPr lang="en-US" b="1" dirty="0">
+            <a:pPr>
+              <a:defRPr/>
+            </a:pPr>
+            <a:r>
+              <a:rPr lang="en-US" b="1">
                 <a:solidFill>
                   <a:schemeClr val="bg1"/>
                 </a:solidFill>
               </a:rPr>
               <a:t>fit models</a:t>
             </a:r>
-          </a:p>
-        </p:txBody>
-      </p:sp>
-      <p:sp>
-        <p:nvSpPr>
-          <p:cNvPr id="60" name="Rectangle 59">
-            <a:extLst>
-              <a:ext uri="{FF2B5EF4-FFF2-40B4-BE49-F238E27FC236}">
-                <a16:creationId xmlns:a16="http://schemas.microsoft.com/office/drawing/2014/main" id="{CB20FE32-DA01-4CDD-B840-37108AA6B32A}"/>
-              </a:ext>
-            </a:extLst>
-          </p:cNvPr>
+            <a:endParaRPr/>
+          </a:p>
+        </p:txBody>
+      </p:sp>
+      <p:sp>
+        <p:nvSpPr>
+          <p:cNvPr id="60" name="Rectangle 59"/>
           <p:cNvSpPr/>
           <p:nvPr/>
         </p:nvSpPr>
-        <p:spPr>
+        <p:spPr bwMode="auto">
           <a:xfrm>
             <a:off x="8499901" y="2187312"/>
-            <a:ext cx="1162050" cy="733425"/>
+            <a:ext cx="1162050" cy="733424"/>
           </a:xfrm>
           <a:prstGeom prst="rect">
             <a:avLst/>
@@ -7592,24 +7080,20 @@
           <a:bodyPr rtlCol="0" anchor="ctr"/>
           <a:lstStyle/>
           <a:p>
-            <a:pPr algn="ctr"/>
+            <a:pPr algn="ctr">
+              <a:defRPr/>
+            </a:pPr>
             <a:endParaRPr lang="en-US"/>
           </a:p>
         </p:txBody>
       </p:sp>
       <p:sp>
         <p:nvSpPr>
-          <p:cNvPr id="61" name="TextBox 60">
-            <a:extLst>
-              <a:ext uri="{FF2B5EF4-FFF2-40B4-BE49-F238E27FC236}">
-                <a16:creationId xmlns:a16="http://schemas.microsoft.com/office/drawing/2014/main" id="{84E32220-FE4A-4A9F-AC2F-8F32CF154BA9}"/>
-              </a:ext>
-            </a:extLst>
-          </p:cNvPr>
+          <p:cNvPr id="61" name="TextBox 60"/>
           <p:cNvSpPr txBox="1"/>
           <p:nvPr/>
         </p:nvSpPr>
-        <p:spPr>
+        <p:spPr bwMode="auto">
           <a:xfrm>
             <a:off x="9095417" y="3238500"/>
             <a:ext cx="870501" cy="369332"/>
@@ -7625,30 +7109,28 @@
           </a:bodyPr>
           <a:lstStyle/>
           <a:p>
-            <a:r>
-              <a:rPr lang="en-US" b="1" dirty="0">
+            <a:pPr>
+              <a:defRPr/>
+            </a:pPr>
+            <a:r>
+              <a:rPr lang="en-US" b="1">
                 <a:solidFill>
                   <a:schemeClr val="bg1"/>
                 </a:solidFill>
               </a:rPr>
               <a:t>label</a:t>
             </a:r>
-          </a:p>
-        </p:txBody>
-      </p:sp>
-      <p:sp>
-        <p:nvSpPr>
-          <p:cNvPr id="62" name="TextBox 61">
-            <a:extLst>
-              <a:ext uri="{FF2B5EF4-FFF2-40B4-BE49-F238E27FC236}">
-                <a16:creationId xmlns:a16="http://schemas.microsoft.com/office/drawing/2014/main" id="{504E8D90-7073-4CC0-89C7-F5363692511B}"/>
-              </a:ext>
-            </a:extLst>
-          </p:cNvPr>
+            <a:endParaRPr/>
+          </a:p>
+        </p:txBody>
+      </p:sp>
+      <p:sp>
+        <p:nvSpPr>
+          <p:cNvPr id="62" name="TextBox 61"/>
           <p:cNvSpPr txBox="1"/>
           <p:nvPr/>
         </p:nvSpPr>
-        <p:spPr>
+        <p:spPr bwMode="auto">
           <a:xfrm>
             <a:off x="6748582" y="2268638"/>
             <a:ext cx="1683200" cy="646331"/>
@@ -7664,36 +7146,34 @@
           </a:bodyPr>
           <a:lstStyle/>
           <a:p>
-            <a:r>
-              <a:rPr lang="en-US" b="1" dirty="0">
+            <a:pPr>
+              <a:defRPr/>
+            </a:pPr>
+            <a:r>
+              <a:rPr lang="en-US" b="1">
                 <a:solidFill>
                   <a:schemeClr val="bg1"/>
                 </a:solidFill>
               </a:rPr>
               <a:t>identify “best” model</a:t>
             </a:r>
+            <a:endParaRPr/>
           </a:p>
         </p:txBody>
       </p:sp>
       <p:cxnSp>
         <p:nvCxnSpPr>
-          <p:cNvPr id="65" name="Straight Connector 64">
-            <a:extLst>
-              <a:ext uri="{FF2B5EF4-FFF2-40B4-BE49-F238E27FC236}">
-                <a16:creationId xmlns:a16="http://schemas.microsoft.com/office/drawing/2014/main" id="{B17D9329-3168-47D2-B079-2122063A6FBE}"/>
-              </a:ext>
-            </a:extLst>
-          </p:cNvPr>
+          <p:cNvPr id="65" name="Straight Connector 64"/>
           <p:cNvCxnSpPr>
             <a:cxnSpLocks/>
             <a:stCxn id="31" idx="2"/>
           </p:cNvCxnSpPr>
           <p:nvPr/>
         </p:nvCxnSpPr>
-        <p:spPr>
+        <p:spPr bwMode="auto">
           <a:xfrm>
             <a:off x="5705478" y="1073793"/>
-            <a:ext cx="0" cy="456211"/>
+            <a:ext cx="0" cy="456210"/>
           </a:xfrm>
           <a:prstGeom prst="line">
             <a:avLst/>
@@ -7721,19 +7201,14 @@
       </p:cxnSp>
       <p:cxnSp>
         <p:nvCxnSpPr>
-          <p:cNvPr id="54" name="Straight Arrow Connector 53">
-            <a:extLst>
-              <a:ext uri="{FF2B5EF4-FFF2-40B4-BE49-F238E27FC236}">
-                <a16:creationId xmlns:a16="http://schemas.microsoft.com/office/drawing/2014/main" id="{17A3C256-1BC5-41BC-8AE2-930A39E1C98E}"/>
-              </a:ext>
-            </a:extLst>
-          </p:cNvPr>
+          <p:cNvPr id="54" name="Straight Arrow Connector 53"/>
           <p:cNvCxnSpPr>
+            <a:cxnSpLocks/>
             <a:stCxn id="60" idx="3"/>
           </p:cNvCxnSpPr>
           <p:nvPr/>
         </p:nvCxnSpPr>
-        <p:spPr>
+        <p:spPr bwMode="auto">
           <a:xfrm>
             <a:off x="9661951" y="2554025"/>
             <a:ext cx="329773" cy="8197"/>
@@ -7765,19 +7240,14 @@
       </p:cxnSp>
       <p:cxnSp>
         <p:nvCxnSpPr>
-          <p:cNvPr id="56" name="Straight Arrow Connector 55">
-            <a:extLst>
-              <a:ext uri="{FF2B5EF4-FFF2-40B4-BE49-F238E27FC236}">
-                <a16:creationId xmlns:a16="http://schemas.microsoft.com/office/drawing/2014/main" id="{06960468-7776-44E7-82B6-0C778445F265}"/>
-              </a:ext>
-            </a:extLst>
-          </p:cNvPr>
+          <p:cNvPr id="56" name="Straight Arrow Connector 55"/>
           <p:cNvCxnSpPr>
+            <a:cxnSpLocks/>
             <a:endCxn id="45" idx="1"/>
           </p:cNvCxnSpPr>
           <p:nvPr/>
         </p:nvCxnSpPr>
-        <p:spPr>
+        <p:spPr bwMode="auto">
           <a:xfrm>
             <a:off x="5714994" y="1582921"/>
             <a:ext cx="1170326" cy="0"/>
@@ -7809,22 +7279,17 @@
       </p:cxnSp>
       <p:cxnSp>
         <p:nvCxnSpPr>
-          <p:cNvPr id="69" name="Straight Arrow Connector 68">
-            <a:extLst>
-              <a:ext uri="{FF2B5EF4-FFF2-40B4-BE49-F238E27FC236}">
-                <a16:creationId xmlns:a16="http://schemas.microsoft.com/office/drawing/2014/main" id="{51A0714B-4158-44C5-A591-EBE8BFE4A6BA}"/>
-              </a:ext>
-            </a:extLst>
-          </p:cNvPr>
+          <p:cNvPr id="69" name="Straight Arrow Connector 68"/>
           <p:cNvCxnSpPr>
+            <a:cxnSpLocks/>
             <a:endCxn id="60" idx="1"/>
           </p:cNvCxnSpPr>
           <p:nvPr/>
         </p:nvCxnSpPr>
-        <p:spPr>
+        <p:spPr bwMode="auto">
           <a:xfrm>
             <a:off x="8304041" y="2554024"/>
-            <a:ext cx="195860" cy="1"/>
+            <a:ext cx="195859" cy="1"/>
           </a:xfrm>
           <a:prstGeom prst="straightConnector1">
             <a:avLst/>
@@ -7853,17 +7318,11 @@
       </p:cxnSp>
       <p:sp>
         <p:nvSpPr>
-          <p:cNvPr id="72" name="TextBox 71">
-            <a:extLst>
-              <a:ext uri="{FF2B5EF4-FFF2-40B4-BE49-F238E27FC236}">
-                <a16:creationId xmlns:a16="http://schemas.microsoft.com/office/drawing/2014/main" id="{97A6A80A-8E21-4DF1-9BA5-AA6C7B166877}"/>
-              </a:ext>
-            </a:extLst>
-          </p:cNvPr>
+          <p:cNvPr id="72" name="TextBox 71"/>
           <p:cNvSpPr txBox="1"/>
           <p:nvPr/>
         </p:nvSpPr>
-        <p:spPr>
+        <p:spPr bwMode="auto">
           <a:xfrm>
             <a:off x="8637973" y="2268638"/>
             <a:ext cx="975390" cy="646331"/>
@@ -7879,33 +7338,32 @@
           </a:bodyPr>
           <a:lstStyle/>
           <a:p>
-            <a:r>
-              <a:rPr lang="en-US" b="1" dirty="0">
+            <a:pPr>
+              <a:defRPr/>
+            </a:pPr>
+            <a:r>
+              <a:rPr lang="en-US" b="1">
                 <a:solidFill>
                   <a:schemeClr val="bg1"/>
                 </a:solidFill>
               </a:rPr>
               <a:t>output - labels</a:t>
             </a:r>
+            <a:endParaRPr/>
           </a:p>
         </p:txBody>
       </p:sp>
       <p:cxnSp>
         <p:nvCxnSpPr>
-          <p:cNvPr id="74" name="Straight Arrow Connector 73">
-            <a:extLst>
-              <a:ext uri="{FF2B5EF4-FFF2-40B4-BE49-F238E27FC236}">
-                <a16:creationId xmlns:a16="http://schemas.microsoft.com/office/drawing/2014/main" id="{2827E4B8-6F8A-45C7-962B-EB882C32E532}"/>
-              </a:ext>
-            </a:extLst>
-          </p:cNvPr>
+          <p:cNvPr id="74" name="Straight Arrow Connector 73"/>
           <p:cNvCxnSpPr>
+            <a:cxnSpLocks/>
             <a:stCxn id="45" idx="2"/>
             <a:endCxn id="39" idx="0"/>
           </p:cNvCxnSpPr>
           <p:nvPr/>
         </p:nvCxnSpPr>
-        <p:spPr>
+        <p:spPr bwMode="auto">
           <a:xfrm>
             <a:off x="7506573" y="1866249"/>
             <a:ext cx="3744" cy="353518"/>
@@ -7936,28 +7394,31 @@
         </p:style>
       </p:cxnSp>
     </p:spTree>
-    <p:extLst>
-      <p:ext uri="{BB962C8B-B14F-4D97-AF65-F5344CB8AC3E}">
-        <p14:creationId xmlns:p14="http://schemas.microsoft.com/office/powerpoint/2010/main" val="3659014254"/>
-      </p:ext>
-    </p:extLst>
   </p:cSld>
   <p:clrMapOvr>
     <a:masterClrMapping/>
   </p:clrMapOvr>
+  <mc:AlternateContent xmlns:mc="http://schemas.openxmlformats.org/markup-compatibility/2006">
+    <mc:Choice xmlns:p14="http://schemas.microsoft.com/office/powerpoint/2010/main" Requires="p14">
+      <p:transition p14:dur="2000" advClick="1"/>
+    </mc:Choice>
+    <mc:Fallback>
+      <p:transition advClick="1"/>
+    </mc:Fallback>
+  </mc:AlternateContent>
 </p:sld>
 </file>
 
 <file path=ppt/slides/slide4.xml><?xml version="1.0" encoding="utf-8"?>
-<p:sld xmlns:a="http://schemas.openxmlformats.org/drawingml/2006/main" xmlns:r="http://schemas.openxmlformats.org/officeDocument/2006/relationships" xmlns:p="http://schemas.openxmlformats.org/presentationml/2006/main">
-  <p:cSld>
+<p:sld xmlns:a="http://schemas.openxmlformats.org/drawingml/2006/main" xmlns:r="http://schemas.openxmlformats.org/officeDocument/2006/relationships" xmlns:p="http://schemas.openxmlformats.org/presentationml/2006/main" xmlns:m="http://schemas.openxmlformats.org/officeDocument/2006/math" xmlns:w="http://schemas.openxmlformats.org/wordprocessingml/2006/main" showMasterPhAnim="0" show="1">
+  <p:cSld name="">
     <p:spTree>
       <p:nvGrpSpPr>
         <p:cNvPr id="1" name=""/>
         <p:cNvGrpSpPr/>
         <p:nvPr/>
       </p:nvGrpSpPr>
-      <p:grpSpPr>
+      <p:grpSpPr bwMode="auto">
         <a:xfrm>
           <a:off x="0" y="0"/>
           <a:ext cx="0" cy="0"/>
@@ -7967,13 +7428,7 @@
       </p:grpSpPr>
       <p:pic>
         <p:nvPicPr>
-          <p:cNvPr id="4" name="Picture 3">
-            <a:extLst>
-              <a:ext uri="{FF2B5EF4-FFF2-40B4-BE49-F238E27FC236}">
-                <a16:creationId xmlns:a16="http://schemas.microsoft.com/office/drawing/2014/main" id="{93ABBA37-D04E-4810-8A6F-3BB62859802D}"/>
-              </a:ext>
-            </a:extLst>
-          </p:cNvPr>
+          <p:cNvPr id="4" name="Picture 3"/>
           <p:cNvPicPr>
             <a:picLocks noChangeAspect="1"/>
           </p:cNvPicPr>
@@ -7981,11 +7436,9 @@
         </p:nvPicPr>
         <p:blipFill>
           <a:blip r:embed="rId2"/>
-          <a:stretch>
-            <a:fillRect/>
-          </a:stretch>
+          <a:stretch/>
         </p:blipFill>
-        <p:spPr>
+        <p:spPr bwMode="auto">
           <a:xfrm>
             <a:off x="0" y="762000"/>
             <a:ext cx="7591425" cy="4555209"/>
@@ -7997,17 +7450,11 @@
       </p:pic>
       <p:grpSp>
         <p:nvGrpSpPr>
-          <p:cNvPr id="16" name="Group 15">
-            <a:extLst>
-              <a:ext uri="{FF2B5EF4-FFF2-40B4-BE49-F238E27FC236}">
-                <a16:creationId xmlns:a16="http://schemas.microsoft.com/office/drawing/2014/main" id="{01545269-B918-4A80-B1C4-0A37B37FDFB3}"/>
-              </a:ext>
-            </a:extLst>
-          </p:cNvPr>
+          <p:cNvPr id="16" name="Group 15"/>
           <p:cNvGrpSpPr/>
           <p:nvPr/>
         </p:nvGrpSpPr>
-        <p:grpSpPr>
+        <p:grpSpPr bwMode="auto">
           <a:xfrm>
             <a:off x="7315200" y="3524435"/>
             <a:ext cx="596144" cy="1020932"/>
@@ -8017,19 +7464,13 @@
         </p:grpSpPr>
         <p:cxnSp>
           <p:nvCxnSpPr>
-            <p:cNvPr id="6" name="Straight Connector 5">
-              <a:extLst>
-                <a:ext uri="{FF2B5EF4-FFF2-40B4-BE49-F238E27FC236}">
-                  <a16:creationId xmlns:a16="http://schemas.microsoft.com/office/drawing/2014/main" id="{5248CE07-5FE5-429F-838C-9903454F54AF}"/>
-                </a:ext>
-              </a:extLst>
-            </p:cNvPr>
+            <p:cNvPr id="6" name="Straight Connector 5"/>
             <p:cNvCxnSpPr>
               <a:cxnSpLocks/>
             </p:cNvCxnSpPr>
             <p:nvPr/>
           </p:nvCxnSpPr>
-          <p:spPr>
+          <p:spPr bwMode="auto">
             <a:xfrm>
               <a:off x="7322738" y="3989680"/>
               <a:ext cx="268687" cy="0"/>
@@ -8060,19 +7501,13 @@
         </p:cxnSp>
         <p:cxnSp>
           <p:nvCxnSpPr>
-            <p:cNvPr id="9" name="Straight Connector 8">
-              <a:extLst>
-                <a:ext uri="{FF2B5EF4-FFF2-40B4-BE49-F238E27FC236}">
-                  <a16:creationId xmlns:a16="http://schemas.microsoft.com/office/drawing/2014/main" id="{8FF00794-E85A-4054-BF24-8906AA78E42F}"/>
-                </a:ext>
-              </a:extLst>
-            </p:cNvPr>
+            <p:cNvPr id="9" name="Straight Connector 8"/>
             <p:cNvCxnSpPr>
               <a:cxnSpLocks/>
             </p:cNvCxnSpPr>
             <p:nvPr/>
           </p:nvCxnSpPr>
-          <p:spPr>
+          <p:spPr bwMode="auto">
             <a:xfrm>
               <a:off x="7591425" y="3524435"/>
               <a:ext cx="0" cy="1020932"/>
@@ -8103,19 +7538,13 @@
         </p:cxnSp>
         <p:cxnSp>
           <p:nvCxnSpPr>
-            <p:cNvPr id="12" name="Straight Arrow Connector 11">
-              <a:extLst>
-                <a:ext uri="{FF2B5EF4-FFF2-40B4-BE49-F238E27FC236}">
-                  <a16:creationId xmlns:a16="http://schemas.microsoft.com/office/drawing/2014/main" id="{1BD8DD26-789B-4EA3-A362-E2A6D0067284}"/>
-                </a:ext>
-              </a:extLst>
-            </p:cNvPr>
+            <p:cNvPr id="12" name="Straight Arrow Connector 11"/>
             <p:cNvCxnSpPr>
               <a:cxnSpLocks/>
             </p:cNvCxnSpPr>
             <p:nvPr/>
           </p:nvCxnSpPr>
-          <p:spPr>
+          <p:spPr bwMode="auto">
             <a:xfrm>
               <a:off x="7591425" y="3524435"/>
               <a:ext cx="327457" cy="0"/>
@@ -8147,17 +7576,13 @@
         </p:cxnSp>
         <p:cxnSp>
           <p:nvCxnSpPr>
-            <p:cNvPr id="14" name="Straight Arrow Connector 13">
-              <a:extLst>
-                <a:ext uri="{FF2B5EF4-FFF2-40B4-BE49-F238E27FC236}">
-                  <a16:creationId xmlns:a16="http://schemas.microsoft.com/office/drawing/2014/main" id="{8F6F50D8-5118-44CF-9C38-DC03B6938675}"/>
-                </a:ext>
-              </a:extLst>
-            </p:cNvPr>
-            <p:cNvCxnSpPr/>
+            <p:cNvPr id="14" name="Straight Arrow Connector 13"/>
+            <p:cNvCxnSpPr>
+              <a:cxnSpLocks/>
+            </p:cNvCxnSpPr>
             <p:nvPr/>
           </p:nvCxnSpPr>
-          <p:spPr>
+          <p:spPr bwMode="auto">
             <a:xfrm>
               <a:off x="7591425" y="4545367"/>
               <a:ext cx="327457" cy="0"/>
@@ -8190,17 +7615,11 @@
       </p:grpSp>
       <p:sp>
         <p:nvSpPr>
-          <p:cNvPr id="18" name="Rectangle 17">
-            <a:extLst>
-              <a:ext uri="{FF2B5EF4-FFF2-40B4-BE49-F238E27FC236}">
-                <a16:creationId xmlns:a16="http://schemas.microsoft.com/office/drawing/2014/main" id="{57CC7B79-66A8-436A-8CB2-4B44F54846F0}"/>
-              </a:ext>
-            </a:extLst>
-          </p:cNvPr>
+          <p:cNvPr id="18" name="Rectangle 17"/>
           <p:cNvSpPr/>
           <p:nvPr/>
         </p:nvSpPr>
-        <p:spPr>
+        <p:spPr bwMode="auto">
           <a:xfrm>
             <a:off x="7911344" y="3302493"/>
             <a:ext cx="824283" cy="541533"/>
@@ -8237,24 +7656,20 @@
           <a:bodyPr rtlCol="0" anchor="ctr"/>
           <a:lstStyle/>
           <a:p>
-            <a:pPr algn="ctr"/>
-            <a:endParaRPr lang="en-US" dirty="0"/>
-          </a:p>
-        </p:txBody>
-      </p:sp>
-      <p:sp>
-        <p:nvSpPr>
-          <p:cNvPr id="19" name="Rectangle 18">
-            <a:extLst>
-              <a:ext uri="{FF2B5EF4-FFF2-40B4-BE49-F238E27FC236}">
-                <a16:creationId xmlns:a16="http://schemas.microsoft.com/office/drawing/2014/main" id="{734E75D3-CF0E-4A54-8BCB-DF6157E4D555}"/>
-              </a:ext>
-            </a:extLst>
-          </p:cNvPr>
+            <a:pPr algn="ctr">
+              <a:defRPr/>
+            </a:pPr>
+            <a:endParaRPr lang="en-US"/>
+          </a:p>
+        </p:txBody>
+      </p:sp>
+      <p:sp>
+        <p:nvSpPr>
+          <p:cNvPr id="19" name="Rectangle 18"/>
           <p:cNvSpPr/>
           <p:nvPr/>
         </p:nvSpPr>
-        <p:spPr>
+        <p:spPr bwMode="auto">
           <a:xfrm>
             <a:off x="8948204" y="3302492"/>
             <a:ext cx="824283" cy="541533"/>
@@ -8291,7 +7706,9 @@
           <a:bodyPr rtlCol="0" anchor="ctr"/>
           <a:lstStyle/>
           <a:p>
-            <a:pPr algn="ctr"/>
+            <a:pPr algn="ctr">
+              <a:defRPr/>
+            </a:pPr>
             <a:endParaRPr lang="en-US">
               <a:solidFill>
                 <a:schemeClr val="tx1"/>
@@ -8302,17 +7719,11 @@
       </p:sp>
       <p:sp>
         <p:nvSpPr>
-          <p:cNvPr id="20" name="Rectangle 19">
-            <a:extLst>
-              <a:ext uri="{FF2B5EF4-FFF2-40B4-BE49-F238E27FC236}">
-                <a16:creationId xmlns:a16="http://schemas.microsoft.com/office/drawing/2014/main" id="{3BD9D24E-C43B-499E-80E6-A3098BDE2527}"/>
-              </a:ext>
-            </a:extLst>
-          </p:cNvPr>
+          <p:cNvPr id="20" name="Rectangle 19"/>
           <p:cNvSpPr/>
           <p:nvPr/>
         </p:nvSpPr>
-        <p:spPr>
+        <p:spPr bwMode="auto">
           <a:xfrm>
             <a:off x="10092406" y="3333565"/>
             <a:ext cx="824283" cy="541533"/>
@@ -8349,24 +7760,20 @@
           <a:bodyPr rtlCol="0" anchor="ctr"/>
           <a:lstStyle/>
           <a:p>
-            <a:pPr algn="ctr"/>
+            <a:pPr algn="ctr">
+              <a:defRPr/>
+            </a:pPr>
             <a:endParaRPr lang="en-US"/>
           </a:p>
         </p:txBody>
       </p:sp>
       <p:sp>
         <p:nvSpPr>
-          <p:cNvPr id="21" name="Rectangle 20">
-            <a:extLst>
-              <a:ext uri="{FF2B5EF4-FFF2-40B4-BE49-F238E27FC236}">
-                <a16:creationId xmlns:a16="http://schemas.microsoft.com/office/drawing/2014/main" id="{4855407A-5241-4A29-BC26-511242C74ECB}"/>
-              </a:ext>
-            </a:extLst>
-          </p:cNvPr>
+          <p:cNvPr id="21" name="Rectangle 20"/>
           <p:cNvSpPr/>
           <p:nvPr/>
         </p:nvSpPr>
-        <p:spPr>
+        <p:spPr bwMode="auto">
           <a:xfrm>
             <a:off x="7911343" y="4274601"/>
             <a:ext cx="1570008" cy="738664"/>
@@ -8403,7 +7810,9 @@
           <a:bodyPr rtlCol="0" anchor="ctr"/>
           <a:lstStyle/>
           <a:p>
-            <a:pPr algn="ctr"/>
+            <a:pPr algn="ctr">
+              <a:defRPr/>
+            </a:pPr>
             <a:endParaRPr lang="en-US">
               <a:solidFill>
                 <a:schemeClr val="tx1"/>
@@ -8414,17 +7823,11 @@
       </p:sp>
       <p:sp>
         <p:nvSpPr>
-          <p:cNvPr id="22" name="Rectangle 21">
-            <a:extLst>
-              <a:ext uri="{FF2B5EF4-FFF2-40B4-BE49-F238E27FC236}">
-                <a16:creationId xmlns:a16="http://schemas.microsoft.com/office/drawing/2014/main" id="{FB9D2C07-0EB2-43F8-BEA5-408E983CC0AA}"/>
-              </a:ext>
-            </a:extLst>
-          </p:cNvPr>
+          <p:cNvPr id="22" name="Rectangle 21"/>
           <p:cNvSpPr/>
           <p:nvPr/>
         </p:nvSpPr>
-        <p:spPr>
+        <p:spPr bwMode="auto">
           <a:xfrm>
             <a:off x="10067006" y="4283756"/>
             <a:ext cx="1144201" cy="1264221"/>
@@ -8461,26 +7864,22 @@
           <a:bodyPr rtlCol="0" anchor="ctr"/>
           <a:lstStyle/>
           <a:p>
-            <a:pPr algn="ctr"/>
+            <a:pPr algn="ctr">
+              <a:defRPr/>
+            </a:pPr>
             <a:endParaRPr lang="en-US"/>
           </a:p>
         </p:txBody>
       </p:sp>
       <p:cxnSp>
         <p:nvCxnSpPr>
-          <p:cNvPr id="24" name="Straight Arrow Connector 23">
-            <a:extLst>
-              <a:ext uri="{FF2B5EF4-FFF2-40B4-BE49-F238E27FC236}">
-                <a16:creationId xmlns:a16="http://schemas.microsoft.com/office/drawing/2014/main" id="{48017E3C-7D85-4985-9AC7-554118E040DE}"/>
-              </a:ext>
-            </a:extLst>
-          </p:cNvPr>
+          <p:cNvPr id="24" name="Straight Arrow Connector 23"/>
           <p:cNvCxnSpPr>
             <a:cxnSpLocks/>
           </p:cNvCxnSpPr>
           <p:nvPr/>
         </p:nvCxnSpPr>
-        <p:spPr>
+        <p:spPr bwMode="auto">
           <a:xfrm flipV="1">
             <a:off x="8735627" y="3524435"/>
             <a:ext cx="212577" cy="1"/>
@@ -8512,19 +7911,13 @@
       </p:cxnSp>
       <p:cxnSp>
         <p:nvCxnSpPr>
-          <p:cNvPr id="27" name="Straight Arrow Connector 26">
-            <a:extLst>
-              <a:ext uri="{FF2B5EF4-FFF2-40B4-BE49-F238E27FC236}">
-                <a16:creationId xmlns:a16="http://schemas.microsoft.com/office/drawing/2014/main" id="{40D8BB63-11B8-405B-83F2-4DF34F46EBE4}"/>
-              </a:ext>
-            </a:extLst>
-          </p:cNvPr>
+          <p:cNvPr id="27" name="Straight Arrow Connector 26"/>
           <p:cNvCxnSpPr>
             <a:cxnSpLocks/>
           </p:cNvCxnSpPr>
           <p:nvPr/>
         </p:nvCxnSpPr>
-        <p:spPr>
+        <p:spPr bwMode="auto">
           <a:xfrm>
             <a:off x="9772487" y="3524435"/>
             <a:ext cx="319919" cy="0"/>
@@ -8556,19 +7949,13 @@
       </p:cxnSp>
       <p:cxnSp>
         <p:nvCxnSpPr>
-          <p:cNvPr id="29" name="Straight Arrow Connector 28">
-            <a:extLst>
-              <a:ext uri="{FF2B5EF4-FFF2-40B4-BE49-F238E27FC236}">
-                <a16:creationId xmlns:a16="http://schemas.microsoft.com/office/drawing/2014/main" id="{6476F725-BA76-4576-A48C-297E1247953B}"/>
-              </a:ext>
-            </a:extLst>
-          </p:cNvPr>
+          <p:cNvPr id="29" name="Straight Arrow Connector 28"/>
           <p:cNvCxnSpPr>
             <a:cxnSpLocks/>
           </p:cNvCxnSpPr>
           <p:nvPr/>
         </p:nvCxnSpPr>
-        <p:spPr>
+        <p:spPr bwMode="auto">
           <a:xfrm flipV="1">
             <a:off x="9461768" y="4594190"/>
             <a:ext cx="611055" cy="1"/>
@@ -8600,17 +7987,11 @@
       </p:cxnSp>
       <p:grpSp>
         <p:nvGrpSpPr>
-          <p:cNvPr id="35" name="Group 34">
-            <a:extLst>
-              <a:ext uri="{FF2B5EF4-FFF2-40B4-BE49-F238E27FC236}">
-                <a16:creationId xmlns:a16="http://schemas.microsoft.com/office/drawing/2014/main" id="{6CF531C7-02ED-42F5-A9F6-997EFFE86C90}"/>
-              </a:ext>
-            </a:extLst>
-          </p:cNvPr>
+          <p:cNvPr id="35" name="Group 34"/>
           <p:cNvGrpSpPr/>
           <p:nvPr/>
         </p:nvGrpSpPr>
-        <p:grpSpPr>
+        <p:grpSpPr bwMode="auto">
           <a:xfrm>
             <a:off x="4643022" y="464598"/>
             <a:ext cx="5789694" cy="594803"/>
@@ -8620,17 +8001,13 @@
         </p:grpSpPr>
         <p:cxnSp>
           <p:nvCxnSpPr>
-            <p:cNvPr id="32" name="Straight Connector 31">
-              <a:extLst>
-                <a:ext uri="{FF2B5EF4-FFF2-40B4-BE49-F238E27FC236}">
-                  <a16:creationId xmlns:a16="http://schemas.microsoft.com/office/drawing/2014/main" id="{ECEE1319-B255-4F6F-A3B5-CC6C9313E68F}"/>
-                </a:ext>
-              </a:extLst>
-            </p:cNvPr>
-            <p:cNvCxnSpPr/>
+            <p:cNvPr id="32" name="Straight Connector 31"/>
+            <p:cNvCxnSpPr>
+              <a:cxnSpLocks/>
+            </p:cNvCxnSpPr>
             <p:nvPr/>
           </p:nvCxnSpPr>
-          <p:spPr>
+          <p:spPr bwMode="auto">
             <a:xfrm>
               <a:off x="4643022" y="464598"/>
               <a:ext cx="0" cy="594803"/>
@@ -8661,17 +8038,13 @@
         </p:cxnSp>
         <p:cxnSp>
           <p:nvCxnSpPr>
-            <p:cNvPr id="34" name="Straight Connector 33">
-              <a:extLst>
-                <a:ext uri="{FF2B5EF4-FFF2-40B4-BE49-F238E27FC236}">
-                  <a16:creationId xmlns:a16="http://schemas.microsoft.com/office/drawing/2014/main" id="{8D466793-3362-4537-90EA-77DA13D45BAD}"/>
-                </a:ext>
-              </a:extLst>
-            </p:cNvPr>
-            <p:cNvCxnSpPr/>
+            <p:cNvPr id="34" name="Straight Connector 33"/>
+            <p:cNvCxnSpPr>
+              <a:cxnSpLocks/>
+            </p:cNvCxnSpPr>
             <p:nvPr/>
           </p:nvCxnSpPr>
-          <p:spPr>
+          <p:spPr bwMode="auto">
             <a:xfrm>
               <a:off x="4643022" y="464598"/>
               <a:ext cx="5789694" cy="0"/>
@@ -8703,19 +8076,13 @@
       </p:grpSp>
       <p:cxnSp>
         <p:nvCxnSpPr>
-          <p:cNvPr id="37" name="Straight Arrow Connector 36">
-            <a:extLst>
-              <a:ext uri="{FF2B5EF4-FFF2-40B4-BE49-F238E27FC236}">
-                <a16:creationId xmlns:a16="http://schemas.microsoft.com/office/drawing/2014/main" id="{EA6FEF10-7FF0-43C8-90BD-07086E200BD8}"/>
-              </a:ext>
-            </a:extLst>
-          </p:cNvPr>
+          <p:cNvPr id="37" name="Straight Arrow Connector 36"/>
           <p:cNvCxnSpPr>
             <a:cxnSpLocks/>
           </p:cNvCxnSpPr>
           <p:nvPr/>
         </p:nvCxnSpPr>
-        <p:spPr>
+        <p:spPr bwMode="auto">
           <a:xfrm>
             <a:off x="10432716" y="464598"/>
             <a:ext cx="0" cy="698377"/>
@@ -8747,17 +8114,11 @@
       </p:cxnSp>
       <p:sp>
         <p:nvSpPr>
-          <p:cNvPr id="39" name="Rectangle 38">
-            <a:extLst>
-              <a:ext uri="{FF2B5EF4-FFF2-40B4-BE49-F238E27FC236}">
-                <a16:creationId xmlns:a16="http://schemas.microsoft.com/office/drawing/2014/main" id="{1476271F-DAD6-4ABA-A4A0-2C126609346C}"/>
-              </a:ext>
-            </a:extLst>
-          </p:cNvPr>
+          <p:cNvPr id="39" name="Rectangle 38"/>
           <p:cNvSpPr/>
           <p:nvPr/>
         </p:nvSpPr>
-        <p:spPr>
+        <p:spPr bwMode="auto">
           <a:xfrm>
             <a:off x="9772487" y="1162975"/>
             <a:ext cx="1413322" cy="923277"/>
@@ -8794,24 +8155,20 @@
           <a:bodyPr rtlCol="0" anchor="ctr"/>
           <a:lstStyle/>
           <a:p>
-            <a:pPr algn="ctr"/>
+            <a:pPr algn="ctr">
+              <a:defRPr/>
+            </a:pPr>
             <a:endParaRPr lang="en-US"/>
           </a:p>
         </p:txBody>
       </p:sp>
       <p:sp>
         <p:nvSpPr>
-          <p:cNvPr id="53" name="TextBox 52">
-            <a:extLst>
-              <a:ext uri="{FF2B5EF4-FFF2-40B4-BE49-F238E27FC236}">
-                <a16:creationId xmlns:a16="http://schemas.microsoft.com/office/drawing/2014/main" id="{77493E3D-B2FA-4CA6-802C-C205BF2AC873}"/>
-              </a:ext>
-            </a:extLst>
-          </p:cNvPr>
+          <p:cNvPr id="53" name="TextBox 52"/>
           <p:cNvSpPr txBox="1"/>
           <p:nvPr/>
         </p:nvSpPr>
-        <p:spPr>
+        <p:spPr bwMode="auto">
           <a:xfrm>
             <a:off x="8030078" y="3333565"/>
             <a:ext cx="771260" cy="461665"/>
@@ -8830,26 +8187,24 @@
           </a:bodyPr>
           <a:lstStyle/>
           <a:p>
-            <a:r>
-              <a:rPr lang="en-US" sz="1200" b="1" dirty="0"/>
+            <a:pPr>
+              <a:defRPr/>
+            </a:pPr>
+            <a:r>
+              <a:rPr lang="en-US" sz="1200" b="1"/>
               <a:t>OOB sample</a:t>
             </a:r>
-          </a:p>
-        </p:txBody>
-      </p:sp>
-      <p:sp>
-        <p:nvSpPr>
-          <p:cNvPr id="54" name="TextBox 53">
-            <a:extLst>
-              <a:ext uri="{FF2B5EF4-FFF2-40B4-BE49-F238E27FC236}">
-                <a16:creationId xmlns:a16="http://schemas.microsoft.com/office/drawing/2014/main" id="{1BA7E2A2-3DF8-4F7A-AABF-63AA6405A718}"/>
-              </a:ext>
-            </a:extLst>
-          </p:cNvPr>
+            <a:endParaRPr/>
+          </a:p>
+        </p:txBody>
+      </p:sp>
+      <p:sp>
+        <p:nvSpPr>
+          <p:cNvPr id="54" name="TextBox 53"/>
           <p:cNvSpPr txBox="1"/>
           <p:nvPr/>
         </p:nvSpPr>
-        <p:spPr>
+        <p:spPr bwMode="auto">
           <a:xfrm>
             <a:off x="9001227" y="3329120"/>
             <a:ext cx="771260" cy="461665"/>
@@ -8865,28 +8220,26 @@
           </a:bodyPr>
           <a:lstStyle/>
           <a:p>
-            <a:r>
-              <a:rPr lang="en-US" sz="1200" b="1" dirty="0"/>
+            <a:pPr>
+              <a:defRPr/>
+            </a:pPr>
+            <a:r>
+              <a:rPr lang="en-US" sz="1200" b="1"/>
               <a:t>vote matrix</a:t>
             </a:r>
-          </a:p>
-        </p:txBody>
-      </p:sp>
-      <p:sp>
-        <p:nvSpPr>
-          <p:cNvPr id="55" name="TextBox 54">
-            <a:extLst>
-              <a:ext uri="{FF2B5EF4-FFF2-40B4-BE49-F238E27FC236}">
-                <a16:creationId xmlns:a16="http://schemas.microsoft.com/office/drawing/2014/main" id="{7926FDC1-02DC-406C-815E-062585EE3EB3}"/>
-              </a:ext>
-            </a:extLst>
-          </p:cNvPr>
+            <a:endParaRPr/>
+          </a:p>
+        </p:txBody>
+      </p:sp>
+      <p:sp>
+        <p:nvSpPr>
+          <p:cNvPr id="55" name="TextBox 54"/>
           <p:cNvSpPr txBox="1"/>
           <p:nvPr/>
         </p:nvSpPr>
-        <p:spPr>
-          <a:xfrm>
-            <a:off x="10038330" y="3342425"/>
+        <p:spPr bwMode="auto">
+          <a:xfrm>
+            <a:off x="10038329" y="3342425"/>
             <a:ext cx="932435" cy="461665"/>
           </a:xfrm>
           <a:prstGeom prst="rect">
@@ -8900,30 +8253,28 @@
           </a:bodyPr>
           <a:lstStyle/>
           <a:p>
-            <a:pPr algn="ctr"/>
-            <a:r>
-              <a:rPr lang="en-US" sz="1200" b="1" dirty="0"/>
+            <a:pPr algn="ctr">
+              <a:defRPr/>
+            </a:pPr>
+            <a:r>
+              <a:rPr lang="en-US" sz="1200" b="1"/>
               <a:t>OOB predictions</a:t>
             </a:r>
+            <a:endParaRPr/>
           </a:p>
         </p:txBody>
       </p:sp>
       <p:cxnSp>
         <p:nvCxnSpPr>
-          <p:cNvPr id="57" name="Straight Arrow Connector 56">
-            <a:extLst>
-              <a:ext uri="{FF2B5EF4-FFF2-40B4-BE49-F238E27FC236}">
-                <a16:creationId xmlns:a16="http://schemas.microsoft.com/office/drawing/2014/main" id="{54D52678-8000-48AD-8A90-9D97BFF72988}"/>
-              </a:ext>
-            </a:extLst>
-          </p:cNvPr>
+          <p:cNvPr id="57" name="Straight Arrow Connector 56"/>
           <p:cNvCxnSpPr>
+            <a:cxnSpLocks/>
             <a:stCxn id="55" idx="0"/>
             <a:endCxn id="39" idx="2"/>
           </p:cNvCxnSpPr>
           <p:nvPr/>
         </p:nvCxnSpPr>
-        <p:spPr>
+        <p:spPr bwMode="auto">
           <a:xfrm flipH="1" flipV="1">
             <a:off x="10479148" y="2086252"/>
             <a:ext cx="25400" cy="1256173"/>
@@ -8955,20 +8306,14 @@
       </p:cxnSp>
       <p:sp>
         <p:nvSpPr>
-          <p:cNvPr id="61" name="TextBox 60">
-            <a:extLst>
-              <a:ext uri="{FF2B5EF4-FFF2-40B4-BE49-F238E27FC236}">
-                <a16:creationId xmlns:a16="http://schemas.microsoft.com/office/drawing/2014/main" id="{36423855-32CC-4B5C-9263-0A7690F1A9F5}"/>
-              </a:ext>
-            </a:extLst>
-          </p:cNvPr>
+          <p:cNvPr id="61" name="TextBox 60"/>
           <p:cNvSpPr txBox="1"/>
           <p:nvPr/>
         </p:nvSpPr>
-        <p:spPr>
+        <p:spPr bwMode="auto">
           <a:xfrm>
             <a:off x="7903806" y="4283756"/>
-            <a:ext cx="1506523" cy="738664"/>
+            <a:ext cx="1506522" cy="738664"/>
           </a:xfrm>
           <a:prstGeom prst="rect">
             <a:avLst/>
@@ -8981,27 +8326,24 @@
           </a:bodyPr>
           <a:lstStyle/>
           <a:p>
-            <a:pPr algn="ctr"/>
-            <a:r>
-              <a:rPr lang="en-US" sz="1400" b="1" dirty="0"/>
+            <a:pPr algn="ctr">
+              <a:defRPr/>
+            </a:pPr>
+            <a:r>
+              <a:rPr lang="en-US" sz="1400" b="1"/>
               <a:t>machine learning interpretability tools </a:t>
             </a:r>
-          </a:p>
-        </p:txBody>
-      </p:sp>
-      <p:sp>
-        <p:nvSpPr>
-          <p:cNvPr id="67" name="TextBox 66">
-            <a:extLst>
-              <a:ext uri="{FF2B5EF4-FFF2-40B4-BE49-F238E27FC236}">
-                <a16:creationId xmlns:a16="http://schemas.microsoft.com/office/drawing/2014/main" id="{AB7F0C5C-C606-4807-8042-8A40B4E89434}"/>
-              </a:ext>
-            </a:extLst>
-          </p:cNvPr>
+            <a:endParaRPr/>
+          </a:p>
+        </p:txBody>
+      </p:sp>
+      <p:sp>
+        <p:nvSpPr>
+          <p:cNvPr id="67" name="TextBox 66"/>
           <p:cNvSpPr txBox="1"/>
           <p:nvPr/>
         </p:nvSpPr>
-        <p:spPr>
+        <p:spPr bwMode="auto">
           <a:xfrm>
             <a:off x="9797886" y="1310023"/>
             <a:ext cx="1413321" cy="523220"/>
@@ -9017,34 +8359,34 @@
           </a:bodyPr>
           <a:lstStyle/>
           <a:p>
-            <a:pPr algn="ctr"/>
-            <a:r>
-              <a:rPr lang="en-US" sz="1400" b="1" dirty="0"/>
+            <a:pPr algn="ctr">
+              <a:defRPr/>
+            </a:pPr>
+            <a:r>
+              <a:rPr lang="en-US" sz="1400" b="1"/>
               <a:t>2-d visualization</a:t>
             </a:r>
-          </a:p>
-          <a:p>
-            <a:pPr algn="ctr"/>
-            <a:r>
-              <a:rPr lang="en-US" sz="1400" b="1" dirty="0"/>
+            <a:endParaRPr/>
+          </a:p>
+          <a:p>
+            <a:pPr algn="ctr">
+              <a:defRPr/>
+            </a:pPr>
+            <a:r>
+              <a:rPr lang="en-US" sz="1400" b="1"/>
               <a:t>using PCA</a:t>
             </a:r>
-          </a:p>
-        </p:txBody>
-      </p:sp>
-      <p:sp>
-        <p:nvSpPr>
-          <p:cNvPr id="68" name="TextBox 67">
-            <a:extLst>
-              <a:ext uri="{FF2B5EF4-FFF2-40B4-BE49-F238E27FC236}">
-                <a16:creationId xmlns:a16="http://schemas.microsoft.com/office/drawing/2014/main" id="{8A5E583D-4C87-4A39-9363-13EB465CDB1B}"/>
-              </a:ext>
-            </a:extLst>
-          </p:cNvPr>
+            <a:endParaRPr/>
+          </a:p>
+        </p:txBody>
+      </p:sp>
+      <p:sp>
+        <p:nvSpPr>
+          <p:cNvPr id="68" name="TextBox 67"/>
           <p:cNvSpPr txBox="1"/>
           <p:nvPr/>
         </p:nvSpPr>
-        <p:spPr>
+        <p:spPr bwMode="auto">
           <a:xfrm>
             <a:off x="10092406" y="4331090"/>
             <a:ext cx="1144201" cy="1169551"/>
@@ -9060,34 +8402,45 @@
           </a:bodyPr>
           <a:lstStyle/>
           <a:p>
-            <a:r>
-              <a:rPr lang="en-US" sz="1400" b="1" dirty="0"/>
+            <a:pPr>
+              <a:defRPr/>
+            </a:pPr>
+            <a:r>
+              <a:rPr lang="en-US" sz="1400" b="1"/>
               <a:t>- feature importance</a:t>
             </a:r>
-          </a:p>
-          <a:p>
-            <a:r>
-              <a:rPr lang="en-US" sz="1400" b="1" dirty="0"/>
+            <a:endParaRPr/>
+          </a:p>
+          <a:p>
+            <a:pPr>
+              <a:defRPr/>
+            </a:pPr>
+            <a:r>
+              <a:rPr lang="en-US" sz="1400" b="1"/>
               <a:t>- partial dependence plots</a:t>
             </a:r>
+            <a:endParaRPr/>
           </a:p>
         </p:txBody>
       </p:sp>
     </p:spTree>
-    <p:extLst>
-      <p:ext uri="{BB962C8B-B14F-4D97-AF65-F5344CB8AC3E}">
-        <p14:creationId xmlns:p14="http://schemas.microsoft.com/office/powerpoint/2010/main" val="1935280491"/>
-      </p:ext>
-    </p:extLst>
   </p:cSld>
   <p:clrMapOvr>
     <a:masterClrMapping/>
   </p:clrMapOvr>
+  <mc:AlternateContent xmlns:mc="http://schemas.openxmlformats.org/markup-compatibility/2006">
+    <mc:Choice xmlns:p14="http://schemas.microsoft.com/office/powerpoint/2010/main" Requires="p14">
+      <p:transition p14:dur="2000" advClick="1"/>
+    </mc:Choice>
+    <mc:Fallback>
+      <p:transition advClick="1"/>
+    </mc:Fallback>
+  </mc:AlternateContent>
 </p:sld>
 </file>
 
 <file path=ppt/theme/theme1.xml><?xml version="1.0" encoding="utf-8"?>
-<a:theme xmlns:a="http://schemas.openxmlformats.org/drawingml/2006/main" name="Office Theme">
+<a:theme xmlns:a="http://schemas.openxmlformats.org/drawingml/2006/main" xmlns:r="http://schemas.openxmlformats.org/officeDocument/2006/relationships" xmlns:p="http://schemas.openxmlformats.org/presentationml/2006/main" name="Office Theme">
   <a:themeElements>
     <a:clrScheme name="Office">
       <a:dk1>
@@ -9129,108 +8482,14 @@
     </a:clrScheme>
     <a:fontScheme name="Office">
       <a:majorFont>
-        <a:latin typeface="Calibri Light" panose="020F0302020204030204"/>
-        <a:ea typeface=""/>
-        <a:cs typeface=""/>
-        <a:font script="Jpan" typeface="游ゴシック Light"/>
-        <a:font script="Hang" typeface="맑은 고딕"/>
-        <a:font script="Hans" typeface="等线 Light"/>
-        <a:font script="Hant" typeface="新細明體"/>
-        <a:font script="Arab" typeface="Times New Roman"/>
-        <a:font script="Hebr" typeface="Times New Roman"/>
-        <a:font script="Thai" typeface="Angsana New"/>
-        <a:font script="Ethi" typeface="Nyala"/>
-        <a:font script="Beng" typeface="Vrinda"/>
-        <a:font script="Gujr" typeface="Shruti"/>
-        <a:font script="Khmr" typeface="MoolBoran"/>
-        <a:font script="Knda" typeface="Tunga"/>
-        <a:font script="Guru" typeface="Raavi"/>
-        <a:font script="Cans" typeface="Euphemia"/>
-        <a:font script="Cher" typeface="Plantagenet Cherokee"/>
-        <a:font script="Yiii" typeface="Microsoft Yi Baiti"/>
-        <a:font script="Tibt" typeface="Microsoft Himalaya"/>
-        <a:font script="Thaa" typeface="MV Boli"/>
-        <a:font script="Deva" typeface="Mangal"/>
-        <a:font script="Telu" typeface="Gautami"/>
-        <a:font script="Taml" typeface="Latha"/>
-        <a:font script="Syrc" typeface="Estrangelo Edessa"/>
-        <a:font script="Orya" typeface="Kalinga"/>
-        <a:font script="Mlym" typeface="Kartika"/>
-        <a:font script="Laoo" typeface="DokChampa"/>
-        <a:font script="Sinh" typeface="Iskoola Pota"/>
-        <a:font script="Mong" typeface="Mongolian Baiti"/>
-        <a:font script="Viet" typeface="Times New Roman"/>
-        <a:font script="Uigh" typeface="Microsoft Uighur"/>
-        <a:font script="Geor" typeface="Sylfaen"/>
-        <a:font script="Armn" typeface="Arial"/>
-        <a:font script="Bugi" typeface="Leelawadee UI"/>
-        <a:font script="Bopo" typeface="Microsoft JhengHei"/>
-        <a:font script="Java" typeface="Javanese Text"/>
-        <a:font script="Lisu" typeface="Segoe UI"/>
-        <a:font script="Mymr" typeface="Myanmar Text"/>
-        <a:font script="Nkoo" typeface="Ebrima"/>
-        <a:font script="Olck" typeface="Nirmala UI"/>
-        <a:font script="Osma" typeface="Ebrima"/>
-        <a:font script="Phag" typeface="Phagspa"/>
-        <a:font script="Syrn" typeface="Estrangelo Edessa"/>
-        <a:font script="Syrj" typeface="Estrangelo Edessa"/>
-        <a:font script="Syre" typeface="Estrangelo Edessa"/>
-        <a:font script="Sora" typeface="Nirmala UI"/>
-        <a:font script="Tale" typeface="Microsoft Tai Le"/>
-        <a:font script="Talu" typeface="Microsoft New Tai Lue"/>
-        <a:font script="Tfng" typeface="Ebrima"/>
+        <a:latin typeface="Calibri Light"/>
+        <a:ea typeface="Arial"/>
+        <a:cs typeface="Arial"/>
       </a:majorFont>
       <a:minorFont>
-        <a:latin typeface="Calibri" panose="020F0502020204030204"/>
-        <a:ea typeface=""/>
-        <a:cs typeface=""/>
-        <a:font script="Jpan" typeface="游ゴシック"/>
-        <a:font script="Hang" typeface="맑은 고딕"/>
-        <a:font script="Hans" typeface="等线"/>
-        <a:font script="Hant" typeface="新細明體"/>
-        <a:font script="Arab" typeface="Arial"/>
-        <a:font script="Hebr" typeface="Arial"/>
-        <a:font script="Thai" typeface="Cordia New"/>
-        <a:font script="Ethi" typeface="Nyala"/>
-        <a:font script="Beng" typeface="Vrinda"/>
-        <a:font script="Gujr" typeface="Shruti"/>
-        <a:font script="Khmr" typeface="DaunPenh"/>
-        <a:font script="Knda" typeface="Tunga"/>
-        <a:font script="Guru" typeface="Raavi"/>
-        <a:font script="Cans" typeface="Euphemia"/>
-        <a:font script="Cher" typeface="Plantagenet Cherokee"/>
-        <a:font script="Yiii" typeface="Microsoft Yi Baiti"/>
-        <a:font script="Tibt" typeface="Microsoft Himalaya"/>
-        <a:font script="Thaa" typeface="MV Boli"/>
-        <a:font script="Deva" typeface="Mangal"/>
-        <a:font script="Telu" typeface="Gautami"/>
-        <a:font script="Taml" typeface="Latha"/>
-        <a:font script="Syrc" typeface="Estrangelo Edessa"/>
-        <a:font script="Orya" typeface="Kalinga"/>
-        <a:font script="Mlym" typeface="Kartika"/>
-        <a:font script="Laoo" typeface="DokChampa"/>
-        <a:font script="Sinh" typeface="Iskoola Pota"/>
-        <a:font script="Mong" typeface="Mongolian Baiti"/>
-        <a:font script="Viet" typeface="Arial"/>
-        <a:font script="Uigh" typeface="Microsoft Uighur"/>
-        <a:font script="Geor" typeface="Sylfaen"/>
-        <a:font script="Armn" typeface="Arial"/>
-        <a:font script="Bugi" typeface="Leelawadee UI"/>
-        <a:font script="Bopo" typeface="Microsoft JhengHei"/>
-        <a:font script="Java" typeface="Javanese Text"/>
-        <a:font script="Lisu" typeface="Segoe UI"/>
-        <a:font script="Mymr" typeface="Myanmar Text"/>
-        <a:font script="Nkoo" typeface="Ebrima"/>
-        <a:font script="Olck" typeface="Nirmala UI"/>
-        <a:font script="Osma" typeface="Ebrima"/>
-        <a:font script="Phag" typeface="Phagspa"/>
-        <a:font script="Syrn" typeface="Estrangelo Edessa"/>
-        <a:font script="Syrj" typeface="Estrangelo Edessa"/>
-        <a:font script="Syre" typeface="Estrangelo Edessa"/>
-        <a:font script="Sora" typeface="Nirmala UI"/>
-        <a:font script="Tale" typeface="Microsoft Tai Le"/>
-        <a:font script="Talu" typeface="Microsoft New Tai Lue"/>
-        <a:font script="Tfng" typeface="Ebrima"/>
+        <a:latin typeface="Calibri"/>
+        <a:ea typeface="Arial"/>
+        <a:cs typeface="Arial"/>
       </a:minorFont>
     </a:fontScheme>
     <a:fmtScheme name="Office">
@@ -9238,7 +8497,7 @@
         <a:solidFill>
           <a:schemeClr val="phClr"/>
         </a:solidFill>
-        <a:gradFill rotWithShape="1">
+        <a:gradFill>
           <a:gsLst>
             <a:gs pos="0">
               <a:schemeClr val="phClr">
@@ -9264,7 +8523,7 @@
           </a:gsLst>
           <a:lin ang="5400000" scaled="0"/>
         </a:gradFill>
-        <a:gradFill rotWithShape="1">
+        <a:gradFill>
           <a:gsLst>
             <a:gs pos="0">
               <a:schemeClr val="phClr">
@@ -9316,16 +8575,28 @@
       </a:lnStyleLst>
       <a:effectStyleLst>
         <a:effectStyle>
-          <a:effectLst/>
-        </a:effectStyle>
-        <a:effectStyle>
-          <a:effectLst/>
+          <a:effectLst>
+            <a:outerShdw blurRad="40000" dist="20000" dir="5400000" rotWithShape="0">
+              <a:srgbClr val="000000">
+                <a:alpha val="38000"/>
+              </a:srgbClr>
+            </a:outerShdw>
+          </a:effectLst>
         </a:effectStyle>
         <a:effectStyle>
           <a:effectLst>
-            <a:outerShdw blurRad="57150" dist="19050" dir="5400000" algn="ctr" rotWithShape="0">
+            <a:outerShdw blurRad="40000" dist="23000" dir="5400000" rotWithShape="0">
               <a:srgbClr val="000000">
-                <a:alpha val="63000"/>
+                <a:alpha val="35000"/>
+              </a:srgbClr>
+            </a:outerShdw>
+          </a:effectLst>
+        </a:effectStyle>
+        <a:effectStyle>
+          <a:effectLst>
+            <a:outerShdw blurRad="40000" dist="23000" dir="5400000" rotWithShape="0">
+              <a:srgbClr val="000000">
+                <a:alpha val="35000"/>
               </a:srgbClr>
             </a:outerShdw>
           </a:effectLst>
@@ -9341,7 +8612,7 @@
             <a:satMod val="170000"/>
           </a:schemeClr>
         </a:solidFill>
-        <a:gradFill rotWithShape="1">
+        <a:gradFill>
           <a:gsLst>
             <a:gs pos="0">
               <a:schemeClr val="phClr">
@@ -9372,11 +8643,5 @@
     </a:fmtScheme>
   </a:themeElements>
   <a:objectDefaults/>
-  <a:extraClrSchemeLst/>
-  <a:extLst>
-    <a:ext uri="{05A4C25C-085E-4340-85A3-A5531E510DB2}">
-      <thm15:themeFamily xmlns:thm15="http://schemas.microsoft.com/office/thememl/2012/main" name="Office Theme" id="{62F939B6-93AF-4DB8-9C6B-D6C7DFDC589F}" vid="{4A3C46E8-61CC-4603-A589-7422A47A8E4A}"/>
-    </a:ext>
-  </a:extLst>
 </a:theme>
 </file>